--- a/docs/cheat-sheet.pptx
+++ b/docs/cheat-sheet.pptx
@@ -6,6 +6,7 @@
   </p:sldMasterIdLst>
   <p:sldIdLst>
     <p:sldId id="256" r:id="rId2"/>
+    <p:sldId id="257" r:id="rId3"/>
   </p:sldIdLst>
   <p:sldSz cx="9906000" cy="6858000" type="A4"/>
   <p:notesSz cx="6858000" cy="9144000"/>
@@ -254,7 +255,7 @@
           <a:p>
             <a:fld id="{4346FDB3-09F2-4348-8F47-4013D9DCE7EC}" type="datetimeFigureOut">
               <a:rPr lang="bg-BG" smtClean="0"/>
-              <a:t>12.7.2022 г.</a:t>
+              <a:t>13.7.2022 г.</a:t>
             </a:fld>
             <a:endParaRPr lang="bg-BG"/>
           </a:p>
@@ -424,7 +425,7 @@
           <a:p>
             <a:fld id="{4346FDB3-09F2-4348-8F47-4013D9DCE7EC}" type="datetimeFigureOut">
               <a:rPr lang="bg-BG" smtClean="0"/>
-              <a:t>12.7.2022 г.</a:t>
+              <a:t>13.7.2022 г.</a:t>
             </a:fld>
             <a:endParaRPr lang="bg-BG"/>
           </a:p>
@@ -604,7 +605,7 @@
           <a:p>
             <a:fld id="{4346FDB3-09F2-4348-8F47-4013D9DCE7EC}" type="datetimeFigureOut">
               <a:rPr lang="bg-BG" smtClean="0"/>
-              <a:t>12.7.2022 г.</a:t>
+              <a:t>13.7.2022 г.</a:t>
             </a:fld>
             <a:endParaRPr lang="bg-BG"/>
           </a:p>
@@ -774,7 +775,7 @@
           <a:p>
             <a:fld id="{4346FDB3-09F2-4348-8F47-4013D9DCE7EC}" type="datetimeFigureOut">
               <a:rPr lang="bg-BG" smtClean="0"/>
-              <a:t>12.7.2022 г.</a:t>
+              <a:t>13.7.2022 г.</a:t>
             </a:fld>
             <a:endParaRPr lang="bg-BG"/>
           </a:p>
@@ -1018,7 +1019,7 @@
           <a:p>
             <a:fld id="{4346FDB3-09F2-4348-8F47-4013D9DCE7EC}" type="datetimeFigureOut">
               <a:rPr lang="bg-BG" smtClean="0"/>
-              <a:t>12.7.2022 г.</a:t>
+              <a:t>13.7.2022 г.</a:t>
             </a:fld>
             <a:endParaRPr lang="bg-BG"/>
           </a:p>
@@ -1250,7 +1251,7 @@
           <a:p>
             <a:fld id="{4346FDB3-09F2-4348-8F47-4013D9DCE7EC}" type="datetimeFigureOut">
               <a:rPr lang="bg-BG" smtClean="0"/>
-              <a:t>12.7.2022 г.</a:t>
+              <a:t>13.7.2022 г.</a:t>
             </a:fld>
             <a:endParaRPr lang="bg-BG"/>
           </a:p>
@@ -1617,7 +1618,7 @@
           <a:p>
             <a:fld id="{4346FDB3-09F2-4348-8F47-4013D9DCE7EC}" type="datetimeFigureOut">
               <a:rPr lang="bg-BG" smtClean="0"/>
-              <a:t>12.7.2022 г.</a:t>
+              <a:t>13.7.2022 г.</a:t>
             </a:fld>
             <a:endParaRPr lang="bg-BG"/>
           </a:p>
@@ -1735,7 +1736,7 @@
           <a:p>
             <a:fld id="{4346FDB3-09F2-4348-8F47-4013D9DCE7EC}" type="datetimeFigureOut">
               <a:rPr lang="bg-BG" smtClean="0"/>
-              <a:t>12.7.2022 г.</a:t>
+              <a:t>13.7.2022 г.</a:t>
             </a:fld>
             <a:endParaRPr lang="bg-BG"/>
           </a:p>
@@ -1830,7 +1831,7 @@
           <a:p>
             <a:fld id="{4346FDB3-09F2-4348-8F47-4013D9DCE7EC}" type="datetimeFigureOut">
               <a:rPr lang="bg-BG" smtClean="0"/>
-              <a:t>12.7.2022 г.</a:t>
+              <a:t>13.7.2022 г.</a:t>
             </a:fld>
             <a:endParaRPr lang="bg-BG"/>
           </a:p>
@@ -2107,7 +2108,7 @@
           <a:p>
             <a:fld id="{4346FDB3-09F2-4348-8F47-4013D9DCE7EC}" type="datetimeFigureOut">
               <a:rPr lang="bg-BG" smtClean="0"/>
-              <a:t>12.7.2022 г.</a:t>
+              <a:t>13.7.2022 г.</a:t>
             </a:fld>
             <a:endParaRPr lang="bg-BG"/>
           </a:p>
@@ -2364,7 +2365,7 @@
           <a:p>
             <a:fld id="{4346FDB3-09F2-4348-8F47-4013D9DCE7EC}" type="datetimeFigureOut">
               <a:rPr lang="bg-BG" smtClean="0"/>
-              <a:t>12.7.2022 г.</a:t>
+              <a:t>13.7.2022 г.</a:t>
             </a:fld>
             <a:endParaRPr lang="bg-BG"/>
           </a:p>
@@ -2577,7 +2578,7 @@
           <a:p>
             <a:fld id="{4346FDB3-09F2-4348-8F47-4013D9DCE7EC}" type="datetimeFigureOut">
               <a:rPr lang="bg-BG" smtClean="0"/>
-              <a:t>12.7.2022 г.</a:t>
+              <a:t>13.7.2022 г.</a:t>
             </a:fld>
             <a:endParaRPr lang="bg-BG"/>
           </a:p>
@@ -7259,7 +7260,7 @@
                   <a:schemeClr val="tx1"/>
                 </a:solidFill>
               </a:rPr>
-              <a:t>ROPERTIES	</a:t>
+              <a:t>PROPERTIES	</a:t>
             </a:r>
           </a:p>
           <a:p>
@@ -8219,6 +8220,4912 @@
     <p:extLst>
       <p:ext uri="{BB962C8B-B14F-4D97-AF65-F5344CB8AC3E}">
         <p14:creationId xmlns:p14="http://schemas.microsoft.com/office/powerpoint/2010/main" val="3615440478"/>
+      </p:ext>
+    </p:extLst>
+  </p:cSld>
+  <p:clrMapOvr>
+    <a:masterClrMapping/>
+  </p:clrMapOvr>
+</p:sld>
+</file>
+
+<file path=ppt/slides/slide2.xml><?xml version="1.0" encoding="utf-8"?>
+<p:sld xmlns:a="http://schemas.openxmlformats.org/drawingml/2006/main" xmlns:r="http://schemas.openxmlformats.org/officeDocument/2006/relationships" xmlns:p="http://schemas.openxmlformats.org/presentationml/2006/main">
+  <p:cSld>
+    <p:spTree>
+      <p:nvGrpSpPr>
+        <p:cNvPr id="1" name=""/>
+        <p:cNvGrpSpPr/>
+        <p:nvPr/>
+      </p:nvGrpSpPr>
+      <p:grpSpPr>
+        <a:xfrm>
+          <a:off x="0" y="0"/>
+          <a:ext cx="0" cy="0"/>
+          <a:chOff x="0" y="0"/>
+          <a:chExt cx="0" cy="0"/>
+        </a:xfrm>
+      </p:grpSpPr>
+      <p:sp>
+        <p:nvSpPr>
+          <p:cNvPr id="13" name="TextBox 12">
+            <a:extLst>
+              <a:ext uri="{FF2B5EF4-FFF2-40B4-BE49-F238E27FC236}">
+                <a16:creationId xmlns:a16="http://schemas.microsoft.com/office/drawing/2014/main" id="{8FEC8535-B52F-4CA0-82D9-92CEBB6E056E}"/>
+              </a:ext>
+            </a:extLst>
+          </p:cNvPr>
+          <p:cNvSpPr txBox="1"/>
+          <p:nvPr/>
+        </p:nvSpPr>
+        <p:spPr>
+          <a:xfrm>
+            <a:off x="152399" y="221001"/>
+            <a:ext cx="2496665" cy="2412990"/>
+          </a:xfrm>
+          <a:prstGeom prst="rect">
+            <a:avLst/>
+          </a:prstGeom>
+          <a:noFill/>
+          <a:ln w="3175">
+            <a:noFill/>
+          </a:ln>
+        </p:spPr>
+        <p:style>
+          <a:lnRef idx="2">
+            <a:schemeClr val="accent1">
+              <a:shade val="50000"/>
+            </a:schemeClr>
+          </a:lnRef>
+          <a:fillRef idx="1">
+            <a:schemeClr val="accent1"/>
+          </a:fillRef>
+          <a:effectRef idx="0">
+            <a:schemeClr val="accent1"/>
+          </a:effectRef>
+          <a:fontRef idx="minor">
+            <a:schemeClr val="lt1"/>
+          </a:fontRef>
+        </p:style>
+        <p:txBody>
+          <a:bodyPr rot="0" spcFirstLastPara="0" vertOverflow="overflow" horzOverflow="overflow" vert="horz" wrap="square" lIns="91440" tIns="45720" rIns="0" bIns="45720" numCol="1" spcCol="0" rtlCol="0" fromWordArt="0" anchor="t" anchorCtr="0" forceAA="0" compatLnSpc="1">
+            <a:prstTxWarp prst="textNoShape">
+              <a:avLst/>
+            </a:prstTxWarp>
+            <a:noAutofit/>
+          </a:bodyPr>
+          <a:lstStyle>
+            <a:defPPr>
+              <a:defRPr lang="en-US"/>
+            </a:defPPr>
+            <a:lvl1pPr>
+              <a:tabLst>
+                <a:tab pos="171450" algn="l"/>
+              </a:tabLst>
+              <a:defRPr sz="1000" b="1">
+                <a:solidFill>
+                  <a:schemeClr val="accent1"/>
+                </a:solidFill>
+                <a:latin typeface="Agency FB" panose="020B0503020202020204" pitchFamily="34" charset="0"/>
+              </a:defRPr>
+            </a:lvl1pPr>
+            <a:lvl2pPr>
+              <a:defRPr>
+                <a:solidFill>
+                  <a:schemeClr val="lt1"/>
+                </a:solidFill>
+              </a:defRPr>
+            </a:lvl2pPr>
+            <a:lvl3pPr>
+              <a:defRPr>
+                <a:solidFill>
+                  <a:schemeClr val="lt1"/>
+                </a:solidFill>
+              </a:defRPr>
+            </a:lvl3pPr>
+            <a:lvl4pPr>
+              <a:defRPr>
+                <a:solidFill>
+                  <a:schemeClr val="lt1"/>
+                </a:solidFill>
+              </a:defRPr>
+            </a:lvl4pPr>
+            <a:lvl5pPr>
+              <a:defRPr>
+                <a:solidFill>
+                  <a:schemeClr val="lt1"/>
+                </a:solidFill>
+              </a:defRPr>
+            </a:lvl5pPr>
+            <a:lvl6pPr>
+              <a:defRPr>
+                <a:solidFill>
+                  <a:schemeClr val="lt1"/>
+                </a:solidFill>
+              </a:defRPr>
+            </a:lvl6pPr>
+            <a:lvl7pPr>
+              <a:defRPr>
+                <a:solidFill>
+                  <a:schemeClr val="lt1"/>
+                </a:solidFill>
+              </a:defRPr>
+            </a:lvl7pPr>
+            <a:lvl8pPr>
+              <a:defRPr>
+                <a:solidFill>
+                  <a:schemeClr val="lt1"/>
+                </a:solidFill>
+              </a:defRPr>
+            </a:lvl8pPr>
+            <a:lvl9pPr>
+              <a:defRPr>
+                <a:solidFill>
+                  <a:schemeClr val="lt1"/>
+                </a:solidFill>
+              </a:defRPr>
+            </a:lvl9pPr>
+          </a:lstStyle>
+          <a:p>
+            <a:pPr>
+              <a:tabLst>
+                <a:tab pos="171450" algn="l"/>
+                <a:tab pos="2286000" algn="l"/>
+              </a:tabLst>
+            </a:pPr>
+            <a:r>
+              <a:rPr lang="en-GB" sz="1600" u="sng" dirty="0">
+                <a:solidFill>
+                  <a:srgbClr val="FF0000"/>
+                </a:solidFill>
+              </a:rPr>
+              <a:t>SIMPLE OBJECTS	 </a:t>
+            </a:r>
+          </a:p>
+          <a:p>
+            <a:r>
+              <a:rPr lang="en-GB" sz="1200" dirty="0">
+                <a:solidFill>
+                  <a:srgbClr val="FF0000"/>
+                </a:solidFill>
+              </a:rPr>
+              <a:t>circle </a:t>
+            </a:r>
+            <a:r>
+              <a:rPr lang="en-GB" sz="1200" b="0" dirty="0">
+                <a:solidFill>
+                  <a:srgbClr val="FF0000"/>
+                </a:solidFill>
+              </a:rPr>
+              <a:t>( </a:t>
+            </a:r>
+            <a:r>
+              <a:rPr lang="en-GB" sz="1200" b="0" dirty="0" err="1">
+                <a:solidFill>
+                  <a:srgbClr val="FF0000"/>
+                </a:solidFill>
+              </a:rPr>
+              <a:t>center</a:t>
+            </a:r>
+            <a:r>
+              <a:rPr lang="en-GB" sz="1200" b="0" dirty="0">
+                <a:solidFill>
+                  <a:srgbClr val="FF0000"/>
+                </a:solidFill>
+              </a:rPr>
+              <a:t>, size, </a:t>
+            </a:r>
+            <a:r>
+              <a:rPr lang="en-GB" sz="1200" b="0" dirty="0" err="1">
+                <a:solidFill>
+                  <a:srgbClr val="FF0000"/>
+                </a:solidFill>
+              </a:rPr>
+              <a:t>color</a:t>
+            </a:r>
+            <a:r>
+              <a:rPr lang="en-GB" sz="1200" b="0" dirty="0">
+                <a:solidFill>
+                  <a:srgbClr val="FF0000"/>
+                </a:solidFill>
+              </a:rPr>
+              <a:t> )</a:t>
+            </a:r>
+          </a:p>
+          <a:p>
+            <a:r>
+              <a:rPr lang="en-GB" sz="1200" dirty="0">
+                <a:solidFill>
+                  <a:srgbClr val="FF0000"/>
+                </a:solidFill>
+              </a:rPr>
+              <a:t>cone </a:t>
+            </a:r>
+            <a:r>
+              <a:rPr lang="en-GB" sz="1200" b="0" dirty="0">
+                <a:solidFill>
+                  <a:srgbClr val="FF0000"/>
+                </a:solidFill>
+              </a:rPr>
+              <a:t>( </a:t>
+            </a:r>
+            <a:r>
+              <a:rPr lang="en-GB" sz="1200" b="0" dirty="0" err="1">
+                <a:solidFill>
+                  <a:srgbClr val="FF0000"/>
+                </a:solidFill>
+              </a:rPr>
+              <a:t>center</a:t>
+            </a:r>
+            <a:r>
+              <a:rPr lang="en-GB" sz="1200" b="0" dirty="0">
+                <a:solidFill>
+                  <a:srgbClr val="FF0000"/>
+                </a:solidFill>
+              </a:rPr>
+              <a:t>, size, </a:t>
+            </a:r>
+            <a:r>
+              <a:rPr lang="en-GB" sz="1200" b="0" dirty="0" err="1">
+                <a:solidFill>
+                  <a:srgbClr val="FF0000"/>
+                </a:solidFill>
+              </a:rPr>
+              <a:t>color</a:t>
+            </a:r>
+            <a:r>
+              <a:rPr lang="en-GB" sz="1200" b="0" dirty="0">
+                <a:solidFill>
+                  <a:srgbClr val="FF0000"/>
+                </a:solidFill>
+              </a:rPr>
+              <a:t> )</a:t>
+            </a:r>
+          </a:p>
+          <a:p>
+            <a:r>
+              <a:rPr lang="en-GB" sz="1200" dirty="0">
+                <a:solidFill>
+                  <a:srgbClr val="FF0000"/>
+                </a:solidFill>
+              </a:rPr>
+              <a:t>cube </a:t>
+            </a:r>
+            <a:r>
+              <a:rPr lang="en-GB" sz="1200" b="0" dirty="0">
+                <a:solidFill>
+                  <a:srgbClr val="FF0000"/>
+                </a:solidFill>
+              </a:rPr>
+              <a:t>( </a:t>
+            </a:r>
+            <a:r>
+              <a:rPr lang="en-GB" sz="1200" b="0" dirty="0" err="1">
+                <a:solidFill>
+                  <a:srgbClr val="FF0000"/>
+                </a:solidFill>
+              </a:rPr>
+              <a:t>center</a:t>
+            </a:r>
+            <a:r>
+              <a:rPr lang="en-GB" sz="1200" b="0" dirty="0">
+                <a:solidFill>
+                  <a:srgbClr val="FF0000"/>
+                </a:solidFill>
+              </a:rPr>
+              <a:t>, size, </a:t>
+            </a:r>
+            <a:r>
+              <a:rPr lang="en-GB" sz="1200" b="0" dirty="0" err="1">
+                <a:solidFill>
+                  <a:srgbClr val="FF0000"/>
+                </a:solidFill>
+              </a:rPr>
+              <a:t>color</a:t>
+            </a:r>
+            <a:r>
+              <a:rPr lang="en-GB" sz="1200" b="0" dirty="0">
+                <a:solidFill>
+                  <a:srgbClr val="FF0000"/>
+                </a:solidFill>
+              </a:rPr>
+              <a:t> )</a:t>
+            </a:r>
+          </a:p>
+          <a:p>
+            <a:r>
+              <a:rPr lang="en-GB" sz="1200" dirty="0">
+                <a:solidFill>
+                  <a:srgbClr val="FF0000"/>
+                </a:solidFill>
+              </a:rPr>
+              <a:t>cylinder </a:t>
+            </a:r>
+            <a:r>
+              <a:rPr lang="en-GB" sz="1200" b="0" dirty="0">
+                <a:solidFill>
+                  <a:srgbClr val="FF0000"/>
+                </a:solidFill>
+              </a:rPr>
+              <a:t>( </a:t>
+            </a:r>
+            <a:r>
+              <a:rPr lang="en-GB" sz="1200" b="0" dirty="0" err="1">
+                <a:solidFill>
+                  <a:srgbClr val="FF0000"/>
+                </a:solidFill>
+              </a:rPr>
+              <a:t>center</a:t>
+            </a:r>
+            <a:r>
+              <a:rPr lang="en-GB" sz="1200" b="0" dirty="0">
+                <a:solidFill>
+                  <a:srgbClr val="FF0000"/>
+                </a:solidFill>
+              </a:rPr>
+              <a:t>, size, </a:t>
+            </a:r>
+            <a:r>
+              <a:rPr lang="en-GB" sz="1200" b="0" dirty="0" err="1">
+                <a:solidFill>
+                  <a:srgbClr val="FF0000"/>
+                </a:solidFill>
+              </a:rPr>
+              <a:t>color</a:t>
+            </a:r>
+            <a:r>
+              <a:rPr lang="en-GB" sz="1200" b="0" dirty="0">
+                <a:solidFill>
+                  <a:srgbClr val="FF0000"/>
+                </a:solidFill>
+              </a:rPr>
+              <a:t> )</a:t>
+            </a:r>
+          </a:p>
+          <a:p>
+            <a:r>
+              <a:rPr lang="en-GB" sz="1200" dirty="0">
+                <a:solidFill>
+                  <a:srgbClr val="FF0000"/>
+                </a:solidFill>
+              </a:rPr>
+              <a:t>line</a:t>
+            </a:r>
+            <a:r>
+              <a:rPr lang="en-GB" sz="1200" b="0" dirty="0">
+                <a:solidFill>
+                  <a:srgbClr val="FF0000"/>
+                </a:solidFill>
+              </a:rPr>
+              <a:t> ( from, to, </a:t>
+            </a:r>
+            <a:r>
+              <a:rPr lang="en-GB" sz="1200" b="0" dirty="0" err="1">
+                <a:solidFill>
+                  <a:srgbClr val="FF0000"/>
+                </a:solidFill>
+              </a:rPr>
+              <a:t>color</a:t>
+            </a:r>
+            <a:r>
+              <a:rPr lang="en-GB" sz="1200" b="0" dirty="0">
+                <a:solidFill>
+                  <a:srgbClr val="FF0000"/>
+                </a:solidFill>
+              </a:rPr>
+              <a:t> )</a:t>
+            </a:r>
+          </a:p>
+          <a:p>
+            <a:r>
+              <a:rPr lang="en-GB" sz="1200" dirty="0">
+                <a:solidFill>
+                  <a:srgbClr val="FF0000"/>
+                </a:solidFill>
+              </a:rPr>
+              <a:t>point</a:t>
+            </a:r>
+            <a:r>
+              <a:rPr lang="en-GB" sz="1200" b="0" dirty="0">
+                <a:solidFill>
+                  <a:srgbClr val="FF0000"/>
+                </a:solidFill>
+              </a:rPr>
+              <a:t> ( </a:t>
+            </a:r>
+            <a:r>
+              <a:rPr lang="en-GB" sz="1200" b="0" dirty="0" err="1">
+                <a:solidFill>
+                  <a:srgbClr val="FF0000"/>
+                </a:solidFill>
+              </a:rPr>
+              <a:t>center</a:t>
+            </a:r>
+            <a:r>
+              <a:rPr lang="en-GB" sz="1200" b="0" dirty="0">
+                <a:solidFill>
+                  <a:srgbClr val="FF0000"/>
+                </a:solidFill>
+              </a:rPr>
+              <a:t>, size, </a:t>
+            </a:r>
+            <a:r>
+              <a:rPr lang="en-GB" sz="1200" b="0" dirty="0" err="1">
+                <a:solidFill>
+                  <a:srgbClr val="FF0000"/>
+                </a:solidFill>
+              </a:rPr>
+              <a:t>color</a:t>
+            </a:r>
+            <a:r>
+              <a:rPr lang="en-GB" sz="1200" b="0" dirty="0">
+                <a:solidFill>
+                  <a:srgbClr val="FF0000"/>
+                </a:solidFill>
+              </a:rPr>
+              <a:t> )</a:t>
+            </a:r>
+          </a:p>
+          <a:p>
+            <a:r>
+              <a:rPr lang="en-GB" sz="1200" dirty="0">
+                <a:solidFill>
+                  <a:srgbClr val="FF0000"/>
+                </a:solidFill>
+              </a:rPr>
+              <a:t>polygon </a:t>
+            </a:r>
+            <a:r>
+              <a:rPr lang="en-GB" sz="1200" b="0" dirty="0">
+                <a:solidFill>
+                  <a:srgbClr val="FF0000"/>
+                </a:solidFill>
+              </a:rPr>
+              <a:t>( count, </a:t>
+            </a:r>
+            <a:r>
+              <a:rPr lang="en-GB" sz="1200" b="0" dirty="0" err="1">
+                <a:solidFill>
+                  <a:srgbClr val="FF0000"/>
+                </a:solidFill>
+              </a:rPr>
+              <a:t>center</a:t>
+            </a:r>
+            <a:r>
+              <a:rPr lang="en-GB" sz="1200" b="0" dirty="0">
+                <a:solidFill>
+                  <a:srgbClr val="FF0000"/>
+                </a:solidFill>
+              </a:rPr>
+              <a:t>, size, </a:t>
+            </a:r>
+            <a:r>
+              <a:rPr lang="en-GB" sz="1200" b="0" dirty="0" err="1">
+                <a:solidFill>
+                  <a:srgbClr val="FF0000"/>
+                </a:solidFill>
+              </a:rPr>
+              <a:t>color</a:t>
+            </a:r>
+            <a:r>
+              <a:rPr lang="en-GB" sz="1200" b="0" dirty="0">
+                <a:solidFill>
+                  <a:srgbClr val="FF0000"/>
+                </a:solidFill>
+              </a:rPr>
+              <a:t> )</a:t>
+            </a:r>
+          </a:p>
+          <a:p>
+            <a:r>
+              <a:rPr lang="en-GB" sz="1200" dirty="0">
+                <a:solidFill>
+                  <a:srgbClr val="FF0000"/>
+                </a:solidFill>
+              </a:rPr>
+              <a:t>prism </a:t>
+            </a:r>
+            <a:r>
+              <a:rPr lang="en-GB" sz="1200" b="0" dirty="0">
+                <a:solidFill>
+                  <a:srgbClr val="FF0000"/>
+                </a:solidFill>
+              </a:rPr>
+              <a:t>( count, </a:t>
+            </a:r>
+            <a:r>
+              <a:rPr lang="en-GB" sz="1200" b="0" dirty="0" err="1">
+                <a:solidFill>
+                  <a:srgbClr val="FF0000"/>
+                </a:solidFill>
+              </a:rPr>
+              <a:t>center</a:t>
+            </a:r>
+            <a:r>
+              <a:rPr lang="en-GB" sz="1200" b="0" dirty="0">
+                <a:solidFill>
+                  <a:srgbClr val="FF0000"/>
+                </a:solidFill>
+              </a:rPr>
+              <a:t>, size, </a:t>
+            </a:r>
+            <a:r>
+              <a:rPr lang="en-GB" sz="1200" b="0" dirty="0" err="1">
+                <a:solidFill>
+                  <a:srgbClr val="FF0000"/>
+                </a:solidFill>
+              </a:rPr>
+              <a:t>color</a:t>
+            </a:r>
+            <a:r>
+              <a:rPr lang="en-GB" sz="1200" b="0" dirty="0">
+                <a:solidFill>
+                  <a:srgbClr val="FF0000"/>
+                </a:solidFill>
+              </a:rPr>
+              <a:t> )</a:t>
+            </a:r>
+          </a:p>
+          <a:p>
+            <a:r>
+              <a:rPr lang="en-GB" sz="1200" dirty="0">
+                <a:solidFill>
+                  <a:srgbClr val="FF0000"/>
+                </a:solidFill>
+              </a:rPr>
+              <a:t>pyramid </a:t>
+            </a:r>
+            <a:r>
+              <a:rPr lang="en-GB" sz="1200" b="0" dirty="0">
+                <a:solidFill>
+                  <a:srgbClr val="FF0000"/>
+                </a:solidFill>
+              </a:rPr>
+              <a:t>( count, </a:t>
+            </a:r>
+            <a:r>
+              <a:rPr lang="en-GB" sz="1200" b="0" dirty="0" err="1">
+                <a:solidFill>
+                  <a:srgbClr val="FF0000"/>
+                </a:solidFill>
+              </a:rPr>
+              <a:t>center</a:t>
+            </a:r>
+            <a:r>
+              <a:rPr lang="en-GB" sz="1200" b="0" dirty="0">
+                <a:solidFill>
+                  <a:srgbClr val="FF0000"/>
+                </a:solidFill>
+              </a:rPr>
+              <a:t>, size, </a:t>
+            </a:r>
+            <a:r>
+              <a:rPr lang="en-GB" sz="1200" b="0" dirty="0" err="1">
+                <a:solidFill>
+                  <a:srgbClr val="FF0000"/>
+                </a:solidFill>
+              </a:rPr>
+              <a:t>color</a:t>
+            </a:r>
+            <a:r>
+              <a:rPr lang="en-GB" sz="1200" b="0" dirty="0">
+                <a:solidFill>
+                  <a:srgbClr val="FF0000"/>
+                </a:solidFill>
+              </a:rPr>
+              <a:t> )</a:t>
+            </a:r>
+          </a:p>
+          <a:p>
+            <a:r>
+              <a:rPr lang="en-GB" sz="1200" dirty="0">
+                <a:solidFill>
+                  <a:srgbClr val="FF0000"/>
+                </a:solidFill>
+              </a:rPr>
+              <a:t>sphere </a:t>
+            </a:r>
+            <a:r>
+              <a:rPr lang="en-GB" sz="1200" b="0" dirty="0">
+                <a:solidFill>
+                  <a:srgbClr val="FF0000"/>
+                </a:solidFill>
+              </a:rPr>
+              <a:t>( </a:t>
+            </a:r>
+            <a:r>
+              <a:rPr lang="en-GB" sz="1200" b="0" dirty="0" err="1">
+                <a:solidFill>
+                  <a:srgbClr val="FF0000"/>
+                </a:solidFill>
+              </a:rPr>
+              <a:t>center</a:t>
+            </a:r>
+            <a:r>
+              <a:rPr lang="en-GB" sz="1200" b="0" dirty="0">
+                <a:solidFill>
+                  <a:srgbClr val="FF0000"/>
+                </a:solidFill>
+              </a:rPr>
+              <a:t>, size, </a:t>
+            </a:r>
+            <a:r>
+              <a:rPr lang="en-GB" sz="1200" b="0" dirty="0" err="1">
+                <a:solidFill>
+                  <a:srgbClr val="FF0000"/>
+                </a:solidFill>
+              </a:rPr>
+              <a:t>color</a:t>
+            </a:r>
+            <a:r>
+              <a:rPr lang="en-GB" sz="1200" b="0" dirty="0">
+                <a:solidFill>
+                  <a:srgbClr val="FF0000"/>
+                </a:solidFill>
+              </a:rPr>
+              <a:t> )</a:t>
+            </a:r>
+          </a:p>
+          <a:p>
+            <a:r>
+              <a:rPr lang="en-GB" sz="1200" dirty="0">
+                <a:solidFill>
+                  <a:srgbClr val="FF0000"/>
+                </a:solidFill>
+              </a:rPr>
+              <a:t>square </a:t>
+            </a:r>
+            <a:r>
+              <a:rPr lang="en-GB" sz="1200" b="0" dirty="0">
+                <a:solidFill>
+                  <a:srgbClr val="FF0000"/>
+                </a:solidFill>
+              </a:rPr>
+              <a:t>( </a:t>
+            </a:r>
+            <a:r>
+              <a:rPr lang="en-GB" sz="1200" b="0" dirty="0" err="1">
+                <a:solidFill>
+                  <a:srgbClr val="FF0000"/>
+                </a:solidFill>
+              </a:rPr>
+              <a:t>center</a:t>
+            </a:r>
+            <a:r>
+              <a:rPr lang="en-GB" sz="1200" b="0" dirty="0">
+                <a:solidFill>
+                  <a:srgbClr val="FF0000"/>
+                </a:solidFill>
+              </a:rPr>
+              <a:t>, size, </a:t>
+            </a:r>
+            <a:r>
+              <a:rPr lang="en-GB" sz="1200" b="0" dirty="0" err="1">
+                <a:solidFill>
+                  <a:srgbClr val="FF0000"/>
+                </a:solidFill>
+              </a:rPr>
+              <a:t>color</a:t>
+            </a:r>
+            <a:r>
+              <a:rPr lang="en-GB" sz="1200" b="0" dirty="0">
+                <a:solidFill>
+                  <a:srgbClr val="FF0000"/>
+                </a:solidFill>
+              </a:rPr>
+              <a:t> )</a:t>
+            </a:r>
+            <a:endParaRPr lang="en-GB" sz="1200" dirty="0">
+              <a:solidFill>
+                <a:srgbClr val="FF0000"/>
+              </a:solidFill>
+            </a:endParaRPr>
+          </a:p>
+          <a:p>
+            <a:endParaRPr lang="en-GB" sz="1200" b="0" dirty="0">
+              <a:solidFill>
+                <a:srgbClr val="FF0000"/>
+              </a:solidFill>
+            </a:endParaRPr>
+          </a:p>
+        </p:txBody>
+      </p:sp>
+      <p:sp>
+        <p:nvSpPr>
+          <p:cNvPr id="20" name="TextBox 19">
+            <a:extLst>
+              <a:ext uri="{FF2B5EF4-FFF2-40B4-BE49-F238E27FC236}">
+                <a16:creationId xmlns:a16="http://schemas.microsoft.com/office/drawing/2014/main" id="{6427B927-C2BF-46AA-B727-FE069952F615}"/>
+              </a:ext>
+            </a:extLst>
+          </p:cNvPr>
+          <p:cNvSpPr txBox="1"/>
+          <p:nvPr/>
+        </p:nvSpPr>
+        <p:spPr>
+          <a:xfrm>
+            <a:off x="156169" y="2667000"/>
+            <a:ext cx="2489124" cy="4114800"/>
+          </a:xfrm>
+          <a:prstGeom prst="rect">
+            <a:avLst/>
+          </a:prstGeom>
+          <a:noFill/>
+          <a:ln w="3175">
+            <a:noFill/>
+          </a:ln>
+        </p:spPr>
+        <p:style>
+          <a:lnRef idx="2">
+            <a:schemeClr val="accent1">
+              <a:shade val="50000"/>
+            </a:schemeClr>
+          </a:lnRef>
+          <a:fillRef idx="1">
+            <a:schemeClr val="accent1"/>
+          </a:fillRef>
+          <a:effectRef idx="0">
+            <a:schemeClr val="accent1"/>
+          </a:effectRef>
+          <a:fontRef idx="minor">
+            <a:schemeClr val="lt1"/>
+          </a:fontRef>
+        </p:style>
+        <p:txBody>
+          <a:bodyPr rot="0" spcFirstLastPara="0" vertOverflow="overflow" horzOverflow="overflow" vert="horz" wrap="square" lIns="91440" tIns="45720" rIns="0" bIns="45720" numCol="1" spcCol="0" rtlCol="0" fromWordArt="0" anchor="t" anchorCtr="0" forceAA="0" compatLnSpc="1">
+            <a:prstTxWarp prst="textNoShape">
+              <a:avLst/>
+            </a:prstTxWarp>
+            <a:noAutofit/>
+          </a:bodyPr>
+          <a:lstStyle>
+            <a:defPPr>
+              <a:defRPr lang="en-US"/>
+            </a:defPPr>
+            <a:lvl1pPr>
+              <a:tabLst>
+                <a:tab pos="171450" algn="l"/>
+              </a:tabLst>
+              <a:defRPr sz="1000" b="1">
+                <a:solidFill>
+                  <a:schemeClr val="accent1"/>
+                </a:solidFill>
+                <a:latin typeface="Agency FB" panose="020B0503020202020204" pitchFamily="34" charset="0"/>
+              </a:defRPr>
+            </a:lvl1pPr>
+            <a:lvl2pPr>
+              <a:defRPr>
+                <a:solidFill>
+                  <a:schemeClr val="lt1"/>
+                </a:solidFill>
+              </a:defRPr>
+            </a:lvl2pPr>
+            <a:lvl3pPr>
+              <a:defRPr>
+                <a:solidFill>
+                  <a:schemeClr val="lt1"/>
+                </a:solidFill>
+              </a:defRPr>
+            </a:lvl3pPr>
+            <a:lvl4pPr>
+              <a:defRPr>
+                <a:solidFill>
+                  <a:schemeClr val="lt1"/>
+                </a:solidFill>
+              </a:defRPr>
+            </a:lvl4pPr>
+            <a:lvl5pPr>
+              <a:defRPr>
+                <a:solidFill>
+                  <a:schemeClr val="lt1"/>
+                </a:solidFill>
+              </a:defRPr>
+            </a:lvl5pPr>
+            <a:lvl6pPr>
+              <a:defRPr>
+                <a:solidFill>
+                  <a:schemeClr val="lt1"/>
+                </a:solidFill>
+              </a:defRPr>
+            </a:lvl6pPr>
+            <a:lvl7pPr>
+              <a:defRPr>
+                <a:solidFill>
+                  <a:schemeClr val="lt1"/>
+                </a:solidFill>
+              </a:defRPr>
+            </a:lvl7pPr>
+            <a:lvl8pPr>
+              <a:defRPr>
+                <a:solidFill>
+                  <a:schemeClr val="lt1"/>
+                </a:solidFill>
+              </a:defRPr>
+            </a:lvl8pPr>
+            <a:lvl9pPr>
+              <a:defRPr>
+                <a:solidFill>
+                  <a:schemeClr val="lt1"/>
+                </a:solidFill>
+              </a:defRPr>
+            </a:lvl9pPr>
+          </a:lstStyle>
+          <a:p>
+            <a:pPr>
+              <a:tabLst>
+                <a:tab pos="171450" algn="l"/>
+                <a:tab pos="2286000" algn="l"/>
+              </a:tabLst>
+            </a:pPr>
+            <a:r>
+              <a:rPr lang="en-GB" sz="1600" u="sng" dirty="0">
+                <a:solidFill>
+                  <a:srgbClr val="FF0000"/>
+                </a:solidFill>
+              </a:rPr>
+              <a:t>ADVANCED OBJECTS	 </a:t>
+            </a:r>
+          </a:p>
+          <a:p>
+            <a:pPr lvl="0"/>
+            <a:r>
+              <a:rPr lang="en-GB" sz="1200" dirty="0">
+                <a:solidFill>
+                  <a:srgbClr val="FF0000"/>
+                </a:solidFill>
+              </a:rPr>
+              <a:t>construct </a:t>
+            </a:r>
+            <a:r>
+              <a:rPr lang="en-GB" sz="1200" b="0" dirty="0">
+                <a:solidFill>
+                  <a:srgbClr val="FF0000"/>
+                </a:solidFill>
+              </a:rPr>
+              <a:t>( expression, size, </a:t>
+            </a:r>
+            <a:r>
+              <a:rPr lang="en-GB" sz="1200" b="0" dirty="0" err="1">
+                <a:solidFill>
+                  <a:srgbClr val="FF0000"/>
+                </a:solidFill>
+              </a:rPr>
+              <a:t>color</a:t>
+            </a:r>
+            <a:r>
+              <a:rPr lang="en-GB" sz="1200" b="0" dirty="0">
+                <a:solidFill>
+                  <a:srgbClr val="FF0000"/>
+                </a:solidFill>
+              </a:rPr>
+              <a:t> )</a:t>
+            </a:r>
+          </a:p>
+          <a:p>
+            <a:pPr lvl="0"/>
+            <a:r>
+              <a:rPr lang="en-GB" sz="1200" b="0" dirty="0">
+                <a:solidFill>
+                  <a:srgbClr val="FF0000"/>
+                </a:solidFill>
+              </a:rPr>
+              <a:t>	A+B, A-B, A*B, ( … )</a:t>
+            </a:r>
+          </a:p>
+          <a:p>
+            <a:pPr lvl="0"/>
+            <a:r>
+              <a:rPr lang="en-GB" sz="1200" dirty="0">
+                <a:solidFill>
+                  <a:srgbClr val="FF0000"/>
+                </a:solidFill>
+              </a:rPr>
+              <a:t>convex </a:t>
+            </a:r>
+            <a:r>
+              <a:rPr lang="en-GB" sz="1200" b="0" dirty="0">
+                <a:solidFill>
+                  <a:srgbClr val="FF0000"/>
+                </a:solidFill>
+              </a:rPr>
+              <a:t>( </a:t>
+            </a:r>
+            <a:r>
+              <a:rPr lang="en-GB" sz="1200" b="0" dirty="0" err="1">
+                <a:solidFill>
+                  <a:srgbClr val="FF0000"/>
+                </a:solidFill>
+              </a:rPr>
+              <a:t>src</a:t>
+            </a:r>
+            <a:r>
+              <a:rPr lang="en-GB" sz="1200" b="0" dirty="0">
+                <a:solidFill>
+                  <a:srgbClr val="FF0000"/>
+                </a:solidFill>
+              </a:rPr>
+              <a:t>, size, </a:t>
+            </a:r>
+            <a:r>
+              <a:rPr lang="en-GB" sz="1200" b="0" dirty="0" err="1">
+                <a:solidFill>
+                  <a:srgbClr val="FF0000"/>
+                </a:solidFill>
+              </a:rPr>
+              <a:t>color</a:t>
+            </a:r>
+            <a:r>
+              <a:rPr lang="en-GB" sz="1200" b="0" dirty="0">
+                <a:solidFill>
+                  <a:srgbClr val="FF0000"/>
+                </a:solidFill>
+              </a:rPr>
+              <a:t> )</a:t>
+            </a:r>
+          </a:p>
+          <a:p>
+            <a:pPr lvl="0"/>
+            <a:r>
+              <a:rPr lang="en-GB" sz="1200" dirty="0">
+                <a:solidFill>
+                  <a:srgbClr val="FF0000"/>
+                </a:solidFill>
+              </a:rPr>
+              <a:t>group</a:t>
+            </a:r>
+            <a:r>
+              <a:rPr lang="en-GB" sz="1200" b="0" dirty="0">
+                <a:solidFill>
+                  <a:srgbClr val="FF0000"/>
+                </a:solidFill>
+              </a:rPr>
+              <a:t> ( object, object, … )</a:t>
+            </a:r>
+          </a:p>
+          <a:p>
+            <a:pPr lvl="0"/>
+            <a:r>
+              <a:rPr lang="en-GB" sz="1200" b="0" dirty="0">
+                <a:solidFill>
+                  <a:srgbClr val="FF0000"/>
+                </a:solidFill>
+              </a:rPr>
+              <a:t>	.</a:t>
+            </a:r>
+            <a:r>
+              <a:rPr lang="en-GB" sz="1200" dirty="0">
+                <a:solidFill>
+                  <a:srgbClr val="FF0000"/>
+                </a:solidFill>
+              </a:rPr>
+              <a:t>add</a:t>
+            </a:r>
+            <a:r>
+              <a:rPr lang="en-GB" sz="1200" b="0" dirty="0">
+                <a:solidFill>
+                  <a:srgbClr val="FF0000"/>
+                </a:solidFill>
+              </a:rPr>
+              <a:t> ( object, object, … )</a:t>
+            </a:r>
+          </a:p>
+          <a:p>
+            <a:pPr lvl="0"/>
+            <a:r>
+              <a:rPr lang="en-GB" sz="1200" dirty="0">
+                <a:solidFill>
+                  <a:srgbClr val="FF0000"/>
+                </a:solidFill>
+              </a:rPr>
+              <a:t>model </a:t>
+            </a:r>
+            <a:r>
+              <a:rPr lang="en-GB" sz="1200" b="0" dirty="0">
+                <a:solidFill>
+                  <a:srgbClr val="FF0000"/>
+                </a:solidFill>
+              </a:rPr>
+              <a:t>( filename, </a:t>
+            </a:r>
+            <a:r>
+              <a:rPr lang="en-GB" sz="1200" b="0" dirty="0" err="1">
+                <a:solidFill>
+                  <a:srgbClr val="FF0000"/>
+                </a:solidFill>
+              </a:rPr>
+              <a:t>center</a:t>
+            </a:r>
+            <a:r>
+              <a:rPr lang="en-GB" sz="1200" b="0" dirty="0">
+                <a:solidFill>
+                  <a:srgbClr val="FF0000"/>
+                </a:solidFill>
+              </a:rPr>
+              <a:t>, size )</a:t>
+            </a:r>
+          </a:p>
+          <a:p>
+            <a:pPr lvl="0"/>
+            <a:r>
+              <a:rPr lang="en-GB" sz="1200" b="0" dirty="0">
+                <a:solidFill>
+                  <a:srgbClr val="FF0000"/>
+                </a:solidFill>
+              </a:rPr>
+              <a:t>	.</a:t>
+            </a:r>
+            <a:r>
+              <a:rPr lang="en-GB" sz="1200" dirty="0">
+                <a:solidFill>
+                  <a:srgbClr val="FF0000"/>
+                </a:solidFill>
+              </a:rPr>
+              <a:t>save</a:t>
+            </a:r>
+            <a:r>
+              <a:rPr lang="en-GB" sz="1200" b="0" dirty="0">
+                <a:solidFill>
+                  <a:srgbClr val="FF0000"/>
+                </a:solidFill>
+              </a:rPr>
+              <a:t> ( filename, [object, object, …] )</a:t>
+            </a:r>
+          </a:p>
+          <a:p>
+            <a:pPr lvl="0"/>
+            <a:r>
+              <a:rPr lang="en-GB" sz="1200" dirty="0">
+                <a:solidFill>
+                  <a:srgbClr val="FF0000"/>
+                </a:solidFill>
+              </a:rPr>
+              <a:t>surface </a:t>
+            </a:r>
+            <a:r>
+              <a:rPr lang="en-GB" sz="1200" b="0" dirty="0">
+                <a:solidFill>
+                  <a:srgbClr val="FF0000"/>
+                </a:solidFill>
+              </a:rPr>
+              <a:t>( </a:t>
+            </a:r>
+            <a:r>
+              <a:rPr lang="en-GB" sz="1200" b="0" dirty="0" err="1">
+                <a:solidFill>
+                  <a:srgbClr val="FF0000"/>
+                </a:solidFill>
+              </a:rPr>
+              <a:t>center</a:t>
+            </a:r>
+            <a:r>
+              <a:rPr lang="en-GB" sz="1200" b="0" dirty="0">
+                <a:solidFill>
+                  <a:srgbClr val="FF0000"/>
+                </a:solidFill>
+              </a:rPr>
+              <a:t>, curve, count, size, </a:t>
+            </a:r>
+            <a:r>
+              <a:rPr lang="en-GB" sz="1200" b="0" dirty="0" err="1">
+                <a:solidFill>
+                  <a:srgbClr val="FF0000"/>
+                </a:solidFill>
+              </a:rPr>
+              <a:t>color</a:t>
+            </a:r>
+            <a:r>
+              <a:rPr lang="en-GB" sz="1200" b="0" dirty="0">
+                <a:solidFill>
+                  <a:srgbClr val="FF0000"/>
+                </a:solidFill>
+              </a:rPr>
+              <a:t> )</a:t>
+            </a:r>
+          </a:p>
+          <a:p>
+            <a:pPr lvl="0"/>
+            <a:r>
+              <a:rPr lang="en-GB" sz="1200" dirty="0">
+                <a:solidFill>
+                  <a:srgbClr val="FF0000"/>
+                </a:solidFill>
+              </a:rPr>
+              <a:t>text3d</a:t>
+            </a:r>
+            <a:r>
+              <a:rPr lang="en-GB" sz="1200" b="0" dirty="0">
+                <a:solidFill>
+                  <a:srgbClr val="FF0000"/>
+                </a:solidFill>
+              </a:rPr>
+              <a:t> ( text, </a:t>
+            </a:r>
+            <a:r>
+              <a:rPr lang="en-GB" sz="1200" b="0" dirty="0" err="1">
+                <a:solidFill>
+                  <a:srgbClr val="FF0000"/>
+                </a:solidFill>
+              </a:rPr>
+              <a:t>fontname</a:t>
+            </a:r>
+            <a:r>
+              <a:rPr lang="en-GB" sz="1200" b="0" dirty="0">
+                <a:solidFill>
+                  <a:srgbClr val="FF0000"/>
+                </a:solidFill>
+              </a:rPr>
+              <a:t>, </a:t>
+            </a:r>
+            <a:r>
+              <a:rPr lang="en-GB" sz="1200" b="0" dirty="0" err="1">
+                <a:solidFill>
+                  <a:srgbClr val="FF0000"/>
+                </a:solidFill>
+              </a:rPr>
+              <a:t>center</a:t>
+            </a:r>
+            <a:r>
+              <a:rPr lang="en-GB" sz="1200" b="0" dirty="0">
+                <a:solidFill>
+                  <a:srgbClr val="FF0000"/>
+                </a:solidFill>
+              </a:rPr>
+              <a:t>, size, </a:t>
+            </a:r>
+            <a:r>
+              <a:rPr lang="en-GB" sz="1200" b="0" dirty="0" err="1">
+                <a:solidFill>
+                  <a:srgbClr val="FF0000"/>
+                </a:solidFill>
+              </a:rPr>
+              <a:t>color</a:t>
+            </a:r>
+            <a:r>
+              <a:rPr lang="en-GB" sz="1200" b="0" dirty="0">
+                <a:solidFill>
+                  <a:srgbClr val="FF0000"/>
+                </a:solidFill>
+              </a:rPr>
+              <a:t> )</a:t>
+            </a:r>
+          </a:p>
+          <a:p>
+            <a:pPr lvl="0"/>
+            <a:r>
+              <a:rPr lang="en-GB" sz="1200" dirty="0">
+                <a:solidFill>
+                  <a:srgbClr val="FF0000"/>
+                </a:solidFill>
+              </a:rPr>
+              <a:t>tube</a:t>
+            </a:r>
+            <a:r>
+              <a:rPr lang="en-GB" sz="1200" b="0" dirty="0">
+                <a:solidFill>
+                  <a:srgbClr val="FF0000"/>
+                </a:solidFill>
+              </a:rPr>
+              <a:t> ( </a:t>
+            </a:r>
+            <a:r>
+              <a:rPr lang="en-GB" sz="1200" b="0" dirty="0" err="1">
+                <a:solidFill>
+                  <a:srgbClr val="FF0000"/>
+                </a:solidFill>
+              </a:rPr>
+              <a:t>center</a:t>
+            </a:r>
+            <a:r>
+              <a:rPr lang="en-GB" sz="1200" b="0" dirty="0">
+                <a:solidFill>
+                  <a:srgbClr val="FF0000"/>
+                </a:solidFill>
+              </a:rPr>
+              <a:t>, curve, radius, count, size, </a:t>
+            </a:r>
+            <a:r>
+              <a:rPr lang="en-GB" sz="1200" b="0" dirty="0" err="1">
+                <a:solidFill>
+                  <a:srgbClr val="FF0000"/>
+                </a:solidFill>
+              </a:rPr>
+              <a:t>color</a:t>
+            </a:r>
+            <a:r>
+              <a:rPr lang="en-GB" sz="1200" b="0" dirty="0">
+                <a:solidFill>
+                  <a:srgbClr val="FF0000"/>
+                </a:solidFill>
+              </a:rPr>
+              <a:t> )</a:t>
+            </a:r>
+          </a:p>
+          <a:p>
+            <a:pPr lvl="0">
+              <a:spcBef>
+                <a:spcPts val="600"/>
+              </a:spcBef>
+            </a:pPr>
+            <a:r>
+              <a:rPr lang="en-GB" sz="1200" dirty="0">
+                <a:solidFill>
+                  <a:srgbClr val="FF0000"/>
+                </a:solidFill>
+              </a:rPr>
+              <a:t>spline </a:t>
+            </a:r>
+            <a:r>
+              <a:rPr lang="en-GB" sz="1200" b="0" dirty="0">
+                <a:solidFill>
+                  <a:srgbClr val="FF0000"/>
+                </a:solidFill>
+              </a:rPr>
+              <a:t>( </a:t>
+            </a:r>
+            <a:r>
+              <a:rPr lang="en-GB" sz="1200" b="0" dirty="0" err="1">
+                <a:solidFill>
+                  <a:srgbClr val="FF0000"/>
+                </a:solidFill>
+              </a:rPr>
+              <a:t>src</a:t>
+            </a:r>
+            <a:r>
+              <a:rPr lang="en-GB" sz="1200" b="0" dirty="0">
+                <a:solidFill>
+                  <a:srgbClr val="FF0000"/>
+                </a:solidFill>
+              </a:rPr>
+              <a:t>, closed, interpolating )</a:t>
+            </a:r>
+          </a:p>
+          <a:p>
+            <a:pPr lvl="0"/>
+            <a:r>
+              <a:rPr lang="en-GB" sz="1200" b="0" dirty="0">
+                <a:solidFill>
+                  <a:srgbClr val="FF0000"/>
+                </a:solidFill>
+              </a:rPr>
+              <a:t>	[ [</a:t>
+            </a:r>
+            <a:r>
+              <a:rPr lang="en-GB" sz="1200" b="0" dirty="0" err="1">
+                <a:solidFill>
+                  <a:srgbClr val="FF0000"/>
+                </a:solidFill>
+              </a:rPr>
+              <a:t>x,y,z</a:t>
+            </a:r>
+            <a:r>
+              <a:rPr lang="en-GB" sz="1200" b="0" dirty="0">
+                <a:solidFill>
+                  <a:srgbClr val="FF0000"/>
+                </a:solidFill>
+              </a:rPr>
+              <a:t>], … [</a:t>
+            </a:r>
+            <a:r>
+              <a:rPr lang="en-GB" sz="1200" b="0" dirty="0" err="1">
+                <a:solidFill>
+                  <a:srgbClr val="FF0000"/>
+                </a:solidFill>
+              </a:rPr>
+              <a:t>x,y,z</a:t>
+            </a:r>
+            <a:r>
+              <a:rPr lang="en-GB" sz="1200" b="0" dirty="0">
+                <a:solidFill>
+                  <a:srgbClr val="FF0000"/>
+                </a:solidFill>
+              </a:rPr>
+              <a:t>] ]</a:t>
+            </a:r>
+          </a:p>
+          <a:p>
+            <a:r>
+              <a:rPr lang="en-GB" sz="1200" dirty="0">
+                <a:solidFill>
+                  <a:srgbClr val="FF0000"/>
+                </a:solidFill>
+              </a:rPr>
+              <a:t>spline </a:t>
+            </a:r>
+            <a:r>
+              <a:rPr lang="en-GB" sz="1200" b="0" dirty="0">
+                <a:solidFill>
+                  <a:srgbClr val="FF0000"/>
+                </a:solidFill>
+              </a:rPr>
+              <a:t>( function, param1, param2 )</a:t>
+            </a:r>
+          </a:p>
+          <a:p>
+            <a:r>
+              <a:rPr lang="en-GB" sz="1200" b="0" dirty="0">
+                <a:solidFill>
+                  <a:srgbClr val="FF0000"/>
+                </a:solidFill>
+              </a:rPr>
+              <a:t>	</a:t>
+            </a:r>
+            <a:r>
+              <a:rPr lang="en-GB" sz="1200" b="0" dirty="0" err="1">
+                <a:solidFill>
+                  <a:srgbClr val="FF0000"/>
+                </a:solidFill>
+              </a:rPr>
+              <a:t>func</a:t>
+            </a:r>
+            <a:r>
+              <a:rPr lang="en-GB" sz="1200" b="0" dirty="0">
+                <a:solidFill>
+                  <a:srgbClr val="FF0000"/>
+                </a:solidFill>
+              </a:rPr>
+              <a:t> ( u, p1, p2)</a:t>
+            </a:r>
+          </a:p>
+          <a:p>
+            <a:pPr lvl="0"/>
+            <a:r>
+              <a:rPr lang="en-GB" sz="1200" dirty="0" err="1">
+                <a:solidFill>
+                  <a:srgbClr val="FF0000"/>
+                </a:solidFill>
+              </a:rPr>
+              <a:t>splane</a:t>
+            </a:r>
+            <a:r>
+              <a:rPr lang="en-GB" sz="1200" dirty="0">
+                <a:solidFill>
+                  <a:srgbClr val="FF0000"/>
+                </a:solidFill>
+              </a:rPr>
+              <a:t> </a:t>
+            </a:r>
+            <a:r>
+              <a:rPr lang="en-GB" sz="1200" b="0" dirty="0">
+                <a:solidFill>
+                  <a:srgbClr val="FF0000"/>
+                </a:solidFill>
+              </a:rPr>
+              <a:t>( </a:t>
+            </a:r>
+            <a:r>
+              <a:rPr lang="en-GB" sz="1200" b="0" dirty="0" err="1">
+                <a:solidFill>
+                  <a:srgbClr val="FF0000"/>
+                </a:solidFill>
+              </a:rPr>
+              <a:t>src</a:t>
+            </a:r>
+            <a:r>
+              <a:rPr lang="en-GB" sz="1200" b="0" dirty="0">
+                <a:solidFill>
+                  <a:srgbClr val="FF0000"/>
+                </a:solidFill>
+              </a:rPr>
+              <a:t>, closed, interpolating )</a:t>
+            </a:r>
+          </a:p>
+          <a:p>
+            <a:r>
+              <a:rPr lang="en-GB" sz="1200" b="0" dirty="0">
+                <a:solidFill>
+                  <a:srgbClr val="FF0000"/>
+                </a:solidFill>
+              </a:rPr>
+              <a:t>	[ [[</a:t>
+            </a:r>
+            <a:r>
+              <a:rPr lang="en-GB" sz="1200" b="0" dirty="0" err="1">
+                <a:solidFill>
+                  <a:srgbClr val="FF0000"/>
+                </a:solidFill>
+              </a:rPr>
+              <a:t>x,y,z</a:t>
+            </a:r>
+            <a:r>
+              <a:rPr lang="en-GB" sz="1200" b="0" dirty="0">
+                <a:solidFill>
+                  <a:srgbClr val="FF0000"/>
+                </a:solidFill>
+              </a:rPr>
+              <a:t>], … [</a:t>
+            </a:r>
+            <a:r>
+              <a:rPr lang="en-GB" sz="1200" b="0" dirty="0" err="1">
+                <a:solidFill>
+                  <a:srgbClr val="FF0000"/>
+                </a:solidFill>
+              </a:rPr>
+              <a:t>x,y,z</a:t>
+            </a:r>
+            <a:r>
+              <a:rPr lang="en-GB" sz="1200" b="0" dirty="0">
+                <a:solidFill>
+                  <a:srgbClr val="FF0000"/>
+                </a:solidFill>
+              </a:rPr>
+              <a:t>]],</a:t>
+            </a:r>
+          </a:p>
+          <a:p>
+            <a:r>
+              <a:rPr lang="en-GB" sz="1200" b="0" dirty="0">
+                <a:solidFill>
+                  <a:srgbClr val="FF0000"/>
+                </a:solidFill>
+              </a:rPr>
+              <a:t>	       :               :</a:t>
+            </a:r>
+          </a:p>
+          <a:p>
+            <a:r>
+              <a:rPr lang="en-GB" sz="1200" b="0" dirty="0">
+                <a:solidFill>
+                  <a:srgbClr val="FF0000"/>
+                </a:solidFill>
+              </a:rPr>
+              <a:t>         [[</a:t>
+            </a:r>
+            <a:r>
+              <a:rPr lang="en-GB" sz="1200" b="0" dirty="0" err="1">
+                <a:solidFill>
+                  <a:srgbClr val="FF0000"/>
+                </a:solidFill>
+              </a:rPr>
+              <a:t>x,y,z</a:t>
+            </a:r>
+            <a:r>
+              <a:rPr lang="en-GB" sz="1200" b="0" dirty="0">
+                <a:solidFill>
+                  <a:srgbClr val="FF0000"/>
+                </a:solidFill>
+              </a:rPr>
+              <a:t>], … [</a:t>
+            </a:r>
+            <a:r>
+              <a:rPr lang="en-GB" sz="1200" b="0" dirty="0" err="1">
+                <a:solidFill>
+                  <a:srgbClr val="FF0000"/>
+                </a:solidFill>
+              </a:rPr>
+              <a:t>x,y,z</a:t>
+            </a:r>
+            <a:r>
+              <a:rPr lang="en-GB" sz="1200" b="0" dirty="0">
+                <a:solidFill>
+                  <a:srgbClr val="FF0000"/>
+                </a:solidFill>
+              </a:rPr>
+              <a:t>]] ]</a:t>
+            </a:r>
+          </a:p>
+          <a:p>
+            <a:r>
+              <a:rPr lang="en-GB" sz="1200" dirty="0" err="1">
+                <a:solidFill>
+                  <a:srgbClr val="FF0000"/>
+                </a:solidFill>
+              </a:rPr>
+              <a:t>splane</a:t>
+            </a:r>
+            <a:r>
+              <a:rPr lang="en-GB" sz="1200" dirty="0">
+                <a:solidFill>
+                  <a:srgbClr val="FF0000"/>
+                </a:solidFill>
+              </a:rPr>
+              <a:t> </a:t>
+            </a:r>
+            <a:r>
+              <a:rPr lang="en-GB" sz="1200" b="0" dirty="0">
+                <a:solidFill>
+                  <a:srgbClr val="FF0000"/>
+                </a:solidFill>
+              </a:rPr>
+              <a:t>( function, param1, param2 )</a:t>
+            </a:r>
+          </a:p>
+          <a:p>
+            <a:r>
+              <a:rPr lang="en-GB" sz="1200" b="0" dirty="0">
+                <a:solidFill>
+                  <a:srgbClr val="FF0000"/>
+                </a:solidFill>
+              </a:rPr>
+              <a:t>	</a:t>
+            </a:r>
+            <a:r>
+              <a:rPr lang="en-GB" sz="1200" b="0" dirty="0" err="1">
+                <a:solidFill>
+                  <a:srgbClr val="FF0000"/>
+                </a:solidFill>
+              </a:rPr>
+              <a:t>func</a:t>
+            </a:r>
+            <a:r>
+              <a:rPr lang="en-GB" sz="1200" b="0" dirty="0">
+                <a:solidFill>
+                  <a:srgbClr val="FF0000"/>
+                </a:solidFill>
+              </a:rPr>
+              <a:t> ( u, v, p1, p2 )</a:t>
+            </a:r>
+          </a:p>
+        </p:txBody>
+      </p:sp>
+      <p:sp>
+        <p:nvSpPr>
+          <p:cNvPr id="21" name="TextBox 20">
+            <a:extLst>
+              <a:ext uri="{FF2B5EF4-FFF2-40B4-BE49-F238E27FC236}">
+                <a16:creationId xmlns:a16="http://schemas.microsoft.com/office/drawing/2014/main" id="{37037FDB-4BA4-46B7-ACD5-8F1021BB2B28}"/>
+              </a:ext>
+            </a:extLst>
+          </p:cNvPr>
+          <p:cNvSpPr txBox="1"/>
+          <p:nvPr/>
+        </p:nvSpPr>
+        <p:spPr>
+          <a:xfrm>
+            <a:off x="6934200" y="5791200"/>
+            <a:ext cx="2895600" cy="1066800"/>
+          </a:xfrm>
+          <a:prstGeom prst="rect">
+            <a:avLst/>
+          </a:prstGeom>
+          <a:noFill/>
+          <a:ln w="3175">
+            <a:noFill/>
+          </a:ln>
+        </p:spPr>
+        <p:style>
+          <a:lnRef idx="2">
+            <a:schemeClr val="accent1">
+              <a:shade val="50000"/>
+            </a:schemeClr>
+          </a:lnRef>
+          <a:fillRef idx="1">
+            <a:schemeClr val="accent1"/>
+          </a:fillRef>
+          <a:effectRef idx="0">
+            <a:schemeClr val="accent1"/>
+          </a:effectRef>
+          <a:fontRef idx="minor">
+            <a:schemeClr val="lt1"/>
+          </a:fontRef>
+        </p:style>
+        <p:txBody>
+          <a:bodyPr rot="0" spcFirstLastPara="0" vertOverflow="overflow" horzOverflow="overflow" vert="horz" wrap="square" lIns="0" tIns="91440" rIns="0" bIns="91440" numCol="1" spcCol="0" rtlCol="0" fromWordArt="0" anchor="ctr" anchorCtr="0" forceAA="0" compatLnSpc="1">
+            <a:prstTxWarp prst="textNoShape">
+              <a:avLst/>
+            </a:prstTxWarp>
+            <a:noAutofit/>
+          </a:bodyPr>
+          <a:lstStyle>
+            <a:defPPr>
+              <a:defRPr lang="en-US"/>
+            </a:defPPr>
+            <a:lvl1pPr>
+              <a:tabLst>
+                <a:tab pos="171450" algn="l"/>
+              </a:tabLst>
+              <a:defRPr sz="1000" b="1">
+                <a:solidFill>
+                  <a:schemeClr val="accent1"/>
+                </a:solidFill>
+                <a:latin typeface="Agency FB" panose="020B0503020202020204" pitchFamily="34" charset="0"/>
+              </a:defRPr>
+            </a:lvl1pPr>
+            <a:lvl2pPr>
+              <a:defRPr>
+                <a:solidFill>
+                  <a:schemeClr val="lt1"/>
+                </a:solidFill>
+              </a:defRPr>
+            </a:lvl2pPr>
+            <a:lvl3pPr>
+              <a:defRPr>
+                <a:solidFill>
+                  <a:schemeClr val="lt1"/>
+                </a:solidFill>
+              </a:defRPr>
+            </a:lvl3pPr>
+            <a:lvl4pPr>
+              <a:defRPr>
+                <a:solidFill>
+                  <a:schemeClr val="lt1"/>
+                </a:solidFill>
+              </a:defRPr>
+            </a:lvl4pPr>
+            <a:lvl5pPr>
+              <a:defRPr>
+                <a:solidFill>
+                  <a:schemeClr val="lt1"/>
+                </a:solidFill>
+              </a:defRPr>
+            </a:lvl5pPr>
+            <a:lvl6pPr>
+              <a:defRPr>
+                <a:solidFill>
+                  <a:schemeClr val="lt1"/>
+                </a:solidFill>
+              </a:defRPr>
+            </a:lvl6pPr>
+            <a:lvl7pPr>
+              <a:defRPr>
+                <a:solidFill>
+                  <a:schemeClr val="lt1"/>
+                </a:solidFill>
+              </a:defRPr>
+            </a:lvl7pPr>
+            <a:lvl8pPr>
+              <a:defRPr>
+                <a:solidFill>
+                  <a:schemeClr val="lt1"/>
+                </a:solidFill>
+              </a:defRPr>
+            </a:lvl8pPr>
+            <a:lvl9pPr>
+              <a:defRPr>
+                <a:solidFill>
+                  <a:schemeClr val="lt1"/>
+                </a:solidFill>
+              </a:defRPr>
+            </a:lvl9pPr>
+          </a:lstStyle>
+          <a:p>
+            <a:pPr lvl="0" algn="r"/>
+            <a:r>
+              <a:rPr lang="en-GB" sz="2800" dirty="0">
+                <a:solidFill>
+                  <a:schemeClr val="tx1"/>
+                </a:solidFill>
+              </a:rPr>
+              <a:t>Suica 2.0</a:t>
+            </a:r>
+          </a:p>
+          <a:p>
+            <a:pPr lvl="0" algn="r"/>
+            <a:r>
+              <a:rPr lang="en-GB" sz="1600" b="0" dirty="0">
+                <a:solidFill>
+                  <a:schemeClr val="tx1"/>
+                </a:solidFill>
+              </a:rPr>
+              <a:t>for </a:t>
+            </a:r>
+            <a:r>
+              <a:rPr lang="en-US" sz="1600" b="0" dirty="0">
+                <a:solidFill>
+                  <a:schemeClr val="tx1"/>
+                </a:solidFill>
+              </a:rPr>
+              <a:t>HTML</a:t>
+            </a:r>
+            <a:endParaRPr lang="en-GB" sz="1600" b="0" dirty="0">
+              <a:solidFill>
+                <a:schemeClr val="tx1"/>
+              </a:solidFill>
+            </a:endParaRPr>
+          </a:p>
+          <a:p>
+            <a:pPr lvl="0" algn="r"/>
+            <a:r>
+              <a:rPr lang="en-GB" sz="1600" b="0" dirty="0">
+                <a:solidFill>
+                  <a:schemeClr val="tx1"/>
+                </a:solidFill>
+              </a:rPr>
+              <a:t>https://boytchev.github.io/suica</a:t>
+            </a:r>
+          </a:p>
+        </p:txBody>
+      </p:sp>
+      <p:sp>
+        <p:nvSpPr>
+          <p:cNvPr id="23" name="TextBox 22">
+            <a:extLst>
+              <a:ext uri="{FF2B5EF4-FFF2-40B4-BE49-F238E27FC236}">
+                <a16:creationId xmlns:a16="http://schemas.microsoft.com/office/drawing/2014/main" id="{D73C3A5A-36FF-4BD5-92D3-D4D2B8C2BFB7}"/>
+              </a:ext>
+            </a:extLst>
+          </p:cNvPr>
+          <p:cNvSpPr txBox="1"/>
+          <p:nvPr/>
+        </p:nvSpPr>
+        <p:spPr>
+          <a:xfrm>
+            <a:off x="5756640" y="279400"/>
+            <a:ext cx="1721912" cy="635000"/>
+          </a:xfrm>
+          <a:prstGeom prst="rect">
+            <a:avLst/>
+          </a:prstGeom>
+          <a:solidFill>
+            <a:schemeClr val="bg1"/>
+          </a:solidFill>
+          <a:ln w="3175">
+            <a:noFill/>
+          </a:ln>
+        </p:spPr>
+        <p:style>
+          <a:lnRef idx="2">
+            <a:schemeClr val="accent1">
+              <a:shade val="50000"/>
+            </a:schemeClr>
+          </a:lnRef>
+          <a:fillRef idx="1">
+            <a:schemeClr val="accent1"/>
+          </a:fillRef>
+          <a:effectRef idx="0">
+            <a:schemeClr val="accent1"/>
+          </a:effectRef>
+          <a:fontRef idx="minor">
+            <a:schemeClr val="lt1"/>
+          </a:fontRef>
+        </p:style>
+        <p:txBody>
+          <a:bodyPr rot="0" spcFirstLastPara="0" vertOverflow="overflow" horzOverflow="overflow" vert="horz" wrap="square" lIns="91440" tIns="45720" rIns="0" bIns="45720" numCol="1" spcCol="0" rtlCol="0" fromWordArt="0" anchor="t" anchorCtr="0" forceAA="0" compatLnSpc="1">
+            <a:prstTxWarp prst="textNoShape">
+              <a:avLst/>
+            </a:prstTxWarp>
+            <a:noAutofit/>
+          </a:bodyPr>
+          <a:lstStyle>
+            <a:defPPr>
+              <a:defRPr lang="en-US"/>
+            </a:defPPr>
+            <a:lvl1pPr>
+              <a:tabLst>
+                <a:tab pos="171450" algn="l"/>
+              </a:tabLst>
+              <a:defRPr sz="1000" b="1">
+                <a:solidFill>
+                  <a:schemeClr val="accent1"/>
+                </a:solidFill>
+                <a:latin typeface="Agency FB" panose="020B0503020202020204" pitchFamily="34" charset="0"/>
+              </a:defRPr>
+            </a:lvl1pPr>
+            <a:lvl2pPr>
+              <a:defRPr>
+                <a:solidFill>
+                  <a:schemeClr val="lt1"/>
+                </a:solidFill>
+              </a:defRPr>
+            </a:lvl2pPr>
+            <a:lvl3pPr>
+              <a:defRPr>
+                <a:solidFill>
+                  <a:schemeClr val="lt1"/>
+                </a:solidFill>
+              </a:defRPr>
+            </a:lvl3pPr>
+            <a:lvl4pPr>
+              <a:defRPr>
+                <a:solidFill>
+                  <a:schemeClr val="lt1"/>
+                </a:solidFill>
+              </a:defRPr>
+            </a:lvl4pPr>
+            <a:lvl5pPr>
+              <a:defRPr>
+                <a:solidFill>
+                  <a:schemeClr val="lt1"/>
+                </a:solidFill>
+              </a:defRPr>
+            </a:lvl5pPr>
+            <a:lvl6pPr>
+              <a:defRPr>
+                <a:solidFill>
+                  <a:schemeClr val="lt1"/>
+                </a:solidFill>
+              </a:defRPr>
+            </a:lvl6pPr>
+            <a:lvl7pPr>
+              <a:defRPr>
+                <a:solidFill>
+                  <a:schemeClr val="lt1"/>
+                </a:solidFill>
+              </a:defRPr>
+            </a:lvl7pPr>
+            <a:lvl8pPr>
+              <a:defRPr>
+                <a:solidFill>
+                  <a:schemeClr val="lt1"/>
+                </a:solidFill>
+              </a:defRPr>
+            </a:lvl8pPr>
+            <a:lvl9pPr>
+              <a:defRPr>
+                <a:solidFill>
+                  <a:schemeClr val="lt1"/>
+                </a:solidFill>
+              </a:defRPr>
+            </a:lvl9pPr>
+          </a:lstStyle>
+          <a:p>
+            <a:pPr>
+              <a:tabLst>
+                <a:tab pos="171450" algn="l"/>
+                <a:tab pos="1544638" algn="l"/>
+              </a:tabLst>
+            </a:pPr>
+            <a:r>
+              <a:rPr lang="en-GB" sz="1600" u="sng" dirty="0">
+                <a:solidFill>
+                  <a:schemeClr val="tx1"/>
+                </a:solidFill>
+              </a:rPr>
+              <a:t>MISC	</a:t>
+            </a:r>
+            <a:r>
+              <a:rPr lang="en-GB" sz="1050" u="sng" dirty="0">
+                <a:solidFill>
+                  <a:schemeClr val="tx1"/>
+                </a:solidFill>
+              </a:rPr>
+              <a:t> </a:t>
+            </a:r>
+          </a:p>
+          <a:p>
+            <a:r>
+              <a:rPr lang="en-GB" sz="1200" b="0" dirty="0">
+                <a:solidFill>
+                  <a:schemeClr val="tx1"/>
+                </a:solidFill>
+              </a:rPr>
+              <a:t>&lt;</a:t>
+            </a:r>
+            <a:r>
+              <a:rPr lang="en-GB" sz="1200" dirty="0">
+                <a:solidFill>
+                  <a:schemeClr val="tx1"/>
+                </a:solidFill>
+              </a:rPr>
+              <a:t>clone</a:t>
+            </a:r>
+            <a:r>
+              <a:rPr lang="en-GB" sz="1200" b="0" dirty="0">
+                <a:solidFill>
+                  <a:schemeClr val="tx1"/>
+                </a:solidFill>
+              </a:rPr>
+              <a:t> </a:t>
+            </a:r>
+            <a:r>
+              <a:rPr lang="en-GB" sz="1200" b="0" dirty="0" err="1">
+                <a:solidFill>
+                  <a:schemeClr val="tx1"/>
+                </a:solidFill>
+              </a:rPr>
+              <a:t>src</a:t>
+            </a:r>
+            <a:r>
+              <a:rPr lang="en-GB" sz="1200" b="0" dirty="0">
+                <a:solidFill>
+                  <a:schemeClr val="tx1"/>
+                </a:solidFill>
+              </a:rPr>
+              <a:t> …</a:t>
+            </a:r>
+            <a:r>
+              <a:rPr lang="en-GB" sz="1200" dirty="0">
+                <a:solidFill>
+                  <a:schemeClr val="tx1"/>
+                </a:solidFill>
+              </a:rPr>
+              <a:t>&gt;</a:t>
+            </a:r>
+          </a:p>
+        </p:txBody>
+      </p:sp>
+      <p:sp>
+        <p:nvSpPr>
+          <p:cNvPr id="27" name="TextBox 26">
+            <a:extLst>
+              <a:ext uri="{FF2B5EF4-FFF2-40B4-BE49-F238E27FC236}">
+                <a16:creationId xmlns:a16="http://schemas.microsoft.com/office/drawing/2014/main" id="{E20F6664-DC79-4302-9840-53915790574A}"/>
+              </a:ext>
+            </a:extLst>
+          </p:cNvPr>
+          <p:cNvSpPr txBox="1"/>
+          <p:nvPr/>
+        </p:nvSpPr>
+        <p:spPr>
+          <a:xfrm>
+            <a:off x="2777796" y="3810024"/>
+            <a:ext cx="2786682" cy="1028687"/>
+          </a:xfrm>
+          <a:prstGeom prst="rect">
+            <a:avLst/>
+          </a:prstGeom>
+          <a:solidFill>
+            <a:schemeClr val="bg1"/>
+          </a:solidFill>
+          <a:ln w="3175">
+            <a:noFill/>
+          </a:ln>
+        </p:spPr>
+        <p:style>
+          <a:lnRef idx="2">
+            <a:schemeClr val="accent1">
+              <a:shade val="50000"/>
+            </a:schemeClr>
+          </a:lnRef>
+          <a:fillRef idx="1">
+            <a:schemeClr val="accent1"/>
+          </a:fillRef>
+          <a:effectRef idx="0">
+            <a:schemeClr val="accent1"/>
+          </a:effectRef>
+          <a:fontRef idx="minor">
+            <a:schemeClr val="lt1"/>
+          </a:fontRef>
+        </p:style>
+        <p:txBody>
+          <a:bodyPr rot="0" spcFirstLastPara="0" vertOverflow="overflow" horzOverflow="overflow" vert="horz" wrap="square" lIns="91440" tIns="45720" rIns="0" bIns="45720" numCol="1" spcCol="0" rtlCol="0" fromWordArt="0" anchor="t" anchorCtr="0" forceAA="0" compatLnSpc="1">
+            <a:prstTxWarp prst="textNoShape">
+              <a:avLst/>
+            </a:prstTxWarp>
+            <a:noAutofit/>
+          </a:bodyPr>
+          <a:lstStyle>
+            <a:defPPr>
+              <a:defRPr lang="en-US"/>
+            </a:defPPr>
+            <a:lvl1pPr>
+              <a:tabLst>
+                <a:tab pos="171450" algn="l"/>
+              </a:tabLst>
+              <a:defRPr sz="1000" b="1">
+                <a:solidFill>
+                  <a:schemeClr val="accent1"/>
+                </a:solidFill>
+                <a:latin typeface="Agency FB" panose="020B0503020202020204" pitchFamily="34" charset="0"/>
+              </a:defRPr>
+            </a:lvl1pPr>
+            <a:lvl2pPr>
+              <a:defRPr>
+                <a:solidFill>
+                  <a:schemeClr val="lt1"/>
+                </a:solidFill>
+              </a:defRPr>
+            </a:lvl2pPr>
+            <a:lvl3pPr>
+              <a:defRPr>
+                <a:solidFill>
+                  <a:schemeClr val="lt1"/>
+                </a:solidFill>
+              </a:defRPr>
+            </a:lvl3pPr>
+            <a:lvl4pPr>
+              <a:defRPr>
+                <a:solidFill>
+                  <a:schemeClr val="lt1"/>
+                </a:solidFill>
+              </a:defRPr>
+            </a:lvl4pPr>
+            <a:lvl5pPr>
+              <a:defRPr>
+                <a:solidFill>
+                  <a:schemeClr val="lt1"/>
+                </a:solidFill>
+              </a:defRPr>
+            </a:lvl5pPr>
+            <a:lvl6pPr>
+              <a:defRPr>
+                <a:solidFill>
+                  <a:schemeClr val="lt1"/>
+                </a:solidFill>
+              </a:defRPr>
+            </a:lvl6pPr>
+            <a:lvl7pPr>
+              <a:defRPr>
+                <a:solidFill>
+                  <a:schemeClr val="lt1"/>
+                </a:solidFill>
+              </a:defRPr>
+            </a:lvl7pPr>
+            <a:lvl8pPr>
+              <a:defRPr>
+                <a:solidFill>
+                  <a:schemeClr val="lt1"/>
+                </a:solidFill>
+              </a:defRPr>
+            </a:lvl8pPr>
+            <a:lvl9pPr>
+              <a:defRPr>
+                <a:solidFill>
+                  <a:schemeClr val="lt1"/>
+                </a:solidFill>
+              </a:defRPr>
+            </a:lvl9pPr>
+          </a:lstStyle>
+          <a:p>
+            <a:pPr>
+              <a:tabLst>
+                <a:tab pos="171450" algn="l"/>
+                <a:tab pos="2628900" algn="l"/>
+              </a:tabLst>
+            </a:pPr>
+            <a:r>
+              <a:rPr lang="en-GB" sz="1600" u="sng" dirty="0">
+                <a:solidFill>
+                  <a:srgbClr val="FF0000"/>
+                </a:solidFill>
+              </a:rPr>
+              <a:t>LMS	 </a:t>
+            </a:r>
+          </a:p>
+          <a:p>
+            <a:r>
+              <a:rPr lang="en-GB" sz="1200" dirty="0" err="1">
+                <a:solidFill>
+                  <a:srgbClr val="FF0000"/>
+                </a:solidFill>
+              </a:rPr>
+              <a:t>scorm</a:t>
+            </a:r>
+            <a:endParaRPr lang="en-GB" sz="1200" dirty="0">
+              <a:solidFill>
+                <a:srgbClr val="FF0000"/>
+              </a:solidFill>
+            </a:endParaRPr>
+          </a:p>
+          <a:p>
+            <a:r>
+              <a:rPr lang="en-GB" sz="1200" dirty="0">
+                <a:solidFill>
+                  <a:srgbClr val="FF0000"/>
+                </a:solidFill>
+              </a:rPr>
+              <a:t>	</a:t>
+            </a:r>
+            <a:r>
+              <a:rPr lang="en-GB" sz="1200" b="0" dirty="0">
+                <a:solidFill>
+                  <a:srgbClr val="FF0000"/>
+                </a:solidFill>
+              </a:rPr>
+              <a:t>.</a:t>
+            </a:r>
+            <a:r>
+              <a:rPr lang="en-GB" sz="1200" dirty="0" err="1">
+                <a:solidFill>
+                  <a:srgbClr val="FF0000"/>
+                </a:solidFill>
+              </a:rPr>
+              <a:t>api</a:t>
+            </a:r>
+            <a:r>
+              <a:rPr lang="en-GB" sz="1200" b="0" dirty="0">
+                <a:solidFill>
+                  <a:srgbClr val="FF0000"/>
+                </a:solidFill>
+              </a:rPr>
+              <a:t>, .</a:t>
+            </a:r>
+            <a:r>
+              <a:rPr lang="en-GB" sz="1200" dirty="0" err="1">
+                <a:solidFill>
+                  <a:srgbClr val="FF0000"/>
+                </a:solidFill>
+              </a:rPr>
+              <a:t>studentName</a:t>
+            </a:r>
+            <a:r>
+              <a:rPr lang="en-GB" sz="1200" b="0" dirty="0">
+                <a:solidFill>
+                  <a:srgbClr val="FF0000"/>
+                </a:solidFill>
+              </a:rPr>
+              <a:t>, .</a:t>
+            </a:r>
+            <a:r>
+              <a:rPr lang="en-GB" sz="1200" dirty="0">
+                <a:solidFill>
+                  <a:srgbClr val="FF0000"/>
+                </a:solidFill>
+              </a:rPr>
+              <a:t>score, </a:t>
+            </a:r>
+            <a:r>
+              <a:rPr lang="en-GB" sz="1200" b="0" dirty="0">
+                <a:solidFill>
+                  <a:srgbClr val="FF0000"/>
+                </a:solidFill>
+              </a:rPr>
+              <a:t>.</a:t>
+            </a:r>
+            <a:r>
+              <a:rPr lang="en-GB" sz="1200" dirty="0" err="1">
+                <a:solidFill>
+                  <a:srgbClr val="FF0000"/>
+                </a:solidFill>
+              </a:rPr>
+              <a:t>getValue</a:t>
+            </a:r>
+            <a:r>
+              <a:rPr lang="en-GB" sz="1200" dirty="0">
+                <a:solidFill>
+                  <a:srgbClr val="FF0000"/>
+                </a:solidFill>
+              </a:rPr>
+              <a:t> </a:t>
+            </a:r>
+            <a:r>
+              <a:rPr lang="en-GB" sz="1200" b="0" dirty="0">
+                <a:solidFill>
+                  <a:srgbClr val="FF0000"/>
+                </a:solidFill>
+              </a:rPr>
+              <a:t>( value )</a:t>
+            </a:r>
+          </a:p>
+          <a:p>
+            <a:pPr>
+              <a:tabLst>
+                <a:tab pos="171450" algn="l"/>
+                <a:tab pos="2859088" algn="l"/>
+              </a:tabLst>
+            </a:pPr>
+            <a:r>
+              <a:rPr lang="en-GB" sz="1200" b="0" dirty="0">
+                <a:solidFill>
+                  <a:srgbClr val="FF0000"/>
+                </a:solidFill>
+              </a:rPr>
+              <a:t>	.</a:t>
+            </a:r>
+            <a:r>
+              <a:rPr lang="en-GB" sz="1200" dirty="0" err="1">
+                <a:solidFill>
+                  <a:srgbClr val="FF0000"/>
+                </a:solidFill>
+              </a:rPr>
+              <a:t>setValue</a:t>
+            </a:r>
+            <a:r>
+              <a:rPr lang="en-GB" sz="1200" dirty="0">
+                <a:solidFill>
+                  <a:srgbClr val="FF0000"/>
+                </a:solidFill>
+              </a:rPr>
+              <a:t> </a:t>
+            </a:r>
+            <a:r>
+              <a:rPr lang="en-GB" sz="1200" b="0" dirty="0">
+                <a:solidFill>
+                  <a:srgbClr val="FF0000"/>
+                </a:solidFill>
+              </a:rPr>
+              <a:t>( name, value ), .</a:t>
+            </a:r>
+            <a:r>
+              <a:rPr lang="en-GB" sz="1200" dirty="0">
+                <a:solidFill>
+                  <a:srgbClr val="FF0000"/>
+                </a:solidFill>
+              </a:rPr>
+              <a:t>derandomize</a:t>
+            </a:r>
+            <a:r>
+              <a:rPr lang="en-GB" sz="1200" b="0" dirty="0">
+                <a:solidFill>
+                  <a:srgbClr val="FF0000"/>
+                </a:solidFill>
+              </a:rPr>
+              <a:t> ( seed )</a:t>
+            </a:r>
+          </a:p>
+        </p:txBody>
+      </p:sp>
+      <p:sp>
+        <p:nvSpPr>
+          <p:cNvPr id="11" name="TextBox 10">
+            <a:extLst>
+              <a:ext uri="{FF2B5EF4-FFF2-40B4-BE49-F238E27FC236}">
+                <a16:creationId xmlns:a16="http://schemas.microsoft.com/office/drawing/2014/main" id="{75F580A1-EC5A-40BC-9EB4-F8136E369B2D}"/>
+              </a:ext>
+            </a:extLst>
+          </p:cNvPr>
+          <p:cNvSpPr txBox="1"/>
+          <p:nvPr/>
+        </p:nvSpPr>
+        <p:spPr>
+          <a:xfrm>
+            <a:off x="5745683" y="4419600"/>
+            <a:ext cx="1721917" cy="2133600"/>
+          </a:xfrm>
+          <a:prstGeom prst="rect">
+            <a:avLst/>
+          </a:prstGeom>
+          <a:noFill/>
+          <a:ln w="3175">
+            <a:noFill/>
+          </a:ln>
+        </p:spPr>
+        <p:style>
+          <a:lnRef idx="2">
+            <a:schemeClr val="accent1">
+              <a:shade val="50000"/>
+            </a:schemeClr>
+          </a:lnRef>
+          <a:fillRef idx="1">
+            <a:schemeClr val="accent1"/>
+          </a:fillRef>
+          <a:effectRef idx="0">
+            <a:schemeClr val="accent1"/>
+          </a:effectRef>
+          <a:fontRef idx="minor">
+            <a:schemeClr val="lt1"/>
+          </a:fontRef>
+        </p:style>
+        <p:txBody>
+          <a:bodyPr rot="0" spcFirstLastPara="0" vertOverflow="overflow" horzOverflow="overflow" vert="horz" wrap="square" lIns="91440" tIns="45720" rIns="0" bIns="45720" numCol="1" spcCol="0" rtlCol="0" fromWordArt="0" anchor="t" anchorCtr="0" forceAA="0" compatLnSpc="1">
+            <a:prstTxWarp prst="textNoShape">
+              <a:avLst/>
+            </a:prstTxWarp>
+            <a:noAutofit/>
+          </a:bodyPr>
+          <a:lstStyle>
+            <a:defPPr>
+              <a:defRPr lang="en-US"/>
+            </a:defPPr>
+            <a:lvl1pPr>
+              <a:tabLst>
+                <a:tab pos="171450" algn="l"/>
+              </a:tabLst>
+              <a:defRPr sz="1000" b="1">
+                <a:solidFill>
+                  <a:schemeClr val="accent1"/>
+                </a:solidFill>
+                <a:latin typeface="Agency FB" panose="020B0503020202020204" pitchFamily="34" charset="0"/>
+              </a:defRPr>
+            </a:lvl1pPr>
+            <a:lvl2pPr>
+              <a:defRPr>
+                <a:solidFill>
+                  <a:schemeClr val="lt1"/>
+                </a:solidFill>
+              </a:defRPr>
+            </a:lvl2pPr>
+            <a:lvl3pPr>
+              <a:defRPr>
+                <a:solidFill>
+                  <a:schemeClr val="lt1"/>
+                </a:solidFill>
+              </a:defRPr>
+            </a:lvl3pPr>
+            <a:lvl4pPr>
+              <a:defRPr>
+                <a:solidFill>
+                  <a:schemeClr val="lt1"/>
+                </a:solidFill>
+              </a:defRPr>
+            </a:lvl4pPr>
+            <a:lvl5pPr>
+              <a:defRPr>
+                <a:solidFill>
+                  <a:schemeClr val="lt1"/>
+                </a:solidFill>
+              </a:defRPr>
+            </a:lvl5pPr>
+            <a:lvl6pPr>
+              <a:defRPr>
+                <a:solidFill>
+                  <a:schemeClr val="lt1"/>
+                </a:solidFill>
+              </a:defRPr>
+            </a:lvl6pPr>
+            <a:lvl7pPr>
+              <a:defRPr>
+                <a:solidFill>
+                  <a:schemeClr val="lt1"/>
+                </a:solidFill>
+              </a:defRPr>
+            </a:lvl7pPr>
+            <a:lvl8pPr>
+              <a:defRPr>
+                <a:solidFill>
+                  <a:schemeClr val="lt1"/>
+                </a:solidFill>
+              </a:defRPr>
+            </a:lvl8pPr>
+            <a:lvl9pPr>
+              <a:defRPr>
+                <a:solidFill>
+                  <a:schemeClr val="lt1"/>
+                </a:solidFill>
+              </a:defRPr>
+            </a:lvl9pPr>
+          </a:lstStyle>
+          <a:p>
+            <a:pPr>
+              <a:tabLst>
+                <a:tab pos="171450" algn="l"/>
+                <a:tab pos="1544638" algn="l"/>
+                <a:tab pos="1717675" algn="l"/>
+              </a:tabLst>
+            </a:pPr>
+            <a:r>
+              <a:rPr lang="en-GB" sz="1600" u="sng" dirty="0">
+                <a:solidFill>
+                  <a:schemeClr val="tx1"/>
+                </a:solidFill>
+              </a:rPr>
+              <a:t>DRAWINGS</a:t>
+            </a:r>
+            <a:r>
+              <a:rPr lang="en-GB" sz="1200" u="sng" dirty="0">
+                <a:solidFill>
+                  <a:schemeClr val="tx1"/>
+                </a:solidFill>
+              </a:rPr>
+              <a:t>	 </a:t>
+            </a:r>
+          </a:p>
+          <a:p>
+            <a:pPr lvl="0"/>
+            <a:r>
+              <a:rPr lang="en-GB" sz="1200" b="0" dirty="0">
+                <a:solidFill>
+                  <a:schemeClr val="tx1"/>
+                </a:solidFill>
+              </a:rPr>
+              <a:t>&lt;</a:t>
+            </a:r>
+            <a:r>
+              <a:rPr lang="en-GB" sz="1200" dirty="0">
+                <a:solidFill>
+                  <a:schemeClr val="tx1"/>
+                </a:solidFill>
+              </a:rPr>
+              <a:t>drawing </a:t>
+            </a:r>
+            <a:r>
+              <a:rPr lang="en-GB" sz="1200" b="0" dirty="0">
+                <a:solidFill>
+                  <a:schemeClr val="tx1"/>
+                </a:solidFill>
+              </a:rPr>
+              <a:t>size </a:t>
+            </a:r>
+            <a:r>
+              <a:rPr lang="en-GB" sz="1200" b="0" dirty="0" err="1">
+                <a:solidFill>
+                  <a:schemeClr val="tx1"/>
+                </a:solidFill>
+              </a:rPr>
+              <a:t>color</a:t>
+            </a:r>
+            <a:r>
+              <a:rPr lang="en-GB" sz="1200" b="0" dirty="0">
+                <a:solidFill>
+                  <a:schemeClr val="tx1"/>
+                </a:solidFill>
+              </a:rPr>
+              <a:t>&gt;</a:t>
+            </a:r>
+          </a:p>
+          <a:p>
+            <a:pPr lvl="0">
+              <a:tabLst>
+                <a:tab pos="171450" algn="l"/>
+                <a:tab pos="2400300" algn="l"/>
+              </a:tabLst>
+            </a:pPr>
+            <a:r>
+              <a:rPr lang="en-GB" sz="1200" b="0" dirty="0">
+                <a:solidFill>
+                  <a:schemeClr val="tx1"/>
+                </a:solidFill>
+              </a:rPr>
+              <a:t>&lt;</a:t>
+            </a:r>
+            <a:r>
+              <a:rPr lang="en-GB" sz="1200" dirty="0" err="1">
+                <a:solidFill>
+                  <a:schemeClr val="tx1"/>
+                </a:solidFill>
+              </a:rPr>
+              <a:t>moveTo</a:t>
+            </a:r>
+            <a:r>
+              <a:rPr lang="en-GB" sz="1200" b="0" dirty="0">
+                <a:solidFill>
+                  <a:schemeClr val="tx1"/>
+                </a:solidFill>
+              </a:rPr>
+              <a:t> point&gt;</a:t>
+            </a:r>
+          </a:p>
+          <a:p>
+            <a:r>
+              <a:rPr lang="en-GB" sz="1200" b="0" dirty="0">
+                <a:solidFill>
+                  <a:schemeClr val="tx1"/>
+                </a:solidFill>
+              </a:rPr>
+              <a:t>&lt;</a:t>
+            </a:r>
+            <a:r>
+              <a:rPr lang="en-GB" sz="1200" dirty="0" err="1">
+                <a:solidFill>
+                  <a:schemeClr val="tx1"/>
+                </a:solidFill>
+              </a:rPr>
+              <a:t>lineTo</a:t>
+            </a:r>
+            <a:r>
+              <a:rPr lang="en-GB" sz="1200" b="0" dirty="0">
+                <a:solidFill>
+                  <a:schemeClr val="tx1"/>
+                </a:solidFill>
+              </a:rPr>
+              <a:t> point&gt;</a:t>
+            </a:r>
+          </a:p>
+          <a:p>
+            <a:r>
+              <a:rPr lang="en-GB" sz="1200" b="0" dirty="0">
+                <a:solidFill>
+                  <a:schemeClr val="tx1"/>
+                </a:solidFill>
+              </a:rPr>
+              <a:t>&lt;</a:t>
+            </a:r>
+            <a:r>
+              <a:rPr lang="en-GB" sz="1200" dirty="0" err="1">
+                <a:solidFill>
+                  <a:schemeClr val="tx1"/>
+                </a:solidFill>
+              </a:rPr>
+              <a:t>curveTo</a:t>
+            </a:r>
+            <a:r>
+              <a:rPr lang="en-GB" sz="1200" b="0" dirty="0">
+                <a:solidFill>
+                  <a:schemeClr val="tx1"/>
+                </a:solidFill>
+              </a:rPr>
+              <a:t> m point&gt;</a:t>
+            </a:r>
+          </a:p>
+          <a:p>
+            <a:r>
+              <a:rPr lang="en-GB" sz="1200" b="0" dirty="0">
+                <a:solidFill>
+                  <a:schemeClr val="tx1"/>
+                </a:solidFill>
+              </a:rPr>
+              <a:t>&lt;</a:t>
+            </a:r>
+            <a:r>
+              <a:rPr lang="en-GB" sz="1200" dirty="0">
+                <a:solidFill>
+                  <a:schemeClr val="tx1"/>
+                </a:solidFill>
+              </a:rPr>
+              <a:t>arc</a:t>
+            </a:r>
+            <a:r>
+              <a:rPr lang="en-GB" sz="1200" b="0" dirty="0">
+                <a:solidFill>
+                  <a:schemeClr val="tx1"/>
+                </a:solidFill>
+              </a:rPr>
+              <a:t> point radius from to </a:t>
+            </a:r>
+            <a:r>
+              <a:rPr lang="en-GB" sz="1200" b="0" dirty="0" err="1">
+                <a:solidFill>
+                  <a:schemeClr val="tx1"/>
+                </a:solidFill>
+              </a:rPr>
+              <a:t>cw</a:t>
+            </a:r>
+            <a:r>
+              <a:rPr lang="en-GB" sz="1200" b="0" dirty="0">
+                <a:solidFill>
+                  <a:schemeClr val="tx1"/>
+                </a:solidFill>
+              </a:rPr>
+              <a:t>&gt;</a:t>
+            </a:r>
+          </a:p>
+          <a:p>
+            <a:r>
+              <a:rPr lang="en-GB" sz="1200" b="0" dirty="0">
+                <a:solidFill>
+                  <a:schemeClr val="tx1"/>
+                </a:solidFill>
+              </a:rPr>
+              <a:t>&lt;</a:t>
+            </a:r>
+            <a:r>
+              <a:rPr lang="en-GB" sz="1200" dirty="0">
+                <a:solidFill>
+                  <a:schemeClr val="tx1"/>
+                </a:solidFill>
+              </a:rPr>
+              <a:t>stroke </a:t>
+            </a:r>
+            <a:r>
+              <a:rPr lang="en-GB" sz="1200" b="0" dirty="0" err="1">
+                <a:solidFill>
+                  <a:schemeClr val="tx1"/>
+                </a:solidFill>
+              </a:rPr>
+              <a:t>color</a:t>
+            </a:r>
+            <a:r>
+              <a:rPr lang="en-GB" sz="1200" b="0" dirty="0">
+                <a:solidFill>
+                  <a:schemeClr val="tx1"/>
+                </a:solidFill>
+              </a:rPr>
+              <a:t> width closed&gt;</a:t>
+            </a:r>
+          </a:p>
+          <a:p>
+            <a:r>
+              <a:rPr lang="en-GB" sz="1200" b="0" dirty="0">
+                <a:solidFill>
+                  <a:schemeClr val="tx1"/>
+                </a:solidFill>
+              </a:rPr>
+              <a:t>&lt;</a:t>
+            </a:r>
+            <a:r>
+              <a:rPr lang="en-GB" sz="1200" dirty="0">
+                <a:solidFill>
+                  <a:schemeClr val="tx1"/>
+                </a:solidFill>
+              </a:rPr>
+              <a:t>fill </a:t>
+            </a:r>
+            <a:r>
+              <a:rPr lang="en-GB" sz="1200" b="0" dirty="0" err="1">
+                <a:solidFill>
+                  <a:schemeClr val="tx1"/>
+                </a:solidFill>
+              </a:rPr>
+              <a:t>color</a:t>
+            </a:r>
+            <a:r>
+              <a:rPr lang="en-GB" sz="1200" b="0" dirty="0">
+                <a:solidFill>
+                  <a:schemeClr val="tx1"/>
+                </a:solidFill>
+              </a:rPr>
+              <a:t>&gt;</a:t>
+            </a:r>
+          </a:p>
+          <a:p>
+            <a:r>
+              <a:rPr lang="en-GB" sz="1200" b="0" dirty="0">
+                <a:solidFill>
+                  <a:schemeClr val="tx1"/>
+                </a:solidFill>
+              </a:rPr>
+              <a:t>&lt;</a:t>
+            </a:r>
+            <a:r>
+              <a:rPr lang="en-GB" sz="1200" dirty="0" err="1">
+                <a:solidFill>
+                  <a:schemeClr val="tx1"/>
+                </a:solidFill>
+              </a:rPr>
+              <a:t>fillText</a:t>
+            </a:r>
+            <a:r>
+              <a:rPr lang="en-GB" sz="1200" b="0" dirty="0">
+                <a:solidFill>
+                  <a:schemeClr val="tx1"/>
+                </a:solidFill>
+              </a:rPr>
+              <a:t> point text </a:t>
+            </a:r>
+            <a:r>
+              <a:rPr lang="en-GB" sz="1200" b="0" dirty="0" err="1">
+                <a:solidFill>
+                  <a:schemeClr val="tx1"/>
+                </a:solidFill>
+              </a:rPr>
+              <a:t>color</a:t>
+            </a:r>
+            <a:r>
+              <a:rPr lang="en-GB" sz="1200" b="0" dirty="0">
+                <a:solidFill>
+                  <a:schemeClr val="tx1"/>
+                </a:solidFill>
+              </a:rPr>
+              <a:t> font&gt;</a:t>
+            </a:r>
+          </a:p>
+          <a:p>
+            <a:r>
+              <a:rPr lang="en-GB" sz="1200" b="0" dirty="0">
+                <a:solidFill>
+                  <a:schemeClr val="tx1">
+                    <a:lumMod val="50000"/>
+                    <a:lumOff val="50000"/>
+                  </a:schemeClr>
+                </a:solidFill>
+              </a:rPr>
+              <a:t>	"bold 20px Courier"</a:t>
+            </a:r>
+          </a:p>
+          <a:p>
+            <a:pPr lvl="0"/>
+            <a:r>
+              <a:rPr lang="en-GB" sz="1200" b="0" dirty="0">
+                <a:solidFill>
+                  <a:schemeClr val="tx1"/>
+                </a:solidFill>
+              </a:rPr>
+              <a:t>&lt;</a:t>
+            </a:r>
+            <a:r>
+              <a:rPr lang="en-GB" sz="1200" dirty="0">
+                <a:solidFill>
+                  <a:schemeClr val="tx1"/>
+                </a:solidFill>
+              </a:rPr>
+              <a:t>clear </a:t>
+            </a:r>
+            <a:r>
+              <a:rPr lang="en-GB" sz="1200" b="0" dirty="0" err="1">
+                <a:solidFill>
+                  <a:schemeClr val="tx1"/>
+                </a:solidFill>
+              </a:rPr>
+              <a:t>color</a:t>
+            </a:r>
+            <a:r>
+              <a:rPr lang="en-GB" sz="1200" b="0" dirty="0">
+                <a:solidFill>
+                  <a:schemeClr val="tx1"/>
+                </a:solidFill>
+              </a:rPr>
+              <a:t>&gt;</a:t>
+            </a:r>
+            <a:endParaRPr lang="en-GB" sz="1200" b="0" dirty="0"/>
+          </a:p>
+        </p:txBody>
+      </p:sp>
+      <p:sp>
+        <p:nvSpPr>
+          <p:cNvPr id="17" name="TextBox 16">
+            <a:extLst>
+              <a:ext uri="{FF2B5EF4-FFF2-40B4-BE49-F238E27FC236}">
+                <a16:creationId xmlns:a16="http://schemas.microsoft.com/office/drawing/2014/main" id="{830B9433-2D60-4A34-84F2-60BC4D3CCAFA}"/>
+              </a:ext>
+            </a:extLst>
+          </p:cNvPr>
+          <p:cNvSpPr txBox="1"/>
+          <p:nvPr/>
+        </p:nvSpPr>
+        <p:spPr>
+          <a:xfrm>
+            <a:off x="2788681" y="4808231"/>
+            <a:ext cx="2792768" cy="2049769"/>
+          </a:xfrm>
+          <a:prstGeom prst="rect">
+            <a:avLst/>
+          </a:prstGeom>
+          <a:noFill/>
+          <a:ln w="3175">
+            <a:noFill/>
+          </a:ln>
+        </p:spPr>
+        <p:style>
+          <a:lnRef idx="2">
+            <a:schemeClr val="accent1">
+              <a:shade val="50000"/>
+            </a:schemeClr>
+          </a:lnRef>
+          <a:fillRef idx="1">
+            <a:schemeClr val="accent1"/>
+          </a:fillRef>
+          <a:effectRef idx="0">
+            <a:schemeClr val="accent1"/>
+          </a:effectRef>
+          <a:fontRef idx="minor">
+            <a:schemeClr val="lt1"/>
+          </a:fontRef>
+        </p:style>
+        <p:txBody>
+          <a:bodyPr rot="0" spcFirstLastPara="0" vertOverflow="overflow" horzOverflow="overflow" vert="horz" wrap="square" lIns="91440" tIns="45720" rIns="0" bIns="45720" numCol="1" spcCol="0" rtlCol="0" fromWordArt="0" anchor="t" anchorCtr="0" forceAA="0" compatLnSpc="1">
+            <a:prstTxWarp prst="textNoShape">
+              <a:avLst/>
+            </a:prstTxWarp>
+            <a:noAutofit/>
+          </a:bodyPr>
+          <a:lstStyle>
+            <a:defPPr>
+              <a:defRPr lang="en-US"/>
+            </a:defPPr>
+            <a:lvl1pPr>
+              <a:tabLst>
+                <a:tab pos="171450" algn="l"/>
+              </a:tabLst>
+              <a:defRPr sz="1000" b="1">
+                <a:solidFill>
+                  <a:schemeClr val="accent1"/>
+                </a:solidFill>
+                <a:latin typeface="Agency FB" panose="020B0503020202020204" pitchFamily="34" charset="0"/>
+              </a:defRPr>
+            </a:lvl1pPr>
+            <a:lvl2pPr>
+              <a:defRPr>
+                <a:solidFill>
+                  <a:schemeClr val="lt1"/>
+                </a:solidFill>
+              </a:defRPr>
+            </a:lvl2pPr>
+            <a:lvl3pPr>
+              <a:defRPr>
+                <a:solidFill>
+                  <a:schemeClr val="lt1"/>
+                </a:solidFill>
+              </a:defRPr>
+            </a:lvl3pPr>
+            <a:lvl4pPr>
+              <a:defRPr>
+                <a:solidFill>
+                  <a:schemeClr val="lt1"/>
+                </a:solidFill>
+              </a:defRPr>
+            </a:lvl4pPr>
+            <a:lvl5pPr>
+              <a:defRPr>
+                <a:solidFill>
+                  <a:schemeClr val="lt1"/>
+                </a:solidFill>
+              </a:defRPr>
+            </a:lvl5pPr>
+            <a:lvl6pPr>
+              <a:defRPr>
+                <a:solidFill>
+                  <a:schemeClr val="lt1"/>
+                </a:solidFill>
+              </a:defRPr>
+            </a:lvl6pPr>
+            <a:lvl7pPr>
+              <a:defRPr>
+                <a:solidFill>
+                  <a:schemeClr val="lt1"/>
+                </a:solidFill>
+              </a:defRPr>
+            </a:lvl7pPr>
+            <a:lvl8pPr>
+              <a:defRPr>
+                <a:solidFill>
+                  <a:schemeClr val="lt1"/>
+                </a:solidFill>
+              </a:defRPr>
+            </a:lvl8pPr>
+            <a:lvl9pPr>
+              <a:defRPr>
+                <a:solidFill>
+                  <a:schemeClr val="lt1"/>
+                </a:solidFill>
+              </a:defRPr>
+            </a:lvl9pPr>
+          </a:lstStyle>
+          <a:p>
+            <a:pPr>
+              <a:tabLst>
+                <a:tab pos="171450" algn="l"/>
+                <a:tab pos="2571750" algn="l"/>
+              </a:tabLst>
+            </a:pPr>
+            <a:r>
+              <a:rPr lang="en-GB" sz="1600" u="sng" dirty="0">
+                <a:solidFill>
+                  <a:srgbClr val="FF0000"/>
+                </a:solidFill>
+              </a:rPr>
+              <a:t>EVENTS	 </a:t>
+            </a:r>
+          </a:p>
+          <a:p>
+            <a:pPr lvl="0"/>
+            <a:r>
+              <a:rPr lang="en-GB" sz="1200" dirty="0" err="1">
+                <a:solidFill>
+                  <a:srgbClr val="FF0000"/>
+                </a:solidFill>
+              </a:rPr>
+              <a:t>onPointerEnter</a:t>
+            </a:r>
+            <a:r>
+              <a:rPr lang="en-GB" sz="1200" b="0" dirty="0">
+                <a:solidFill>
+                  <a:srgbClr val="FF0000"/>
+                </a:solidFill>
+              </a:rPr>
+              <a:t>, </a:t>
+            </a:r>
+            <a:r>
+              <a:rPr lang="en-GB" sz="1200" dirty="0" err="1">
+                <a:solidFill>
+                  <a:srgbClr val="FF0000"/>
+                </a:solidFill>
+              </a:rPr>
+              <a:t>onPointerLeave</a:t>
+            </a:r>
+            <a:r>
+              <a:rPr lang="en-GB" sz="1200" b="0" dirty="0">
+                <a:solidFill>
+                  <a:srgbClr val="FF0000"/>
+                </a:solidFill>
+              </a:rPr>
+              <a:t>, </a:t>
+            </a:r>
+            <a:r>
+              <a:rPr lang="en-GB" sz="1200" dirty="0" err="1">
+                <a:solidFill>
+                  <a:srgbClr val="FF0000"/>
+                </a:solidFill>
+              </a:rPr>
+              <a:t>onPointerMove</a:t>
+            </a:r>
+            <a:r>
+              <a:rPr lang="en-GB" sz="1200" b="0" dirty="0">
+                <a:solidFill>
+                  <a:srgbClr val="FF0000"/>
+                </a:solidFill>
+              </a:rPr>
+              <a:t>, </a:t>
+            </a:r>
+            <a:r>
+              <a:rPr lang="en-GB" sz="1200" dirty="0" err="1">
+                <a:solidFill>
+                  <a:srgbClr val="FF0000"/>
+                </a:solidFill>
+              </a:rPr>
+              <a:t>onPointerDown</a:t>
+            </a:r>
+            <a:r>
+              <a:rPr lang="en-GB" sz="1200" b="0" dirty="0">
+                <a:solidFill>
+                  <a:srgbClr val="FF0000"/>
+                </a:solidFill>
+              </a:rPr>
+              <a:t>, </a:t>
+            </a:r>
+            <a:r>
+              <a:rPr lang="en-GB" sz="1200" dirty="0" err="1">
+                <a:solidFill>
+                  <a:srgbClr val="FF0000"/>
+                </a:solidFill>
+              </a:rPr>
+              <a:t>onPointerUp</a:t>
+            </a:r>
+            <a:r>
+              <a:rPr lang="en-GB" sz="1200" b="0" dirty="0">
+                <a:solidFill>
+                  <a:srgbClr val="FF0000"/>
+                </a:solidFill>
+              </a:rPr>
+              <a:t>, </a:t>
+            </a:r>
+            <a:r>
+              <a:rPr lang="en-GB" sz="1200" dirty="0" err="1">
+                <a:solidFill>
+                  <a:srgbClr val="FF0000"/>
+                </a:solidFill>
+              </a:rPr>
+              <a:t>onClick</a:t>
+            </a:r>
+            <a:r>
+              <a:rPr lang="en-GB" sz="1200" b="0" dirty="0">
+                <a:solidFill>
+                  <a:srgbClr val="FF0000"/>
+                </a:solidFill>
+              </a:rPr>
+              <a:t>, </a:t>
+            </a:r>
+            <a:r>
+              <a:rPr lang="en-GB" sz="1200" dirty="0" err="1">
+                <a:solidFill>
+                  <a:srgbClr val="FF0000"/>
+                </a:solidFill>
+              </a:rPr>
+              <a:t>onTime</a:t>
+            </a:r>
+            <a:endParaRPr lang="en-GB" sz="1200" dirty="0">
+              <a:solidFill>
+                <a:srgbClr val="FF0000"/>
+              </a:solidFill>
+            </a:endParaRPr>
+          </a:p>
+          <a:p>
+            <a:pPr lvl="0">
+              <a:spcBef>
+                <a:spcPts val="600"/>
+              </a:spcBef>
+            </a:pPr>
+            <a:r>
+              <a:rPr lang="en-GB" sz="1200" b="0" dirty="0" err="1">
+                <a:solidFill>
+                  <a:srgbClr val="FF0000"/>
+                </a:solidFill>
+              </a:rPr>
+              <a:t>obj.</a:t>
+            </a:r>
+            <a:r>
+              <a:rPr lang="en-GB" sz="1200" dirty="0" err="1">
+                <a:solidFill>
+                  <a:srgbClr val="FF0000"/>
+                </a:solidFill>
+              </a:rPr>
+              <a:t>addEventListener</a:t>
+            </a:r>
+            <a:r>
+              <a:rPr lang="en-GB" sz="1200" dirty="0">
+                <a:solidFill>
+                  <a:srgbClr val="FF0000"/>
+                </a:solidFill>
+              </a:rPr>
+              <a:t> </a:t>
+            </a:r>
+            <a:r>
+              <a:rPr lang="en-GB" sz="1200" b="0" dirty="0">
+                <a:solidFill>
+                  <a:srgbClr val="FF0000"/>
+                </a:solidFill>
+              </a:rPr>
+              <a:t>( </a:t>
+            </a:r>
+            <a:r>
+              <a:rPr lang="en-GB" sz="1200" b="0" dirty="0" err="1">
+                <a:solidFill>
+                  <a:srgbClr val="FF0000"/>
+                </a:solidFill>
+              </a:rPr>
+              <a:t>eventName</a:t>
+            </a:r>
+            <a:r>
+              <a:rPr lang="en-GB" sz="1200" b="0" dirty="0">
+                <a:solidFill>
+                  <a:srgbClr val="FF0000"/>
+                </a:solidFill>
+              </a:rPr>
+              <a:t>, </a:t>
+            </a:r>
+            <a:r>
+              <a:rPr lang="en-GB" sz="1200" b="0" dirty="0" err="1">
+                <a:solidFill>
+                  <a:srgbClr val="FF0000"/>
+                </a:solidFill>
+              </a:rPr>
+              <a:t>eventHandler</a:t>
+            </a:r>
+            <a:r>
+              <a:rPr lang="en-GB" sz="1200" b="0" dirty="0">
+                <a:solidFill>
+                  <a:srgbClr val="FF0000"/>
+                </a:solidFill>
+              </a:rPr>
+              <a:t> )</a:t>
+            </a:r>
+          </a:p>
+          <a:p>
+            <a:r>
+              <a:rPr lang="en-GB" sz="1200" b="0" dirty="0" err="1">
+                <a:solidFill>
+                  <a:srgbClr val="FF0000"/>
+                </a:solidFill>
+              </a:rPr>
+              <a:t>obj.</a:t>
+            </a:r>
+            <a:r>
+              <a:rPr lang="en-GB" sz="1200" dirty="0" err="1">
+                <a:solidFill>
+                  <a:srgbClr val="FF0000"/>
+                </a:solidFill>
+              </a:rPr>
+              <a:t>removeEventListener</a:t>
+            </a:r>
+            <a:r>
+              <a:rPr lang="en-GB" sz="1200" dirty="0">
+                <a:solidFill>
+                  <a:srgbClr val="FF0000"/>
+                </a:solidFill>
+              </a:rPr>
+              <a:t> </a:t>
+            </a:r>
+            <a:r>
+              <a:rPr lang="en-GB" sz="1200" b="0" dirty="0">
+                <a:solidFill>
+                  <a:srgbClr val="FF0000"/>
+                </a:solidFill>
+              </a:rPr>
+              <a:t>( </a:t>
+            </a:r>
+            <a:r>
+              <a:rPr lang="en-GB" sz="1200" b="0" dirty="0" err="1">
+                <a:solidFill>
+                  <a:srgbClr val="FF0000"/>
+                </a:solidFill>
+              </a:rPr>
+              <a:t>eventName</a:t>
+            </a:r>
+            <a:r>
+              <a:rPr lang="en-GB" sz="1200" b="0" dirty="0">
+                <a:solidFill>
+                  <a:srgbClr val="FF0000"/>
+                </a:solidFill>
+              </a:rPr>
+              <a:t> )</a:t>
+            </a:r>
+          </a:p>
+          <a:p>
+            <a:r>
+              <a:rPr lang="en-GB" sz="1200" b="0" dirty="0" err="1">
+                <a:solidFill>
+                  <a:srgbClr val="FF0000"/>
+                </a:solidFill>
+              </a:rPr>
+              <a:t>obj.eventName</a:t>
+            </a:r>
+            <a:r>
+              <a:rPr lang="en-GB" sz="1200" b="0" dirty="0">
+                <a:solidFill>
+                  <a:srgbClr val="FF0000"/>
+                </a:solidFill>
+              </a:rPr>
+              <a:t> = </a:t>
+            </a:r>
+            <a:r>
+              <a:rPr lang="en-GB" sz="1200" b="0" dirty="0" err="1">
+                <a:solidFill>
+                  <a:srgbClr val="FF0000"/>
+                </a:solidFill>
+              </a:rPr>
+              <a:t>eventHandler</a:t>
+            </a:r>
+            <a:endParaRPr lang="en-GB" sz="1200" b="0" dirty="0">
+              <a:solidFill>
+                <a:srgbClr val="FF0000"/>
+              </a:solidFill>
+            </a:endParaRPr>
+          </a:p>
+          <a:p>
+            <a:pPr lvl="0">
+              <a:spcBef>
+                <a:spcPts val="600"/>
+              </a:spcBef>
+            </a:pPr>
+            <a:r>
+              <a:rPr lang="en-GB" sz="1200" b="0" dirty="0">
+                <a:solidFill>
+                  <a:srgbClr val="FF0000"/>
+                </a:solidFill>
+              </a:rPr>
+              <a:t>function </a:t>
+            </a:r>
+            <a:r>
+              <a:rPr lang="en-GB" sz="1200" b="0" dirty="0" err="1">
+                <a:solidFill>
+                  <a:srgbClr val="FF0000"/>
+                </a:solidFill>
+              </a:rPr>
+              <a:t>pointerEventHandler</a:t>
+            </a:r>
+            <a:r>
+              <a:rPr lang="en-GB" sz="1200" b="0" dirty="0">
+                <a:solidFill>
+                  <a:srgbClr val="FF0000"/>
+                </a:solidFill>
+              </a:rPr>
+              <a:t> ( event ) { … }</a:t>
+            </a:r>
+          </a:p>
+          <a:p>
+            <a:r>
+              <a:rPr lang="en-GB" sz="1200" b="0" dirty="0">
+                <a:solidFill>
+                  <a:srgbClr val="FF0000"/>
+                </a:solidFill>
+              </a:rPr>
+              <a:t>function </a:t>
+            </a:r>
+            <a:r>
+              <a:rPr lang="en-GB" sz="1200" b="0" dirty="0" err="1">
+                <a:solidFill>
+                  <a:srgbClr val="FF0000"/>
+                </a:solidFill>
+              </a:rPr>
+              <a:t>timeEventHandler</a:t>
+            </a:r>
+            <a:r>
+              <a:rPr lang="en-GB" sz="1200" b="0" dirty="0">
+                <a:solidFill>
+                  <a:srgbClr val="FF0000"/>
+                </a:solidFill>
+              </a:rPr>
+              <a:t> ( time, </a:t>
+            </a:r>
+            <a:r>
+              <a:rPr lang="en-GB" sz="1200" b="0" dirty="0" err="1">
+                <a:solidFill>
+                  <a:srgbClr val="FF0000"/>
+                </a:solidFill>
+              </a:rPr>
+              <a:t>dTime</a:t>
+            </a:r>
+            <a:r>
+              <a:rPr lang="en-GB" sz="1200" b="0" dirty="0">
+                <a:solidFill>
+                  <a:srgbClr val="FF0000"/>
+                </a:solidFill>
+              </a:rPr>
+              <a:t> ) { … }</a:t>
+            </a:r>
+            <a:endParaRPr lang="en-GB" sz="1200" dirty="0">
+              <a:solidFill>
+                <a:srgbClr val="FF0000"/>
+              </a:solidFill>
+            </a:endParaRPr>
+          </a:p>
+          <a:p>
+            <a:endParaRPr lang="en-GB" sz="1200" dirty="0">
+              <a:solidFill>
+                <a:srgbClr val="FF0000"/>
+              </a:solidFill>
+            </a:endParaRPr>
+          </a:p>
+          <a:p>
+            <a:pPr lvl="0"/>
+            <a:endParaRPr lang="en-GB" sz="1200" dirty="0">
+              <a:solidFill>
+                <a:srgbClr val="FF0000"/>
+              </a:solidFill>
+            </a:endParaRPr>
+          </a:p>
+          <a:p>
+            <a:pPr lvl="0"/>
+            <a:endParaRPr lang="en-GB" sz="1200" dirty="0">
+              <a:solidFill>
+                <a:srgbClr val="FF0000"/>
+              </a:solidFill>
+            </a:endParaRPr>
+          </a:p>
+        </p:txBody>
+      </p:sp>
+      <p:sp>
+        <p:nvSpPr>
+          <p:cNvPr id="28" name="TextBox 27">
+            <a:extLst>
+              <a:ext uri="{FF2B5EF4-FFF2-40B4-BE49-F238E27FC236}">
+                <a16:creationId xmlns:a16="http://schemas.microsoft.com/office/drawing/2014/main" id="{4A43DBA7-0A9B-4703-879D-D7A4922ED042}"/>
+              </a:ext>
+            </a:extLst>
+          </p:cNvPr>
+          <p:cNvSpPr txBox="1"/>
+          <p:nvPr/>
+        </p:nvSpPr>
+        <p:spPr>
+          <a:xfrm>
+            <a:off x="2788681" y="236232"/>
+            <a:ext cx="2763758" cy="3505200"/>
+          </a:xfrm>
+          <a:prstGeom prst="rect">
+            <a:avLst/>
+          </a:prstGeom>
+          <a:noFill/>
+          <a:ln w="3175">
+            <a:noFill/>
+          </a:ln>
+        </p:spPr>
+        <p:style>
+          <a:lnRef idx="2">
+            <a:schemeClr val="accent1">
+              <a:shade val="50000"/>
+            </a:schemeClr>
+          </a:lnRef>
+          <a:fillRef idx="1">
+            <a:schemeClr val="accent1"/>
+          </a:fillRef>
+          <a:effectRef idx="0">
+            <a:schemeClr val="accent1"/>
+          </a:effectRef>
+          <a:fontRef idx="minor">
+            <a:schemeClr val="lt1"/>
+          </a:fontRef>
+        </p:style>
+        <p:txBody>
+          <a:bodyPr rot="0" spcFirstLastPara="0" vertOverflow="overflow" horzOverflow="overflow" vert="horz" wrap="square" lIns="91440" tIns="45720" rIns="0" bIns="45720" numCol="1" spcCol="0" rtlCol="0" fromWordArt="0" anchor="t" anchorCtr="0" forceAA="0" compatLnSpc="1">
+            <a:prstTxWarp prst="textNoShape">
+              <a:avLst/>
+            </a:prstTxWarp>
+            <a:noAutofit/>
+          </a:bodyPr>
+          <a:lstStyle>
+            <a:defPPr>
+              <a:defRPr lang="en-US"/>
+            </a:defPPr>
+            <a:lvl1pPr>
+              <a:tabLst>
+                <a:tab pos="171450" algn="l"/>
+              </a:tabLst>
+              <a:defRPr sz="1000" b="1">
+                <a:solidFill>
+                  <a:schemeClr val="accent1"/>
+                </a:solidFill>
+                <a:latin typeface="Agency FB" panose="020B0503020202020204" pitchFamily="34" charset="0"/>
+              </a:defRPr>
+            </a:lvl1pPr>
+            <a:lvl2pPr>
+              <a:defRPr>
+                <a:solidFill>
+                  <a:schemeClr val="lt1"/>
+                </a:solidFill>
+              </a:defRPr>
+            </a:lvl2pPr>
+            <a:lvl3pPr>
+              <a:defRPr>
+                <a:solidFill>
+                  <a:schemeClr val="lt1"/>
+                </a:solidFill>
+              </a:defRPr>
+            </a:lvl3pPr>
+            <a:lvl4pPr>
+              <a:defRPr>
+                <a:solidFill>
+                  <a:schemeClr val="lt1"/>
+                </a:solidFill>
+              </a:defRPr>
+            </a:lvl4pPr>
+            <a:lvl5pPr>
+              <a:defRPr>
+                <a:solidFill>
+                  <a:schemeClr val="lt1"/>
+                </a:solidFill>
+              </a:defRPr>
+            </a:lvl5pPr>
+            <a:lvl6pPr>
+              <a:defRPr>
+                <a:solidFill>
+                  <a:schemeClr val="lt1"/>
+                </a:solidFill>
+              </a:defRPr>
+            </a:lvl6pPr>
+            <a:lvl7pPr>
+              <a:defRPr>
+                <a:solidFill>
+                  <a:schemeClr val="lt1"/>
+                </a:solidFill>
+              </a:defRPr>
+            </a:lvl7pPr>
+            <a:lvl8pPr>
+              <a:defRPr>
+                <a:solidFill>
+                  <a:schemeClr val="lt1"/>
+                </a:solidFill>
+              </a:defRPr>
+            </a:lvl8pPr>
+            <a:lvl9pPr>
+              <a:defRPr>
+                <a:solidFill>
+                  <a:schemeClr val="lt1"/>
+                </a:solidFill>
+              </a:defRPr>
+            </a:lvl9pPr>
+          </a:lstStyle>
+          <a:p>
+            <a:pPr>
+              <a:tabLst>
+                <a:tab pos="171450" algn="l"/>
+                <a:tab pos="2570163" algn="l"/>
+              </a:tabLst>
+            </a:pPr>
+            <a:r>
+              <a:rPr lang="en-GB" sz="1600" u="sng" dirty="0">
+                <a:solidFill>
+                  <a:srgbClr val="FF0000"/>
+                </a:solidFill>
+              </a:rPr>
+              <a:t>SUICA	</a:t>
+            </a:r>
+          </a:p>
+          <a:p>
+            <a:pPr lvl="0"/>
+            <a:r>
+              <a:rPr lang="fr-FR" sz="1200" b="0" dirty="0">
+                <a:solidFill>
+                  <a:schemeClr val="tx1"/>
+                </a:solidFill>
+              </a:rPr>
+              <a:t>&lt;script src="</a:t>
+            </a:r>
+            <a:r>
+              <a:rPr lang="fr-FR" sz="1200" dirty="0">
+                <a:solidFill>
+                  <a:schemeClr val="tx1"/>
+                </a:solidFill>
+              </a:rPr>
+              <a:t>suica.js</a:t>
+            </a:r>
+            <a:r>
+              <a:rPr lang="fr-FR" sz="1200" b="0" dirty="0">
+                <a:solidFill>
+                  <a:schemeClr val="tx1"/>
+                </a:solidFill>
+              </a:rPr>
+              <a:t>"&gt;&lt;/script&gt;</a:t>
+            </a:r>
+          </a:p>
+          <a:p>
+            <a:pPr lvl="0"/>
+            <a:r>
+              <a:rPr lang="fr-FR" sz="1200" b="0" dirty="0">
+                <a:solidFill>
+                  <a:srgbClr val="FF0000"/>
+                </a:solidFill>
+              </a:rPr>
+              <a:t>&lt;</a:t>
+            </a:r>
+            <a:r>
+              <a:rPr lang="fr-FR" sz="1200" b="0" dirty="0" err="1">
+                <a:solidFill>
+                  <a:srgbClr val="FF0000"/>
+                </a:solidFill>
+              </a:rPr>
+              <a:t>suica</a:t>
+            </a:r>
+            <a:r>
+              <a:rPr lang="fr-FR" sz="1200" b="0" dirty="0">
+                <a:solidFill>
+                  <a:srgbClr val="FF0000"/>
+                </a:solidFill>
+              </a:rPr>
+              <a:t>&gt; … &lt;/</a:t>
+            </a:r>
+            <a:r>
+              <a:rPr lang="fr-FR" sz="1200" b="0" dirty="0" err="1">
+                <a:solidFill>
+                  <a:srgbClr val="FF0000"/>
+                </a:solidFill>
+              </a:rPr>
+              <a:t>suica</a:t>
+            </a:r>
+            <a:r>
+              <a:rPr lang="fr-FR" sz="1200" b="0" dirty="0">
+                <a:solidFill>
+                  <a:srgbClr val="FF0000"/>
+                </a:solidFill>
+              </a:rPr>
+              <a:t>&gt;</a:t>
+            </a:r>
+          </a:p>
+          <a:p>
+            <a:pPr lvl="0">
+              <a:spcBef>
+                <a:spcPts val="600"/>
+              </a:spcBef>
+            </a:pPr>
+            <a:r>
+              <a:rPr lang="fr-FR" sz="1200" dirty="0">
+                <a:solidFill>
+                  <a:srgbClr val="FF0000"/>
+                </a:solidFill>
+              </a:rPr>
+              <a:t>background</a:t>
+            </a:r>
+            <a:r>
+              <a:rPr lang="fr-FR" sz="1200" b="0" dirty="0">
+                <a:solidFill>
+                  <a:srgbClr val="FF0000"/>
+                </a:solidFill>
+              </a:rPr>
+              <a:t> ( </a:t>
+            </a:r>
+            <a:r>
+              <a:rPr lang="fr-FR" sz="1200" b="0" dirty="0" err="1">
+                <a:solidFill>
+                  <a:srgbClr val="FF0000"/>
+                </a:solidFill>
+              </a:rPr>
+              <a:t>color</a:t>
+            </a:r>
+            <a:r>
+              <a:rPr lang="fr-FR" sz="1200" b="0" dirty="0">
+                <a:solidFill>
+                  <a:srgbClr val="FF0000"/>
+                </a:solidFill>
+              </a:rPr>
+              <a:t> )</a:t>
+            </a:r>
+          </a:p>
+          <a:p>
+            <a:pPr lvl="0"/>
+            <a:r>
+              <a:rPr lang="fr-FR" sz="1200" dirty="0">
+                <a:solidFill>
+                  <a:srgbClr val="FF0000"/>
+                </a:solidFill>
+              </a:rPr>
+              <a:t>proactive</a:t>
+            </a:r>
+            <a:r>
+              <a:rPr lang="fr-FR" sz="1200" b="0" dirty="0">
+                <a:solidFill>
+                  <a:srgbClr val="FF0000"/>
+                </a:solidFill>
+              </a:rPr>
+              <a:t> ( )</a:t>
+            </a:r>
+          </a:p>
+          <a:p>
+            <a:pPr lvl="0"/>
+            <a:r>
+              <a:rPr lang="fr-FR" sz="1200" dirty="0" err="1">
+                <a:solidFill>
+                  <a:srgbClr val="FF0000"/>
+                </a:solidFill>
+              </a:rPr>
+              <a:t>oxyz</a:t>
+            </a:r>
+            <a:r>
+              <a:rPr lang="fr-FR" sz="1200" b="0" dirty="0">
+                <a:solidFill>
+                  <a:srgbClr val="FF0000"/>
+                </a:solidFill>
+              </a:rPr>
+              <a:t> ( size, </a:t>
+            </a:r>
+            <a:r>
+              <a:rPr lang="fr-FR" sz="1200" b="0" dirty="0" err="1">
+                <a:solidFill>
+                  <a:srgbClr val="FF0000"/>
+                </a:solidFill>
+              </a:rPr>
+              <a:t>color</a:t>
+            </a:r>
+            <a:r>
+              <a:rPr lang="fr-FR" sz="1200" b="0" dirty="0">
+                <a:solidFill>
+                  <a:srgbClr val="FF0000"/>
+                </a:solidFill>
+              </a:rPr>
+              <a:t> )</a:t>
+            </a:r>
+          </a:p>
+          <a:p>
+            <a:pPr lvl="0"/>
+            <a:r>
+              <a:rPr lang="fr-FR" sz="1200" dirty="0" err="1">
+                <a:solidFill>
+                  <a:srgbClr val="FF0000"/>
+                </a:solidFill>
+              </a:rPr>
+              <a:t>demo</a:t>
+            </a:r>
+            <a:r>
+              <a:rPr lang="fr-FR" sz="1200" b="0" dirty="0">
+                <a:solidFill>
+                  <a:srgbClr val="FF0000"/>
+                </a:solidFill>
+              </a:rPr>
+              <a:t> ( distance, altitude, speed )</a:t>
+            </a:r>
+          </a:p>
+          <a:p>
+            <a:r>
+              <a:rPr lang="fr-FR" sz="1200" dirty="0" err="1">
+                <a:solidFill>
+                  <a:srgbClr val="FF0000"/>
+                </a:solidFill>
+              </a:rPr>
+              <a:t>orbit</a:t>
+            </a:r>
+            <a:r>
+              <a:rPr lang="fr-FR" sz="1200" b="0" dirty="0">
+                <a:solidFill>
+                  <a:srgbClr val="FF0000"/>
+                </a:solidFill>
+              </a:rPr>
+              <a:t> ( distance, altitude, speed )</a:t>
+            </a:r>
+          </a:p>
+          <a:p>
+            <a:r>
+              <a:rPr lang="fr-FR" sz="1200" dirty="0" err="1">
+                <a:solidFill>
+                  <a:srgbClr val="FF0000"/>
+                </a:solidFill>
+              </a:rPr>
+              <a:t>lookAt</a:t>
+            </a:r>
+            <a:r>
+              <a:rPr lang="fr-FR" sz="1200" dirty="0">
+                <a:solidFill>
+                  <a:srgbClr val="FF0000"/>
+                </a:solidFill>
+              </a:rPr>
+              <a:t> </a:t>
+            </a:r>
+            <a:r>
+              <a:rPr lang="fr-FR" sz="1200" b="0" dirty="0">
+                <a:solidFill>
+                  <a:srgbClr val="FF0000"/>
+                </a:solidFill>
+              </a:rPr>
+              <a:t>( </a:t>
+            </a:r>
+            <a:r>
+              <a:rPr lang="fr-FR" sz="1200" b="0" dirty="0" err="1">
+                <a:solidFill>
+                  <a:srgbClr val="FF0000"/>
+                </a:solidFill>
+              </a:rPr>
+              <a:t>from</a:t>
+            </a:r>
+            <a:r>
+              <a:rPr lang="fr-FR" sz="1200" b="0" dirty="0">
+                <a:solidFill>
+                  <a:srgbClr val="FF0000"/>
+                </a:solidFill>
+              </a:rPr>
+              <a:t>, to, up )</a:t>
+            </a:r>
+          </a:p>
+          <a:p>
+            <a:pPr>
+              <a:spcBef>
+                <a:spcPts val="600"/>
+              </a:spcBef>
+            </a:pPr>
+            <a:r>
+              <a:rPr lang="fr-FR" sz="1200" dirty="0">
+                <a:solidFill>
+                  <a:srgbClr val="FF0000"/>
+                </a:solidFill>
+              </a:rPr>
+              <a:t>perspective</a:t>
+            </a:r>
+            <a:r>
+              <a:rPr lang="fr-FR" sz="1200" b="0" dirty="0">
+                <a:solidFill>
+                  <a:srgbClr val="FF0000"/>
+                </a:solidFill>
+              </a:rPr>
+              <a:t> ( </a:t>
+            </a:r>
+            <a:r>
+              <a:rPr lang="fr-FR" sz="1200" b="0" dirty="0" err="1">
+                <a:solidFill>
+                  <a:srgbClr val="FF0000"/>
+                </a:solidFill>
+              </a:rPr>
+              <a:t>near</a:t>
+            </a:r>
+            <a:r>
+              <a:rPr lang="fr-FR" sz="1200" b="0" dirty="0">
+                <a:solidFill>
+                  <a:srgbClr val="FF0000"/>
+                </a:solidFill>
+              </a:rPr>
+              <a:t>, far, </a:t>
+            </a:r>
+            <a:r>
+              <a:rPr lang="fr-FR" sz="1200" b="0" dirty="0" err="1">
+                <a:solidFill>
+                  <a:srgbClr val="FF0000"/>
+                </a:solidFill>
+              </a:rPr>
+              <a:t>fov</a:t>
+            </a:r>
+            <a:r>
+              <a:rPr lang="fr-FR" sz="1200" b="0" dirty="0">
+                <a:solidFill>
+                  <a:srgbClr val="FF0000"/>
+                </a:solidFill>
+              </a:rPr>
+              <a:t> )</a:t>
+            </a:r>
+          </a:p>
+          <a:p>
+            <a:r>
+              <a:rPr lang="fr-FR" sz="1200" dirty="0" err="1">
+                <a:solidFill>
+                  <a:srgbClr val="FF0000"/>
+                </a:solidFill>
+              </a:rPr>
+              <a:t>orthographic</a:t>
+            </a:r>
+            <a:r>
+              <a:rPr lang="fr-FR" sz="1200" b="0" dirty="0">
+                <a:solidFill>
+                  <a:srgbClr val="FF0000"/>
+                </a:solidFill>
+              </a:rPr>
+              <a:t> ( </a:t>
+            </a:r>
+            <a:r>
+              <a:rPr lang="fr-FR" sz="1200" b="0" dirty="0" err="1">
+                <a:solidFill>
+                  <a:srgbClr val="FF0000"/>
+                </a:solidFill>
+              </a:rPr>
+              <a:t>near</a:t>
+            </a:r>
+            <a:r>
+              <a:rPr lang="fr-FR" sz="1200" b="0" dirty="0">
+                <a:solidFill>
+                  <a:srgbClr val="FF0000"/>
+                </a:solidFill>
+              </a:rPr>
+              <a:t>, far )</a:t>
+            </a:r>
+          </a:p>
+          <a:p>
+            <a:r>
+              <a:rPr lang="fr-FR" sz="1200" dirty="0" err="1">
+                <a:solidFill>
+                  <a:srgbClr val="FF0000"/>
+                </a:solidFill>
+              </a:rPr>
+              <a:t>fullWindow</a:t>
+            </a:r>
+            <a:r>
+              <a:rPr lang="fr-FR" sz="1200" b="0" dirty="0">
+                <a:solidFill>
+                  <a:srgbClr val="FF0000"/>
+                </a:solidFill>
+              </a:rPr>
+              <a:t> ( )</a:t>
+            </a:r>
+          </a:p>
+          <a:p>
+            <a:r>
+              <a:rPr lang="fr-FR" sz="1200" dirty="0" err="1">
+                <a:solidFill>
+                  <a:srgbClr val="FF0000"/>
+                </a:solidFill>
+              </a:rPr>
+              <a:t>fullScreen</a:t>
+            </a:r>
+            <a:r>
+              <a:rPr lang="fr-FR" sz="1200" b="0" dirty="0">
+                <a:solidFill>
+                  <a:srgbClr val="FF0000"/>
+                </a:solidFill>
+              </a:rPr>
+              <a:t> ( )</a:t>
+            </a:r>
+          </a:p>
+          <a:p>
+            <a:r>
+              <a:rPr lang="fr-FR" sz="1200" dirty="0" err="1">
+                <a:solidFill>
+                  <a:srgbClr val="FF0000"/>
+                </a:solidFill>
+              </a:rPr>
+              <a:t>stereo</a:t>
+            </a:r>
+            <a:r>
+              <a:rPr lang="fr-FR" sz="1200" b="0" dirty="0">
+                <a:solidFill>
+                  <a:srgbClr val="FF0000"/>
+                </a:solidFill>
+              </a:rPr>
+              <a:t> ( distance )</a:t>
+            </a:r>
+          </a:p>
+          <a:p>
+            <a:r>
+              <a:rPr lang="fr-FR" sz="1200" dirty="0" err="1">
+                <a:solidFill>
+                  <a:srgbClr val="FF0000"/>
+                </a:solidFill>
+              </a:rPr>
+              <a:t>anaglyph</a:t>
+            </a:r>
+            <a:r>
+              <a:rPr lang="fr-FR" sz="1200" b="0" dirty="0">
+                <a:solidFill>
+                  <a:srgbClr val="FF0000"/>
+                </a:solidFill>
+              </a:rPr>
+              <a:t> ( distance )</a:t>
+            </a:r>
+          </a:p>
+          <a:p>
+            <a:r>
+              <a:rPr lang="fr-FR" sz="1200" dirty="0" err="1">
+                <a:solidFill>
+                  <a:srgbClr val="FF0000"/>
+                </a:solidFill>
+              </a:rPr>
+              <a:t>vr</a:t>
+            </a:r>
+            <a:r>
+              <a:rPr lang="fr-FR" sz="1200" b="0" dirty="0">
+                <a:solidFill>
+                  <a:srgbClr val="FF0000"/>
+                </a:solidFill>
+              </a:rPr>
+              <a:t> ( )</a:t>
+            </a:r>
+          </a:p>
+          <a:p>
+            <a:pPr>
+              <a:spcBef>
+                <a:spcPts val="600"/>
+              </a:spcBef>
+            </a:pPr>
+            <a:r>
+              <a:rPr lang="fr-FR" sz="1200" dirty="0">
+                <a:solidFill>
+                  <a:srgbClr val="FF0000"/>
+                </a:solidFill>
+              </a:rPr>
+              <a:t>capture</a:t>
+            </a:r>
+            <a:r>
+              <a:rPr lang="fr-FR" sz="1200" b="0" dirty="0">
+                <a:solidFill>
+                  <a:srgbClr val="FF0000"/>
+                </a:solidFill>
+              </a:rPr>
+              <a:t> ( </a:t>
+            </a:r>
+            <a:r>
+              <a:rPr lang="fr-FR" sz="1200" b="0" dirty="0" err="1">
+                <a:solidFill>
+                  <a:srgbClr val="FF0000"/>
+                </a:solidFill>
+              </a:rPr>
+              <a:t>filename</a:t>
+            </a:r>
+            <a:r>
+              <a:rPr lang="fr-FR" sz="1200" b="0" dirty="0">
+                <a:solidFill>
+                  <a:srgbClr val="FF0000"/>
+                </a:solidFill>
+              </a:rPr>
+              <a:t>, time, </a:t>
+            </a:r>
+            <a:r>
+              <a:rPr lang="fr-FR" sz="1200" b="0" dirty="0" err="1">
+                <a:solidFill>
+                  <a:srgbClr val="FF0000"/>
+                </a:solidFill>
+              </a:rPr>
+              <a:t>fps</a:t>
+            </a:r>
+            <a:r>
+              <a:rPr lang="fr-FR" sz="1200" b="0" dirty="0">
+                <a:solidFill>
+                  <a:srgbClr val="FF0000"/>
+                </a:solidFill>
+              </a:rPr>
+              <a:t>, format, </a:t>
+            </a:r>
+            <a:r>
+              <a:rPr lang="fr-FR" sz="1200" b="0" dirty="0" err="1">
+                <a:solidFill>
+                  <a:srgbClr val="FF0000"/>
+                </a:solidFill>
+              </a:rPr>
+              <a:t>skipframes</a:t>
+            </a:r>
+            <a:r>
+              <a:rPr lang="fr-FR" sz="1200" b="0" dirty="0">
+                <a:solidFill>
+                  <a:srgbClr val="FF0000"/>
+                </a:solidFill>
+              </a:rPr>
+              <a:t> )</a:t>
+            </a:r>
+            <a:endParaRPr lang="en-GB" sz="1200" b="0" dirty="0">
+              <a:solidFill>
+                <a:srgbClr val="FF0000"/>
+              </a:solidFill>
+            </a:endParaRPr>
+          </a:p>
+        </p:txBody>
+      </p:sp>
+      <p:sp>
+        <p:nvSpPr>
+          <p:cNvPr id="34" name="TextBox 33">
+            <a:extLst>
+              <a:ext uri="{FF2B5EF4-FFF2-40B4-BE49-F238E27FC236}">
+                <a16:creationId xmlns:a16="http://schemas.microsoft.com/office/drawing/2014/main" id="{456EF9B0-93E4-46D7-AD2D-C0A463E031DD}"/>
+              </a:ext>
+            </a:extLst>
+          </p:cNvPr>
+          <p:cNvSpPr txBox="1"/>
+          <p:nvPr/>
+        </p:nvSpPr>
+        <p:spPr>
+          <a:xfrm>
+            <a:off x="7631834" y="283022"/>
+            <a:ext cx="2197966" cy="4212778"/>
+          </a:xfrm>
+          <a:prstGeom prst="rect">
+            <a:avLst/>
+          </a:prstGeom>
+          <a:noFill/>
+          <a:ln w="3175">
+            <a:noFill/>
+          </a:ln>
+        </p:spPr>
+        <p:style>
+          <a:lnRef idx="2">
+            <a:schemeClr val="accent1">
+              <a:shade val="50000"/>
+            </a:schemeClr>
+          </a:lnRef>
+          <a:fillRef idx="1">
+            <a:schemeClr val="accent1"/>
+          </a:fillRef>
+          <a:effectRef idx="0">
+            <a:schemeClr val="accent1"/>
+          </a:effectRef>
+          <a:fontRef idx="minor">
+            <a:schemeClr val="lt1"/>
+          </a:fontRef>
+        </p:style>
+        <p:txBody>
+          <a:bodyPr rot="0" spcFirstLastPara="0" vertOverflow="overflow" horzOverflow="overflow" vert="horz" wrap="square" lIns="91440" tIns="45720" rIns="0" bIns="45720" numCol="1" spcCol="0" rtlCol="0" fromWordArt="0" anchor="t" anchorCtr="0" forceAA="0" compatLnSpc="1">
+            <a:prstTxWarp prst="textNoShape">
+              <a:avLst/>
+            </a:prstTxWarp>
+            <a:noAutofit/>
+          </a:bodyPr>
+          <a:lstStyle>
+            <a:defPPr>
+              <a:defRPr lang="en-US"/>
+            </a:defPPr>
+            <a:lvl1pPr>
+              <a:tabLst>
+                <a:tab pos="171450" algn="l"/>
+              </a:tabLst>
+              <a:defRPr sz="1000" b="1">
+                <a:solidFill>
+                  <a:schemeClr val="accent1"/>
+                </a:solidFill>
+                <a:latin typeface="Agency FB" panose="020B0503020202020204" pitchFamily="34" charset="0"/>
+              </a:defRPr>
+            </a:lvl1pPr>
+            <a:lvl2pPr>
+              <a:defRPr>
+                <a:solidFill>
+                  <a:schemeClr val="lt1"/>
+                </a:solidFill>
+              </a:defRPr>
+            </a:lvl2pPr>
+            <a:lvl3pPr>
+              <a:defRPr>
+                <a:solidFill>
+                  <a:schemeClr val="lt1"/>
+                </a:solidFill>
+              </a:defRPr>
+            </a:lvl3pPr>
+            <a:lvl4pPr>
+              <a:defRPr>
+                <a:solidFill>
+                  <a:schemeClr val="lt1"/>
+                </a:solidFill>
+              </a:defRPr>
+            </a:lvl4pPr>
+            <a:lvl5pPr>
+              <a:defRPr>
+                <a:solidFill>
+                  <a:schemeClr val="lt1"/>
+                </a:solidFill>
+              </a:defRPr>
+            </a:lvl5pPr>
+            <a:lvl6pPr>
+              <a:defRPr>
+                <a:solidFill>
+                  <a:schemeClr val="lt1"/>
+                </a:solidFill>
+              </a:defRPr>
+            </a:lvl6pPr>
+            <a:lvl7pPr>
+              <a:defRPr>
+                <a:solidFill>
+                  <a:schemeClr val="lt1"/>
+                </a:solidFill>
+              </a:defRPr>
+            </a:lvl7pPr>
+            <a:lvl8pPr>
+              <a:defRPr>
+                <a:solidFill>
+                  <a:schemeClr val="lt1"/>
+                </a:solidFill>
+              </a:defRPr>
+            </a:lvl8pPr>
+            <a:lvl9pPr>
+              <a:defRPr>
+                <a:solidFill>
+                  <a:schemeClr val="lt1"/>
+                </a:solidFill>
+              </a:defRPr>
+            </a:lvl9pPr>
+          </a:lstStyle>
+          <a:p>
+            <a:pPr>
+              <a:tabLst>
+                <a:tab pos="171450" algn="l"/>
+                <a:tab pos="2001838" algn="l"/>
+              </a:tabLst>
+            </a:pPr>
+            <a:r>
+              <a:rPr lang="en-GB" sz="1600" u="sng">
+                <a:solidFill>
+                  <a:srgbClr val="FF0000"/>
+                </a:solidFill>
+              </a:rPr>
+              <a:t>PROPERTIES</a:t>
+            </a:r>
+            <a:r>
+              <a:rPr lang="en-GB" sz="1600" u="sng" dirty="0">
+                <a:solidFill>
+                  <a:srgbClr val="FF0000"/>
+                </a:solidFill>
+              </a:rPr>
+              <a:t>	</a:t>
+            </a:r>
+          </a:p>
+          <a:p>
+            <a:pPr lvl="0"/>
+            <a:r>
+              <a:rPr lang="fr-FR" sz="1200" dirty="0">
+                <a:solidFill>
+                  <a:schemeClr val="tx1"/>
+                </a:solidFill>
+              </a:rPr>
+              <a:t>center </a:t>
+            </a:r>
+            <a:r>
+              <a:rPr lang="fr-FR" sz="1200" b="0" dirty="0">
+                <a:solidFill>
+                  <a:schemeClr val="tx1"/>
+                </a:solidFill>
+              </a:rPr>
+              <a:t>= "</a:t>
+            </a:r>
+            <a:r>
+              <a:rPr lang="fr-FR" sz="1200" dirty="0">
+                <a:solidFill>
+                  <a:schemeClr val="tx1"/>
+                </a:solidFill>
+              </a:rPr>
+              <a:t>x</a:t>
+            </a:r>
+            <a:r>
+              <a:rPr lang="fr-FR" sz="1200" b="0" dirty="0">
+                <a:solidFill>
+                  <a:schemeClr val="tx1"/>
+                </a:solidFill>
+              </a:rPr>
+              <a:t>, </a:t>
+            </a:r>
+            <a:r>
+              <a:rPr lang="fr-FR" sz="1200" dirty="0">
+                <a:solidFill>
+                  <a:schemeClr val="tx1"/>
+                </a:solidFill>
+              </a:rPr>
+              <a:t>y</a:t>
+            </a:r>
+            <a:r>
+              <a:rPr lang="fr-FR" sz="1200" b="0" dirty="0">
+                <a:solidFill>
+                  <a:schemeClr val="tx1"/>
+                </a:solidFill>
+              </a:rPr>
+              <a:t>, </a:t>
+            </a:r>
+            <a:r>
+              <a:rPr lang="fr-FR" sz="1200" dirty="0">
+                <a:solidFill>
+                  <a:schemeClr val="tx1"/>
+                </a:solidFill>
+              </a:rPr>
+              <a:t>z</a:t>
+            </a:r>
+            <a:r>
+              <a:rPr lang="fr-FR" sz="1200" b="0" dirty="0">
+                <a:solidFill>
+                  <a:schemeClr val="tx1"/>
+                </a:solidFill>
+              </a:rPr>
+              <a:t>" </a:t>
+            </a:r>
+          </a:p>
+          <a:p>
+            <a:pPr lvl="0"/>
+            <a:r>
+              <a:rPr lang="fr-FR" sz="1200" dirty="0">
+                <a:solidFill>
+                  <a:schemeClr val="tx1"/>
+                </a:solidFill>
+              </a:rPr>
+              <a:t>point </a:t>
+            </a:r>
+            <a:r>
+              <a:rPr lang="fr-FR" sz="1200" b="0" dirty="0">
+                <a:solidFill>
+                  <a:schemeClr val="tx1"/>
+                </a:solidFill>
+              </a:rPr>
+              <a:t>= "</a:t>
+            </a:r>
+            <a:r>
+              <a:rPr lang="fr-FR" sz="1200" dirty="0">
+                <a:solidFill>
+                  <a:schemeClr val="tx1"/>
+                </a:solidFill>
+              </a:rPr>
+              <a:t>x</a:t>
+            </a:r>
+            <a:r>
+              <a:rPr lang="fr-FR" sz="1200" b="0" dirty="0">
+                <a:solidFill>
+                  <a:schemeClr val="tx1"/>
+                </a:solidFill>
+              </a:rPr>
+              <a:t>, </a:t>
+            </a:r>
+            <a:r>
+              <a:rPr lang="fr-FR" sz="1200" dirty="0">
+                <a:solidFill>
+                  <a:schemeClr val="tx1"/>
+                </a:solidFill>
+              </a:rPr>
+              <a:t>y</a:t>
+            </a:r>
+            <a:r>
+              <a:rPr lang="fr-FR" sz="1200" b="0" dirty="0">
+                <a:solidFill>
+                  <a:schemeClr val="tx1"/>
+                </a:solidFill>
+              </a:rPr>
+              <a:t>"</a:t>
+            </a:r>
+          </a:p>
+          <a:p>
+            <a:r>
+              <a:rPr lang="fr-FR" sz="1200" dirty="0">
+                <a:solidFill>
+                  <a:schemeClr val="tx1"/>
+                </a:solidFill>
+              </a:rPr>
+              <a:t>size</a:t>
+            </a:r>
+            <a:r>
+              <a:rPr lang="fr-FR" sz="1200" b="0" dirty="0">
+                <a:solidFill>
+                  <a:schemeClr val="tx1"/>
+                </a:solidFill>
+              </a:rPr>
+              <a:t> = "</a:t>
+            </a:r>
+            <a:r>
+              <a:rPr lang="en-US" sz="1200" b="0" dirty="0">
+                <a:solidFill>
+                  <a:schemeClr val="tx1"/>
+                </a:solidFill>
+              </a:rPr>
+              <a:t>width"</a:t>
+            </a:r>
+            <a:endParaRPr lang="fr-FR" sz="1200" b="0" dirty="0">
+              <a:solidFill>
+                <a:schemeClr val="tx1"/>
+              </a:solidFill>
+            </a:endParaRPr>
+          </a:p>
+          <a:p>
+            <a:pPr lvl="0"/>
+            <a:r>
+              <a:rPr lang="fr-FR" sz="1200" dirty="0">
+                <a:solidFill>
+                  <a:schemeClr val="tx1"/>
+                </a:solidFill>
+              </a:rPr>
+              <a:t>size</a:t>
+            </a:r>
+            <a:r>
+              <a:rPr lang="fr-FR" sz="1200" b="0" dirty="0">
+                <a:solidFill>
+                  <a:schemeClr val="tx1"/>
+                </a:solidFill>
+              </a:rPr>
+              <a:t> = </a:t>
+            </a:r>
+            <a:r>
+              <a:rPr lang="en-US" sz="1200" b="0" dirty="0">
+                <a:solidFill>
+                  <a:schemeClr val="tx1"/>
+                </a:solidFill>
+              </a:rPr>
+              <a:t>"</a:t>
+            </a:r>
+            <a:r>
+              <a:rPr lang="en-US" sz="1200" dirty="0">
+                <a:solidFill>
+                  <a:schemeClr val="tx1"/>
+                </a:solidFill>
+              </a:rPr>
+              <a:t>width</a:t>
+            </a:r>
+            <a:r>
+              <a:rPr lang="en-US" sz="1200" b="0" dirty="0">
+                <a:solidFill>
+                  <a:schemeClr val="tx1"/>
+                </a:solidFill>
+              </a:rPr>
+              <a:t>, </a:t>
+            </a:r>
+            <a:r>
+              <a:rPr lang="en-US" sz="1200" dirty="0">
+                <a:solidFill>
+                  <a:schemeClr val="tx1"/>
+                </a:solidFill>
+              </a:rPr>
+              <a:t>height</a:t>
+            </a:r>
+            <a:r>
+              <a:rPr lang="en-US" sz="1200" b="0" dirty="0">
+                <a:solidFill>
+                  <a:schemeClr val="tx1"/>
+                </a:solidFill>
+              </a:rPr>
+              <a:t>, </a:t>
+            </a:r>
+            <a:r>
+              <a:rPr lang="en-US" sz="1200" dirty="0">
+                <a:solidFill>
+                  <a:schemeClr val="tx1"/>
+                </a:solidFill>
+              </a:rPr>
+              <a:t>depth</a:t>
+            </a:r>
+            <a:r>
+              <a:rPr lang="en-US" sz="1200" b="0" dirty="0">
+                <a:solidFill>
+                  <a:schemeClr val="tx1"/>
+                </a:solidFill>
+              </a:rPr>
+              <a:t>"</a:t>
+            </a:r>
+            <a:endParaRPr lang="fr-FR" sz="1200" b="0" dirty="0">
+              <a:solidFill>
+                <a:schemeClr val="tx1"/>
+              </a:solidFill>
+            </a:endParaRPr>
+          </a:p>
+          <a:p>
+            <a:r>
+              <a:rPr lang="fr-FR" sz="1200" dirty="0">
+                <a:solidFill>
+                  <a:schemeClr val="tx1"/>
+                </a:solidFill>
+              </a:rPr>
+              <a:t>spin</a:t>
+            </a:r>
+            <a:r>
+              <a:rPr lang="fr-FR" sz="1200" b="0" dirty="0">
+                <a:solidFill>
+                  <a:schemeClr val="tx1"/>
+                </a:solidFill>
+              </a:rPr>
+              <a:t> = "</a:t>
+            </a:r>
+            <a:r>
+              <a:rPr lang="en-US" sz="1200" b="0" dirty="0" err="1">
+                <a:solidFill>
+                  <a:schemeClr val="tx1"/>
+                </a:solidFill>
+              </a:rPr>
+              <a:t>spinH</a:t>
+            </a:r>
+            <a:r>
+              <a:rPr lang="en-US" sz="1200" b="0" dirty="0">
+                <a:solidFill>
+                  <a:schemeClr val="tx1"/>
+                </a:solidFill>
+              </a:rPr>
+              <a:t>"</a:t>
+            </a:r>
+            <a:endParaRPr lang="fr-FR" sz="1200" b="0" dirty="0">
+              <a:solidFill>
+                <a:schemeClr val="tx1"/>
+              </a:solidFill>
+            </a:endParaRPr>
+          </a:p>
+          <a:p>
+            <a:pPr lvl="0"/>
+            <a:r>
+              <a:rPr lang="fr-FR" sz="1200" dirty="0">
+                <a:solidFill>
+                  <a:schemeClr val="tx1"/>
+                </a:solidFill>
+              </a:rPr>
+              <a:t>spin</a:t>
+            </a:r>
+            <a:r>
+              <a:rPr lang="fr-FR" sz="1200" b="0" dirty="0">
+                <a:solidFill>
+                  <a:schemeClr val="tx1"/>
+                </a:solidFill>
+              </a:rPr>
+              <a:t> = </a:t>
+            </a:r>
+            <a:r>
+              <a:rPr lang="en-US" sz="1200" b="0" dirty="0">
+                <a:solidFill>
+                  <a:schemeClr val="tx1"/>
+                </a:solidFill>
+              </a:rPr>
+              <a:t>"</a:t>
+            </a:r>
+            <a:r>
+              <a:rPr lang="en-US" sz="1200" dirty="0" err="1">
+                <a:solidFill>
+                  <a:schemeClr val="tx1"/>
+                </a:solidFill>
+              </a:rPr>
+              <a:t>spinH</a:t>
+            </a:r>
+            <a:r>
+              <a:rPr lang="en-US" sz="1200" b="0" dirty="0">
+                <a:solidFill>
+                  <a:schemeClr val="tx1"/>
+                </a:solidFill>
+              </a:rPr>
+              <a:t>, </a:t>
+            </a:r>
+            <a:r>
+              <a:rPr lang="en-US" sz="1200" dirty="0" err="1">
+                <a:solidFill>
+                  <a:schemeClr val="tx1"/>
+                </a:solidFill>
+              </a:rPr>
+              <a:t>spinV</a:t>
+            </a:r>
+            <a:r>
+              <a:rPr lang="en-US" sz="1200" b="0" dirty="0">
+                <a:solidFill>
+                  <a:schemeClr val="tx1"/>
+                </a:solidFill>
+              </a:rPr>
+              <a:t>, </a:t>
+            </a:r>
+            <a:r>
+              <a:rPr lang="en-US" sz="1200" dirty="0" err="1">
+                <a:solidFill>
+                  <a:schemeClr val="tx1"/>
+                </a:solidFill>
+              </a:rPr>
+              <a:t>spinT</a:t>
+            </a:r>
+            <a:r>
+              <a:rPr lang="en-US" sz="1200" b="0" dirty="0">
+                <a:solidFill>
+                  <a:schemeClr val="tx1"/>
+                </a:solidFill>
+              </a:rPr>
+              <a:t>"</a:t>
+            </a:r>
+          </a:p>
+          <a:p>
+            <a:pPr lvl="0"/>
+            <a:r>
+              <a:rPr lang="en-US" sz="1200" dirty="0">
+                <a:solidFill>
+                  <a:srgbClr val="FF0000"/>
+                </a:solidFill>
+              </a:rPr>
+              <a:t>color</a:t>
+            </a:r>
+            <a:r>
+              <a:rPr lang="en-US" sz="1200" b="0" dirty="0">
+                <a:solidFill>
+                  <a:srgbClr val="FF0000"/>
+                </a:solidFill>
+              </a:rPr>
+              <a:t> = ‘</a:t>
+            </a:r>
+            <a:r>
+              <a:rPr lang="en-US" sz="1200" b="0" dirty="0" err="1">
+                <a:solidFill>
+                  <a:srgbClr val="FF0000"/>
+                </a:solidFill>
+              </a:rPr>
+              <a:t>colorName</a:t>
+            </a:r>
+            <a:r>
+              <a:rPr lang="en-US" sz="1200" b="0" dirty="0">
+                <a:solidFill>
+                  <a:srgbClr val="FF0000"/>
+                </a:solidFill>
+              </a:rPr>
+              <a:t>’</a:t>
+            </a:r>
+          </a:p>
+          <a:p>
+            <a:pPr lvl="0"/>
+            <a:r>
+              <a:rPr lang="en-US" sz="1200" dirty="0">
+                <a:solidFill>
+                  <a:srgbClr val="FF0000"/>
+                </a:solidFill>
+              </a:rPr>
+              <a:t>color</a:t>
+            </a:r>
+            <a:r>
+              <a:rPr lang="en-US" sz="1200" b="0" dirty="0">
+                <a:solidFill>
+                  <a:srgbClr val="FF0000"/>
+                </a:solidFill>
+              </a:rPr>
+              <a:t> = 0xFFFFFF</a:t>
+            </a:r>
+          </a:p>
+          <a:p>
+            <a:pPr lvl="0"/>
+            <a:r>
+              <a:rPr lang="en-US" sz="1200" dirty="0">
+                <a:solidFill>
+                  <a:srgbClr val="FF0000"/>
+                </a:solidFill>
+              </a:rPr>
+              <a:t>color</a:t>
+            </a:r>
+            <a:r>
+              <a:rPr lang="en-US" sz="1200" b="0" dirty="0">
+                <a:solidFill>
+                  <a:srgbClr val="FF0000"/>
+                </a:solidFill>
+              </a:rPr>
+              <a:t> = [</a:t>
+            </a:r>
+            <a:r>
+              <a:rPr lang="en-US" sz="1200" b="0" dirty="0" err="1">
+                <a:solidFill>
+                  <a:srgbClr val="FF0000"/>
+                </a:solidFill>
+              </a:rPr>
+              <a:t>r,g,b</a:t>
+            </a:r>
+            <a:r>
+              <a:rPr lang="en-US" sz="1200" b="0" dirty="0">
+                <a:solidFill>
+                  <a:srgbClr val="FF0000"/>
+                </a:solidFill>
+              </a:rPr>
+              <a:t>]  </a:t>
+            </a:r>
+            <a:r>
+              <a:rPr lang="en-US" sz="1200" b="0" dirty="0" err="1">
+                <a:solidFill>
+                  <a:srgbClr val="FF0000"/>
+                </a:solidFill>
+              </a:rPr>
+              <a:t>r,g,b</a:t>
+            </a:r>
+            <a:r>
+              <a:rPr lang="en-US" sz="1050" b="0" dirty="0">
+                <a:solidFill>
+                  <a:srgbClr val="FF0000"/>
+                </a:solidFill>
+              </a:rPr>
+              <a:t>∈[0.0, 1.0]</a:t>
+            </a:r>
+            <a:endParaRPr lang="en-US" sz="1200" b="0" dirty="0">
+              <a:solidFill>
+                <a:srgbClr val="FF0000"/>
+              </a:solidFill>
+            </a:endParaRPr>
+          </a:p>
+          <a:p>
+            <a:r>
+              <a:rPr lang="en-US" sz="1200" dirty="0">
+                <a:solidFill>
+                  <a:srgbClr val="FF0000"/>
+                </a:solidFill>
+              </a:rPr>
+              <a:t>color</a:t>
+            </a:r>
+            <a:r>
+              <a:rPr lang="en-US" sz="1200" b="0" dirty="0">
+                <a:solidFill>
+                  <a:srgbClr val="FF0000"/>
+                </a:solidFill>
+              </a:rPr>
+              <a:t> = </a:t>
+            </a:r>
+            <a:r>
+              <a:rPr lang="en-US" sz="1200" dirty="0" err="1">
+                <a:solidFill>
+                  <a:srgbClr val="FF0000"/>
+                </a:solidFill>
+              </a:rPr>
+              <a:t>rgb</a:t>
+            </a:r>
+            <a:r>
+              <a:rPr lang="en-US" sz="1200" b="0" dirty="0">
+                <a:solidFill>
+                  <a:srgbClr val="FF0000"/>
+                </a:solidFill>
+              </a:rPr>
+              <a:t> ( r, g, b ) </a:t>
+            </a:r>
+            <a:r>
+              <a:rPr lang="en-US" sz="1200" b="0" dirty="0" err="1">
+                <a:solidFill>
+                  <a:srgbClr val="FF0000"/>
+                </a:solidFill>
+              </a:rPr>
+              <a:t>r,g,b</a:t>
+            </a:r>
+            <a:r>
+              <a:rPr lang="en-US" sz="1050" b="0" dirty="0">
+                <a:solidFill>
+                  <a:srgbClr val="FF0000"/>
+                </a:solidFill>
+              </a:rPr>
+              <a:t>∈[0, 255]</a:t>
+            </a:r>
+            <a:endParaRPr lang="en-US" sz="1200" b="0" dirty="0">
+              <a:solidFill>
+                <a:srgbClr val="FF0000"/>
+              </a:solidFill>
+            </a:endParaRPr>
+          </a:p>
+          <a:p>
+            <a:r>
+              <a:rPr lang="en-US" sz="1200" dirty="0">
+                <a:solidFill>
+                  <a:srgbClr val="FF0000"/>
+                </a:solidFill>
+              </a:rPr>
+              <a:t>color</a:t>
+            </a:r>
+            <a:r>
+              <a:rPr lang="en-US" sz="1200" b="0" dirty="0">
+                <a:solidFill>
+                  <a:srgbClr val="FF0000"/>
+                </a:solidFill>
+              </a:rPr>
+              <a:t> = </a:t>
+            </a:r>
+            <a:r>
+              <a:rPr lang="en-US" sz="1200" dirty="0" err="1">
+                <a:solidFill>
+                  <a:srgbClr val="FF0000"/>
+                </a:solidFill>
+              </a:rPr>
+              <a:t>hsl</a:t>
+            </a:r>
+            <a:r>
+              <a:rPr lang="en-US" sz="1200" b="0" dirty="0">
+                <a:solidFill>
+                  <a:srgbClr val="FF0000"/>
+                </a:solidFill>
+              </a:rPr>
+              <a:t> ( h, s, l ) h</a:t>
+            </a:r>
+            <a:r>
+              <a:rPr lang="en-US" sz="1050" b="0" dirty="0">
+                <a:solidFill>
+                  <a:srgbClr val="FF0000"/>
+                </a:solidFill>
+              </a:rPr>
+              <a:t>∈[0, 360]</a:t>
+            </a:r>
+            <a:r>
+              <a:rPr lang="en-US" sz="1200" b="0" dirty="0">
+                <a:solidFill>
+                  <a:srgbClr val="FF0000"/>
+                </a:solidFill>
+              </a:rPr>
+              <a:t>, </a:t>
+            </a:r>
+            <a:r>
+              <a:rPr lang="en-US" sz="1200" b="0" dirty="0" err="1">
+                <a:solidFill>
+                  <a:srgbClr val="FF0000"/>
+                </a:solidFill>
+              </a:rPr>
+              <a:t>s,l</a:t>
+            </a:r>
+            <a:r>
+              <a:rPr lang="en-US" sz="1050" b="0" dirty="0">
+                <a:solidFill>
+                  <a:srgbClr val="FF0000"/>
+                </a:solidFill>
+              </a:rPr>
+              <a:t>∈[0, 100]</a:t>
+            </a:r>
+          </a:p>
+          <a:p>
+            <a:r>
+              <a:rPr lang="en-US" sz="1200" dirty="0">
+                <a:solidFill>
+                  <a:srgbClr val="FF0000"/>
+                </a:solidFill>
+              </a:rPr>
+              <a:t>image</a:t>
+            </a:r>
+            <a:r>
+              <a:rPr lang="en-US" sz="1200" b="0" dirty="0">
+                <a:solidFill>
+                  <a:srgbClr val="FF0000"/>
+                </a:solidFill>
+              </a:rPr>
+              <a:t> = drawing</a:t>
+            </a:r>
+          </a:p>
+          <a:p>
+            <a:r>
+              <a:rPr lang="en-US" sz="1200" dirty="0">
+                <a:solidFill>
+                  <a:srgbClr val="FF0000"/>
+                </a:solidFill>
+              </a:rPr>
+              <a:t>image </a:t>
+            </a:r>
+            <a:r>
+              <a:rPr lang="en-US" sz="1200" b="0" dirty="0">
+                <a:solidFill>
+                  <a:srgbClr val="FF0000"/>
+                </a:solidFill>
+              </a:rPr>
+              <a:t>= </a:t>
+            </a:r>
+            <a:r>
+              <a:rPr lang="en-US" sz="1200" dirty="0">
+                <a:solidFill>
+                  <a:srgbClr val="FF0000"/>
+                </a:solidFill>
+              </a:rPr>
+              <a:t>image</a:t>
+            </a:r>
+            <a:r>
+              <a:rPr lang="en-US" sz="1200" b="0" dirty="0">
+                <a:solidFill>
+                  <a:srgbClr val="FF0000"/>
+                </a:solidFill>
+              </a:rPr>
+              <a:t> ( ‘</a:t>
+            </a:r>
+            <a:r>
+              <a:rPr lang="en-US" sz="1200" b="0" dirty="0" err="1">
+                <a:solidFill>
+                  <a:srgbClr val="FF0000"/>
+                </a:solidFill>
+              </a:rPr>
+              <a:t>fileName</a:t>
+            </a:r>
+            <a:r>
+              <a:rPr lang="en-US" sz="1200" b="0" dirty="0">
+                <a:solidFill>
+                  <a:srgbClr val="FF0000"/>
+                </a:solidFill>
+              </a:rPr>
+              <a:t>’ )</a:t>
+            </a:r>
+          </a:p>
+          <a:p>
+            <a:r>
+              <a:rPr lang="en-US" sz="1200" dirty="0">
+                <a:solidFill>
+                  <a:srgbClr val="FF0000"/>
+                </a:solidFill>
+              </a:rPr>
+              <a:t>image</a:t>
+            </a:r>
+            <a:r>
+              <a:rPr lang="en-US" sz="1200" b="0" dirty="0">
+                <a:solidFill>
+                  <a:srgbClr val="FF0000"/>
+                </a:solidFill>
+              </a:rPr>
+              <a:t> = ‘</a:t>
+            </a:r>
+            <a:r>
+              <a:rPr lang="en-US" sz="1200" b="0" dirty="0" err="1">
+                <a:solidFill>
+                  <a:srgbClr val="FF0000"/>
+                </a:solidFill>
+              </a:rPr>
+              <a:t>fileName</a:t>
+            </a:r>
+            <a:r>
+              <a:rPr lang="en-US" sz="1200" b="0" dirty="0">
+                <a:solidFill>
+                  <a:srgbClr val="FF0000"/>
+                </a:solidFill>
+              </a:rPr>
+              <a:t>’</a:t>
+            </a:r>
+          </a:p>
+          <a:p>
+            <a:r>
+              <a:rPr lang="en-US" sz="1200" dirty="0">
+                <a:solidFill>
+                  <a:srgbClr val="FF0000"/>
+                </a:solidFill>
+              </a:rPr>
+              <a:t>images</a:t>
+            </a:r>
+            <a:r>
+              <a:rPr lang="en-US" sz="1200" b="0" dirty="0">
+                <a:solidFill>
+                  <a:srgbClr val="FF0000"/>
+                </a:solidFill>
+              </a:rPr>
+              <a:t> = count</a:t>
+            </a:r>
+          </a:p>
+          <a:p>
+            <a:r>
+              <a:rPr lang="en-US" sz="1200" dirty="0">
+                <a:solidFill>
+                  <a:srgbClr val="FF0000"/>
+                </a:solidFill>
+              </a:rPr>
+              <a:t>images</a:t>
+            </a:r>
+            <a:r>
+              <a:rPr lang="en-US" sz="1200" b="0" dirty="0">
+                <a:solidFill>
+                  <a:srgbClr val="FF0000"/>
+                </a:solidFill>
+              </a:rPr>
+              <a:t> = [</a:t>
+            </a:r>
+            <a:r>
+              <a:rPr lang="en-US" sz="1200" b="0" dirty="0" err="1">
+                <a:solidFill>
+                  <a:srgbClr val="FF0000"/>
+                </a:solidFill>
+              </a:rPr>
+              <a:t>count</a:t>
+            </a:r>
+            <a:r>
+              <a:rPr lang="en-US" sz="1200" b="0" baseline="-25000" dirty="0" err="1">
+                <a:solidFill>
+                  <a:srgbClr val="FF0000"/>
+                </a:solidFill>
+              </a:rPr>
+              <a:t>x</a:t>
+            </a:r>
+            <a:r>
+              <a:rPr lang="en-US" sz="1200" b="0" dirty="0">
+                <a:solidFill>
+                  <a:srgbClr val="FF0000"/>
+                </a:solidFill>
+              </a:rPr>
+              <a:t>, count</a:t>
+            </a:r>
+            <a:r>
+              <a:rPr lang="en-US" sz="1200" b="0" baseline="-25000" dirty="0">
+                <a:solidFill>
+                  <a:srgbClr val="FF0000"/>
+                </a:solidFill>
+              </a:rPr>
+              <a:t>y</a:t>
+            </a:r>
+            <a:r>
+              <a:rPr lang="en-US" sz="1200" b="0" dirty="0">
+                <a:solidFill>
+                  <a:srgbClr val="FF0000"/>
+                </a:solidFill>
+              </a:rPr>
+              <a:t>]</a:t>
+            </a:r>
+          </a:p>
+          <a:p>
+            <a:r>
+              <a:rPr lang="en-US" sz="1200" dirty="0">
+                <a:solidFill>
+                  <a:srgbClr val="FF0000"/>
+                </a:solidFill>
+              </a:rPr>
+              <a:t>wireframe</a:t>
+            </a:r>
+            <a:r>
+              <a:rPr lang="en-US" sz="1200" b="0" dirty="0">
+                <a:solidFill>
+                  <a:srgbClr val="FF0000"/>
+                </a:solidFill>
+              </a:rPr>
+              <a:t> = true/false</a:t>
+            </a:r>
+          </a:p>
+          <a:p>
+            <a:r>
+              <a:rPr lang="en-US" sz="1200" dirty="0">
+                <a:solidFill>
+                  <a:srgbClr val="FF0000"/>
+                </a:solidFill>
+              </a:rPr>
+              <a:t>count </a:t>
+            </a:r>
+            <a:r>
+              <a:rPr lang="en-US" sz="1200" b="0" dirty="0">
+                <a:solidFill>
+                  <a:srgbClr val="FF0000"/>
+                </a:solidFill>
+              </a:rPr>
+              <a:t>= count</a:t>
+            </a:r>
+          </a:p>
+          <a:p>
+            <a:r>
+              <a:rPr lang="en-US" sz="1200" dirty="0">
+                <a:solidFill>
+                  <a:srgbClr val="FF0000"/>
+                </a:solidFill>
+              </a:rPr>
+              <a:t>count</a:t>
+            </a:r>
+            <a:r>
+              <a:rPr lang="en-US" sz="1200" b="0" dirty="0">
+                <a:solidFill>
+                  <a:srgbClr val="FF0000"/>
+                </a:solidFill>
+              </a:rPr>
+              <a:t> = [count, count]</a:t>
+            </a:r>
+          </a:p>
+          <a:p>
+            <a:r>
+              <a:rPr lang="en-US" sz="1200" dirty="0" err="1">
+                <a:solidFill>
+                  <a:srgbClr val="FF0000"/>
+                </a:solidFill>
+              </a:rPr>
+              <a:t>threejs</a:t>
+            </a:r>
+            <a:r>
+              <a:rPr lang="en-US" sz="1200" dirty="0">
+                <a:solidFill>
+                  <a:srgbClr val="FF0000"/>
+                </a:solidFill>
+              </a:rPr>
+              <a:t> </a:t>
+            </a:r>
+            <a:r>
+              <a:rPr lang="en-US" sz="1200" b="0" dirty="0">
+                <a:solidFill>
+                  <a:srgbClr val="FF0000"/>
+                </a:solidFill>
+              </a:rPr>
+              <a:t>= </a:t>
+            </a:r>
+            <a:r>
+              <a:rPr lang="en-US" sz="1200" b="0" dirty="0" err="1">
+                <a:solidFill>
+                  <a:srgbClr val="FF0000"/>
+                </a:solidFill>
+              </a:rPr>
+              <a:t>THREE.Mesh</a:t>
+            </a:r>
+            <a:endParaRPr lang="en-US" sz="1200" b="0" dirty="0">
+              <a:solidFill>
+                <a:srgbClr val="FF0000"/>
+              </a:solidFill>
+            </a:endParaRPr>
+          </a:p>
+          <a:p>
+            <a:r>
+              <a:rPr lang="en-US" sz="1200" b="0" dirty="0">
+                <a:solidFill>
+                  <a:srgbClr val="FF0000"/>
+                </a:solidFill>
+              </a:rPr>
+              <a:t>	.</a:t>
+            </a:r>
+            <a:r>
+              <a:rPr lang="en-US" sz="1200" dirty="0">
+                <a:solidFill>
+                  <a:srgbClr val="FF0000"/>
+                </a:solidFill>
+              </a:rPr>
+              <a:t>material</a:t>
+            </a:r>
+            <a:r>
+              <a:rPr lang="en-US" sz="1200" b="0" dirty="0">
+                <a:solidFill>
+                  <a:srgbClr val="FF0000"/>
+                </a:solidFill>
+              </a:rPr>
+              <a:t> = </a:t>
+            </a:r>
+            <a:r>
+              <a:rPr lang="en-US" sz="1200" b="0" dirty="0" err="1">
+                <a:solidFill>
+                  <a:srgbClr val="FF0000"/>
+                </a:solidFill>
+              </a:rPr>
+              <a:t>THREE.Material</a:t>
+            </a:r>
+            <a:endParaRPr lang="en-US" sz="1200" b="0" dirty="0">
+              <a:solidFill>
+                <a:srgbClr val="FF0000"/>
+              </a:solidFill>
+            </a:endParaRPr>
+          </a:p>
+          <a:p>
+            <a:r>
+              <a:rPr lang="en-US" sz="1200" b="0" dirty="0">
+                <a:solidFill>
+                  <a:srgbClr val="FF0000"/>
+                </a:solidFill>
+              </a:rPr>
+              <a:t>	.</a:t>
+            </a:r>
+            <a:r>
+              <a:rPr lang="en-US" sz="1200" dirty="0">
+                <a:solidFill>
+                  <a:srgbClr val="FF0000"/>
+                </a:solidFill>
+              </a:rPr>
+              <a:t>geometry </a:t>
+            </a:r>
+            <a:r>
+              <a:rPr lang="en-US" sz="1200" b="0" dirty="0">
+                <a:solidFill>
+                  <a:srgbClr val="FF0000"/>
+                </a:solidFill>
+              </a:rPr>
+              <a:t>= </a:t>
+            </a:r>
+            <a:r>
+              <a:rPr lang="en-US" sz="1200" b="0" dirty="0" err="1">
+                <a:solidFill>
+                  <a:srgbClr val="FF0000"/>
+                </a:solidFill>
+              </a:rPr>
+              <a:t>THREE.BufferGeometry</a:t>
+            </a:r>
+            <a:endParaRPr lang="en-US" sz="1200" b="0" dirty="0">
+              <a:solidFill>
+                <a:srgbClr val="FF0000"/>
+              </a:solidFill>
+            </a:endParaRPr>
+          </a:p>
+          <a:p>
+            <a:pPr lvl="0"/>
+            <a:endParaRPr lang="fr-FR" sz="1200" b="0" dirty="0">
+              <a:solidFill>
+                <a:srgbClr val="FF0000"/>
+              </a:solidFill>
+            </a:endParaRPr>
+          </a:p>
+          <a:p>
+            <a:pPr lvl="0"/>
+            <a:endParaRPr lang="fr-FR" sz="1200" b="0" dirty="0">
+              <a:solidFill>
+                <a:srgbClr val="FF0000"/>
+              </a:solidFill>
+            </a:endParaRPr>
+          </a:p>
+        </p:txBody>
+      </p:sp>
+    </p:spTree>
+    <p:extLst>
+      <p:ext uri="{BB962C8B-B14F-4D97-AF65-F5344CB8AC3E}">
+        <p14:creationId xmlns:p14="http://schemas.microsoft.com/office/powerpoint/2010/main" val="2360355335"/>
       </p:ext>
     </p:extLst>
   </p:cSld>

--- a/docs/cheat-sheet.pptx
+++ b/docs/cheat-sheet.pptx
@@ -255,7 +255,7 @@
           <a:p>
             <a:fld id="{4346FDB3-09F2-4348-8F47-4013D9DCE7EC}" type="datetimeFigureOut">
               <a:rPr lang="bg-BG" smtClean="0"/>
-              <a:t>13.7.2022 г.</a:t>
+              <a:t>14.7.2022 г.</a:t>
             </a:fld>
             <a:endParaRPr lang="bg-BG"/>
           </a:p>
@@ -425,7 +425,7 @@
           <a:p>
             <a:fld id="{4346FDB3-09F2-4348-8F47-4013D9DCE7EC}" type="datetimeFigureOut">
               <a:rPr lang="bg-BG" smtClean="0"/>
-              <a:t>13.7.2022 г.</a:t>
+              <a:t>14.7.2022 г.</a:t>
             </a:fld>
             <a:endParaRPr lang="bg-BG"/>
           </a:p>
@@ -605,7 +605,7 @@
           <a:p>
             <a:fld id="{4346FDB3-09F2-4348-8F47-4013D9DCE7EC}" type="datetimeFigureOut">
               <a:rPr lang="bg-BG" smtClean="0"/>
-              <a:t>13.7.2022 г.</a:t>
+              <a:t>14.7.2022 г.</a:t>
             </a:fld>
             <a:endParaRPr lang="bg-BG"/>
           </a:p>
@@ -775,7 +775,7 @@
           <a:p>
             <a:fld id="{4346FDB3-09F2-4348-8F47-4013D9DCE7EC}" type="datetimeFigureOut">
               <a:rPr lang="bg-BG" smtClean="0"/>
-              <a:t>13.7.2022 г.</a:t>
+              <a:t>14.7.2022 г.</a:t>
             </a:fld>
             <a:endParaRPr lang="bg-BG"/>
           </a:p>
@@ -1019,7 +1019,7 @@
           <a:p>
             <a:fld id="{4346FDB3-09F2-4348-8F47-4013D9DCE7EC}" type="datetimeFigureOut">
               <a:rPr lang="bg-BG" smtClean="0"/>
-              <a:t>13.7.2022 г.</a:t>
+              <a:t>14.7.2022 г.</a:t>
             </a:fld>
             <a:endParaRPr lang="bg-BG"/>
           </a:p>
@@ -1251,7 +1251,7 @@
           <a:p>
             <a:fld id="{4346FDB3-09F2-4348-8F47-4013D9DCE7EC}" type="datetimeFigureOut">
               <a:rPr lang="bg-BG" smtClean="0"/>
-              <a:t>13.7.2022 г.</a:t>
+              <a:t>14.7.2022 г.</a:t>
             </a:fld>
             <a:endParaRPr lang="bg-BG"/>
           </a:p>
@@ -1618,7 +1618,7 @@
           <a:p>
             <a:fld id="{4346FDB3-09F2-4348-8F47-4013D9DCE7EC}" type="datetimeFigureOut">
               <a:rPr lang="bg-BG" smtClean="0"/>
-              <a:t>13.7.2022 г.</a:t>
+              <a:t>14.7.2022 г.</a:t>
             </a:fld>
             <a:endParaRPr lang="bg-BG"/>
           </a:p>
@@ -1736,7 +1736,7 @@
           <a:p>
             <a:fld id="{4346FDB3-09F2-4348-8F47-4013D9DCE7EC}" type="datetimeFigureOut">
               <a:rPr lang="bg-BG" smtClean="0"/>
-              <a:t>13.7.2022 г.</a:t>
+              <a:t>14.7.2022 г.</a:t>
             </a:fld>
             <a:endParaRPr lang="bg-BG"/>
           </a:p>
@@ -1831,7 +1831,7 @@
           <a:p>
             <a:fld id="{4346FDB3-09F2-4348-8F47-4013D9DCE7EC}" type="datetimeFigureOut">
               <a:rPr lang="bg-BG" smtClean="0"/>
-              <a:t>13.7.2022 г.</a:t>
+              <a:t>14.7.2022 г.</a:t>
             </a:fld>
             <a:endParaRPr lang="bg-BG"/>
           </a:p>
@@ -2108,7 +2108,7 @@
           <a:p>
             <a:fld id="{4346FDB3-09F2-4348-8F47-4013D9DCE7EC}" type="datetimeFigureOut">
               <a:rPr lang="bg-BG" smtClean="0"/>
-              <a:t>13.7.2022 г.</a:t>
+              <a:t>14.7.2022 г.</a:t>
             </a:fld>
             <a:endParaRPr lang="bg-BG"/>
           </a:p>
@@ -2365,7 +2365,7 @@
           <a:p>
             <a:fld id="{4346FDB3-09F2-4348-8F47-4013D9DCE7EC}" type="datetimeFigureOut">
               <a:rPr lang="bg-BG" smtClean="0"/>
-              <a:t>13.7.2022 г.</a:t>
+              <a:t>14.7.2022 г.</a:t>
             </a:fld>
             <a:endParaRPr lang="bg-BG"/>
           </a:p>
@@ -2578,7 +2578,7 @@
           <a:p>
             <a:fld id="{4346FDB3-09F2-4348-8F47-4013D9DCE7EC}" type="datetimeFigureOut">
               <a:rPr lang="bg-BG" smtClean="0"/>
-              <a:t>13.7.2022 г.</a:t>
+              <a:t>14.7.2022 г.</a:t>
             </a:fld>
             <a:endParaRPr lang="bg-BG"/>
           </a:p>
@@ -4582,8 +4582,8 @@
         </p:nvSpPr>
         <p:spPr>
           <a:xfrm>
-            <a:off x="6934200" y="5791200"/>
-            <a:ext cx="2895600" cy="1066800"/>
+            <a:off x="6934200" y="5867400"/>
+            <a:ext cx="2895600" cy="990600"/>
           </a:xfrm>
           <a:prstGeom prst="rect">
             <a:avLst/>
@@ -4691,7 +4691,7 @@
           <a:p>
             <a:pPr lvl="0" algn="r"/>
             <a:r>
-              <a:rPr lang="en-GB" sz="2800" dirty="0">
+              <a:rPr lang="en-GB" sz="2400" dirty="0">
                 <a:solidFill>
                   <a:schemeClr val="tx1"/>
                 </a:solidFill>
@@ -4702,7 +4702,7 @@
           <a:p>
             <a:pPr lvl="0" algn="r"/>
             <a:r>
-              <a:rPr lang="en-GB" sz="1600" b="0" dirty="0">
+              <a:rPr lang="en-GB" sz="1200" b="0" dirty="0">
                 <a:solidFill>
                   <a:schemeClr val="tx1"/>
                 </a:solidFill>
@@ -4713,12 +4713,29 @@
           <a:p>
             <a:pPr lvl="0" algn="r"/>
             <a:r>
-              <a:rPr lang="en-GB" sz="1600" b="0" dirty="0">
-                <a:solidFill>
-                  <a:schemeClr val="tx1"/>
-                </a:solidFill>
+              <a:rPr lang="en-GB" sz="1200" b="0" dirty="0">
+                <a:solidFill>
+                  <a:schemeClr val="tx1"/>
+                </a:solidFill>
+                <a:hlinkClick r:id="rId2"/>
               </a:rPr>
               <a:t>https://boytchev.github.io/suica</a:t>
+            </a:r>
+            <a:endParaRPr lang="en-GB" sz="1200" b="0" dirty="0">
+              <a:solidFill>
+                <a:schemeClr val="tx1"/>
+              </a:solidFill>
+            </a:endParaRPr>
+          </a:p>
+          <a:p>
+            <a:pPr lvl="0" algn="r"/>
+            <a:r>
+              <a:rPr lang="en-GB" b="0" dirty="0">
+                <a:solidFill>
+                  <a:schemeClr val="tx1"/>
+                </a:solidFill>
+              </a:rPr>
+              <a:t>version 1</a:t>
             </a:r>
           </a:p>
         </p:txBody>
@@ -7563,7 +7580,7 @@
                   <a:prstClr val="black"/>
                 </a:solidFill>
               </a:rPr>
-              <a:t> = ‘</a:t>
+              <a:t> = '</a:t>
             </a:r>
             <a:r>
               <a:rPr lang="en-US" sz="1200" b="0" dirty="0" err="1">
@@ -7579,7 +7596,7 @@
                   <a:prstClr val="black"/>
                 </a:solidFill>
               </a:rPr>
-              <a:t>’</a:t>
+              <a:t>'</a:t>
             </a:r>
           </a:p>
           <a:p>
@@ -7890,15 +7907,17 @@
                   <a:prstClr val="black"/>
                 </a:solidFill>
               </a:rPr>
-              <a:t> ( ‘</a:t>
-            </a:r>
-            <a:r>
-              <a:rPr lang="en-US" sz="1200" b="0" dirty="0" err="1">
-                <a:solidFill>
-                  <a:prstClr val="black"/>
-                </a:solidFill>
-              </a:rPr>
-              <a:t>fileName</a:t>
+              <a:t> ( 'filename' )</a:t>
+            </a:r>
+          </a:p>
+          <a:p>
+            <a:r>
+              <a:rPr lang="en-US" sz="1200" dirty="0">
+                <a:solidFill>
+                  <a:prstClr val="black"/>
+                </a:solidFill>
+              </a:rPr>
+              <a:t>image</a:t>
             </a:r>
             <a:r>
               <a:rPr lang="en-US" sz="1200" b="0" dirty="0">
@@ -7906,41 +7925,7 @@
                   <a:prstClr val="black"/>
                 </a:solidFill>
               </a:rPr>
-              <a:t>’ )</a:t>
-            </a:r>
-          </a:p>
-          <a:p>
-            <a:r>
-              <a:rPr lang="en-US" sz="1200" dirty="0">
-                <a:solidFill>
-                  <a:prstClr val="black"/>
-                </a:solidFill>
-              </a:rPr>
-              <a:t>image</a:t>
-            </a:r>
-            <a:r>
-              <a:rPr lang="en-US" sz="1200" b="0" dirty="0">
-                <a:solidFill>
-                  <a:prstClr val="black"/>
-                </a:solidFill>
-              </a:rPr>
-              <a:t> = ‘</a:t>
-            </a:r>
-            <a:r>
-              <a:rPr lang="en-US" sz="1200" b="0" dirty="0" err="1">
-                <a:solidFill>
-                  <a:prstClr val="black"/>
-                </a:solidFill>
-              </a:rPr>
-              <a:t>fileName</a:t>
-            </a:r>
-            <a:r>
-              <a:rPr lang="en-US" sz="1200" b="0" dirty="0">
-                <a:solidFill>
-                  <a:prstClr val="black"/>
-                </a:solidFill>
-              </a:rPr>
-              <a:t>’</a:t>
+              <a:t> = 'filename'</a:t>
             </a:r>
             <a:endParaRPr lang="en-US" sz="1200" b="0" dirty="0">
               <a:solidFill>
@@ -8376,7 +8361,7 @@
             <a:r>
               <a:rPr lang="en-GB" sz="1600" u="sng" dirty="0">
                 <a:solidFill>
-                  <a:srgbClr val="FF0000"/>
+                  <a:schemeClr val="tx1"/>
                 </a:solidFill>
               </a:rPr>
               <a:t>SIMPLE OBJECTS	 </a:t>
@@ -8386,23 +8371,15 @@
             <a:r>
               <a:rPr lang="en-GB" sz="1200" dirty="0">
                 <a:solidFill>
-                  <a:srgbClr val="FF0000"/>
-                </a:solidFill>
-              </a:rPr>
-              <a:t>circle </a:t>
-            </a:r>
-            <a:r>
-              <a:rPr lang="en-GB" sz="1200" b="0" dirty="0">
-                <a:solidFill>
-                  <a:srgbClr val="FF0000"/>
-                </a:solidFill>
-              </a:rPr>
-              <a:t>( </a:t>
+                  <a:schemeClr val="tx1"/>
+                </a:solidFill>
+              </a:rPr>
+              <a:t>&lt;circle </a:t>
             </a:r>
             <a:r>
               <a:rPr lang="en-GB" sz="1200" b="0" dirty="0" err="1">
                 <a:solidFill>
-                  <a:srgbClr val="FF0000"/>
+                  <a:schemeClr val="tx1"/>
                 </a:solidFill>
               </a:rPr>
               <a:t>center</a:t>
@@ -8410,15 +8387,15 @@
             <a:r>
               <a:rPr lang="en-GB" sz="1200" b="0" dirty="0">
                 <a:solidFill>
-                  <a:srgbClr val="FF0000"/>
-                </a:solidFill>
-              </a:rPr>
-              <a:t>, size, </a:t>
+                  <a:schemeClr val="tx1"/>
+                </a:solidFill>
+              </a:rPr>
+              <a:t> size </a:t>
             </a:r>
             <a:r>
               <a:rPr lang="en-GB" sz="1200" b="0" dirty="0" err="1">
                 <a:solidFill>
-                  <a:srgbClr val="FF0000"/>
+                  <a:schemeClr val="tx1"/>
                 </a:solidFill>
               </a:rPr>
               <a:t>color</a:t>
@@ -8426,33 +8403,33 @@
             <a:r>
               <a:rPr lang="en-GB" sz="1200" b="0" dirty="0">
                 <a:solidFill>
-                  <a:srgbClr val="FF0000"/>
-                </a:solidFill>
-              </a:rPr>
-              <a:t> )</a:t>
-            </a:r>
-          </a:p>
-          <a:p>
+                  <a:schemeClr val="tx1"/>
+                </a:solidFill>
+              </a:rPr>
+              <a:t> …&gt;</a:t>
+            </a:r>
+          </a:p>
+          <a:p>
+            <a:r>
+              <a:rPr lang="en-GB" sz="1200" b="0" dirty="0">
+                <a:solidFill>
+                  <a:schemeClr val="tx1"/>
+                </a:solidFill>
+              </a:rPr>
+              <a:t>&lt;</a:t>
+            </a:r>
             <a:r>
               <a:rPr lang="en-GB" sz="1200" dirty="0">
                 <a:solidFill>
-                  <a:srgbClr val="FF0000"/>
+                  <a:schemeClr val="tx1"/>
                 </a:solidFill>
               </a:rPr>
               <a:t>cone </a:t>
             </a:r>
             <a:r>
-              <a:rPr lang="en-GB" sz="1200" b="0" dirty="0">
-                <a:solidFill>
-                  <a:srgbClr val="FF0000"/>
-                </a:solidFill>
-              </a:rPr>
-              <a:t>( </a:t>
-            </a:r>
-            <a:r>
               <a:rPr lang="en-GB" sz="1200" b="0" dirty="0" err="1">
                 <a:solidFill>
-                  <a:srgbClr val="FF0000"/>
+                  <a:schemeClr val="tx1"/>
                 </a:solidFill>
               </a:rPr>
               <a:t>center</a:t>
@@ -8460,15 +8437,15 @@
             <a:r>
               <a:rPr lang="en-GB" sz="1200" b="0" dirty="0">
                 <a:solidFill>
-                  <a:srgbClr val="FF0000"/>
-                </a:solidFill>
-              </a:rPr>
-              <a:t>, size, </a:t>
+                  <a:schemeClr val="tx1"/>
+                </a:solidFill>
+              </a:rPr>
+              <a:t> size </a:t>
             </a:r>
             <a:r>
               <a:rPr lang="en-GB" sz="1200" b="0" dirty="0" err="1">
                 <a:solidFill>
-                  <a:srgbClr val="FF0000"/>
+                  <a:schemeClr val="tx1"/>
                 </a:solidFill>
               </a:rPr>
               <a:t>color</a:t>
@@ -8476,33 +8453,33 @@
             <a:r>
               <a:rPr lang="en-GB" sz="1200" b="0" dirty="0">
                 <a:solidFill>
-                  <a:srgbClr val="FF0000"/>
-                </a:solidFill>
-              </a:rPr>
-              <a:t> )</a:t>
-            </a:r>
-          </a:p>
-          <a:p>
+                  <a:schemeClr val="tx1"/>
+                </a:solidFill>
+              </a:rPr>
+              <a:t> …&gt;</a:t>
+            </a:r>
+          </a:p>
+          <a:p>
+            <a:r>
+              <a:rPr lang="en-GB" sz="1200" b="0" dirty="0">
+                <a:solidFill>
+                  <a:schemeClr val="tx1"/>
+                </a:solidFill>
+              </a:rPr>
+              <a:t>&lt;</a:t>
+            </a:r>
             <a:r>
               <a:rPr lang="en-GB" sz="1200" dirty="0">
                 <a:solidFill>
-                  <a:srgbClr val="FF0000"/>
+                  <a:schemeClr val="tx1"/>
                 </a:solidFill>
               </a:rPr>
               <a:t>cube </a:t>
             </a:r>
             <a:r>
-              <a:rPr lang="en-GB" sz="1200" b="0" dirty="0">
-                <a:solidFill>
-                  <a:srgbClr val="FF0000"/>
-                </a:solidFill>
-              </a:rPr>
-              <a:t>( </a:t>
-            </a:r>
-            <a:r>
               <a:rPr lang="en-GB" sz="1200" b="0" dirty="0" err="1">
                 <a:solidFill>
-                  <a:srgbClr val="FF0000"/>
+                  <a:schemeClr val="tx1"/>
                 </a:solidFill>
               </a:rPr>
               <a:t>center</a:t>
@@ -8510,15 +8487,15 @@
             <a:r>
               <a:rPr lang="en-GB" sz="1200" b="0" dirty="0">
                 <a:solidFill>
-                  <a:srgbClr val="FF0000"/>
-                </a:solidFill>
-              </a:rPr>
-              <a:t>, size, </a:t>
+                  <a:schemeClr val="tx1"/>
+                </a:solidFill>
+              </a:rPr>
+              <a:t> size </a:t>
             </a:r>
             <a:r>
               <a:rPr lang="en-GB" sz="1200" b="0" dirty="0" err="1">
                 <a:solidFill>
-                  <a:srgbClr val="FF0000"/>
+                  <a:schemeClr val="tx1"/>
                 </a:solidFill>
               </a:rPr>
               <a:t>color</a:t>
@@ -8526,33 +8503,33 @@
             <a:r>
               <a:rPr lang="en-GB" sz="1200" b="0" dirty="0">
                 <a:solidFill>
-                  <a:srgbClr val="FF0000"/>
-                </a:solidFill>
-              </a:rPr>
-              <a:t> )</a:t>
-            </a:r>
-          </a:p>
-          <a:p>
+                  <a:schemeClr val="tx1"/>
+                </a:solidFill>
+              </a:rPr>
+              <a:t> …&gt;</a:t>
+            </a:r>
+          </a:p>
+          <a:p>
+            <a:r>
+              <a:rPr lang="en-GB" sz="1200" b="0" dirty="0">
+                <a:solidFill>
+                  <a:schemeClr val="tx1"/>
+                </a:solidFill>
+              </a:rPr>
+              <a:t>&lt;</a:t>
+            </a:r>
             <a:r>
               <a:rPr lang="en-GB" sz="1200" dirty="0">
                 <a:solidFill>
-                  <a:srgbClr val="FF0000"/>
+                  <a:schemeClr val="tx1"/>
                 </a:solidFill>
               </a:rPr>
               <a:t>cylinder </a:t>
             </a:r>
             <a:r>
-              <a:rPr lang="en-GB" sz="1200" b="0" dirty="0">
-                <a:solidFill>
-                  <a:srgbClr val="FF0000"/>
-                </a:solidFill>
-              </a:rPr>
-              <a:t>( </a:t>
-            </a:r>
-            <a:r>
               <a:rPr lang="en-GB" sz="1200" b="0" dirty="0" err="1">
                 <a:solidFill>
-                  <a:srgbClr val="FF0000"/>
+                  <a:schemeClr val="tx1"/>
                 </a:solidFill>
               </a:rPr>
               <a:t>center</a:t>
@@ -8560,15 +8537,15 @@
             <a:r>
               <a:rPr lang="en-GB" sz="1200" b="0" dirty="0">
                 <a:solidFill>
-                  <a:srgbClr val="FF0000"/>
-                </a:solidFill>
-              </a:rPr>
-              <a:t>, size, </a:t>
+                  <a:schemeClr val="tx1"/>
+                </a:solidFill>
+              </a:rPr>
+              <a:t> size </a:t>
             </a:r>
             <a:r>
               <a:rPr lang="en-GB" sz="1200" b="0" dirty="0" err="1">
                 <a:solidFill>
-                  <a:srgbClr val="FF0000"/>
+                  <a:schemeClr val="tx1"/>
                 </a:solidFill>
               </a:rPr>
               <a:t>color</a:t>
@@ -8576,17 +8553,25 @@
             <a:r>
               <a:rPr lang="en-GB" sz="1200" b="0" dirty="0">
                 <a:solidFill>
-                  <a:srgbClr val="FF0000"/>
-                </a:solidFill>
-              </a:rPr>
-              <a:t> )</a:t>
-            </a:r>
-          </a:p>
-          <a:p>
+                  <a:schemeClr val="tx1"/>
+                </a:solidFill>
+              </a:rPr>
+              <a:t> …&gt;</a:t>
+            </a:r>
+          </a:p>
+          <a:p>
+            <a:r>
+              <a:rPr lang="en-GB" sz="1200" b="0" dirty="0">
+                <a:solidFill>
+                  <a:schemeClr val="tx1"/>
+                </a:solidFill>
+              </a:rPr>
+              <a:t>&lt;</a:t>
+            </a:r>
             <a:r>
               <a:rPr lang="en-GB" sz="1200" dirty="0">
                 <a:solidFill>
-                  <a:srgbClr val="FF0000"/>
+                  <a:schemeClr val="tx1"/>
                 </a:solidFill>
               </a:rPr>
               <a:t>line</a:t>
@@ -8594,15 +8579,15 @@
             <a:r>
               <a:rPr lang="en-GB" sz="1200" b="0" dirty="0">
                 <a:solidFill>
-                  <a:srgbClr val="FF0000"/>
-                </a:solidFill>
-              </a:rPr>
-              <a:t> ( from, to, </a:t>
+                  <a:schemeClr val="tx1"/>
+                </a:solidFill>
+              </a:rPr>
+              <a:t> from to </a:t>
             </a:r>
             <a:r>
               <a:rPr lang="en-GB" sz="1200" b="0" dirty="0" err="1">
                 <a:solidFill>
-                  <a:srgbClr val="FF0000"/>
+                  <a:schemeClr val="tx1"/>
                 </a:solidFill>
               </a:rPr>
               <a:t>color</a:t>
@@ -8610,17 +8595,25 @@
             <a:r>
               <a:rPr lang="en-GB" sz="1200" b="0" dirty="0">
                 <a:solidFill>
-                  <a:srgbClr val="FF0000"/>
-                </a:solidFill>
-              </a:rPr>
-              <a:t> )</a:t>
-            </a:r>
-          </a:p>
-          <a:p>
+                  <a:schemeClr val="tx1"/>
+                </a:solidFill>
+              </a:rPr>
+              <a:t> …&gt;</a:t>
+            </a:r>
+          </a:p>
+          <a:p>
+            <a:r>
+              <a:rPr lang="en-GB" sz="1200" b="0" dirty="0">
+                <a:solidFill>
+                  <a:schemeClr val="tx1"/>
+                </a:solidFill>
+              </a:rPr>
+              <a:t>&lt;</a:t>
+            </a:r>
             <a:r>
               <a:rPr lang="en-GB" sz="1200" dirty="0">
                 <a:solidFill>
-                  <a:srgbClr val="FF0000"/>
+                  <a:schemeClr val="tx1"/>
                 </a:solidFill>
               </a:rPr>
               <a:t>point</a:t>
@@ -8628,15 +8621,15 @@
             <a:r>
               <a:rPr lang="en-GB" sz="1200" b="0" dirty="0">
                 <a:solidFill>
-                  <a:srgbClr val="FF0000"/>
-                </a:solidFill>
-              </a:rPr>
-              <a:t> ( </a:t>
+                  <a:schemeClr val="tx1"/>
+                </a:solidFill>
+              </a:rPr>
+              <a:t> </a:t>
             </a:r>
             <a:r>
               <a:rPr lang="en-GB" sz="1200" b="0" dirty="0" err="1">
                 <a:solidFill>
-                  <a:srgbClr val="FF0000"/>
+                  <a:schemeClr val="tx1"/>
                 </a:solidFill>
               </a:rPr>
               <a:t>center</a:t>
@@ -8644,15 +8637,15 @@
             <a:r>
               <a:rPr lang="en-GB" sz="1200" b="0" dirty="0">
                 <a:solidFill>
-                  <a:srgbClr val="FF0000"/>
-                </a:solidFill>
-              </a:rPr>
-              <a:t>, size, </a:t>
+                  <a:schemeClr val="tx1"/>
+                </a:solidFill>
+              </a:rPr>
+              <a:t> size </a:t>
             </a:r>
             <a:r>
               <a:rPr lang="en-GB" sz="1200" b="0" dirty="0" err="1">
                 <a:solidFill>
-                  <a:srgbClr val="FF0000"/>
+                  <a:schemeClr val="tx1"/>
                 </a:solidFill>
               </a:rPr>
               <a:t>color</a:t>
@@ -8660,17 +8653,25 @@
             <a:r>
               <a:rPr lang="en-GB" sz="1200" b="0" dirty="0">
                 <a:solidFill>
-                  <a:srgbClr val="FF0000"/>
-                </a:solidFill>
-              </a:rPr>
-              <a:t> )</a:t>
-            </a:r>
-          </a:p>
-          <a:p>
+                  <a:schemeClr val="tx1"/>
+                </a:solidFill>
+              </a:rPr>
+              <a:t> …&gt;</a:t>
+            </a:r>
+          </a:p>
+          <a:p>
+            <a:r>
+              <a:rPr lang="en-GB" sz="1200" b="0" dirty="0">
+                <a:solidFill>
+                  <a:schemeClr val="tx1"/>
+                </a:solidFill>
+              </a:rPr>
+              <a:t>&lt;</a:t>
+            </a:r>
             <a:r>
               <a:rPr lang="en-GB" sz="1200" dirty="0">
                 <a:solidFill>
-                  <a:srgbClr val="FF0000"/>
+                  <a:schemeClr val="tx1"/>
                 </a:solidFill>
               </a:rPr>
               <a:t>polygon </a:t>
@@ -8678,15 +8679,15 @@
             <a:r>
               <a:rPr lang="en-GB" sz="1200" b="0" dirty="0">
                 <a:solidFill>
-                  <a:srgbClr val="FF0000"/>
-                </a:solidFill>
-              </a:rPr>
-              <a:t>( count, </a:t>
+                  <a:schemeClr val="tx1"/>
+                </a:solidFill>
+              </a:rPr>
+              <a:t>count </a:t>
             </a:r>
             <a:r>
               <a:rPr lang="en-GB" sz="1200" b="0" dirty="0" err="1">
                 <a:solidFill>
-                  <a:srgbClr val="FF0000"/>
+                  <a:schemeClr val="tx1"/>
                 </a:solidFill>
               </a:rPr>
               <a:t>center</a:t>
@@ -8694,15 +8695,15 @@
             <a:r>
               <a:rPr lang="en-GB" sz="1200" b="0" dirty="0">
                 <a:solidFill>
-                  <a:srgbClr val="FF0000"/>
-                </a:solidFill>
-              </a:rPr>
-              <a:t>, size, </a:t>
+                  <a:schemeClr val="tx1"/>
+                </a:solidFill>
+              </a:rPr>
+              <a:t> size </a:t>
             </a:r>
             <a:r>
               <a:rPr lang="en-GB" sz="1200" b="0" dirty="0" err="1">
                 <a:solidFill>
-                  <a:srgbClr val="FF0000"/>
+                  <a:schemeClr val="tx1"/>
                 </a:solidFill>
               </a:rPr>
               <a:t>color</a:t>
@@ -8710,17 +8711,25 @@
             <a:r>
               <a:rPr lang="en-GB" sz="1200" b="0" dirty="0">
                 <a:solidFill>
-                  <a:srgbClr val="FF0000"/>
-                </a:solidFill>
-              </a:rPr>
-              <a:t> )</a:t>
-            </a:r>
-          </a:p>
-          <a:p>
+                  <a:schemeClr val="tx1"/>
+                </a:solidFill>
+              </a:rPr>
+              <a:t> …&gt;</a:t>
+            </a:r>
+          </a:p>
+          <a:p>
+            <a:r>
+              <a:rPr lang="en-GB" sz="1200" b="0" dirty="0">
+                <a:solidFill>
+                  <a:schemeClr val="tx1"/>
+                </a:solidFill>
+              </a:rPr>
+              <a:t>&lt;</a:t>
+            </a:r>
             <a:r>
               <a:rPr lang="en-GB" sz="1200" dirty="0">
                 <a:solidFill>
-                  <a:srgbClr val="FF0000"/>
+                  <a:schemeClr val="tx1"/>
                 </a:solidFill>
               </a:rPr>
               <a:t>prism </a:t>
@@ -8728,15 +8737,15 @@
             <a:r>
               <a:rPr lang="en-GB" sz="1200" b="0" dirty="0">
                 <a:solidFill>
-                  <a:srgbClr val="FF0000"/>
-                </a:solidFill>
-              </a:rPr>
-              <a:t>( count, </a:t>
+                  <a:schemeClr val="tx1"/>
+                </a:solidFill>
+              </a:rPr>
+              <a:t>count </a:t>
             </a:r>
             <a:r>
               <a:rPr lang="en-GB" sz="1200" b="0" dirty="0" err="1">
                 <a:solidFill>
-                  <a:srgbClr val="FF0000"/>
+                  <a:schemeClr val="tx1"/>
                 </a:solidFill>
               </a:rPr>
               <a:t>center</a:t>
@@ -8744,15 +8753,15 @@
             <a:r>
               <a:rPr lang="en-GB" sz="1200" b="0" dirty="0">
                 <a:solidFill>
-                  <a:srgbClr val="FF0000"/>
-                </a:solidFill>
-              </a:rPr>
-              <a:t>, size, </a:t>
+                  <a:schemeClr val="tx1"/>
+                </a:solidFill>
+              </a:rPr>
+              <a:t> size </a:t>
             </a:r>
             <a:r>
               <a:rPr lang="en-GB" sz="1200" b="0" dirty="0" err="1">
                 <a:solidFill>
-                  <a:srgbClr val="FF0000"/>
+                  <a:schemeClr val="tx1"/>
                 </a:solidFill>
               </a:rPr>
               <a:t>color</a:t>
@@ -8760,17 +8769,25 @@
             <a:r>
               <a:rPr lang="en-GB" sz="1200" b="0" dirty="0">
                 <a:solidFill>
-                  <a:srgbClr val="FF0000"/>
-                </a:solidFill>
-              </a:rPr>
-              <a:t> )</a:t>
-            </a:r>
-          </a:p>
-          <a:p>
+                  <a:schemeClr val="tx1"/>
+                </a:solidFill>
+              </a:rPr>
+              <a:t> …&gt;</a:t>
+            </a:r>
+          </a:p>
+          <a:p>
+            <a:r>
+              <a:rPr lang="en-GB" sz="1200" b="0" dirty="0">
+                <a:solidFill>
+                  <a:schemeClr val="tx1"/>
+                </a:solidFill>
+              </a:rPr>
+              <a:t>&lt;</a:t>
+            </a:r>
             <a:r>
               <a:rPr lang="en-GB" sz="1200" dirty="0">
                 <a:solidFill>
-                  <a:srgbClr val="FF0000"/>
+                  <a:schemeClr val="tx1"/>
                 </a:solidFill>
               </a:rPr>
               <a:t>pyramid </a:t>
@@ -8778,15 +8795,15 @@
             <a:r>
               <a:rPr lang="en-GB" sz="1200" b="0" dirty="0">
                 <a:solidFill>
-                  <a:srgbClr val="FF0000"/>
-                </a:solidFill>
-              </a:rPr>
-              <a:t>( count, </a:t>
+                  <a:schemeClr val="tx1"/>
+                </a:solidFill>
+              </a:rPr>
+              <a:t>count </a:t>
             </a:r>
             <a:r>
               <a:rPr lang="en-GB" sz="1200" b="0" dirty="0" err="1">
                 <a:solidFill>
-                  <a:srgbClr val="FF0000"/>
+                  <a:schemeClr val="tx1"/>
                 </a:solidFill>
               </a:rPr>
               <a:t>center</a:t>
@@ -8794,15 +8811,15 @@
             <a:r>
               <a:rPr lang="en-GB" sz="1200" b="0" dirty="0">
                 <a:solidFill>
-                  <a:srgbClr val="FF0000"/>
-                </a:solidFill>
-              </a:rPr>
-              <a:t>, size, </a:t>
+                  <a:schemeClr val="tx1"/>
+                </a:solidFill>
+              </a:rPr>
+              <a:t> size </a:t>
             </a:r>
             <a:r>
               <a:rPr lang="en-GB" sz="1200" b="0" dirty="0" err="1">
                 <a:solidFill>
-                  <a:srgbClr val="FF0000"/>
+                  <a:schemeClr val="tx1"/>
                 </a:solidFill>
               </a:rPr>
               <a:t>color</a:t>
@@ -8810,33 +8827,25 @@
             <a:r>
               <a:rPr lang="en-GB" sz="1200" b="0" dirty="0">
                 <a:solidFill>
-                  <a:srgbClr val="FF0000"/>
-                </a:solidFill>
-              </a:rPr>
-              <a:t> )</a:t>
+                  <a:schemeClr val="tx1"/>
+                </a:solidFill>
+              </a:rPr>
+              <a:t> …&gt;</a:t>
             </a:r>
           </a:p>
           <a:p>
             <a:r>
               <a:rPr lang="en-GB" sz="1200" dirty="0">
                 <a:solidFill>
-                  <a:srgbClr val="FF0000"/>
-                </a:solidFill>
-              </a:rPr>
-              <a:t>sphere </a:t>
-            </a:r>
-            <a:r>
-              <a:rPr lang="en-GB" sz="1200" b="0" dirty="0">
-                <a:solidFill>
-                  <a:srgbClr val="FF0000"/>
-                </a:solidFill>
-              </a:rPr>
-              <a:t>( </a:t>
+                  <a:schemeClr val="tx1"/>
+                </a:solidFill>
+              </a:rPr>
+              <a:t>&lt;sphere </a:t>
             </a:r>
             <a:r>
               <a:rPr lang="en-GB" sz="1200" b="0" dirty="0" err="1">
                 <a:solidFill>
-                  <a:srgbClr val="FF0000"/>
+                  <a:schemeClr val="tx1"/>
                 </a:solidFill>
               </a:rPr>
               <a:t>center</a:t>
@@ -8844,15 +8853,15 @@
             <a:r>
               <a:rPr lang="en-GB" sz="1200" b="0" dirty="0">
                 <a:solidFill>
-                  <a:srgbClr val="FF0000"/>
-                </a:solidFill>
-              </a:rPr>
-              <a:t>, size, </a:t>
+                  <a:schemeClr val="tx1"/>
+                </a:solidFill>
+              </a:rPr>
+              <a:t> size </a:t>
             </a:r>
             <a:r>
               <a:rPr lang="en-GB" sz="1200" b="0" dirty="0" err="1">
                 <a:solidFill>
-                  <a:srgbClr val="FF0000"/>
+                  <a:schemeClr val="tx1"/>
                 </a:solidFill>
               </a:rPr>
               <a:t>color</a:t>
@@ -8860,33 +8869,33 @@
             <a:r>
               <a:rPr lang="en-GB" sz="1200" b="0" dirty="0">
                 <a:solidFill>
-                  <a:srgbClr val="FF0000"/>
-                </a:solidFill>
-              </a:rPr>
-              <a:t> )</a:t>
-            </a:r>
-          </a:p>
-          <a:p>
+                  <a:schemeClr val="tx1"/>
+                </a:solidFill>
+              </a:rPr>
+              <a:t> …&gt;</a:t>
+            </a:r>
+          </a:p>
+          <a:p>
+            <a:r>
+              <a:rPr lang="en-GB" sz="1200" b="0" dirty="0">
+                <a:solidFill>
+                  <a:schemeClr val="tx1"/>
+                </a:solidFill>
+              </a:rPr>
+              <a:t>&lt;</a:t>
+            </a:r>
             <a:r>
               <a:rPr lang="en-GB" sz="1200" dirty="0">
                 <a:solidFill>
-                  <a:srgbClr val="FF0000"/>
+                  <a:schemeClr val="tx1"/>
                 </a:solidFill>
               </a:rPr>
               <a:t>square </a:t>
             </a:r>
             <a:r>
-              <a:rPr lang="en-GB" sz="1200" b="0" dirty="0">
-                <a:solidFill>
-                  <a:srgbClr val="FF0000"/>
-                </a:solidFill>
-              </a:rPr>
-              <a:t>( </a:t>
-            </a:r>
-            <a:r>
               <a:rPr lang="en-GB" sz="1200" b="0" dirty="0" err="1">
                 <a:solidFill>
-                  <a:srgbClr val="FF0000"/>
+                  <a:schemeClr val="tx1"/>
                 </a:solidFill>
               </a:rPr>
               <a:t>center</a:t>
@@ -8894,15 +8903,15 @@
             <a:r>
               <a:rPr lang="en-GB" sz="1200" b="0" dirty="0">
                 <a:solidFill>
-                  <a:srgbClr val="FF0000"/>
-                </a:solidFill>
-              </a:rPr>
-              <a:t>, size, </a:t>
+                  <a:schemeClr val="tx1"/>
+                </a:solidFill>
+              </a:rPr>
+              <a:t> size </a:t>
             </a:r>
             <a:r>
               <a:rPr lang="en-GB" sz="1200" b="0" dirty="0" err="1">
                 <a:solidFill>
-                  <a:srgbClr val="FF0000"/>
+                  <a:schemeClr val="tx1"/>
                 </a:solidFill>
               </a:rPr>
               <a:t>color</a:t>
@@ -8910,23 +8919,11 @@
             <a:r>
               <a:rPr lang="en-GB" sz="1200" b="0" dirty="0">
                 <a:solidFill>
-                  <a:srgbClr val="FF0000"/>
-                </a:solidFill>
-              </a:rPr>
-              <a:t> )</a:t>
-            </a:r>
-            <a:endParaRPr lang="en-GB" sz="1200" dirty="0">
-              <a:solidFill>
-                <a:srgbClr val="FF0000"/>
-              </a:solidFill>
-            </a:endParaRPr>
-          </a:p>
-          <a:p>
-            <a:endParaRPr lang="en-GB" sz="1200" b="0" dirty="0">
-              <a:solidFill>
-                <a:srgbClr val="FF0000"/>
-              </a:solidFill>
-            </a:endParaRPr>
+                  <a:schemeClr val="tx1"/>
+                </a:solidFill>
+              </a:rPr>
+              <a:t> …&gt;</a:t>
+            </a:r>
           </a:p>
         </p:txBody>
       </p:sp>
@@ -9060,34 +9057,205 @@
             <a:r>
               <a:rPr lang="en-GB" sz="1600" u="sng" dirty="0">
                 <a:solidFill>
+                  <a:schemeClr val="tx1"/>
+                </a:solidFill>
+              </a:rPr>
+              <a:t>ADVANCED OBJECTS	 </a:t>
+            </a:r>
+          </a:p>
+          <a:p>
+            <a:r>
+              <a:rPr lang="en-GB" sz="1200" b="0" dirty="0">
+                <a:solidFill>
+                  <a:schemeClr val="tx1"/>
+                </a:solidFill>
+              </a:rPr>
+              <a:t>&lt;</a:t>
+            </a:r>
+            <a:r>
+              <a:rPr lang="en-GB" sz="1200" dirty="0">
+                <a:solidFill>
+                  <a:schemeClr val="tx1"/>
+                </a:solidFill>
+              </a:rPr>
+              <a:t>clone</a:t>
+            </a:r>
+            <a:r>
+              <a:rPr lang="en-GB" sz="1200" b="0" dirty="0">
+                <a:solidFill>
+                  <a:schemeClr val="tx1"/>
+                </a:solidFill>
+              </a:rPr>
+              <a:t> </a:t>
+            </a:r>
+            <a:r>
+              <a:rPr lang="en-GB" sz="1200" b="0" dirty="0" err="1">
+                <a:solidFill>
+                  <a:schemeClr val="tx1"/>
+                </a:solidFill>
+              </a:rPr>
+              <a:t>src</a:t>
+            </a:r>
+            <a:r>
+              <a:rPr lang="en-GB" sz="1200" b="0" dirty="0">
+                <a:solidFill>
+                  <a:schemeClr val="tx1"/>
+                </a:solidFill>
+              </a:rPr>
+              <a:t> </a:t>
+            </a:r>
+            <a:r>
+              <a:rPr lang="en-GB" sz="1200" b="0" dirty="0" err="1">
+                <a:solidFill>
+                  <a:schemeClr val="tx1"/>
+                </a:solidFill>
+              </a:rPr>
+              <a:t>center</a:t>
+            </a:r>
+            <a:r>
+              <a:rPr lang="en-GB" sz="1200" b="0" dirty="0">
+                <a:solidFill>
+                  <a:schemeClr val="tx1"/>
+                </a:solidFill>
+              </a:rPr>
+              <a:t> size </a:t>
+            </a:r>
+            <a:r>
+              <a:rPr lang="en-GB" sz="1200" b="0" dirty="0" err="1">
+                <a:solidFill>
+                  <a:schemeClr val="tx1"/>
+                </a:solidFill>
+              </a:rPr>
+              <a:t>color</a:t>
+            </a:r>
+            <a:r>
+              <a:rPr lang="en-GB" sz="1200" b="0" dirty="0">
+                <a:solidFill>
+                  <a:schemeClr val="tx1"/>
+                </a:solidFill>
+              </a:rPr>
+              <a:t> …&gt;</a:t>
+            </a:r>
+          </a:p>
+          <a:p>
+            <a:pPr lvl="0"/>
+            <a:r>
+              <a:rPr lang="en-GB" sz="1200" b="0" dirty="0">
+                <a:solidFill>
+                  <a:schemeClr val="tx1"/>
+                </a:solidFill>
+              </a:rPr>
+              <a:t>&lt;</a:t>
+            </a:r>
+            <a:r>
+              <a:rPr lang="en-GB" sz="1200" dirty="0">
+                <a:solidFill>
+                  <a:schemeClr val="tx1"/>
+                </a:solidFill>
+              </a:rPr>
+              <a:t>construct </a:t>
+            </a:r>
+            <a:r>
+              <a:rPr lang="en-GB" sz="1200" b="0" dirty="0">
+                <a:solidFill>
+                  <a:schemeClr val="tx1"/>
+                </a:solidFill>
+              </a:rPr>
+              <a:t>expression </a:t>
+            </a:r>
+            <a:r>
+              <a:rPr lang="en-GB" sz="1200" b="0" dirty="0" err="1">
+                <a:solidFill>
+                  <a:schemeClr val="tx1"/>
+                </a:solidFill>
+              </a:rPr>
+              <a:t>center</a:t>
+            </a:r>
+            <a:r>
+              <a:rPr lang="en-GB" sz="1200" b="0" dirty="0">
+                <a:solidFill>
+                  <a:schemeClr val="tx1"/>
+                </a:solidFill>
+              </a:rPr>
+              <a:t> size </a:t>
+            </a:r>
+            <a:r>
+              <a:rPr lang="en-GB" sz="1200" b="0" dirty="0" err="1">
+                <a:solidFill>
+                  <a:schemeClr val="tx1"/>
+                </a:solidFill>
+              </a:rPr>
+              <a:t>color</a:t>
+            </a:r>
+            <a:r>
+              <a:rPr lang="en-GB" sz="1200" b="0" dirty="0">
+                <a:solidFill>
+                  <a:schemeClr val="tx1"/>
+                </a:solidFill>
+              </a:rPr>
+              <a:t>&gt;</a:t>
+            </a:r>
+          </a:p>
+          <a:p>
+            <a:pPr lvl="0"/>
+            <a:r>
+              <a:rPr lang="en-GB" sz="1200" b="0" dirty="0">
+                <a:solidFill>
                   <a:srgbClr val="FF0000"/>
                 </a:solidFill>
               </a:rPr>
-              <a:t>ADVANCED OBJECTS	 </a:t>
+              <a:t>	</a:t>
+            </a:r>
+            <a:r>
+              <a:rPr lang="en-GB" sz="1200" b="0" dirty="0">
+                <a:solidFill>
+                  <a:schemeClr val="tx1">
+                    <a:lumMod val="50000"/>
+                    <a:lumOff val="50000"/>
+                  </a:schemeClr>
+                </a:solidFill>
+              </a:rPr>
+              <a:t>A+B, A-B, A*B, ( … )</a:t>
             </a:r>
           </a:p>
           <a:p>
             <a:pPr lvl="0"/>
             <a:r>
+              <a:rPr lang="en-GB" sz="1200" b="0" dirty="0">
+                <a:solidFill>
+                  <a:schemeClr val="tx1"/>
+                </a:solidFill>
+              </a:rPr>
+              <a:t>&lt;</a:t>
+            </a:r>
+            <a:r>
               <a:rPr lang="en-GB" sz="1200" dirty="0">
                 <a:solidFill>
-                  <a:srgbClr val="FF0000"/>
-                </a:solidFill>
-              </a:rPr>
-              <a:t>construct </a:t>
-            </a:r>
-            <a:r>
-              <a:rPr lang="en-GB" sz="1200" b="0" dirty="0">
-                <a:solidFill>
-                  <a:srgbClr val="FF0000"/>
-                </a:solidFill>
-              </a:rPr>
-              <a:t>( expression, size, </a:t>
+                  <a:schemeClr val="tx1"/>
+                </a:solidFill>
+              </a:rPr>
+              <a:t>convex </a:t>
             </a:r>
             <a:r>
               <a:rPr lang="en-GB" sz="1200" b="0" dirty="0" err="1">
                 <a:solidFill>
-                  <a:srgbClr val="FF0000"/>
+                  <a:schemeClr val="tx1"/>
+                </a:solidFill>
+              </a:rPr>
+              <a:t>src</a:t>
+            </a:r>
+            <a:r>
+              <a:rPr lang="en-GB" sz="1200" b="0" dirty="0">
+                <a:solidFill>
+                  <a:schemeClr val="tx1"/>
+                </a:solidFill>
+              </a:rPr>
+              <a:t> size </a:t>
+            </a:r>
+            <a:r>
+              <a:rPr lang="en-GB" sz="1200" b="0" dirty="0" err="1">
+                <a:solidFill>
+                  <a:schemeClr val="tx1"/>
                 </a:solidFill>
               </a:rPr>
               <a:t>color</a:t>
@@ -9095,10 +9263,10 @@
             <a:r>
               <a:rPr lang="en-GB" sz="1200" b="0" dirty="0">
                 <a:solidFill>
-                  <a:srgbClr val="FF0000"/>
-                </a:solidFill>
-              </a:rPr>
-              <a:t> )</a:t>
+                  <a:schemeClr val="tx1"/>
+                </a:solidFill>
+              </a:rPr>
+              <a:t> …&gt;</a:t>
             </a:r>
           </a:p>
           <a:p>
@@ -9106,50 +9274,141 @@
             <a:r>
               <a:rPr lang="en-GB" sz="1200" b="0" dirty="0">
                 <a:solidFill>
-                  <a:srgbClr val="FF0000"/>
-                </a:solidFill>
-              </a:rPr>
-              <a:t>	A+B, A-B, A*B, ( … )</a:t>
+                  <a:schemeClr val="tx1"/>
+                </a:solidFill>
+              </a:rPr>
+              <a:t>&lt;</a:t>
+            </a:r>
+            <a:r>
+              <a:rPr lang="en-GB" sz="1200" dirty="0">
+                <a:solidFill>
+                  <a:schemeClr val="tx1"/>
+                </a:solidFill>
+              </a:rPr>
+              <a:t>group</a:t>
+            </a:r>
+            <a:r>
+              <a:rPr lang="en-GB" sz="1200" b="0" dirty="0">
+                <a:solidFill>
+                  <a:schemeClr val="tx1"/>
+                </a:solidFill>
+              </a:rPr>
+              <a:t> </a:t>
+            </a:r>
+            <a:r>
+              <a:rPr lang="en-GB" sz="1200" b="0" dirty="0" err="1">
+                <a:solidFill>
+                  <a:schemeClr val="tx1"/>
+                </a:solidFill>
+              </a:rPr>
+              <a:t>center</a:t>
+            </a:r>
+            <a:r>
+              <a:rPr lang="en-GB" sz="1200" b="0" dirty="0">
+                <a:solidFill>
+                  <a:schemeClr val="tx1"/>
+                </a:solidFill>
+              </a:rPr>
+              <a:t> size </a:t>
+            </a:r>
+            <a:r>
+              <a:rPr lang="en-GB" sz="1200" b="0" dirty="0" err="1">
+                <a:solidFill>
+                  <a:schemeClr val="tx1"/>
+                </a:solidFill>
+              </a:rPr>
+              <a:t>color</a:t>
+            </a:r>
+            <a:r>
+              <a:rPr lang="en-GB" sz="1200" b="0" dirty="0">
+                <a:solidFill>
+                  <a:schemeClr val="tx1"/>
+                </a:solidFill>
+              </a:rPr>
+              <a:t> …&gt; … &lt;/group&gt;</a:t>
             </a:r>
           </a:p>
           <a:p>
             <a:pPr lvl="0"/>
             <a:r>
+              <a:rPr lang="en-GB" sz="1200" b="0" dirty="0">
+                <a:solidFill>
+                  <a:schemeClr val="tx1"/>
+                </a:solidFill>
+              </a:rPr>
+              <a:t>&lt;</a:t>
+            </a:r>
+            <a:r>
               <a:rPr lang="en-GB" sz="1200" dirty="0">
                 <a:solidFill>
-                  <a:srgbClr val="FF0000"/>
-                </a:solidFill>
-              </a:rPr>
-              <a:t>convex </a:t>
-            </a:r>
-            <a:r>
-              <a:rPr lang="en-GB" sz="1200" b="0" dirty="0">
-                <a:solidFill>
-                  <a:srgbClr val="FF0000"/>
-                </a:solidFill>
-              </a:rPr>
-              <a:t>( </a:t>
+                  <a:schemeClr val="tx1"/>
+                </a:solidFill>
+              </a:rPr>
+              <a:t>model </a:t>
+            </a:r>
+            <a:r>
+              <a:rPr lang="en-GB" sz="1200" b="0" dirty="0">
+                <a:solidFill>
+                  <a:schemeClr val="tx1"/>
+                </a:solidFill>
+              </a:rPr>
+              <a:t>filename </a:t>
             </a:r>
             <a:r>
               <a:rPr lang="en-GB" sz="1200" b="0" dirty="0" err="1">
                 <a:solidFill>
-                  <a:srgbClr val="FF0000"/>
-                </a:solidFill>
-              </a:rPr>
-              <a:t>src</a:t>
-            </a:r>
-            <a:r>
-              <a:rPr lang="en-GB" sz="1200" b="0" dirty="0">
-                <a:solidFill>
-                  <a:srgbClr val="FF0000"/>
-                </a:solidFill>
-              </a:rPr>
-              <a:t>, size, </a:t>
+                  <a:schemeClr val="tx1"/>
+                </a:solidFill>
+              </a:rPr>
+              <a:t>center</a:t>
+            </a:r>
+            <a:r>
+              <a:rPr lang="en-GB" sz="1200" b="0" dirty="0">
+                <a:solidFill>
+                  <a:schemeClr val="tx1"/>
+                </a:solidFill>
+              </a:rPr>
+              <a:t> size …&gt;</a:t>
+            </a:r>
+          </a:p>
+          <a:p>
+            <a:pPr lvl="0"/>
+            <a:r>
+              <a:rPr lang="en-GB" sz="1200" b="0" dirty="0">
+                <a:solidFill>
+                  <a:schemeClr val="tx1"/>
+                </a:solidFill>
+              </a:rPr>
+              <a:t>&lt;</a:t>
+            </a:r>
+            <a:r>
+              <a:rPr lang="en-GB" sz="1200" dirty="0">
+                <a:solidFill>
+                  <a:schemeClr val="tx1"/>
+                </a:solidFill>
+              </a:rPr>
+              <a:t>surface </a:t>
             </a:r>
             <a:r>
               <a:rPr lang="en-GB" sz="1200" b="0" dirty="0" err="1">
                 <a:solidFill>
-                  <a:srgbClr val="FF0000"/>
+                  <a:schemeClr val="tx1"/>
+                </a:solidFill>
+              </a:rPr>
+              <a:t>center</a:t>
+            </a:r>
+            <a:r>
+              <a:rPr lang="en-GB" sz="1200" b="0" dirty="0">
+                <a:solidFill>
+                  <a:schemeClr val="tx1"/>
+                </a:solidFill>
+              </a:rPr>
+              <a:t> curve count size </a:t>
+            </a:r>
+            <a:r>
+              <a:rPr lang="en-GB" sz="1200" b="0" dirty="0" err="1">
+                <a:solidFill>
+                  <a:schemeClr val="tx1"/>
                 </a:solidFill>
               </a:rPr>
               <a:t>color</a:t>
@@ -9157,29 +9416,85 @@
             <a:r>
               <a:rPr lang="en-GB" sz="1200" b="0" dirty="0">
                 <a:solidFill>
-                  <a:srgbClr val="FF0000"/>
-                </a:solidFill>
-              </a:rPr>
-              <a:t> )</a:t>
+                  <a:schemeClr val="tx1"/>
+                </a:solidFill>
+              </a:rPr>
+              <a:t> …&gt;</a:t>
             </a:r>
           </a:p>
           <a:p>
             <a:pPr lvl="0"/>
             <a:r>
+              <a:rPr lang="en-GB" sz="1200" b="0" dirty="0">
+                <a:solidFill>
+                  <a:schemeClr val="tx1"/>
+                </a:solidFill>
+              </a:rPr>
+              <a:t>&lt;</a:t>
+            </a:r>
+            <a:r>
               <a:rPr lang="en-GB" sz="1200" dirty="0">
                 <a:solidFill>
-                  <a:srgbClr val="FF0000"/>
-                </a:solidFill>
-              </a:rPr>
-              <a:t>group</a:t>
-            </a:r>
-            <a:r>
-              <a:rPr lang="en-GB" sz="1200" b="0" dirty="0">
-                <a:solidFill>
-                  <a:srgbClr val="FF0000"/>
-                </a:solidFill>
-              </a:rPr>
-              <a:t> ( object, object, … )</a:t>
+                  <a:schemeClr val="tx1"/>
+                </a:solidFill>
+              </a:rPr>
+              <a:t>text3d</a:t>
+            </a:r>
+            <a:r>
+              <a:rPr lang="en-GB" sz="1200" b="0" dirty="0">
+                <a:solidFill>
+                  <a:schemeClr val="tx1"/>
+                </a:solidFill>
+              </a:rPr>
+              <a:t> text </a:t>
+            </a:r>
+            <a:r>
+              <a:rPr lang="en-GB" sz="1200" b="0" dirty="0" err="1">
+                <a:solidFill>
+                  <a:schemeClr val="tx1"/>
+                </a:solidFill>
+              </a:rPr>
+              <a:t>fontname</a:t>
+            </a:r>
+            <a:r>
+              <a:rPr lang="en-GB" sz="1200" b="0" dirty="0">
+                <a:solidFill>
+                  <a:schemeClr val="tx1"/>
+                </a:solidFill>
+              </a:rPr>
+              <a:t> </a:t>
+            </a:r>
+            <a:r>
+              <a:rPr lang="en-GB" sz="1200" b="0" dirty="0" err="1">
+                <a:solidFill>
+                  <a:schemeClr val="tx1"/>
+                </a:solidFill>
+              </a:rPr>
+              <a:t>center</a:t>
+            </a:r>
+            <a:r>
+              <a:rPr lang="en-GB" sz="1200" b="0" dirty="0">
+                <a:solidFill>
+                  <a:schemeClr val="tx1"/>
+                </a:solidFill>
+              </a:rPr>
+              <a:t> size </a:t>
+            </a:r>
+            <a:r>
+              <a:rPr lang="en-GB" sz="1200" b="0" dirty="0" err="1">
+                <a:solidFill>
+                  <a:schemeClr val="tx1"/>
+                </a:solidFill>
+              </a:rPr>
+              <a:t>color</a:t>
+            </a:r>
+            <a:r>
+              <a:rPr lang="en-GB" sz="1200" b="0" dirty="0">
+                <a:solidFill>
+                  <a:schemeClr val="tx1"/>
+                </a:solidFill>
+              </a:rPr>
+              <a:t> …&gt;</a:t>
             </a:r>
           </a:p>
           <a:p>
@@ -9187,50 +9502,31 @@
             <a:r>
               <a:rPr lang="en-GB" sz="1200" b="0" dirty="0">
                 <a:solidFill>
-                  <a:srgbClr val="FF0000"/>
-                </a:solidFill>
-              </a:rPr>
-              <a:t>	.</a:t>
+                  <a:schemeClr val="tx1"/>
+                </a:solidFill>
+              </a:rPr>
+              <a:t>&lt;</a:t>
             </a:r>
             <a:r>
               <a:rPr lang="en-GB" sz="1200" dirty="0">
                 <a:solidFill>
-                  <a:srgbClr val="FF0000"/>
-                </a:solidFill>
-              </a:rPr>
-              <a:t>add</a:t>
-            </a:r>
-            <a:r>
-              <a:rPr lang="en-GB" sz="1200" b="0" dirty="0">
-                <a:solidFill>
-                  <a:srgbClr val="FF0000"/>
-                </a:solidFill>
-              </a:rPr>
-              <a:t> ( object, object, … )</a:t>
-            </a:r>
-          </a:p>
-          <a:p>
-            <a:pPr lvl="0"/>
-            <a:r>
-              <a:rPr lang="en-GB" sz="1200" dirty="0">
-                <a:solidFill>
-                  <a:srgbClr val="FF0000"/>
-                </a:solidFill>
-              </a:rPr>
-              <a:t>model </a:t>
-            </a:r>
-            <a:r>
-              <a:rPr lang="en-GB" sz="1200" b="0" dirty="0">
-                <a:solidFill>
-                  <a:srgbClr val="FF0000"/>
-                </a:solidFill>
-              </a:rPr>
-              <a:t>( filename, </a:t>
+                  <a:schemeClr val="tx1"/>
+                </a:solidFill>
+              </a:rPr>
+              <a:t>tube</a:t>
+            </a:r>
+            <a:r>
+              <a:rPr lang="en-GB" sz="1200" b="0" dirty="0">
+                <a:solidFill>
+                  <a:schemeClr val="tx1"/>
+                </a:solidFill>
+              </a:rPr>
+              <a:t> </a:t>
             </a:r>
             <a:r>
               <a:rPr lang="en-GB" sz="1200" b="0" dirty="0" err="1">
                 <a:solidFill>
-                  <a:srgbClr val="FF0000"/>
+                  <a:schemeClr val="tx1"/>
                 </a:solidFill>
               </a:rPr>
               <a:t>center</a:t>
@@ -9238,77 +9534,15 @@
             <a:r>
               <a:rPr lang="en-GB" sz="1200" b="0" dirty="0">
                 <a:solidFill>
-                  <a:srgbClr val="FF0000"/>
-                </a:solidFill>
-              </a:rPr>
-              <a:t>, size )</a:t>
-            </a:r>
-          </a:p>
-          <a:p>
-            <a:pPr lvl="0"/>
-            <a:r>
-              <a:rPr lang="en-GB" sz="1200" b="0" dirty="0">
-                <a:solidFill>
-                  <a:srgbClr val="FF0000"/>
-                </a:solidFill>
-              </a:rPr>
-              <a:t>	.</a:t>
-            </a:r>
-            <a:r>
-              <a:rPr lang="en-GB" sz="1200" dirty="0">
-                <a:solidFill>
-                  <a:srgbClr val="FF0000"/>
-                </a:solidFill>
-              </a:rPr>
-              <a:t>save</a:t>
-            </a:r>
-            <a:r>
-              <a:rPr lang="en-GB" sz="1200" b="0" dirty="0">
-                <a:solidFill>
-                  <a:srgbClr val="FF0000"/>
-                </a:solidFill>
-              </a:rPr>
-              <a:t> ( filename, [object, object, …] )</a:t>
-            </a:r>
-          </a:p>
-          <a:p>
-            <a:pPr lvl="0"/>
-            <a:r>
-              <a:rPr lang="en-GB" sz="1200" dirty="0">
-                <a:solidFill>
-                  <a:srgbClr val="FF0000"/>
-                </a:solidFill>
-              </a:rPr>
-              <a:t>surface </a:t>
-            </a:r>
-            <a:r>
-              <a:rPr lang="en-GB" sz="1200" b="0" dirty="0">
-                <a:solidFill>
-                  <a:srgbClr val="FF0000"/>
-                </a:solidFill>
-              </a:rPr>
-              <a:t>( </a:t>
+                  <a:schemeClr val="tx1"/>
+                </a:solidFill>
+              </a:rPr>
+              <a:t> curve radius count size </a:t>
             </a:r>
             <a:r>
               <a:rPr lang="en-GB" sz="1200" b="0" dirty="0" err="1">
                 <a:solidFill>
-                  <a:srgbClr val="FF0000"/>
-                </a:solidFill>
-              </a:rPr>
-              <a:t>center</a:t>
-            </a:r>
-            <a:r>
-              <a:rPr lang="en-GB" sz="1200" b="0" dirty="0">
-                <a:solidFill>
-                  <a:srgbClr val="FF0000"/>
-                </a:solidFill>
-              </a:rPr>
-              <a:t>, curve, count, size, </a:t>
-            </a:r>
-            <a:r>
-              <a:rPr lang="en-GB" sz="1200" b="0" dirty="0" err="1">
-                <a:solidFill>
-                  <a:srgbClr val="FF0000"/>
+                  <a:schemeClr val="tx1"/>
                 </a:solidFill>
               </a:rPr>
               <a:t>color</a:t>
@@ -9316,128 +9550,10 @@
             <a:r>
               <a:rPr lang="en-GB" sz="1200" b="0" dirty="0">
                 <a:solidFill>
-                  <a:srgbClr val="FF0000"/>
-                </a:solidFill>
-              </a:rPr>
-              <a:t> )</a:t>
-            </a:r>
-          </a:p>
-          <a:p>
-            <a:pPr lvl="0"/>
-            <a:r>
-              <a:rPr lang="en-GB" sz="1200" dirty="0">
-                <a:solidFill>
-                  <a:srgbClr val="FF0000"/>
-                </a:solidFill>
-              </a:rPr>
-              <a:t>text3d</a:t>
-            </a:r>
-            <a:r>
-              <a:rPr lang="en-GB" sz="1200" b="0" dirty="0">
-                <a:solidFill>
-                  <a:srgbClr val="FF0000"/>
-                </a:solidFill>
-              </a:rPr>
-              <a:t> ( text, </a:t>
-            </a:r>
-            <a:r>
-              <a:rPr lang="en-GB" sz="1200" b="0" dirty="0" err="1">
-                <a:solidFill>
-                  <a:srgbClr val="FF0000"/>
-                </a:solidFill>
-              </a:rPr>
-              <a:t>fontname</a:t>
-            </a:r>
-            <a:r>
-              <a:rPr lang="en-GB" sz="1200" b="0" dirty="0">
-                <a:solidFill>
-                  <a:srgbClr val="FF0000"/>
-                </a:solidFill>
-              </a:rPr>
-              <a:t>, </a:t>
-            </a:r>
-            <a:r>
-              <a:rPr lang="en-GB" sz="1200" b="0" dirty="0" err="1">
-                <a:solidFill>
-                  <a:srgbClr val="FF0000"/>
-                </a:solidFill>
-              </a:rPr>
-              <a:t>center</a:t>
-            </a:r>
-            <a:r>
-              <a:rPr lang="en-GB" sz="1200" b="0" dirty="0">
-                <a:solidFill>
-                  <a:srgbClr val="FF0000"/>
-                </a:solidFill>
-              </a:rPr>
-              <a:t>, size, </a:t>
-            </a:r>
-            <a:r>
-              <a:rPr lang="en-GB" sz="1200" b="0" dirty="0" err="1">
-                <a:solidFill>
-                  <a:srgbClr val="FF0000"/>
-                </a:solidFill>
-              </a:rPr>
-              <a:t>color</a:t>
-            </a:r>
-            <a:r>
-              <a:rPr lang="en-GB" sz="1200" b="0" dirty="0">
-                <a:solidFill>
-                  <a:srgbClr val="FF0000"/>
-                </a:solidFill>
-              </a:rPr>
-              <a:t> )</a:t>
-            </a:r>
-          </a:p>
-          <a:p>
-            <a:pPr lvl="0"/>
-            <a:r>
-              <a:rPr lang="en-GB" sz="1200" dirty="0">
-                <a:solidFill>
-                  <a:srgbClr val="FF0000"/>
-                </a:solidFill>
-              </a:rPr>
-              <a:t>tube</a:t>
-            </a:r>
-            <a:r>
-              <a:rPr lang="en-GB" sz="1200" b="0" dirty="0">
-                <a:solidFill>
-                  <a:srgbClr val="FF0000"/>
-                </a:solidFill>
-              </a:rPr>
-              <a:t> ( </a:t>
-            </a:r>
-            <a:r>
-              <a:rPr lang="en-GB" sz="1200" b="0" dirty="0" err="1">
-                <a:solidFill>
-                  <a:srgbClr val="FF0000"/>
-                </a:solidFill>
-              </a:rPr>
-              <a:t>center</a:t>
-            </a:r>
-            <a:r>
-              <a:rPr lang="en-GB" sz="1200" b="0" dirty="0">
-                <a:solidFill>
-                  <a:srgbClr val="FF0000"/>
-                </a:solidFill>
-              </a:rPr>
-              <a:t>, curve, radius, count, size, </a:t>
-            </a:r>
-            <a:r>
-              <a:rPr lang="en-GB" sz="1200" b="0" dirty="0" err="1">
-                <a:solidFill>
-                  <a:srgbClr val="FF0000"/>
-                </a:solidFill>
-              </a:rPr>
-              <a:t>color</a:t>
-            </a:r>
-            <a:r>
-              <a:rPr lang="en-GB" sz="1200" b="0" dirty="0">
-                <a:solidFill>
-                  <a:srgbClr val="FF0000"/>
-                </a:solidFill>
-              </a:rPr>
-              <a:t> )</a:t>
+                  <a:schemeClr val="tx1"/>
+                </a:solidFill>
+              </a:rPr>
+              <a:t> …&gt;</a:t>
             </a:r>
           </a:p>
           <a:p>
@@ -9445,27 +9561,30 @@
               <a:spcBef>
                 <a:spcPts val="600"/>
               </a:spcBef>
+              <a:tabLst>
+                <a:tab pos="2286000" algn="r"/>
+              </a:tabLst>
             </a:pPr>
             <a:r>
+              <a:rPr lang="en-GB" sz="1200" b="0" dirty="0">
+                <a:solidFill>
+                  <a:schemeClr val="tx1"/>
+                </a:solidFill>
+              </a:rPr>
+              <a:t>&lt;</a:t>
+            </a:r>
+            <a:r>
               <a:rPr lang="en-GB" sz="1200" dirty="0">
                 <a:solidFill>
-                  <a:srgbClr val="FF0000"/>
+                  <a:schemeClr val="tx1"/>
                 </a:solidFill>
               </a:rPr>
               <a:t>spline </a:t>
             </a:r>
             <a:r>
-              <a:rPr lang="en-GB" sz="1200" b="0" dirty="0">
-                <a:solidFill>
-                  <a:srgbClr val="FF0000"/>
-                </a:solidFill>
-              </a:rPr>
-              <a:t>( </a:t>
-            </a:r>
-            <a:r>
               <a:rPr lang="en-GB" sz="1200" b="0" dirty="0" err="1">
                 <a:solidFill>
-                  <a:srgbClr val="FF0000"/>
+                  <a:schemeClr val="tx1"/>
                 </a:solidFill>
               </a:rPr>
               <a:t>src</a:t>
@@ -9473,10 +9592,25 @@
             <a:r>
               <a:rPr lang="en-GB" sz="1200" b="0" dirty="0">
                 <a:solidFill>
-                  <a:srgbClr val="FF0000"/>
-                </a:solidFill>
-              </a:rPr>
-              <a:t>, closed, interpolating )</a:t>
+                  <a:schemeClr val="tx1"/>
+                </a:solidFill>
+              </a:rPr>
+              <a:t> closed/open</a:t>
+            </a:r>
+            <a:br>
+              <a:rPr lang="en-GB" sz="1200" b="0" dirty="0">
+                <a:solidFill>
+                  <a:schemeClr val="tx1"/>
+                </a:solidFill>
+              </a:rPr>
+            </a:br>
+            <a:r>
+              <a:rPr lang="en-GB" sz="1200" b="0" dirty="0">
+                <a:solidFill>
+                  <a:schemeClr val="tx1"/>
+                </a:solidFill>
+              </a:rPr>
+              <a:t>	interpolating/approximating&gt;</a:t>
             </a:r>
           </a:p>
           <a:p>
@@ -9484,15 +9618,21 @@
             <a:r>
               <a:rPr lang="en-GB" sz="1200" b="0" dirty="0">
                 <a:solidFill>
-                  <a:srgbClr val="FF0000"/>
-                </a:solidFill>
-              </a:rPr>
-              <a:t>	[ [</a:t>
+                  <a:schemeClr val="tx1">
+                    <a:lumMod val="50000"/>
+                    <a:lumOff val="50000"/>
+                  </a:schemeClr>
+                </a:solidFill>
+              </a:rPr>
+              <a:t>	</a:t>
             </a:r>
             <a:r>
               <a:rPr lang="en-GB" sz="1200" b="0" dirty="0" err="1">
                 <a:solidFill>
-                  <a:srgbClr val="FF0000"/>
+                  <a:schemeClr val="tx1">
+                    <a:lumMod val="50000"/>
+                    <a:lumOff val="50000"/>
+                  </a:schemeClr>
                 </a:solidFill>
               </a:rPr>
               <a:t>x,y,z</a:t>
@@ -9500,602 +9640,130 @@
             <a:r>
               <a:rPr lang="en-GB" sz="1200" b="0" dirty="0">
                 <a:solidFill>
-                  <a:srgbClr val="FF0000"/>
-                </a:solidFill>
-              </a:rPr>
-              <a:t>], … [</a:t>
+                  <a:schemeClr val="tx1">
+                    <a:lumMod val="50000"/>
+                    <a:lumOff val="50000"/>
+                  </a:schemeClr>
+                </a:solidFill>
+              </a:rPr>
+              <a:t>; … </a:t>
             </a:r>
             <a:r>
               <a:rPr lang="en-GB" sz="1200" b="0" dirty="0" err="1">
                 <a:solidFill>
-                  <a:srgbClr val="FF0000"/>
+                  <a:schemeClr val="tx1">
+                    <a:lumMod val="50000"/>
+                    <a:lumOff val="50000"/>
+                  </a:schemeClr>
                 </a:solidFill>
               </a:rPr>
               <a:t>x,y,z</a:t>
             </a:r>
-            <a:r>
-              <a:rPr lang="en-GB" sz="1200" b="0" dirty="0">
-                <a:solidFill>
-                  <a:srgbClr val="FF0000"/>
-                </a:solidFill>
-              </a:rPr>
-              <a:t>] ]</a:t>
-            </a:r>
-          </a:p>
-          <a:p>
-            <a:r>
-              <a:rPr lang="en-GB" sz="1200" dirty="0">
-                <a:solidFill>
-                  <a:srgbClr val="FF0000"/>
-                </a:solidFill>
-              </a:rPr>
-              <a:t>spline </a:t>
-            </a:r>
-            <a:r>
-              <a:rPr lang="en-GB" sz="1200" b="0" dirty="0">
-                <a:solidFill>
-                  <a:srgbClr val="FF0000"/>
-                </a:solidFill>
-              </a:rPr>
-              <a:t>( function, param1, param2 )</a:t>
-            </a:r>
-          </a:p>
-          <a:p>
-            <a:r>
-              <a:rPr lang="en-GB" sz="1200" b="0" dirty="0">
-                <a:solidFill>
-                  <a:srgbClr val="FF0000"/>
-                </a:solidFill>
-              </a:rPr>
-              <a:t>	</a:t>
-            </a:r>
-            <a:r>
-              <a:rPr lang="en-GB" sz="1200" b="0" dirty="0" err="1">
-                <a:solidFill>
-                  <a:srgbClr val="FF0000"/>
-                </a:solidFill>
-              </a:rPr>
-              <a:t>func</a:t>
-            </a:r>
-            <a:r>
-              <a:rPr lang="en-GB" sz="1200" b="0" dirty="0">
-                <a:solidFill>
-                  <a:srgbClr val="FF0000"/>
-                </a:solidFill>
-              </a:rPr>
-              <a:t> ( u, p1, p2)</a:t>
-            </a:r>
-          </a:p>
-          <a:p>
-            <a:pPr lvl="0"/>
-            <a:r>
-              <a:rPr lang="en-GB" sz="1200" dirty="0" err="1">
-                <a:solidFill>
-                  <a:srgbClr val="FF0000"/>
-                </a:solidFill>
-              </a:rPr>
-              <a:t>splane</a:t>
-            </a:r>
-            <a:r>
-              <a:rPr lang="en-GB" sz="1200" dirty="0">
-                <a:solidFill>
-                  <a:srgbClr val="FF0000"/>
-                </a:solidFill>
-              </a:rPr>
-              <a:t> </a:t>
-            </a:r>
-            <a:r>
-              <a:rPr lang="en-GB" sz="1200" b="0" dirty="0">
-                <a:solidFill>
-                  <a:srgbClr val="FF0000"/>
-                </a:solidFill>
-              </a:rPr>
-              <a:t>( </a:t>
-            </a:r>
-            <a:r>
-              <a:rPr lang="en-GB" sz="1200" b="0" dirty="0" err="1">
-                <a:solidFill>
-                  <a:srgbClr val="FF0000"/>
-                </a:solidFill>
-              </a:rPr>
-              <a:t>src</a:t>
-            </a:r>
-            <a:r>
-              <a:rPr lang="en-GB" sz="1200" b="0" dirty="0">
-                <a:solidFill>
-                  <a:srgbClr val="FF0000"/>
-                </a:solidFill>
-              </a:rPr>
-              <a:t>, closed, interpolating )</a:t>
-            </a:r>
-          </a:p>
-          <a:p>
-            <a:r>
-              <a:rPr lang="en-GB" sz="1200" b="0" dirty="0">
-                <a:solidFill>
-                  <a:srgbClr val="FF0000"/>
-                </a:solidFill>
-              </a:rPr>
-              <a:t>	[ [[</a:t>
-            </a:r>
-            <a:r>
-              <a:rPr lang="en-GB" sz="1200" b="0" dirty="0" err="1">
-                <a:solidFill>
-                  <a:srgbClr val="FF0000"/>
-                </a:solidFill>
-              </a:rPr>
-              <a:t>x,y,z</a:t>
-            </a:r>
-            <a:r>
-              <a:rPr lang="en-GB" sz="1200" b="0" dirty="0">
-                <a:solidFill>
-                  <a:srgbClr val="FF0000"/>
-                </a:solidFill>
-              </a:rPr>
-              <a:t>], … [</a:t>
-            </a:r>
-            <a:r>
-              <a:rPr lang="en-GB" sz="1200" b="0" dirty="0" err="1">
-                <a:solidFill>
-                  <a:srgbClr val="FF0000"/>
-                </a:solidFill>
-              </a:rPr>
-              <a:t>x,y,z</a:t>
-            </a:r>
-            <a:r>
-              <a:rPr lang="en-GB" sz="1200" b="0" dirty="0">
-                <a:solidFill>
-                  <a:srgbClr val="FF0000"/>
-                </a:solidFill>
-              </a:rPr>
-              <a:t>]],</a:t>
-            </a:r>
-          </a:p>
-          <a:p>
-            <a:r>
-              <a:rPr lang="en-GB" sz="1200" b="0" dirty="0">
-                <a:solidFill>
-                  <a:srgbClr val="FF0000"/>
-                </a:solidFill>
-              </a:rPr>
-              <a:t>	       :               :</a:t>
-            </a:r>
-          </a:p>
-          <a:p>
-            <a:r>
-              <a:rPr lang="en-GB" sz="1200" b="0" dirty="0">
-                <a:solidFill>
-                  <a:srgbClr val="FF0000"/>
-                </a:solidFill>
-              </a:rPr>
-              <a:t>         [[</a:t>
-            </a:r>
-            <a:r>
-              <a:rPr lang="en-GB" sz="1200" b="0" dirty="0" err="1">
-                <a:solidFill>
-                  <a:srgbClr val="FF0000"/>
-                </a:solidFill>
-              </a:rPr>
-              <a:t>x,y,z</a:t>
-            </a:r>
-            <a:r>
-              <a:rPr lang="en-GB" sz="1200" b="0" dirty="0">
-                <a:solidFill>
-                  <a:srgbClr val="FF0000"/>
-                </a:solidFill>
-              </a:rPr>
-              <a:t>], … [</a:t>
-            </a:r>
-            <a:r>
-              <a:rPr lang="en-GB" sz="1200" b="0" dirty="0" err="1">
-                <a:solidFill>
-                  <a:srgbClr val="FF0000"/>
-                </a:solidFill>
-              </a:rPr>
-              <a:t>x,y,z</a:t>
-            </a:r>
-            <a:r>
-              <a:rPr lang="en-GB" sz="1200" b="0" dirty="0">
-                <a:solidFill>
-                  <a:srgbClr val="FF0000"/>
-                </a:solidFill>
-              </a:rPr>
-              <a:t>]] ]</a:t>
-            </a:r>
-          </a:p>
-          <a:p>
-            <a:r>
-              <a:rPr lang="en-GB" sz="1200" dirty="0" err="1">
-                <a:solidFill>
-                  <a:srgbClr val="FF0000"/>
-                </a:solidFill>
-              </a:rPr>
-              <a:t>splane</a:t>
-            </a:r>
-            <a:r>
-              <a:rPr lang="en-GB" sz="1200" dirty="0">
-                <a:solidFill>
-                  <a:srgbClr val="FF0000"/>
-                </a:solidFill>
-              </a:rPr>
-              <a:t> </a:t>
-            </a:r>
-            <a:r>
-              <a:rPr lang="en-GB" sz="1200" b="0" dirty="0">
-                <a:solidFill>
-                  <a:srgbClr val="FF0000"/>
-                </a:solidFill>
-              </a:rPr>
-              <a:t>( function, param1, param2 )</a:t>
-            </a:r>
-          </a:p>
-          <a:p>
-            <a:r>
-              <a:rPr lang="en-GB" sz="1200" b="0" dirty="0">
-                <a:solidFill>
-                  <a:srgbClr val="FF0000"/>
-                </a:solidFill>
-              </a:rPr>
-              <a:t>	</a:t>
-            </a:r>
-            <a:r>
-              <a:rPr lang="en-GB" sz="1200" b="0" dirty="0" err="1">
-                <a:solidFill>
-                  <a:srgbClr val="FF0000"/>
-                </a:solidFill>
-              </a:rPr>
-              <a:t>func</a:t>
-            </a:r>
-            <a:r>
-              <a:rPr lang="en-GB" sz="1200" b="0" dirty="0">
-                <a:solidFill>
-                  <a:srgbClr val="FF0000"/>
-                </a:solidFill>
-              </a:rPr>
-              <a:t> ( u, v, p1, p2 )</a:t>
-            </a:r>
-          </a:p>
-        </p:txBody>
-      </p:sp>
-      <p:sp>
-        <p:nvSpPr>
-          <p:cNvPr id="21" name="TextBox 20">
-            <a:extLst>
-              <a:ext uri="{FF2B5EF4-FFF2-40B4-BE49-F238E27FC236}">
-                <a16:creationId xmlns:a16="http://schemas.microsoft.com/office/drawing/2014/main" id="{37037FDB-4BA4-46B7-ACD5-8F1021BB2B28}"/>
-              </a:ext>
-            </a:extLst>
-          </p:cNvPr>
-          <p:cNvSpPr txBox="1"/>
-          <p:nvPr/>
-        </p:nvSpPr>
-        <p:spPr>
-          <a:xfrm>
-            <a:off x="6934200" y="5791200"/>
-            <a:ext cx="2895600" cy="1066800"/>
-          </a:xfrm>
-          <a:prstGeom prst="rect">
-            <a:avLst/>
-          </a:prstGeom>
-          <a:noFill/>
-          <a:ln w="3175">
-            <a:noFill/>
-          </a:ln>
-        </p:spPr>
-        <p:style>
-          <a:lnRef idx="2">
-            <a:schemeClr val="accent1">
-              <a:shade val="50000"/>
-            </a:schemeClr>
-          </a:lnRef>
-          <a:fillRef idx="1">
-            <a:schemeClr val="accent1"/>
-          </a:fillRef>
-          <a:effectRef idx="0">
-            <a:schemeClr val="accent1"/>
-          </a:effectRef>
-          <a:fontRef idx="minor">
-            <a:schemeClr val="lt1"/>
-          </a:fontRef>
-        </p:style>
-        <p:txBody>
-          <a:bodyPr rot="0" spcFirstLastPara="0" vertOverflow="overflow" horzOverflow="overflow" vert="horz" wrap="square" lIns="0" tIns="91440" rIns="0" bIns="91440" numCol="1" spcCol="0" rtlCol="0" fromWordArt="0" anchor="ctr" anchorCtr="0" forceAA="0" compatLnSpc="1">
-            <a:prstTxWarp prst="textNoShape">
-              <a:avLst/>
-            </a:prstTxWarp>
-            <a:noAutofit/>
-          </a:bodyPr>
-          <a:lstStyle>
-            <a:defPPr>
-              <a:defRPr lang="en-US"/>
-            </a:defPPr>
-            <a:lvl1pPr>
-              <a:tabLst>
-                <a:tab pos="171450" algn="l"/>
-              </a:tabLst>
-              <a:defRPr sz="1000" b="1">
-                <a:solidFill>
-                  <a:schemeClr val="accent1"/>
-                </a:solidFill>
-                <a:latin typeface="Agency FB" panose="020B0503020202020204" pitchFamily="34" charset="0"/>
-              </a:defRPr>
-            </a:lvl1pPr>
-            <a:lvl2pPr>
-              <a:defRPr>
-                <a:solidFill>
-                  <a:schemeClr val="lt1"/>
-                </a:solidFill>
-              </a:defRPr>
-            </a:lvl2pPr>
-            <a:lvl3pPr>
-              <a:defRPr>
-                <a:solidFill>
-                  <a:schemeClr val="lt1"/>
-                </a:solidFill>
-              </a:defRPr>
-            </a:lvl3pPr>
-            <a:lvl4pPr>
-              <a:defRPr>
-                <a:solidFill>
-                  <a:schemeClr val="lt1"/>
-                </a:solidFill>
-              </a:defRPr>
-            </a:lvl4pPr>
-            <a:lvl5pPr>
-              <a:defRPr>
-                <a:solidFill>
-                  <a:schemeClr val="lt1"/>
-                </a:solidFill>
-              </a:defRPr>
-            </a:lvl5pPr>
-            <a:lvl6pPr>
-              <a:defRPr>
-                <a:solidFill>
-                  <a:schemeClr val="lt1"/>
-                </a:solidFill>
-              </a:defRPr>
-            </a:lvl6pPr>
-            <a:lvl7pPr>
-              <a:defRPr>
-                <a:solidFill>
-                  <a:schemeClr val="lt1"/>
-                </a:solidFill>
-              </a:defRPr>
-            </a:lvl7pPr>
-            <a:lvl8pPr>
-              <a:defRPr>
-                <a:solidFill>
-                  <a:schemeClr val="lt1"/>
-                </a:solidFill>
-              </a:defRPr>
-            </a:lvl8pPr>
-            <a:lvl9pPr>
-              <a:defRPr>
-                <a:solidFill>
-                  <a:schemeClr val="lt1"/>
-                </a:solidFill>
-              </a:defRPr>
-            </a:lvl9pPr>
-          </a:lstStyle>
-          <a:p>
-            <a:pPr lvl="0" algn="r"/>
-            <a:r>
-              <a:rPr lang="en-GB" sz="2800" dirty="0">
-                <a:solidFill>
-                  <a:schemeClr val="tx1"/>
-                </a:solidFill>
-              </a:rPr>
-              <a:t>Suica 2.0</a:t>
-            </a:r>
-          </a:p>
-          <a:p>
-            <a:pPr lvl="0" algn="r"/>
-            <a:r>
-              <a:rPr lang="en-GB" sz="1600" b="0" dirty="0">
-                <a:solidFill>
-                  <a:schemeClr val="tx1"/>
-                </a:solidFill>
-              </a:rPr>
-              <a:t>for </a:t>
-            </a:r>
-            <a:r>
-              <a:rPr lang="en-US" sz="1600" b="0" dirty="0">
-                <a:solidFill>
-                  <a:schemeClr val="tx1"/>
-                </a:solidFill>
-              </a:rPr>
-              <a:t>HTML</a:t>
-            </a:r>
-            <a:endParaRPr lang="en-GB" sz="1600" b="0" dirty="0">
+            <a:endParaRPr lang="en-GB" sz="1200" b="0" dirty="0">
               <a:solidFill>
-                <a:schemeClr val="tx1"/>
+                <a:schemeClr val="tx1">
+                  <a:lumMod val="50000"/>
+                  <a:lumOff val="50000"/>
+                </a:schemeClr>
               </a:solidFill>
             </a:endParaRPr>
           </a:p>
           <a:p>
-            <a:pPr lvl="0" algn="r"/>
-            <a:r>
-              <a:rPr lang="en-GB" sz="1600" b="0" dirty="0">
-                <a:solidFill>
-                  <a:schemeClr val="tx1"/>
-                </a:solidFill>
-              </a:rPr>
-              <a:t>https://boytchev.github.io/suica</a:t>
-            </a:r>
-          </a:p>
-        </p:txBody>
-      </p:sp>
-      <p:sp>
-        <p:nvSpPr>
-          <p:cNvPr id="23" name="TextBox 22">
-            <a:extLst>
-              <a:ext uri="{FF2B5EF4-FFF2-40B4-BE49-F238E27FC236}">
-                <a16:creationId xmlns:a16="http://schemas.microsoft.com/office/drawing/2014/main" id="{D73C3A5A-36FF-4BD5-92D3-D4D2B8C2BFB7}"/>
-              </a:ext>
-            </a:extLst>
-          </p:cNvPr>
-          <p:cNvSpPr txBox="1"/>
-          <p:nvPr/>
-        </p:nvSpPr>
-        <p:spPr>
-          <a:xfrm>
-            <a:off x="5756640" y="279400"/>
-            <a:ext cx="1721912" cy="635000"/>
-          </a:xfrm>
-          <a:prstGeom prst="rect">
-            <a:avLst/>
-          </a:prstGeom>
-          <a:solidFill>
-            <a:schemeClr val="bg1"/>
-          </a:solidFill>
-          <a:ln w="3175">
-            <a:noFill/>
-          </a:ln>
-        </p:spPr>
-        <p:style>
-          <a:lnRef idx="2">
-            <a:schemeClr val="accent1">
-              <a:shade val="50000"/>
-            </a:schemeClr>
-          </a:lnRef>
-          <a:fillRef idx="1">
-            <a:schemeClr val="accent1"/>
-          </a:fillRef>
-          <a:effectRef idx="0">
-            <a:schemeClr val="accent1"/>
-          </a:effectRef>
-          <a:fontRef idx="minor">
-            <a:schemeClr val="lt1"/>
-          </a:fontRef>
-        </p:style>
-        <p:txBody>
-          <a:bodyPr rot="0" spcFirstLastPara="0" vertOverflow="overflow" horzOverflow="overflow" vert="horz" wrap="square" lIns="91440" tIns="45720" rIns="0" bIns="45720" numCol="1" spcCol="0" rtlCol="0" fromWordArt="0" anchor="t" anchorCtr="0" forceAA="0" compatLnSpc="1">
-            <a:prstTxWarp prst="textNoShape">
-              <a:avLst/>
-            </a:prstTxWarp>
-            <a:noAutofit/>
-          </a:bodyPr>
-          <a:lstStyle>
-            <a:defPPr>
-              <a:defRPr lang="en-US"/>
-            </a:defPPr>
-            <a:lvl1pPr>
-              <a:tabLst>
-                <a:tab pos="171450" algn="l"/>
-              </a:tabLst>
-              <a:defRPr sz="1000" b="1">
-                <a:solidFill>
-                  <a:schemeClr val="accent1"/>
-                </a:solidFill>
-                <a:latin typeface="Agency FB" panose="020B0503020202020204" pitchFamily="34" charset="0"/>
-              </a:defRPr>
-            </a:lvl1pPr>
-            <a:lvl2pPr>
-              <a:defRPr>
-                <a:solidFill>
-                  <a:schemeClr val="lt1"/>
-                </a:solidFill>
-              </a:defRPr>
-            </a:lvl2pPr>
-            <a:lvl3pPr>
-              <a:defRPr>
-                <a:solidFill>
-                  <a:schemeClr val="lt1"/>
-                </a:solidFill>
-              </a:defRPr>
-            </a:lvl3pPr>
-            <a:lvl4pPr>
-              <a:defRPr>
-                <a:solidFill>
-                  <a:schemeClr val="lt1"/>
-                </a:solidFill>
-              </a:defRPr>
-            </a:lvl4pPr>
-            <a:lvl5pPr>
-              <a:defRPr>
-                <a:solidFill>
-                  <a:schemeClr val="lt1"/>
-                </a:solidFill>
-              </a:defRPr>
-            </a:lvl5pPr>
-            <a:lvl6pPr>
-              <a:defRPr>
-                <a:solidFill>
-                  <a:schemeClr val="lt1"/>
-                </a:solidFill>
-              </a:defRPr>
-            </a:lvl6pPr>
-            <a:lvl7pPr>
-              <a:defRPr>
-                <a:solidFill>
-                  <a:schemeClr val="lt1"/>
-                </a:solidFill>
-              </a:defRPr>
-            </a:lvl7pPr>
-            <a:lvl8pPr>
-              <a:defRPr>
-                <a:solidFill>
-                  <a:schemeClr val="lt1"/>
-                </a:solidFill>
-              </a:defRPr>
-            </a:lvl8pPr>
-            <a:lvl9pPr>
-              <a:defRPr>
-                <a:solidFill>
-                  <a:schemeClr val="lt1"/>
-                </a:solidFill>
-              </a:defRPr>
-            </a:lvl9pPr>
-          </a:lstStyle>
+            <a:r>
+              <a:rPr lang="en-GB" sz="1200" b="0" dirty="0">
+                <a:solidFill>
+                  <a:schemeClr val="tx1"/>
+                </a:solidFill>
+              </a:rPr>
+              <a:t>&lt;</a:t>
+            </a:r>
+            <a:r>
+              <a:rPr lang="en-GB" sz="1200" dirty="0">
+                <a:solidFill>
+                  <a:schemeClr val="tx1"/>
+                </a:solidFill>
+              </a:rPr>
+              <a:t>spline </a:t>
+            </a:r>
+            <a:r>
+              <a:rPr lang="en-GB" sz="1200" b="0" dirty="0" err="1">
+                <a:solidFill>
+                  <a:schemeClr val="tx1"/>
+                </a:solidFill>
+              </a:rPr>
+              <a:t>src</a:t>
+            </a:r>
+            <a:r>
+              <a:rPr lang="en-GB" sz="1200" b="0" dirty="0">
+                <a:solidFill>
+                  <a:schemeClr val="tx1"/>
+                </a:solidFill>
+              </a:rPr>
+              <a:t>&gt;</a:t>
+            </a:r>
+          </a:p>
+          <a:p>
+            <a:r>
+              <a:rPr lang="en-GB" sz="1200" b="0" dirty="0">
+                <a:solidFill>
+                  <a:schemeClr val="tx1">
+                    <a:lumMod val="50000"/>
+                    <a:lumOff val="50000"/>
+                  </a:schemeClr>
+                </a:solidFill>
+              </a:rPr>
+              <a:t>	</a:t>
+            </a:r>
+            <a:r>
+              <a:rPr lang="en-GB" sz="1200" b="0" dirty="0" err="1">
+                <a:solidFill>
+                  <a:schemeClr val="tx1">
+                    <a:lumMod val="50000"/>
+                    <a:lumOff val="50000"/>
+                  </a:schemeClr>
+                </a:solidFill>
+              </a:rPr>
+              <a:t>functionName</a:t>
+            </a:r>
+            <a:endParaRPr lang="en-GB" sz="1200" b="0" dirty="0">
+              <a:solidFill>
+                <a:schemeClr val="tx1">
+                  <a:lumMod val="50000"/>
+                  <a:lumOff val="50000"/>
+                </a:schemeClr>
+              </a:solidFill>
+            </a:endParaRPr>
+          </a:p>
           <a:p>
             <a:pPr>
               <a:tabLst>
-                <a:tab pos="171450" algn="l"/>
-                <a:tab pos="1544638" algn="l"/>
+                <a:tab pos="2286000" algn="r"/>
               </a:tabLst>
             </a:pPr>
             <a:r>
-              <a:rPr lang="en-GB" sz="1600" u="sng" dirty="0">
-                <a:solidFill>
-                  <a:schemeClr val="tx1"/>
-                </a:solidFill>
-              </a:rPr>
-              <a:t>MISC	</a:t>
-            </a:r>
-            <a:r>
-              <a:rPr lang="en-GB" sz="1050" u="sng" dirty="0">
+              <a:rPr lang="en-GB" sz="1200" b="0" dirty="0">
+                <a:solidFill>
+                  <a:schemeClr val="tx1"/>
+                </a:solidFill>
+              </a:rPr>
+              <a:t>&lt;</a:t>
+            </a:r>
+            <a:r>
+              <a:rPr lang="en-GB" sz="1200" dirty="0" err="1">
+                <a:solidFill>
+                  <a:schemeClr val="tx1"/>
+                </a:solidFill>
+              </a:rPr>
+              <a:t>splane</a:t>
+            </a:r>
+            <a:r>
+              <a:rPr lang="en-GB" sz="1200" dirty="0">
                 <a:solidFill>
                   <a:schemeClr val="tx1"/>
                 </a:solidFill>
               </a:rPr>
               <a:t> </a:t>
             </a:r>
-          </a:p>
-          <a:p>
-            <a:r>
-              <a:rPr lang="en-GB" sz="1200" b="0" dirty="0">
-                <a:solidFill>
-                  <a:schemeClr val="tx1"/>
-                </a:solidFill>
-              </a:rPr>
-              <a:t>&lt;</a:t>
-            </a:r>
-            <a:r>
-              <a:rPr lang="en-GB" sz="1200" dirty="0">
-                <a:solidFill>
-                  <a:schemeClr val="tx1"/>
-                </a:solidFill>
-              </a:rPr>
-              <a:t>clone</a:t>
-            </a:r>
-            <a:r>
-              <a:rPr lang="en-GB" sz="1200" b="0" dirty="0">
-                <a:solidFill>
-                  <a:schemeClr val="tx1"/>
-                </a:solidFill>
-              </a:rPr>
-              <a:t> </a:t>
-            </a:r>
             <a:r>
               <a:rPr lang="en-GB" sz="1200" b="0" dirty="0" err="1">
                 <a:solidFill>
@@ -10110,316 +9778,189 @@
                   <a:schemeClr val="tx1"/>
                 </a:solidFill>
               </a:rPr>
-              <a:t> …</a:t>
-            </a:r>
-            <a:r>
-              <a:rPr lang="en-GB" sz="1200" dirty="0">
-                <a:solidFill>
-                  <a:schemeClr val="tx1"/>
-                </a:solidFill>
-              </a:rPr>
-              <a:t>&gt;</a:t>
-            </a:r>
-          </a:p>
-        </p:txBody>
-      </p:sp>
-      <p:sp>
-        <p:nvSpPr>
-          <p:cNvPr id="27" name="TextBox 26">
-            <a:extLst>
-              <a:ext uri="{FF2B5EF4-FFF2-40B4-BE49-F238E27FC236}">
-                <a16:creationId xmlns:a16="http://schemas.microsoft.com/office/drawing/2014/main" id="{E20F6664-DC79-4302-9840-53915790574A}"/>
-              </a:ext>
-            </a:extLst>
-          </p:cNvPr>
-          <p:cNvSpPr txBox="1"/>
-          <p:nvPr/>
-        </p:nvSpPr>
-        <p:spPr>
-          <a:xfrm>
-            <a:off x="2777796" y="3810024"/>
-            <a:ext cx="2786682" cy="1028687"/>
-          </a:xfrm>
-          <a:prstGeom prst="rect">
-            <a:avLst/>
-          </a:prstGeom>
-          <a:solidFill>
-            <a:schemeClr val="bg1"/>
-          </a:solidFill>
-          <a:ln w="3175">
-            <a:noFill/>
-          </a:ln>
-        </p:spPr>
-        <p:style>
-          <a:lnRef idx="2">
-            <a:schemeClr val="accent1">
-              <a:shade val="50000"/>
-            </a:schemeClr>
-          </a:lnRef>
-          <a:fillRef idx="1">
-            <a:schemeClr val="accent1"/>
-          </a:fillRef>
-          <a:effectRef idx="0">
-            <a:schemeClr val="accent1"/>
-          </a:effectRef>
-          <a:fontRef idx="minor">
-            <a:schemeClr val="lt1"/>
-          </a:fontRef>
-        </p:style>
-        <p:txBody>
-          <a:bodyPr rot="0" spcFirstLastPara="0" vertOverflow="overflow" horzOverflow="overflow" vert="horz" wrap="square" lIns="91440" tIns="45720" rIns="0" bIns="45720" numCol="1" spcCol="0" rtlCol="0" fromWordArt="0" anchor="t" anchorCtr="0" forceAA="0" compatLnSpc="1">
-            <a:prstTxWarp prst="textNoShape">
-              <a:avLst/>
-            </a:prstTxWarp>
-            <a:noAutofit/>
-          </a:bodyPr>
-          <a:lstStyle>
-            <a:defPPr>
-              <a:defRPr lang="en-US"/>
-            </a:defPPr>
-            <a:lvl1pPr>
-              <a:tabLst>
-                <a:tab pos="171450" algn="l"/>
-              </a:tabLst>
-              <a:defRPr sz="1000" b="1">
-                <a:solidFill>
-                  <a:schemeClr val="accent1"/>
-                </a:solidFill>
-                <a:latin typeface="Agency FB" panose="020B0503020202020204" pitchFamily="34" charset="0"/>
-              </a:defRPr>
-            </a:lvl1pPr>
-            <a:lvl2pPr>
-              <a:defRPr>
-                <a:solidFill>
-                  <a:schemeClr val="lt1"/>
-                </a:solidFill>
-              </a:defRPr>
-            </a:lvl2pPr>
-            <a:lvl3pPr>
-              <a:defRPr>
-                <a:solidFill>
-                  <a:schemeClr val="lt1"/>
-                </a:solidFill>
-              </a:defRPr>
-            </a:lvl3pPr>
-            <a:lvl4pPr>
-              <a:defRPr>
-                <a:solidFill>
-                  <a:schemeClr val="lt1"/>
-                </a:solidFill>
-              </a:defRPr>
-            </a:lvl4pPr>
-            <a:lvl5pPr>
-              <a:defRPr>
-                <a:solidFill>
-                  <a:schemeClr val="lt1"/>
-                </a:solidFill>
-              </a:defRPr>
-            </a:lvl5pPr>
-            <a:lvl6pPr>
-              <a:defRPr>
-                <a:solidFill>
-                  <a:schemeClr val="lt1"/>
-                </a:solidFill>
-              </a:defRPr>
-            </a:lvl6pPr>
-            <a:lvl7pPr>
-              <a:defRPr>
-                <a:solidFill>
-                  <a:schemeClr val="lt1"/>
-                </a:solidFill>
-              </a:defRPr>
-            </a:lvl7pPr>
-            <a:lvl8pPr>
-              <a:defRPr>
-                <a:solidFill>
-                  <a:schemeClr val="lt1"/>
-                </a:solidFill>
-              </a:defRPr>
-            </a:lvl8pPr>
-            <a:lvl9pPr>
-              <a:defRPr>
-                <a:solidFill>
-                  <a:schemeClr val="lt1"/>
-                </a:solidFill>
-              </a:defRPr>
-            </a:lvl9pPr>
-          </a:lstStyle>
-          <a:p>
-            <a:pPr>
-              <a:tabLst>
-                <a:tab pos="171450" algn="l"/>
-                <a:tab pos="2628900" algn="l"/>
-              </a:tabLst>
-            </a:pPr>
-            <a:r>
-              <a:rPr lang="en-GB" sz="1600" u="sng" dirty="0">
-                <a:solidFill>
-                  <a:srgbClr val="FF0000"/>
-                </a:solidFill>
-              </a:rPr>
-              <a:t>LMS	 </a:t>
-            </a:r>
-          </a:p>
-          <a:p>
-            <a:r>
-              <a:rPr lang="en-GB" sz="1200" dirty="0" err="1">
-                <a:solidFill>
-                  <a:srgbClr val="FF0000"/>
-                </a:solidFill>
-              </a:rPr>
-              <a:t>scorm</a:t>
-            </a:r>
-            <a:endParaRPr lang="en-GB" sz="1200" dirty="0">
+              <a:t> closed/open	interpolating/approximating&gt;</a:t>
+            </a:r>
+          </a:p>
+          <a:p>
+            <a:r>
+              <a:rPr lang="en-GB" sz="1200" b="0" dirty="0">
+                <a:solidFill>
+                  <a:schemeClr val="tx1">
+                    <a:lumMod val="50000"/>
+                    <a:lumOff val="50000"/>
+                  </a:schemeClr>
+                </a:solidFill>
+              </a:rPr>
+              <a:t>	</a:t>
+            </a:r>
+            <a:r>
+              <a:rPr lang="en-GB" sz="1200" b="0" dirty="0" err="1">
+                <a:solidFill>
+                  <a:schemeClr val="tx1">
+                    <a:lumMod val="50000"/>
+                    <a:lumOff val="50000"/>
+                  </a:schemeClr>
+                </a:solidFill>
+              </a:rPr>
+              <a:t>x,y,z</a:t>
+            </a:r>
+            <a:r>
+              <a:rPr lang="en-GB" sz="1200" b="0" dirty="0">
+                <a:solidFill>
+                  <a:schemeClr val="tx1">
+                    <a:lumMod val="50000"/>
+                    <a:lumOff val="50000"/>
+                  </a:schemeClr>
+                </a:solidFill>
+              </a:rPr>
+              <a:t>; … </a:t>
+            </a:r>
+            <a:r>
+              <a:rPr lang="en-GB" sz="1200" b="0" dirty="0" err="1">
+                <a:solidFill>
+                  <a:schemeClr val="tx1">
+                    <a:lumMod val="50000"/>
+                    <a:lumOff val="50000"/>
+                  </a:schemeClr>
+                </a:solidFill>
+              </a:rPr>
+              <a:t>x,y,z</a:t>
+            </a:r>
+            <a:r>
+              <a:rPr lang="en-GB" sz="1200" b="0" dirty="0">
+                <a:solidFill>
+                  <a:schemeClr val="tx1">
+                    <a:lumMod val="50000"/>
+                    <a:lumOff val="50000"/>
+                  </a:schemeClr>
+                </a:solidFill>
+              </a:rPr>
+              <a:t>|</a:t>
+            </a:r>
+            <a:br>
+              <a:rPr lang="en-GB" sz="1200" b="0" dirty="0">
+                <a:solidFill>
+                  <a:schemeClr val="tx1">
+                    <a:lumMod val="50000"/>
+                    <a:lumOff val="50000"/>
+                  </a:schemeClr>
+                </a:solidFill>
+              </a:rPr>
+            </a:br>
+            <a:r>
+              <a:rPr lang="en-GB" sz="1200" b="0" dirty="0">
+                <a:solidFill>
+                  <a:schemeClr val="tx1">
+                    <a:lumMod val="50000"/>
+                    <a:lumOff val="50000"/>
+                  </a:schemeClr>
+                </a:solidFill>
+              </a:rPr>
+              <a:t>       :               :</a:t>
+            </a:r>
+            <a:br>
+              <a:rPr lang="en-GB" sz="1200" b="0" dirty="0">
+                <a:solidFill>
+                  <a:schemeClr val="tx1">
+                    <a:lumMod val="50000"/>
+                    <a:lumOff val="50000"/>
+                  </a:schemeClr>
+                </a:solidFill>
+              </a:rPr>
+            </a:br>
+            <a:r>
+              <a:rPr lang="en-GB" sz="1200" b="0" dirty="0">
+                <a:solidFill>
+                  <a:schemeClr val="tx1">
+                    <a:lumMod val="50000"/>
+                    <a:lumOff val="50000"/>
+                  </a:schemeClr>
+                </a:solidFill>
+              </a:rPr>
+              <a:t>	</a:t>
+            </a:r>
+            <a:r>
+              <a:rPr lang="en-GB" sz="1200" b="0" dirty="0" err="1">
+                <a:solidFill>
+                  <a:schemeClr val="tx1">
+                    <a:lumMod val="50000"/>
+                    <a:lumOff val="50000"/>
+                  </a:schemeClr>
+                </a:solidFill>
+              </a:rPr>
+              <a:t>x,y,z</a:t>
+            </a:r>
+            <a:r>
+              <a:rPr lang="en-GB" sz="1200" b="0" dirty="0">
+                <a:solidFill>
+                  <a:schemeClr val="tx1">
+                    <a:lumMod val="50000"/>
+                    <a:lumOff val="50000"/>
+                  </a:schemeClr>
+                </a:solidFill>
+              </a:rPr>
+              <a:t>; … </a:t>
+            </a:r>
+            <a:r>
+              <a:rPr lang="en-GB" sz="1200" b="0" dirty="0" err="1">
+                <a:solidFill>
+                  <a:schemeClr val="tx1">
+                    <a:lumMod val="50000"/>
+                    <a:lumOff val="50000"/>
+                  </a:schemeClr>
+                </a:solidFill>
+              </a:rPr>
+              <a:t>x,y,z</a:t>
+            </a:r>
+            <a:endParaRPr lang="en-GB" sz="1200" b="0" dirty="0">
               <a:solidFill>
-                <a:srgbClr val="FF0000"/>
+                <a:schemeClr val="tx1">
+                  <a:lumMod val="50000"/>
+                  <a:lumOff val="50000"/>
+                </a:schemeClr>
               </a:solidFill>
             </a:endParaRPr>
           </a:p>
           <a:p>
             <a:r>
-              <a:rPr lang="en-GB" sz="1200" dirty="0">
-                <a:solidFill>
-                  <a:srgbClr val="FF0000"/>
-                </a:solidFill>
-              </a:rPr>
-              <a:t>	</a:t>
-            </a:r>
-            <a:r>
-              <a:rPr lang="en-GB" sz="1200" b="0" dirty="0">
-                <a:solidFill>
-                  <a:srgbClr val="FF0000"/>
-                </a:solidFill>
-              </a:rPr>
-              <a:t>.</a:t>
+              <a:rPr lang="en-GB" sz="1200" b="0" dirty="0">
+                <a:solidFill>
+                  <a:schemeClr val="tx1"/>
+                </a:solidFill>
+              </a:rPr>
+              <a:t>&lt;</a:t>
             </a:r>
             <a:r>
               <a:rPr lang="en-GB" sz="1200" dirty="0" err="1">
                 <a:solidFill>
-                  <a:srgbClr val="FF0000"/>
-                </a:solidFill>
-              </a:rPr>
-              <a:t>api</a:t>
-            </a:r>
-            <a:r>
-              <a:rPr lang="en-GB" sz="1200" b="0" dirty="0">
-                <a:solidFill>
-                  <a:srgbClr val="FF0000"/>
-                </a:solidFill>
-              </a:rPr>
-              <a:t>, .</a:t>
-            </a:r>
-            <a:r>
-              <a:rPr lang="en-GB" sz="1200" dirty="0" err="1">
-                <a:solidFill>
-                  <a:srgbClr val="FF0000"/>
-                </a:solidFill>
-              </a:rPr>
-              <a:t>studentName</a:t>
-            </a:r>
-            <a:r>
-              <a:rPr lang="en-GB" sz="1200" b="0" dirty="0">
-                <a:solidFill>
-                  <a:srgbClr val="FF0000"/>
-                </a:solidFill>
-              </a:rPr>
-              <a:t>, .</a:t>
-            </a:r>
-            <a:r>
-              <a:rPr lang="en-GB" sz="1200" dirty="0">
-                <a:solidFill>
-                  <a:srgbClr val="FF0000"/>
-                </a:solidFill>
-              </a:rPr>
-              <a:t>score, </a:t>
-            </a:r>
-            <a:r>
-              <a:rPr lang="en-GB" sz="1200" b="0" dirty="0">
-                <a:solidFill>
-                  <a:srgbClr val="FF0000"/>
-                </a:solidFill>
-              </a:rPr>
-              <a:t>.</a:t>
-            </a:r>
-            <a:r>
-              <a:rPr lang="en-GB" sz="1200" dirty="0" err="1">
-                <a:solidFill>
-                  <a:srgbClr val="FF0000"/>
-                </a:solidFill>
-              </a:rPr>
-              <a:t>getValue</a:t>
-            </a:r>
-            <a:r>
-              <a:rPr lang="en-GB" sz="1200" dirty="0">
-                <a:solidFill>
-                  <a:srgbClr val="FF0000"/>
+                  <a:schemeClr val="tx1"/>
+                </a:solidFill>
+              </a:rPr>
+              <a:t>splane</a:t>
+            </a:r>
+            <a:r>
+              <a:rPr lang="en-GB" sz="1200" b="0" dirty="0">
+                <a:solidFill>
+                  <a:schemeClr val="tx1"/>
                 </a:solidFill>
               </a:rPr>
               <a:t> </a:t>
             </a:r>
             <a:r>
-              <a:rPr lang="en-GB" sz="1200" b="0" dirty="0">
-                <a:solidFill>
-                  <a:srgbClr val="FF0000"/>
-                </a:solidFill>
-              </a:rPr>
-              <a:t>( value )</a:t>
-            </a:r>
-          </a:p>
-          <a:p>
-            <a:pPr>
-              <a:tabLst>
-                <a:tab pos="171450" algn="l"/>
-                <a:tab pos="2859088" algn="l"/>
-              </a:tabLst>
-            </a:pPr>
-            <a:r>
-              <a:rPr lang="en-GB" sz="1200" b="0" dirty="0">
-                <a:solidFill>
-                  <a:srgbClr val="FF0000"/>
-                </a:solidFill>
-              </a:rPr>
-              <a:t>	.</a:t>
-            </a:r>
-            <a:r>
-              <a:rPr lang="en-GB" sz="1200" dirty="0" err="1">
-                <a:solidFill>
-                  <a:srgbClr val="FF0000"/>
-                </a:solidFill>
-              </a:rPr>
-              <a:t>setValue</a:t>
-            </a:r>
-            <a:r>
-              <a:rPr lang="en-GB" sz="1200" dirty="0">
-                <a:solidFill>
-                  <a:srgbClr val="FF0000"/>
-                </a:solidFill>
-              </a:rPr>
-              <a:t> </a:t>
-            </a:r>
-            <a:r>
-              <a:rPr lang="en-GB" sz="1200" b="0" dirty="0">
-                <a:solidFill>
-                  <a:srgbClr val="FF0000"/>
-                </a:solidFill>
-              </a:rPr>
-              <a:t>( name, value ), .</a:t>
-            </a:r>
-            <a:r>
-              <a:rPr lang="en-GB" sz="1200" dirty="0">
-                <a:solidFill>
-                  <a:srgbClr val="FF0000"/>
-                </a:solidFill>
-              </a:rPr>
-              <a:t>derandomize</a:t>
-            </a:r>
-            <a:r>
-              <a:rPr lang="en-GB" sz="1200" b="0" dirty="0">
-                <a:solidFill>
-                  <a:srgbClr val="FF0000"/>
-                </a:solidFill>
-              </a:rPr>
-              <a:t> ( seed )</a:t>
+              <a:rPr lang="en-GB" sz="1200" b="0" dirty="0" err="1">
+                <a:solidFill>
+                  <a:schemeClr val="tx1"/>
+                </a:solidFill>
+              </a:rPr>
+              <a:t>src</a:t>
+            </a:r>
+            <a:r>
+              <a:rPr lang="en-GB" sz="1200" b="0" dirty="0">
+                <a:solidFill>
+                  <a:schemeClr val="tx1"/>
+                </a:solidFill>
+              </a:rPr>
+              <a:t>&gt;</a:t>
             </a:r>
           </a:p>
         </p:txBody>
@@ -11029,7 +10570,7 @@
             <a:r>
               <a:rPr lang="en-GB" sz="1600" u="sng" dirty="0">
                 <a:solidFill>
-                  <a:srgbClr val="FF0000"/>
+                  <a:schemeClr val="tx1"/>
                 </a:solidFill>
               </a:rPr>
               <a:t>EVENTS	 </a:t>
@@ -11040,7 +10581,7 @@
             <a:r>
               <a:rPr lang="en-GB" sz="1200" dirty="0" err="1">
                 <a:solidFill>
-                  <a:srgbClr val="FF0000"/>
+                  <a:schemeClr val="tx1"/>
                 </a:solidFill>
               </a:rPr>
               <a:t>onPointerEnter</a:t>
@@ -11048,7 +10589,7 @@
             <a:r>
               <a:rPr lang="en-GB" sz="1200" b="0" dirty="0">
                 <a:solidFill>
-                  <a:srgbClr val="FF0000"/>
+                  <a:schemeClr val="tx1"/>
                 </a:solidFill>
               </a:rPr>
               <a:t>, </a:t>
@@ -11056,7 +10597,7 @@
             <a:r>
               <a:rPr lang="en-GB" sz="1200" dirty="0" err="1">
                 <a:solidFill>
-                  <a:srgbClr val="FF0000"/>
+                  <a:schemeClr val="tx1"/>
                 </a:solidFill>
               </a:rPr>
               <a:t>onPointerLeave</a:t>
@@ -11064,7 +10605,7 @@
             <a:r>
               <a:rPr lang="en-GB" sz="1200" b="0" dirty="0">
                 <a:solidFill>
-                  <a:srgbClr val="FF0000"/>
+                  <a:schemeClr val="tx1"/>
                 </a:solidFill>
               </a:rPr>
               <a:t>, </a:t>
@@ -11072,7 +10613,7 @@
             <a:r>
               <a:rPr lang="en-GB" sz="1200" dirty="0" err="1">
                 <a:solidFill>
-                  <a:srgbClr val="FF0000"/>
+                  <a:schemeClr val="tx1"/>
                 </a:solidFill>
               </a:rPr>
               <a:t>onPointerMove</a:t>
@@ -11080,7 +10621,7 @@
             <a:r>
               <a:rPr lang="en-GB" sz="1200" b="0" dirty="0">
                 <a:solidFill>
-                  <a:srgbClr val="FF0000"/>
+                  <a:schemeClr val="tx1"/>
                 </a:solidFill>
               </a:rPr>
               <a:t>, </a:t>
@@ -11088,7 +10629,7 @@
             <a:r>
               <a:rPr lang="en-GB" sz="1200" dirty="0" err="1">
                 <a:solidFill>
-                  <a:srgbClr val="FF0000"/>
+                  <a:schemeClr val="tx1"/>
                 </a:solidFill>
               </a:rPr>
               <a:t>onPointerDown</a:t>
@@ -11096,7 +10637,7 @@
             <a:r>
               <a:rPr lang="en-GB" sz="1200" b="0" dirty="0">
                 <a:solidFill>
-                  <a:srgbClr val="FF0000"/>
+                  <a:schemeClr val="tx1"/>
                 </a:solidFill>
               </a:rPr>
               <a:t>, </a:t>
@@ -11104,7 +10645,7 @@
             <a:r>
               <a:rPr lang="en-GB" sz="1200" dirty="0" err="1">
                 <a:solidFill>
-                  <a:srgbClr val="FF0000"/>
+                  <a:schemeClr val="tx1"/>
                 </a:solidFill>
               </a:rPr>
               <a:t>onPointerUp</a:t>
@@ -11112,7 +10653,7 @@
             <a:r>
               <a:rPr lang="en-GB" sz="1200" b="0" dirty="0">
                 <a:solidFill>
-                  <a:srgbClr val="FF0000"/>
+                  <a:schemeClr val="tx1"/>
                 </a:solidFill>
               </a:rPr>
               <a:t>, </a:t>
@@ -11120,7 +10661,7 @@
             <a:r>
               <a:rPr lang="en-GB" sz="1200" dirty="0" err="1">
                 <a:solidFill>
-                  <a:srgbClr val="FF0000"/>
+                  <a:schemeClr val="tx1"/>
                 </a:solidFill>
               </a:rPr>
               <a:t>onClick</a:t>
@@ -11128,7 +10669,7 @@
             <a:r>
               <a:rPr lang="en-GB" sz="1200" b="0" dirty="0">
                 <a:solidFill>
-                  <a:srgbClr val="FF0000"/>
+                  <a:schemeClr val="tx1"/>
                 </a:solidFill>
               </a:rPr>
               <a:t>, </a:t>
@@ -11136,14 +10677,14 @@
             <a:r>
               <a:rPr lang="en-GB" sz="1200" dirty="0" err="1">
                 <a:solidFill>
-                  <a:srgbClr val="FF0000"/>
+                  <a:schemeClr val="tx1"/>
                 </a:solidFill>
               </a:rPr>
               <a:t>onTime</a:t>
             </a:r>
             <a:endParaRPr lang="en-GB" sz="1200" dirty="0">
               <a:solidFill>
-                <a:srgbClr val="FF0000"/>
+                <a:schemeClr val="tx1"/>
               </a:solidFill>
             </a:endParaRPr>
           </a:p>
@@ -11154,57 +10695,33 @@
               </a:spcBef>
             </a:pPr>
             <a:r>
+              <a:rPr lang="en-GB" sz="1200" b="0" dirty="0">
+                <a:solidFill>
+                  <a:schemeClr val="tx1"/>
+                </a:solidFill>
+              </a:rPr>
+              <a:t>&lt;tag … </a:t>
+            </a:r>
+            <a:r>
               <a:rPr lang="en-GB" sz="1200" b="0" dirty="0" err="1">
                 <a:solidFill>
-                  <a:srgbClr val="FF0000"/>
-                </a:solidFill>
-              </a:rPr>
-              <a:t>obj.</a:t>
-            </a:r>
-            <a:r>
-              <a:rPr lang="en-GB" sz="1200" dirty="0" err="1">
-                <a:solidFill>
-                  <a:srgbClr val="FF0000"/>
-                </a:solidFill>
-              </a:rPr>
-              <a:t>addEventListener</a:t>
-            </a:r>
-            <a:r>
-              <a:rPr lang="en-GB" sz="1200" dirty="0">
-                <a:solidFill>
-                  <a:srgbClr val="FF0000"/>
-                </a:solidFill>
-              </a:rPr>
-              <a:t> </a:t>
-            </a:r>
-            <a:r>
-              <a:rPr lang="en-GB" sz="1200" b="0" dirty="0">
-                <a:solidFill>
-                  <a:srgbClr val="FF0000"/>
-                </a:solidFill>
-              </a:rPr>
-              <a:t>( </a:t>
+                  <a:schemeClr val="tx1"/>
+                </a:solidFill>
+              </a:rPr>
+              <a:t>eventName</a:t>
+            </a:r>
+            <a:r>
+              <a:rPr lang="en-GB" sz="1200" b="0" dirty="0">
+                <a:solidFill>
+                  <a:schemeClr val="tx1"/>
+                </a:solidFill>
+              </a:rPr>
+              <a:t>="</a:t>
             </a:r>
             <a:r>
               <a:rPr lang="en-GB" sz="1200" b="0" dirty="0" err="1">
                 <a:solidFill>
-                  <a:srgbClr val="FF0000"/>
-                </a:solidFill>
-              </a:rPr>
-              <a:t>eventName</a:t>
-            </a:r>
-            <a:r>
-              <a:rPr lang="en-GB" sz="1200" b="0" dirty="0">
-                <a:solidFill>
-                  <a:srgbClr val="FF0000"/>
-                </a:solidFill>
-              </a:rPr>
-              <a:t>, </a:t>
-            </a:r>
-            <a:r>
-              <a:rPr lang="en-GB" sz="1200" b="0" dirty="0" err="1">
-                <a:solidFill>
-                  <a:srgbClr val="FF0000"/>
+                  <a:schemeClr val="tx1"/>
                 </a:solidFill>
               </a:rPr>
               <a:t>eventHandler</a:t>
@@ -11212,92 +10729,11 @@
             <a:r>
               <a:rPr lang="en-GB" sz="1200" b="0" dirty="0">
                 <a:solidFill>
-                  <a:srgbClr val="FF0000"/>
-                </a:solidFill>
-              </a:rPr>
-              <a:t> )</a:t>
-            </a:r>
-          </a:p>
-          <a:p>
-            <a:r>
-              <a:rPr lang="en-GB" sz="1200" b="0" dirty="0" err="1">
-                <a:solidFill>
-                  <a:srgbClr val="FF0000"/>
-                </a:solidFill>
-              </a:rPr>
-              <a:t>obj.</a:t>
-            </a:r>
-            <a:r>
-              <a:rPr lang="en-GB" sz="1200" dirty="0" err="1">
-                <a:solidFill>
-                  <a:srgbClr val="FF0000"/>
-                </a:solidFill>
-              </a:rPr>
-              <a:t>removeEventListener</a:t>
-            </a:r>
-            <a:r>
-              <a:rPr lang="en-GB" sz="1200" dirty="0">
-                <a:solidFill>
-                  <a:srgbClr val="FF0000"/>
-                </a:solidFill>
-              </a:rPr>
-              <a:t> </a:t>
-            </a:r>
-            <a:r>
-              <a:rPr lang="en-GB" sz="1200" b="0" dirty="0">
-                <a:solidFill>
-                  <a:srgbClr val="FF0000"/>
-                </a:solidFill>
-              </a:rPr>
-              <a:t>( </a:t>
-            </a:r>
-            <a:r>
-              <a:rPr lang="en-GB" sz="1200" b="0" dirty="0" err="1">
-                <a:solidFill>
-                  <a:srgbClr val="FF0000"/>
-                </a:solidFill>
-              </a:rPr>
-              <a:t>eventName</a:t>
-            </a:r>
-            <a:r>
-              <a:rPr lang="en-GB" sz="1200" b="0" dirty="0">
-                <a:solidFill>
-                  <a:srgbClr val="FF0000"/>
-                </a:solidFill>
-              </a:rPr>
-              <a:t> )</a:t>
-            </a:r>
-          </a:p>
-          <a:p>
-            <a:r>
-              <a:rPr lang="en-GB" sz="1200" b="0" dirty="0" err="1">
-                <a:solidFill>
-                  <a:srgbClr val="FF0000"/>
-                </a:solidFill>
-              </a:rPr>
-              <a:t>obj.eventName</a:t>
-            </a:r>
-            <a:r>
-              <a:rPr lang="en-GB" sz="1200" b="0" dirty="0">
-                <a:solidFill>
-                  <a:srgbClr val="FF0000"/>
-                </a:solidFill>
-              </a:rPr>
-              <a:t> = </a:t>
-            </a:r>
-            <a:r>
-              <a:rPr lang="en-GB" sz="1200" b="0" dirty="0" err="1">
-                <a:solidFill>
-                  <a:srgbClr val="FF0000"/>
-                </a:solidFill>
-              </a:rPr>
-              <a:t>eventHandler</a:t>
-            </a:r>
-            <a:endParaRPr lang="en-GB" sz="1200" b="0" dirty="0">
-              <a:solidFill>
-                <a:srgbClr val="FF0000"/>
-              </a:solidFill>
-            </a:endParaRPr>
+                  <a:schemeClr val="tx1"/>
+                </a:solidFill>
+              </a:rPr>
+              <a:t>“&gt;</a:t>
+            </a:r>
           </a:p>
           <a:p>
             <a:pPr lvl="0">
@@ -11308,7 +10744,7 @@
             <a:r>
               <a:rPr lang="en-GB" sz="1200" b="0" dirty="0">
                 <a:solidFill>
-                  <a:srgbClr val="FF0000"/>
+                  <a:schemeClr val="tx1"/>
                 </a:solidFill>
               </a:rPr>
               <a:t>function </a:t>
@@ -11316,7 +10752,7 @@
             <a:r>
               <a:rPr lang="en-GB" sz="1200" b="0" dirty="0" err="1">
                 <a:solidFill>
-                  <a:srgbClr val="FF0000"/>
+                  <a:schemeClr val="tx1"/>
                 </a:solidFill>
               </a:rPr>
               <a:t>pointerEventHandler</a:t>
@@ -11324,7 +10760,7 @@
             <a:r>
               <a:rPr lang="en-GB" sz="1200" b="0" dirty="0">
                 <a:solidFill>
-                  <a:srgbClr val="FF0000"/>
+                  <a:schemeClr val="tx1"/>
                 </a:solidFill>
               </a:rPr>
               <a:t> ( event ) { … }</a:t>
@@ -11334,7 +10770,7 @@
             <a:r>
               <a:rPr lang="en-GB" sz="1200" b="0" dirty="0">
                 <a:solidFill>
-                  <a:srgbClr val="FF0000"/>
+                  <a:schemeClr val="tx1"/>
                 </a:solidFill>
               </a:rPr>
               <a:t>function </a:t>
@@ -11342,7 +10778,7 @@
             <a:r>
               <a:rPr lang="en-GB" sz="1200" b="0" dirty="0" err="1">
                 <a:solidFill>
-                  <a:srgbClr val="FF0000"/>
+                  <a:schemeClr val="tx1"/>
                 </a:solidFill>
               </a:rPr>
               <a:t>timeEventHandler</a:t>
@@ -11350,7 +10786,7 @@
             <a:r>
               <a:rPr lang="en-GB" sz="1200" b="0" dirty="0">
                 <a:solidFill>
-                  <a:srgbClr val="FF0000"/>
+                  <a:schemeClr val="tx1"/>
                 </a:solidFill>
               </a:rPr>
               <a:t> ( time, </a:t>
@@ -11358,7 +10794,7 @@
             <a:r>
               <a:rPr lang="en-GB" sz="1200" b="0" dirty="0" err="1">
                 <a:solidFill>
-                  <a:srgbClr val="FF0000"/>
+                  <a:schemeClr val="tx1"/>
                 </a:solidFill>
               </a:rPr>
               <a:t>dTime</a:t>
@@ -11366,21 +10802,21 @@
             <a:r>
               <a:rPr lang="en-GB" sz="1200" b="0" dirty="0">
                 <a:solidFill>
-                  <a:srgbClr val="FF0000"/>
+                  <a:schemeClr val="tx1"/>
                 </a:solidFill>
               </a:rPr>
               <a:t> ) { … }</a:t>
             </a:r>
             <a:endParaRPr lang="en-GB" sz="1200" dirty="0">
               <a:solidFill>
-                <a:srgbClr val="FF0000"/>
+                <a:schemeClr val="tx1"/>
               </a:solidFill>
             </a:endParaRPr>
           </a:p>
           <a:p>
             <a:endParaRPr lang="en-GB" sz="1200" dirty="0">
               <a:solidFill>
-                <a:srgbClr val="FF0000"/>
+                <a:schemeClr val="tx1"/>
               </a:solidFill>
             </a:endParaRPr>
           </a:p>
@@ -11388,7 +10824,7 @@
             <a:pPr lvl="0"/>
             <a:endParaRPr lang="en-GB" sz="1200" dirty="0">
               <a:solidFill>
-                <a:srgbClr val="FF0000"/>
+                <a:schemeClr val="tx1"/>
               </a:solidFill>
             </a:endParaRPr>
           </a:p>
@@ -11396,7 +10832,7 @@
             <a:pPr lvl="0"/>
             <a:endParaRPr lang="en-GB" sz="1200" dirty="0">
               <a:solidFill>
-                <a:srgbClr val="FF0000"/>
+                <a:schemeClr val="tx1"/>
               </a:solidFill>
             </a:endParaRPr>
           </a:p>
@@ -11417,7 +10853,7 @@
         <p:spPr>
           <a:xfrm>
             <a:off x="2788681" y="236232"/>
-            <a:ext cx="2763758" cy="3505200"/>
+            <a:ext cx="2763758" cy="3954768"/>
           </a:xfrm>
           <a:prstGeom prst="rect">
             <a:avLst/>
@@ -11532,7 +10968,7 @@
             <a:r>
               <a:rPr lang="en-GB" sz="1600" u="sng" dirty="0">
                 <a:solidFill>
-                  <a:srgbClr val="FF0000"/>
+                  <a:schemeClr val="tx1"/>
                 </a:solidFill>
               </a:rPr>
               <a:t>SUICA	</a:t>
@@ -11566,19 +11002,163 @@
             </a:r>
           </a:p>
           <a:p>
-            <a:pPr lvl="0"/>
+            <a:pPr marL="228600" lvl="0" indent="-228600"/>
             <a:r>
               <a:rPr lang="fr-FR" sz="1200" b="0" dirty="0">
                 <a:solidFill>
-                  <a:srgbClr val="FF0000"/>
+                  <a:schemeClr val="tx1"/>
                 </a:solidFill>
               </a:rPr>
               <a:t>&lt;</a:t>
             </a:r>
             <a:r>
+              <a:rPr lang="fr-FR" sz="1200" dirty="0" err="1">
+                <a:solidFill>
+                  <a:schemeClr val="tx1"/>
+                </a:solidFill>
+              </a:rPr>
+              <a:t>suica</a:t>
+            </a:r>
+            <a:r>
+              <a:rPr lang="fr-FR" sz="1200" b="0" dirty="0">
+                <a:solidFill>
+                  <a:schemeClr val="tx1"/>
+                </a:solidFill>
+              </a:rPr>
+              <a:t> </a:t>
+            </a:r>
+            <a:r>
               <a:rPr lang="fr-FR" sz="1200" b="0" dirty="0" err="1">
                 <a:solidFill>
-                  <a:srgbClr val="FF0000"/>
+                  <a:schemeClr val="tx1"/>
+                </a:solidFill>
+              </a:rPr>
+              <a:t>width</a:t>
+            </a:r>
+            <a:r>
+              <a:rPr lang="fr-FR" sz="1200" b="0" dirty="0">
+                <a:solidFill>
+                  <a:schemeClr val="tx1"/>
+                </a:solidFill>
+              </a:rPr>
+              <a:t> </a:t>
+            </a:r>
+            <a:r>
+              <a:rPr lang="fr-FR" sz="1200" b="0" dirty="0" err="1">
+                <a:solidFill>
+                  <a:schemeClr val="tx1"/>
+                </a:solidFill>
+              </a:rPr>
+              <a:t>height</a:t>
+            </a:r>
+            <a:r>
+              <a:rPr lang="fr-FR" sz="1200" b="0" dirty="0">
+                <a:solidFill>
+                  <a:schemeClr val="tx1"/>
+                </a:solidFill>
+              </a:rPr>
+              <a:t> background orientation proactive perspective </a:t>
+            </a:r>
+            <a:r>
+              <a:rPr lang="fr-FR" sz="1200" b="0" dirty="0" err="1">
+                <a:solidFill>
+                  <a:schemeClr val="tx1"/>
+                </a:solidFill>
+              </a:rPr>
+              <a:t>orthographic</a:t>
+            </a:r>
+            <a:r>
+              <a:rPr lang="fr-FR" sz="1200" b="0" dirty="0">
+                <a:solidFill>
+                  <a:schemeClr val="tx1"/>
+                </a:solidFill>
+              </a:rPr>
+              <a:t> </a:t>
+            </a:r>
+            <a:r>
+              <a:rPr lang="fr-FR" sz="1200" b="0" dirty="0" err="1">
+                <a:solidFill>
+                  <a:schemeClr val="tx1"/>
+                </a:solidFill>
+              </a:rPr>
+              <a:t>fullWindow</a:t>
+            </a:r>
+            <a:r>
+              <a:rPr lang="fr-FR" sz="1200" b="0" dirty="0">
+                <a:solidFill>
+                  <a:schemeClr val="tx1"/>
+                </a:solidFill>
+              </a:rPr>
+              <a:t> </a:t>
+            </a:r>
+            <a:r>
+              <a:rPr lang="fr-FR" sz="1200" b="0" dirty="0" err="1">
+                <a:solidFill>
+                  <a:schemeClr val="tx1"/>
+                </a:solidFill>
+              </a:rPr>
+              <a:t>fullScreen</a:t>
+            </a:r>
+            <a:r>
+              <a:rPr lang="fr-FR" sz="1200" b="0" dirty="0">
+                <a:solidFill>
+                  <a:schemeClr val="tx1"/>
+                </a:solidFill>
+              </a:rPr>
+              <a:t> </a:t>
+            </a:r>
+            <a:r>
+              <a:rPr lang="fr-FR" sz="1200" b="0" dirty="0" err="1">
+                <a:solidFill>
+                  <a:schemeClr val="tx1"/>
+                </a:solidFill>
+              </a:rPr>
+              <a:t>stereo</a:t>
+            </a:r>
+            <a:r>
+              <a:rPr lang="fr-FR" sz="1200" b="0" dirty="0">
+                <a:solidFill>
+                  <a:schemeClr val="tx1"/>
+                </a:solidFill>
+              </a:rPr>
+              <a:t> </a:t>
+            </a:r>
+            <a:r>
+              <a:rPr lang="fr-FR" sz="1200" b="0" dirty="0" err="1">
+                <a:solidFill>
+                  <a:schemeClr val="tx1"/>
+                </a:solidFill>
+              </a:rPr>
+              <a:t>anaglyph</a:t>
+            </a:r>
+            <a:r>
+              <a:rPr lang="fr-FR" sz="1200" b="0" dirty="0">
+                <a:solidFill>
+                  <a:schemeClr val="tx1"/>
+                </a:solidFill>
+              </a:rPr>
+              <a:t> </a:t>
+            </a:r>
+            <a:r>
+              <a:rPr lang="fr-FR" sz="1200" b="0" dirty="0" err="1">
+                <a:solidFill>
+                  <a:schemeClr val="tx1"/>
+                </a:solidFill>
+              </a:rPr>
+              <a:t>vr</a:t>
+            </a:r>
+            <a:r>
+              <a:rPr lang="fr-FR" sz="1200" b="0" dirty="0">
+                <a:solidFill>
+                  <a:schemeClr val="tx1"/>
+                </a:solidFill>
+              </a:rPr>
+              <a:t>&gt; … &lt;/</a:t>
+            </a:r>
+            <a:r>
+              <a:rPr lang="fr-FR" sz="1200" dirty="0" err="1">
+                <a:solidFill>
+                  <a:schemeClr val="tx1"/>
                 </a:solidFill>
               </a:rPr>
               <a:t>suica</a:t>
@@ -11586,23 +11166,7 @@
             <a:r>
               <a:rPr lang="fr-FR" sz="1200" b="0" dirty="0">
                 <a:solidFill>
-                  <a:srgbClr val="FF0000"/>
-                </a:solidFill>
-              </a:rPr>
-              <a:t>&gt; … &lt;/</a:t>
-            </a:r>
-            <a:r>
-              <a:rPr lang="fr-FR" sz="1200" b="0" dirty="0" err="1">
-                <a:solidFill>
-                  <a:srgbClr val="FF0000"/>
-                </a:solidFill>
-              </a:rPr>
-              <a:t>suica</a:t>
-            </a:r>
-            <a:r>
-              <a:rPr lang="fr-FR" sz="1200" b="0" dirty="0">
-                <a:solidFill>
-                  <a:srgbClr val="FF0000"/>
+                  <a:schemeClr val="tx1"/>
                 </a:solidFill>
               </a:rPr>
               <a:t>&gt;</a:t>
@@ -11615,9 +11179,17 @@
               </a:spcBef>
             </a:pPr>
             <a:r>
+              <a:rPr lang="fr-FR" sz="1200" b="0" dirty="0">
+                <a:solidFill>
+                  <a:schemeClr val="tx1"/>
+                </a:solidFill>
+              </a:rPr>
+              <a:t>&lt;</a:t>
+            </a:r>
+            <a:r>
               <a:rPr lang="fr-FR" sz="1200" dirty="0">
                 <a:solidFill>
-                  <a:srgbClr val="FF0000"/>
+                  <a:schemeClr val="tx1"/>
                 </a:solidFill>
               </a:rPr>
               <a:t>background</a:t>
@@ -11625,15 +11197,15 @@
             <a:r>
               <a:rPr lang="fr-FR" sz="1200" b="0" dirty="0">
                 <a:solidFill>
-                  <a:srgbClr val="FF0000"/>
-                </a:solidFill>
-              </a:rPr>
-              <a:t> ( </a:t>
+                  <a:schemeClr val="tx1"/>
+                </a:solidFill>
+              </a:rPr>
+              <a:t> </a:t>
             </a:r>
             <a:r>
               <a:rPr lang="fr-FR" sz="1200" b="0" dirty="0" err="1">
                 <a:solidFill>
-                  <a:srgbClr val="FF0000"/>
+                  <a:schemeClr val="tx1"/>
                 </a:solidFill>
               </a:rPr>
               <a:t>color</a:t>
@@ -11641,18 +11213,26 @@
             <a:r>
               <a:rPr lang="fr-FR" sz="1200" b="0" dirty="0">
                 <a:solidFill>
-                  <a:srgbClr val="FF0000"/>
-                </a:solidFill>
-              </a:rPr>
-              <a:t> )</a:t>
+                  <a:schemeClr val="tx1"/>
+                </a:solidFill>
+              </a:rPr>
+              <a:t>&gt;</a:t>
             </a:r>
           </a:p>
           <a:p>
             <a:pPr lvl="0"/>
             <a:r>
+              <a:rPr lang="fr-FR" sz="1200" b="0" dirty="0">
+                <a:solidFill>
+                  <a:schemeClr val="tx1"/>
+                </a:solidFill>
+              </a:rPr>
+              <a:t>&lt;</a:t>
+            </a:r>
+            <a:r>
               <a:rPr lang="fr-FR" sz="1200" dirty="0">
                 <a:solidFill>
-                  <a:srgbClr val="FF0000"/>
+                  <a:schemeClr val="tx1"/>
                 </a:solidFill>
               </a:rPr>
               <a:t>proactive</a:t>
@@ -11660,18 +11240,26 @@
             <a:r>
               <a:rPr lang="fr-FR" sz="1200" b="0" dirty="0">
                 <a:solidFill>
-                  <a:srgbClr val="FF0000"/>
-                </a:solidFill>
-              </a:rPr>
-              <a:t> ( )</a:t>
+                  <a:schemeClr val="tx1"/>
+                </a:solidFill>
+              </a:rPr>
+              <a:t>&gt;</a:t>
             </a:r>
           </a:p>
           <a:p>
             <a:pPr lvl="0"/>
             <a:r>
+              <a:rPr lang="fr-FR" sz="1200" b="0" dirty="0">
+                <a:solidFill>
+                  <a:schemeClr val="tx1"/>
+                </a:solidFill>
+              </a:rPr>
+              <a:t>&lt;</a:t>
+            </a:r>
+            <a:r>
               <a:rPr lang="fr-FR" sz="1200" dirty="0" err="1">
                 <a:solidFill>
-                  <a:srgbClr val="FF0000"/>
+                  <a:schemeClr val="tx1"/>
                 </a:solidFill>
               </a:rPr>
               <a:t>oxyz</a:t>
@@ -11679,15 +11267,15 @@
             <a:r>
               <a:rPr lang="fr-FR" sz="1200" b="0" dirty="0">
                 <a:solidFill>
-                  <a:srgbClr val="FF0000"/>
-                </a:solidFill>
-              </a:rPr>
-              <a:t> ( size, </a:t>
+                  <a:schemeClr val="tx1"/>
+                </a:solidFill>
+              </a:rPr>
+              <a:t> size </a:t>
             </a:r>
             <a:r>
               <a:rPr lang="fr-FR" sz="1200" b="0" dirty="0" err="1">
                 <a:solidFill>
-                  <a:srgbClr val="FF0000"/>
+                  <a:schemeClr val="tx1"/>
                 </a:solidFill>
               </a:rPr>
               <a:t>color</a:t>
@@ -11695,18 +11283,26 @@
             <a:r>
               <a:rPr lang="fr-FR" sz="1200" b="0" dirty="0">
                 <a:solidFill>
-                  <a:srgbClr val="FF0000"/>
-                </a:solidFill>
-              </a:rPr>
-              <a:t> )</a:t>
+                  <a:schemeClr val="tx1"/>
+                </a:solidFill>
+              </a:rPr>
+              <a:t>&gt;</a:t>
             </a:r>
           </a:p>
           <a:p>
             <a:pPr lvl="0"/>
             <a:r>
+              <a:rPr lang="fr-FR" sz="1200" b="0" dirty="0">
+                <a:solidFill>
+                  <a:schemeClr val="tx1"/>
+                </a:solidFill>
+              </a:rPr>
+              <a:t>&lt;</a:t>
+            </a:r>
+            <a:r>
               <a:rPr lang="fr-FR" sz="1200" dirty="0" err="1">
                 <a:solidFill>
-                  <a:srgbClr val="FF0000"/>
+                  <a:schemeClr val="tx1"/>
                 </a:solidFill>
               </a:rPr>
               <a:t>demo</a:t>
@@ -11714,17 +11310,25 @@
             <a:r>
               <a:rPr lang="fr-FR" sz="1200" b="0" dirty="0">
                 <a:solidFill>
-                  <a:srgbClr val="FF0000"/>
-                </a:solidFill>
-              </a:rPr>
-              <a:t> ( distance, altitude, speed )</a:t>
-            </a:r>
-          </a:p>
-          <a:p>
+                  <a:schemeClr val="tx1"/>
+                </a:solidFill>
+              </a:rPr>
+              <a:t> distance altitude speed&gt;</a:t>
+            </a:r>
+          </a:p>
+          <a:p>
+            <a:r>
+              <a:rPr lang="fr-FR" sz="1200" b="0" dirty="0">
+                <a:solidFill>
+                  <a:schemeClr val="tx1"/>
+                </a:solidFill>
+              </a:rPr>
+              <a:t>&lt;</a:t>
+            </a:r>
             <a:r>
               <a:rPr lang="fr-FR" sz="1200" dirty="0" err="1">
                 <a:solidFill>
-                  <a:srgbClr val="FF0000"/>
+                  <a:schemeClr val="tx1"/>
                 </a:solidFill>
               </a:rPr>
               <a:t>orbit</a:t>
@@ -11732,17 +11336,25 @@
             <a:r>
               <a:rPr lang="fr-FR" sz="1200" b="0" dirty="0">
                 <a:solidFill>
-                  <a:srgbClr val="FF0000"/>
-                </a:solidFill>
-              </a:rPr>
-              <a:t> ( distance, altitude, speed )</a:t>
-            </a:r>
-          </a:p>
-          <a:p>
+                  <a:schemeClr val="tx1"/>
+                </a:solidFill>
+              </a:rPr>
+              <a:t> id distance altitude speed&gt;</a:t>
+            </a:r>
+          </a:p>
+          <a:p>
+            <a:r>
+              <a:rPr lang="fr-FR" sz="1200" b="0" dirty="0">
+                <a:solidFill>
+                  <a:schemeClr val="tx1"/>
+                </a:solidFill>
+              </a:rPr>
+              <a:t>&lt;</a:t>
+            </a:r>
             <a:r>
               <a:rPr lang="fr-FR" sz="1200" dirty="0" err="1">
                 <a:solidFill>
-                  <a:srgbClr val="FF0000"/>
+                  <a:schemeClr val="tx1"/>
                 </a:solidFill>
               </a:rPr>
               <a:t>lookAt</a:t>
@@ -11750,34 +11362,26 @@
             <a:r>
               <a:rPr lang="fr-FR" sz="1200" dirty="0">
                 <a:solidFill>
-                  <a:srgbClr val="FF0000"/>
+                  <a:schemeClr val="tx1"/>
                 </a:solidFill>
               </a:rPr>
               <a:t> </a:t>
             </a:r>
             <a:r>
+              <a:rPr lang="fr-FR" sz="1200" b="0" dirty="0" err="1">
+                <a:solidFill>
+                  <a:schemeClr val="tx1"/>
+                </a:solidFill>
+              </a:rPr>
+              <a:t>from</a:t>
+            </a:r>
+            <a:r>
               <a:rPr lang="fr-FR" sz="1200" b="0" dirty="0">
                 <a:solidFill>
-                  <a:srgbClr val="FF0000"/>
-                </a:solidFill>
-              </a:rPr>
-              <a:t>( </a:t>
-            </a:r>
-            <a:r>
-              <a:rPr lang="fr-FR" sz="1200" b="0" dirty="0" err="1">
-                <a:solidFill>
-                  <a:srgbClr val="FF0000"/>
-                </a:solidFill>
-              </a:rPr>
-              <a:t>from</a:t>
-            </a:r>
-            <a:r>
-              <a:rPr lang="fr-FR" sz="1200" b="0" dirty="0">
-                <a:solidFill>
-                  <a:srgbClr val="FF0000"/>
-                </a:solidFill>
-              </a:rPr>
-              <a:t>, to, up )</a:t>
+                  <a:schemeClr val="tx1"/>
+                </a:solidFill>
+              </a:rPr>
+              <a:t> to up&gt;</a:t>
             </a:r>
           </a:p>
           <a:p>
@@ -11787,9 +11391,17 @@
               </a:spcBef>
             </a:pPr>
             <a:r>
+              <a:rPr lang="fr-FR" sz="1200" b="0" dirty="0">
+                <a:solidFill>
+                  <a:schemeClr val="tx1"/>
+                </a:solidFill>
+              </a:rPr>
+              <a:t>&lt;</a:t>
+            </a:r>
+            <a:r>
               <a:rPr lang="fr-FR" sz="1200" dirty="0">
                 <a:solidFill>
-                  <a:srgbClr val="FF0000"/>
+                  <a:schemeClr val="tx1"/>
                 </a:solidFill>
               </a:rPr>
               <a:t>perspective</a:t>
@@ -11797,15 +11409,15 @@
             <a:r>
               <a:rPr lang="fr-FR" sz="1200" b="0" dirty="0">
                 <a:solidFill>
-                  <a:srgbClr val="FF0000"/>
-                </a:solidFill>
-              </a:rPr>
-              <a:t> ( </a:t>
+                  <a:schemeClr val="tx1"/>
+                </a:solidFill>
+              </a:rPr>
+              <a:t> </a:t>
             </a:r>
             <a:r>
               <a:rPr lang="fr-FR" sz="1200" b="0" dirty="0" err="1">
                 <a:solidFill>
-                  <a:srgbClr val="FF0000"/>
+                  <a:schemeClr val="tx1"/>
                 </a:solidFill>
               </a:rPr>
               <a:t>near</a:t>
@@ -11813,15 +11425,15 @@
             <a:r>
               <a:rPr lang="fr-FR" sz="1200" b="0" dirty="0">
                 <a:solidFill>
-                  <a:srgbClr val="FF0000"/>
-                </a:solidFill>
-              </a:rPr>
-              <a:t>, far, </a:t>
+                  <a:schemeClr val="tx1"/>
+                </a:solidFill>
+              </a:rPr>
+              <a:t> far </a:t>
             </a:r>
             <a:r>
               <a:rPr lang="fr-FR" sz="1200" b="0" dirty="0" err="1">
                 <a:solidFill>
-                  <a:srgbClr val="FF0000"/>
+                  <a:schemeClr val="tx1"/>
                 </a:solidFill>
               </a:rPr>
               <a:t>fov</a:t>
@@ -11829,17 +11441,25 @@
             <a:r>
               <a:rPr lang="fr-FR" sz="1200" b="0" dirty="0">
                 <a:solidFill>
-                  <a:srgbClr val="FF0000"/>
-                </a:solidFill>
-              </a:rPr>
-              <a:t> )</a:t>
-            </a:r>
-          </a:p>
-          <a:p>
+                  <a:schemeClr val="tx1"/>
+                </a:solidFill>
+              </a:rPr>
+              <a:t>&gt;</a:t>
+            </a:r>
+          </a:p>
+          <a:p>
+            <a:r>
+              <a:rPr lang="fr-FR" sz="1200" b="0" dirty="0">
+                <a:solidFill>
+                  <a:schemeClr val="tx1"/>
+                </a:solidFill>
+              </a:rPr>
+              <a:t>&lt;</a:t>
+            </a:r>
             <a:r>
               <a:rPr lang="fr-FR" sz="1200" dirty="0" err="1">
                 <a:solidFill>
-                  <a:srgbClr val="FF0000"/>
+                  <a:schemeClr val="tx1"/>
                 </a:solidFill>
               </a:rPr>
               <a:t>orthographic</a:t>
@@ -11847,15 +11467,15 @@
             <a:r>
               <a:rPr lang="fr-FR" sz="1200" b="0" dirty="0">
                 <a:solidFill>
-                  <a:srgbClr val="FF0000"/>
-                </a:solidFill>
-              </a:rPr>
-              <a:t> ( </a:t>
+                  <a:schemeClr val="tx1"/>
+                </a:solidFill>
+              </a:rPr>
+              <a:t> </a:t>
             </a:r>
             <a:r>
               <a:rPr lang="fr-FR" sz="1200" b="0" dirty="0" err="1">
                 <a:solidFill>
-                  <a:srgbClr val="FF0000"/>
+                  <a:schemeClr val="tx1"/>
                 </a:solidFill>
               </a:rPr>
               <a:t>near</a:t>
@@ -11863,17 +11483,25 @@
             <a:r>
               <a:rPr lang="fr-FR" sz="1200" b="0" dirty="0">
                 <a:solidFill>
-                  <a:srgbClr val="FF0000"/>
-                </a:solidFill>
-              </a:rPr>
-              <a:t>, far )</a:t>
-            </a:r>
-          </a:p>
-          <a:p>
+                  <a:schemeClr val="tx1"/>
+                </a:solidFill>
+              </a:rPr>
+              <a:t> far&gt;</a:t>
+            </a:r>
+          </a:p>
+          <a:p>
+            <a:r>
+              <a:rPr lang="fr-FR" sz="1200" b="0" dirty="0">
+                <a:solidFill>
+                  <a:schemeClr val="tx1"/>
+                </a:solidFill>
+              </a:rPr>
+              <a:t>&lt;</a:t>
+            </a:r>
             <a:r>
               <a:rPr lang="fr-FR" sz="1200" dirty="0" err="1">
                 <a:solidFill>
-                  <a:srgbClr val="FF0000"/>
+                  <a:schemeClr val="tx1"/>
                 </a:solidFill>
               </a:rPr>
               <a:t>fullWindow</a:t>
@@ -11881,17 +11509,25 @@
             <a:r>
               <a:rPr lang="fr-FR" sz="1200" b="0" dirty="0">
                 <a:solidFill>
-                  <a:srgbClr val="FF0000"/>
-                </a:solidFill>
-              </a:rPr>
-              <a:t> ( )</a:t>
-            </a:r>
-          </a:p>
-          <a:p>
+                  <a:schemeClr val="tx1"/>
+                </a:solidFill>
+              </a:rPr>
+              <a:t>&gt;</a:t>
+            </a:r>
+          </a:p>
+          <a:p>
+            <a:r>
+              <a:rPr lang="fr-FR" sz="1200" b="0" dirty="0">
+                <a:solidFill>
+                  <a:schemeClr val="tx1"/>
+                </a:solidFill>
+              </a:rPr>
+              <a:t>&lt;</a:t>
+            </a:r>
             <a:r>
               <a:rPr lang="fr-FR" sz="1200" dirty="0" err="1">
                 <a:solidFill>
-                  <a:srgbClr val="FF0000"/>
+                  <a:schemeClr val="tx1"/>
                 </a:solidFill>
               </a:rPr>
               <a:t>fullScreen</a:t>
@@ -11899,17 +11535,25 @@
             <a:r>
               <a:rPr lang="fr-FR" sz="1200" b="0" dirty="0">
                 <a:solidFill>
-                  <a:srgbClr val="FF0000"/>
-                </a:solidFill>
-              </a:rPr>
-              <a:t> ( )</a:t>
-            </a:r>
-          </a:p>
-          <a:p>
+                  <a:schemeClr val="tx1"/>
+                </a:solidFill>
+              </a:rPr>
+              <a:t>&gt;</a:t>
+            </a:r>
+          </a:p>
+          <a:p>
+            <a:r>
+              <a:rPr lang="fr-FR" sz="1200" b="0" dirty="0">
+                <a:solidFill>
+                  <a:schemeClr val="tx1"/>
+                </a:solidFill>
+              </a:rPr>
+              <a:t>&lt;</a:t>
+            </a:r>
             <a:r>
               <a:rPr lang="fr-FR" sz="1200" dirty="0" err="1">
                 <a:solidFill>
-                  <a:srgbClr val="FF0000"/>
+                  <a:schemeClr val="tx1"/>
                 </a:solidFill>
               </a:rPr>
               <a:t>stereo</a:t>
@@ -11917,17 +11561,25 @@
             <a:r>
               <a:rPr lang="fr-FR" sz="1200" b="0" dirty="0">
                 <a:solidFill>
-                  <a:srgbClr val="FF0000"/>
-                </a:solidFill>
-              </a:rPr>
-              <a:t> ( distance )</a:t>
-            </a:r>
-          </a:p>
-          <a:p>
+                  <a:schemeClr val="tx1"/>
+                </a:solidFill>
+              </a:rPr>
+              <a:t> distance&gt;</a:t>
+            </a:r>
+          </a:p>
+          <a:p>
+            <a:r>
+              <a:rPr lang="fr-FR" sz="1200" b="0" dirty="0">
+                <a:solidFill>
+                  <a:schemeClr val="tx1"/>
+                </a:solidFill>
+              </a:rPr>
+              <a:t>&lt;</a:t>
+            </a:r>
             <a:r>
               <a:rPr lang="fr-FR" sz="1200" dirty="0" err="1">
                 <a:solidFill>
-                  <a:srgbClr val="FF0000"/>
+                  <a:schemeClr val="tx1"/>
                 </a:solidFill>
               </a:rPr>
               <a:t>anaglyph</a:t>
@@ -11935,17 +11587,25 @@
             <a:r>
               <a:rPr lang="fr-FR" sz="1200" b="0" dirty="0">
                 <a:solidFill>
-                  <a:srgbClr val="FF0000"/>
-                </a:solidFill>
-              </a:rPr>
-              <a:t> ( distance )</a:t>
-            </a:r>
-          </a:p>
-          <a:p>
+                  <a:schemeClr val="tx1"/>
+                </a:solidFill>
+              </a:rPr>
+              <a:t> distance&gt;</a:t>
+            </a:r>
+          </a:p>
+          <a:p>
+            <a:r>
+              <a:rPr lang="fr-FR" sz="1200" b="0" dirty="0">
+                <a:solidFill>
+                  <a:schemeClr val="tx1"/>
+                </a:solidFill>
+              </a:rPr>
+              <a:t>&lt;</a:t>
+            </a:r>
             <a:r>
               <a:rPr lang="fr-FR" sz="1200" dirty="0" err="1">
                 <a:solidFill>
-                  <a:srgbClr val="FF0000"/>
+                  <a:schemeClr val="tx1"/>
                 </a:solidFill>
               </a:rPr>
               <a:t>vr</a:t>
@@ -11953,10 +11613,10 @@
             <a:r>
               <a:rPr lang="fr-FR" sz="1200" b="0" dirty="0">
                 <a:solidFill>
-                  <a:srgbClr val="FF0000"/>
-                </a:solidFill>
-              </a:rPr>
-              <a:t> ( )</a:t>
+                  <a:schemeClr val="tx1"/>
+                </a:solidFill>
+              </a:rPr>
+              <a:t>&gt;</a:t>
             </a:r>
           </a:p>
           <a:p>
@@ -11966,9 +11626,17 @@
               </a:spcBef>
             </a:pPr>
             <a:r>
+              <a:rPr lang="fr-FR" sz="1200" b="0" dirty="0">
+                <a:solidFill>
+                  <a:schemeClr val="tx1"/>
+                </a:solidFill>
+              </a:rPr>
+              <a:t>&lt;</a:t>
+            </a:r>
+            <a:r>
               <a:rPr lang="fr-FR" sz="1200" dirty="0">
                 <a:solidFill>
-                  <a:srgbClr val="FF0000"/>
+                  <a:schemeClr val="tx1"/>
                 </a:solidFill>
               </a:rPr>
               <a:t>capture</a:t>
@@ -11976,15 +11644,15 @@
             <a:r>
               <a:rPr lang="fr-FR" sz="1200" b="0" dirty="0">
                 <a:solidFill>
-                  <a:srgbClr val="FF0000"/>
-                </a:solidFill>
-              </a:rPr>
-              <a:t> ( </a:t>
+                  <a:schemeClr val="tx1"/>
+                </a:solidFill>
+              </a:rPr>
+              <a:t> </a:t>
             </a:r>
             <a:r>
               <a:rPr lang="fr-FR" sz="1200" b="0" dirty="0" err="1">
                 <a:solidFill>
-                  <a:srgbClr val="FF0000"/>
+                  <a:schemeClr val="tx1"/>
                 </a:solidFill>
               </a:rPr>
               <a:t>filename</a:t>
@@ -11992,15 +11660,15 @@
             <a:r>
               <a:rPr lang="fr-FR" sz="1200" b="0" dirty="0">
                 <a:solidFill>
-                  <a:srgbClr val="FF0000"/>
-                </a:solidFill>
-              </a:rPr>
-              <a:t>, time, </a:t>
+                  <a:schemeClr val="tx1"/>
+                </a:solidFill>
+              </a:rPr>
+              <a:t> time </a:t>
             </a:r>
             <a:r>
               <a:rPr lang="fr-FR" sz="1200" b="0" dirty="0" err="1">
                 <a:solidFill>
-                  <a:srgbClr val="FF0000"/>
+                  <a:schemeClr val="tx1"/>
                 </a:solidFill>
               </a:rPr>
               <a:t>fps</a:t>
@@ -12008,15 +11676,15 @@
             <a:r>
               <a:rPr lang="fr-FR" sz="1200" b="0" dirty="0">
                 <a:solidFill>
-                  <a:srgbClr val="FF0000"/>
-                </a:solidFill>
-              </a:rPr>
-              <a:t>, format, </a:t>
+                  <a:schemeClr val="tx1"/>
+                </a:solidFill>
+              </a:rPr>
+              <a:t> format </a:t>
             </a:r>
             <a:r>
               <a:rPr lang="fr-FR" sz="1200" b="0" dirty="0" err="1">
                 <a:solidFill>
-                  <a:srgbClr val="FF0000"/>
+                  <a:schemeClr val="tx1"/>
                 </a:solidFill>
               </a:rPr>
               <a:t>skipframes</a:t>
@@ -12024,14 +11692,14 @@
             <a:r>
               <a:rPr lang="fr-FR" sz="1200" b="0" dirty="0">
                 <a:solidFill>
-                  <a:srgbClr val="FF0000"/>
-                </a:solidFill>
-              </a:rPr>
-              <a:t> )</a:t>
+                  <a:schemeClr val="tx1"/>
+                </a:solidFill>
+              </a:rPr>
+              <a:t>&gt;</a:t>
             </a:r>
             <a:endParaRPr lang="en-GB" sz="1200" b="0" dirty="0">
               <a:solidFill>
-                <a:srgbClr val="FF0000"/>
+                <a:schemeClr val="tx1"/>
               </a:solidFill>
             </a:endParaRPr>
           </a:p>
@@ -12165,44 +11833,62 @@
               </a:tabLst>
             </a:pPr>
             <a:r>
-              <a:rPr lang="en-GB" sz="1600" u="sng">
-                <a:solidFill>
-                  <a:srgbClr val="FF0000"/>
-                </a:solidFill>
-              </a:rPr>
-              <a:t>PROPERTIES</a:t>
-            </a:r>
-            <a:r>
               <a:rPr lang="en-GB" sz="1600" u="sng" dirty="0">
                 <a:solidFill>
-                  <a:srgbClr val="FF0000"/>
-                </a:solidFill>
-              </a:rPr>
-              <a:t>	</a:t>
+                  <a:schemeClr val="tx1"/>
+                </a:solidFill>
+              </a:rPr>
+              <a:t>PROPERTIES	</a:t>
             </a:r>
           </a:p>
           <a:p>
             <a:pPr lvl="0"/>
             <a:r>
+              <a:rPr lang="en-US" sz="1200" dirty="0">
+                <a:solidFill>
+                  <a:schemeClr val="tx1"/>
+                </a:solidFill>
+              </a:rPr>
+              <a:t>id</a:t>
+            </a:r>
+            <a:r>
+              <a:rPr lang="en-US" sz="1200" b="0" dirty="0">
+                <a:solidFill>
+                  <a:schemeClr val="tx1"/>
+                </a:solidFill>
+              </a:rPr>
+              <a:t> = "string"</a:t>
+            </a:r>
+            <a:r>
+              <a:rPr lang="fr-FR" sz="1200" b="0" dirty="0">
+                <a:solidFill>
+                  <a:schemeClr val="tx1"/>
+                </a:solidFill>
+              </a:rPr>
+              <a:t> </a:t>
+            </a:r>
+          </a:p>
+          <a:p>
+            <a:r>
               <a:rPr lang="fr-FR" sz="1200" dirty="0">
                 <a:solidFill>
-                  <a:schemeClr val="tx1"/>
-                </a:solidFill>
-              </a:rPr>
-              <a:t>center </a:t>
+                  <a:prstClr val="black"/>
+                </a:solidFill>
+              </a:rPr>
+              <a:t>center</a:t>
             </a:r>
             <a:r>
               <a:rPr lang="fr-FR" sz="1200" b="0" dirty="0">
                 <a:solidFill>
-                  <a:schemeClr val="tx1"/>
-                </a:solidFill>
-              </a:rPr>
-              <a:t>= "</a:t>
+                  <a:prstClr val="black"/>
+                </a:solidFill>
+              </a:rPr>
+              <a:t> = "</a:t>
             </a:r>
             <a:r>
               <a:rPr lang="fr-FR" sz="1200" dirty="0">
                 <a:solidFill>
-                  <a:schemeClr val="tx1"/>
+                  <a:prstClr val="black"/>
                 </a:solidFill>
               </a:rPr>
               <a:t>x</a:t>
@@ -12210,7 +11896,7 @@
             <a:r>
               <a:rPr lang="fr-FR" sz="1200" b="0" dirty="0">
                 <a:solidFill>
-                  <a:schemeClr val="tx1"/>
+                  <a:prstClr val="black"/>
                 </a:solidFill>
               </a:rPr>
               <a:t>, </a:t>
@@ -12218,7 +11904,7 @@
             <a:r>
               <a:rPr lang="fr-FR" sz="1200" dirty="0">
                 <a:solidFill>
-                  <a:schemeClr val="tx1"/>
+                  <a:prstClr val="black"/>
                 </a:solidFill>
               </a:rPr>
               <a:t>y</a:t>
@@ -12226,7 +11912,7 @@
             <a:r>
               <a:rPr lang="fr-FR" sz="1200" b="0" dirty="0">
                 <a:solidFill>
-                  <a:schemeClr val="tx1"/>
+                  <a:prstClr val="black"/>
                 </a:solidFill>
               </a:rPr>
               <a:t>, </a:t>
@@ -12234,7 +11920,7 @@
             <a:r>
               <a:rPr lang="fr-FR" sz="1200" dirty="0">
                 <a:solidFill>
-                  <a:schemeClr val="tx1"/>
+                  <a:prstClr val="black"/>
                 </a:solidFill>
               </a:rPr>
               <a:t>z</a:t>
@@ -12242,10 +11928,10 @@
             <a:r>
               <a:rPr lang="fr-FR" sz="1200" b="0" dirty="0">
                 <a:solidFill>
-                  <a:schemeClr val="tx1"/>
-                </a:solidFill>
-              </a:rPr>
-              <a:t>" </a:t>
+                  <a:prstClr val="black"/>
+                </a:solidFill>
+              </a:rPr>
+              <a:t>"</a:t>
             </a:r>
           </a:p>
           <a:p>
@@ -12529,108 +12215,125 @@
             <a:r>
               <a:rPr lang="en-US" sz="1200" dirty="0">
                 <a:solidFill>
+                  <a:schemeClr val="tx1"/>
+                </a:solidFill>
+              </a:rPr>
+              <a:t>color</a:t>
+            </a:r>
+            <a:r>
+              <a:rPr lang="en-US" sz="1200" b="0" dirty="0">
+                <a:solidFill>
+                  <a:schemeClr val="tx1"/>
+                </a:solidFill>
+              </a:rPr>
+              <a:t> = "</a:t>
+            </a:r>
+            <a:r>
+              <a:rPr lang="en-US" sz="1200" b="0" dirty="0" err="1">
+                <a:solidFill>
+                  <a:schemeClr val="tx1"/>
+                </a:solidFill>
+              </a:rPr>
+              <a:t>colorName</a:t>
+            </a:r>
+            <a:r>
+              <a:rPr lang="en-US" sz="1200" b="0" dirty="0">
+                <a:solidFill>
+                  <a:schemeClr val="tx1"/>
+                </a:solidFill>
+              </a:rPr>
+              <a:t>"</a:t>
+            </a:r>
+          </a:p>
+          <a:p>
+            <a:pPr lvl="0"/>
+            <a:r>
+              <a:rPr lang="en-US" sz="1200" dirty="0">
+                <a:solidFill>
+                  <a:schemeClr val="tx1"/>
+                </a:solidFill>
+              </a:rPr>
+              <a:t>color</a:t>
+            </a:r>
+            <a:r>
+              <a:rPr lang="en-US" sz="1200" b="0" dirty="0">
+                <a:solidFill>
+                  <a:schemeClr val="tx1"/>
+                </a:solidFill>
+              </a:rPr>
+              <a:t> = "0xFFFFFF"</a:t>
+            </a:r>
+          </a:p>
+          <a:p>
+            <a:pPr lvl="0"/>
+            <a:r>
+              <a:rPr lang="en-US" sz="1200" dirty="0">
+                <a:solidFill>
+                  <a:schemeClr val="tx1"/>
+                </a:solidFill>
+              </a:rPr>
+              <a:t>color</a:t>
+            </a:r>
+            <a:r>
+              <a:rPr lang="en-US" sz="1200" b="0" dirty="0">
+                <a:solidFill>
+                  <a:schemeClr val="tx1"/>
+                </a:solidFill>
+              </a:rPr>
+              <a:t> = "</a:t>
+            </a:r>
+            <a:r>
+              <a:rPr lang="en-US" sz="1200" b="0" dirty="0" err="1">
+                <a:solidFill>
+                  <a:schemeClr val="tx1"/>
+                </a:solidFill>
+              </a:rPr>
+              <a:t>r,g,b</a:t>
+            </a:r>
+            <a:r>
+              <a:rPr lang="en-US" sz="1200" b="0" dirty="0">
+                <a:solidFill>
+                  <a:schemeClr val="tx1"/>
+                </a:solidFill>
+              </a:rPr>
+              <a:t>"</a:t>
+            </a:r>
+            <a:r>
+              <a:rPr lang="en-US" sz="1200" b="0" dirty="0">
+                <a:solidFill>
                   <a:srgbClr val="FF0000"/>
                 </a:solidFill>
               </a:rPr>
-              <a:t>color</a:t>
-            </a:r>
-            <a:r>
-              <a:rPr lang="en-US" sz="1200" b="0" dirty="0">
-                <a:solidFill>
-                  <a:srgbClr val="FF0000"/>
-                </a:solidFill>
-              </a:rPr>
-              <a:t> = ‘</a:t>
+              <a:t>  </a:t>
             </a:r>
             <a:r>
               <a:rPr lang="en-US" sz="1200" b="0" dirty="0" err="1">
                 <a:solidFill>
-                  <a:srgbClr val="FF0000"/>
-                </a:solidFill>
-              </a:rPr>
-              <a:t>colorName</a:t>
-            </a:r>
-            <a:r>
-              <a:rPr lang="en-US" sz="1200" b="0" dirty="0">
-                <a:solidFill>
-                  <a:srgbClr val="FF0000"/>
-                </a:solidFill>
-              </a:rPr>
-              <a:t>’</a:t>
-            </a:r>
-          </a:p>
-          <a:p>
-            <a:pPr lvl="0"/>
-            <a:r>
-              <a:rPr lang="en-US" sz="1200" dirty="0">
-                <a:solidFill>
-                  <a:srgbClr val="FF0000"/>
-                </a:solidFill>
-              </a:rPr>
-              <a:t>color</a:t>
-            </a:r>
-            <a:r>
-              <a:rPr lang="en-US" sz="1200" b="0" dirty="0">
-                <a:solidFill>
-                  <a:srgbClr val="FF0000"/>
-                </a:solidFill>
-              </a:rPr>
-              <a:t> = 0xFFFFFF</a:t>
-            </a:r>
-          </a:p>
-          <a:p>
-            <a:pPr lvl="0"/>
-            <a:r>
-              <a:rPr lang="en-US" sz="1200" dirty="0">
-                <a:solidFill>
-                  <a:srgbClr val="FF0000"/>
-                </a:solidFill>
-              </a:rPr>
-              <a:t>color</a:t>
-            </a:r>
-            <a:r>
-              <a:rPr lang="en-US" sz="1200" b="0" dirty="0">
-                <a:solidFill>
-                  <a:srgbClr val="FF0000"/>
-                </a:solidFill>
-              </a:rPr>
-              <a:t> = [</a:t>
-            </a:r>
-            <a:r>
-              <a:rPr lang="en-US" sz="1200" b="0" dirty="0" err="1">
-                <a:solidFill>
-                  <a:srgbClr val="FF0000"/>
+                  <a:schemeClr val="tx1">
+                    <a:lumMod val="50000"/>
+                    <a:lumOff val="50000"/>
+                  </a:schemeClr>
                 </a:solidFill>
               </a:rPr>
               <a:t>r,g,b</a:t>
             </a:r>
             <a:r>
-              <a:rPr lang="en-US" sz="1200" b="0" dirty="0">
-                <a:solidFill>
-                  <a:srgbClr val="FF0000"/>
-                </a:solidFill>
-              </a:rPr>
-              <a:t>]  </a:t>
-            </a:r>
-            <a:r>
-              <a:rPr lang="en-US" sz="1200" b="0" dirty="0" err="1">
-                <a:solidFill>
-                  <a:srgbClr val="FF0000"/>
-                </a:solidFill>
-              </a:rPr>
-              <a:t>r,g,b</a:t>
-            </a:r>
-            <a:r>
               <a:rPr lang="en-US" sz="1050" b="0" dirty="0">
                 <a:solidFill>
-                  <a:srgbClr val="FF0000"/>
+                  <a:schemeClr val="tx1">
+                    <a:lumMod val="50000"/>
+                    <a:lumOff val="50000"/>
+                  </a:schemeClr>
                 </a:solidFill>
               </a:rPr>
               <a:t>∈[0.0, 1.0]</a:t>
             </a:r>
             <a:endParaRPr lang="en-US" sz="1200" b="0" dirty="0">
               <a:solidFill>
-                <a:srgbClr val="FF0000"/>
+                <a:schemeClr val="tx1">
+                  <a:lumMod val="50000"/>
+                  <a:lumOff val="50000"/>
+                </a:schemeClr>
               </a:solidFill>
             </a:endParaRPr>
           </a:p>
@@ -12638,7 +12341,7 @@
             <a:r>
               <a:rPr lang="en-US" sz="1200" dirty="0">
                 <a:solidFill>
-                  <a:srgbClr val="FF0000"/>
+                  <a:schemeClr val="tx1"/>
                 </a:solidFill>
               </a:rPr>
               <a:t>color</a:t>
@@ -12646,46 +12349,79 @@
             <a:r>
               <a:rPr lang="en-US" sz="1200" b="0" dirty="0">
                 <a:solidFill>
-                  <a:srgbClr val="FF0000"/>
-                </a:solidFill>
-              </a:rPr>
-              <a:t> = </a:t>
+                  <a:schemeClr val="tx1"/>
+                </a:solidFill>
+              </a:rPr>
+              <a:t> = "</a:t>
             </a:r>
             <a:r>
               <a:rPr lang="en-US" sz="1200" dirty="0" err="1">
                 <a:solidFill>
-                  <a:srgbClr val="FF0000"/>
+                  <a:schemeClr val="tx1"/>
                 </a:solidFill>
               </a:rPr>
               <a:t>rgb</a:t>
             </a:r>
             <a:r>
+              <a:rPr lang="en-US" sz="1200" dirty="0">
+                <a:solidFill>
+                  <a:schemeClr val="tx1"/>
+                </a:solidFill>
+              </a:rPr>
+              <a:t> </a:t>
+            </a:r>
+            <a:r>
               <a:rPr lang="en-US" sz="1200" b="0" dirty="0">
                 <a:solidFill>
-                  <a:srgbClr val="FF0000"/>
-                </a:solidFill>
-              </a:rPr>
-              <a:t> ( r, g, b ) </a:t>
+                  <a:schemeClr val="tx1"/>
+                </a:solidFill>
+              </a:rPr>
+              <a:t>(</a:t>
             </a:r>
             <a:r>
               <a:rPr lang="en-US" sz="1200" b="0" dirty="0" err="1">
                 <a:solidFill>
-                  <a:srgbClr val="FF0000"/>
+                  <a:schemeClr val="tx1"/>
                 </a:solidFill>
               </a:rPr>
               <a:t>r,g,b</a:t>
             </a:r>
             <a:r>
+              <a:rPr lang="en-US" sz="1200" b="0" dirty="0">
+                <a:solidFill>
+                  <a:schemeClr val="tx1"/>
+                </a:solidFill>
+              </a:rPr>
+              <a:t>)" </a:t>
+            </a:r>
+            <a:r>
+              <a:rPr lang="en-US" sz="1200" b="0" dirty="0" err="1">
+                <a:solidFill>
+                  <a:schemeClr val="tx1">
+                    <a:lumMod val="50000"/>
+                    <a:lumOff val="50000"/>
+                  </a:schemeClr>
+                </a:solidFill>
+              </a:rPr>
+              <a:t>r,g,b</a:t>
+            </a:r>
+            <a:r>
               <a:rPr lang="en-US" sz="1050" b="0" dirty="0">
                 <a:solidFill>
-                  <a:srgbClr val="FF0000"/>
+                  <a:schemeClr val="tx1">
+                    <a:lumMod val="50000"/>
+                    <a:lumOff val="50000"/>
+                  </a:schemeClr>
                 </a:solidFill>
               </a:rPr>
               <a:t>∈[0, 255]</a:t>
             </a:r>
             <a:endParaRPr lang="en-US" sz="1200" b="0" dirty="0">
               <a:solidFill>
-                <a:srgbClr val="FF0000"/>
+                <a:schemeClr val="tx1">
+                  <a:lumMod val="50000"/>
+                  <a:lumOff val="50000"/>
+                </a:schemeClr>
               </a:solidFill>
             </a:endParaRPr>
           </a:p>
@@ -12693,412 +12429,397 @@
             <a:r>
               <a:rPr lang="en-US" sz="1200" dirty="0">
                 <a:solidFill>
+                  <a:schemeClr val="tx1"/>
+                </a:solidFill>
+              </a:rPr>
+              <a:t>color</a:t>
+            </a:r>
+            <a:r>
+              <a:rPr lang="en-US" sz="1200" b="0" dirty="0">
+                <a:solidFill>
+                  <a:schemeClr val="tx1"/>
+                </a:solidFill>
+              </a:rPr>
+              <a:t> = "</a:t>
+            </a:r>
+            <a:r>
+              <a:rPr lang="en-US" sz="1200" dirty="0" err="1">
+                <a:solidFill>
+                  <a:schemeClr val="tx1"/>
+                </a:solidFill>
+              </a:rPr>
+              <a:t>hsl</a:t>
+            </a:r>
+            <a:r>
+              <a:rPr lang="en-US" sz="1200" b="0" dirty="0">
+                <a:solidFill>
+                  <a:schemeClr val="tx1"/>
+                </a:solidFill>
+              </a:rPr>
+              <a:t> (</a:t>
+            </a:r>
+            <a:r>
+              <a:rPr lang="en-US" sz="1200" b="0" dirty="0" err="1">
+                <a:solidFill>
+                  <a:schemeClr val="tx1"/>
+                </a:solidFill>
+              </a:rPr>
+              <a:t>h,s,l</a:t>
+            </a:r>
+            <a:r>
+              <a:rPr lang="en-US" sz="1200" b="0" dirty="0">
+                <a:solidFill>
+                  <a:schemeClr val="tx1"/>
+                </a:solidFill>
+              </a:rPr>
+              <a:t>)"</a:t>
+            </a:r>
+            <a:r>
+              <a:rPr lang="en-US" sz="1200" b="0" dirty="0">
+                <a:solidFill>
                   <a:srgbClr val="FF0000"/>
                 </a:solidFill>
               </a:rPr>
-              <a:t>color</a:t>
+              <a:t> </a:t>
             </a:r>
             <a:r>
               <a:rPr lang="en-US" sz="1200" b="0" dirty="0">
                 <a:solidFill>
-                  <a:srgbClr val="FF0000"/>
-                </a:solidFill>
-              </a:rPr>
-              <a:t> = </a:t>
-            </a:r>
-            <a:r>
-              <a:rPr lang="en-US" sz="1200" dirty="0" err="1">
-                <a:solidFill>
-                  <a:srgbClr val="FF0000"/>
-                </a:solidFill>
-              </a:rPr>
-              <a:t>hsl</a:t>
+                  <a:schemeClr val="tx1">
+                    <a:lumMod val="50000"/>
+                    <a:lumOff val="50000"/>
+                  </a:schemeClr>
+                </a:solidFill>
+              </a:rPr>
+              <a:t>h</a:t>
+            </a:r>
+            <a:r>
+              <a:rPr lang="en-US" sz="1050" b="0" dirty="0">
+                <a:solidFill>
+                  <a:schemeClr val="tx1">
+                    <a:lumMod val="50000"/>
+                    <a:lumOff val="50000"/>
+                  </a:schemeClr>
+                </a:solidFill>
+              </a:rPr>
+              <a:t>∈[0, 360]</a:t>
             </a:r>
             <a:r>
               <a:rPr lang="en-US" sz="1200" b="0" dirty="0">
                 <a:solidFill>
-                  <a:srgbClr val="FF0000"/>
-                </a:solidFill>
-              </a:rPr>
-              <a:t> ( h, s, l ) h</a:t>
+                  <a:schemeClr val="tx1">
+                    <a:lumMod val="50000"/>
+                    <a:lumOff val="50000"/>
+                  </a:schemeClr>
+                </a:solidFill>
+              </a:rPr>
+              <a:t>, </a:t>
+            </a:r>
+            <a:r>
+              <a:rPr lang="en-US" sz="1200" b="0" dirty="0" err="1">
+                <a:solidFill>
+                  <a:schemeClr val="tx1">
+                    <a:lumMod val="50000"/>
+                    <a:lumOff val="50000"/>
+                  </a:schemeClr>
+                </a:solidFill>
+              </a:rPr>
+              <a:t>s,l</a:t>
             </a:r>
             <a:r>
               <a:rPr lang="en-US" sz="1050" b="0" dirty="0">
                 <a:solidFill>
-                  <a:srgbClr val="FF0000"/>
-                </a:solidFill>
-              </a:rPr>
-              <a:t>∈[0, 360]</a:t>
+                  <a:schemeClr val="tx1">
+                    <a:lumMod val="50000"/>
+                    <a:lumOff val="50000"/>
+                  </a:schemeClr>
+                </a:solidFill>
+              </a:rPr>
+              <a:t>∈[0, 100]</a:t>
+            </a:r>
+          </a:p>
+          <a:p>
+            <a:r>
+              <a:rPr lang="en-US" sz="1200" dirty="0">
+                <a:solidFill>
+                  <a:schemeClr val="tx1"/>
+                </a:solidFill>
+              </a:rPr>
+              <a:t>image</a:t>
             </a:r>
             <a:r>
               <a:rPr lang="en-US" sz="1200" b="0" dirty="0">
                 <a:solidFill>
-                  <a:srgbClr val="FF0000"/>
-                </a:solidFill>
-              </a:rPr>
-              <a:t>, </a:t>
+                  <a:schemeClr val="tx1"/>
+                </a:solidFill>
+              </a:rPr>
+              <a:t> = "drawing"</a:t>
+            </a:r>
+          </a:p>
+          <a:p>
+            <a:r>
+              <a:rPr lang="en-US" sz="1200" dirty="0">
+                <a:solidFill>
+                  <a:schemeClr val="tx1"/>
+                </a:solidFill>
+              </a:rPr>
+              <a:t>image</a:t>
+            </a:r>
+            <a:r>
+              <a:rPr lang="en-US" sz="1200" b="0" dirty="0">
+                <a:solidFill>
+                  <a:schemeClr val="tx1"/>
+                </a:solidFill>
+              </a:rPr>
+              <a:t> = "filename"</a:t>
+            </a:r>
+          </a:p>
+          <a:p>
+            <a:r>
+              <a:rPr lang="en-US" sz="1200" dirty="0">
+                <a:solidFill>
+                  <a:schemeClr val="tx1"/>
+                </a:solidFill>
+              </a:rPr>
+              <a:t>images</a:t>
+            </a:r>
+            <a:r>
+              <a:rPr lang="en-US" sz="1200" b="0" dirty="0">
+                <a:solidFill>
+                  <a:schemeClr val="tx1"/>
+                </a:solidFill>
+              </a:rPr>
+              <a:t> = "count"</a:t>
+            </a:r>
+          </a:p>
+          <a:p>
+            <a:r>
+              <a:rPr lang="en-US" sz="1200" dirty="0">
+                <a:solidFill>
+                  <a:schemeClr val="tx1"/>
+                </a:solidFill>
+              </a:rPr>
+              <a:t>images</a:t>
+            </a:r>
+            <a:r>
+              <a:rPr lang="en-US" sz="1200" b="0" dirty="0">
+                <a:solidFill>
+                  <a:schemeClr val="tx1"/>
+                </a:solidFill>
+              </a:rPr>
+              <a:t> = "</a:t>
             </a:r>
             <a:r>
               <a:rPr lang="en-US" sz="1200" b="0" dirty="0" err="1">
                 <a:solidFill>
-                  <a:srgbClr val="FF0000"/>
-                </a:solidFill>
-              </a:rPr>
-              <a:t>s,l</a:t>
-            </a:r>
-            <a:r>
-              <a:rPr lang="en-US" sz="1050" b="0" dirty="0">
-                <a:solidFill>
-                  <a:srgbClr val="FF0000"/>
-                </a:solidFill>
-              </a:rPr>
-              <a:t>∈[0, 100]</a:t>
+                  <a:schemeClr val="tx1"/>
+                </a:solidFill>
+              </a:rPr>
+              <a:t>count</a:t>
+            </a:r>
+            <a:r>
+              <a:rPr lang="en-US" sz="1200" b="0" baseline="-25000" dirty="0" err="1">
+                <a:solidFill>
+                  <a:schemeClr val="tx1"/>
+                </a:solidFill>
+              </a:rPr>
+              <a:t>x</a:t>
+            </a:r>
+            <a:r>
+              <a:rPr lang="en-US" sz="1200" b="0" dirty="0">
+                <a:solidFill>
+                  <a:schemeClr val="tx1"/>
+                </a:solidFill>
+              </a:rPr>
+              <a:t>, count</a:t>
+            </a:r>
+            <a:r>
+              <a:rPr lang="en-US" sz="1200" b="0" baseline="-25000" dirty="0">
+                <a:solidFill>
+                  <a:schemeClr val="tx1"/>
+                </a:solidFill>
+              </a:rPr>
+              <a:t>y</a:t>
+            </a:r>
+            <a:r>
+              <a:rPr lang="en-US" sz="1200" b="0" dirty="0">
+                <a:solidFill>
+                  <a:schemeClr val="tx1"/>
+                </a:solidFill>
+              </a:rPr>
+              <a:t>"</a:t>
             </a:r>
           </a:p>
           <a:p>
             <a:r>
               <a:rPr lang="en-US" sz="1200" dirty="0">
                 <a:solidFill>
-                  <a:srgbClr val="FF0000"/>
-                </a:solidFill>
-              </a:rPr>
-              <a:t>image</a:t>
+                  <a:schemeClr val="tx1"/>
+                </a:solidFill>
+              </a:rPr>
+              <a:t>wireframe</a:t>
             </a:r>
             <a:r>
               <a:rPr lang="en-US" sz="1200" b="0" dirty="0">
                 <a:solidFill>
-                  <a:srgbClr val="FF0000"/>
-                </a:solidFill>
-              </a:rPr>
-              <a:t> = drawing</a:t>
+                  <a:schemeClr val="tx1"/>
+                </a:solidFill>
+              </a:rPr>
+              <a:t> = true/false</a:t>
             </a:r>
           </a:p>
           <a:p>
             <a:r>
               <a:rPr lang="en-US" sz="1200" dirty="0">
                 <a:solidFill>
-                  <a:srgbClr val="FF0000"/>
-                </a:solidFill>
-              </a:rPr>
-              <a:t>image </a:t>
+                  <a:schemeClr val="tx1"/>
+                </a:solidFill>
+              </a:rPr>
+              <a:t>count </a:t>
             </a:r>
             <a:r>
               <a:rPr lang="en-US" sz="1200" b="0" dirty="0">
                 <a:solidFill>
-                  <a:srgbClr val="FF0000"/>
-                </a:solidFill>
-              </a:rPr>
-              <a:t>= </a:t>
-            </a:r>
+                  <a:schemeClr val="tx1"/>
+                </a:solidFill>
+              </a:rPr>
+              <a:t>= count</a:t>
+            </a:r>
+          </a:p>
+          <a:p>
             <a:r>
               <a:rPr lang="en-US" sz="1200" dirty="0">
                 <a:solidFill>
-                  <a:srgbClr val="FF0000"/>
-                </a:solidFill>
-              </a:rPr>
-              <a:t>image</a:t>
+                  <a:schemeClr val="tx1"/>
+                </a:solidFill>
+              </a:rPr>
+              <a:t>count</a:t>
             </a:r>
             <a:r>
               <a:rPr lang="en-US" sz="1200" b="0" dirty="0">
                 <a:solidFill>
-                  <a:srgbClr val="FF0000"/>
-                </a:solidFill>
-              </a:rPr>
-              <a:t> ( ‘</a:t>
+                  <a:schemeClr val="tx1"/>
+                </a:solidFill>
+              </a:rPr>
+              <a:t> = [count, count]</a:t>
+            </a:r>
+          </a:p>
+          <a:p>
+            <a:r>
+              <a:rPr lang="en-US" sz="1200" dirty="0">
+                <a:solidFill>
+                  <a:schemeClr val="tx1"/>
+                </a:solidFill>
+              </a:rPr>
+              <a:t>curve</a:t>
+            </a:r>
+            <a:r>
+              <a:rPr lang="en-US" sz="1200" b="0" dirty="0">
+                <a:solidFill>
+                  <a:schemeClr val="tx1"/>
+                </a:solidFill>
+              </a:rPr>
+              <a:t> = "</a:t>
             </a:r>
             <a:r>
               <a:rPr lang="en-US" sz="1200" b="0" dirty="0" err="1">
                 <a:solidFill>
-                  <a:srgbClr val="FF0000"/>
-                </a:solidFill>
-              </a:rPr>
-              <a:t>fileName</a:t>
+                  <a:schemeClr val="tx1"/>
+                </a:solidFill>
+              </a:rPr>
+              <a:t>x,y,z</a:t>
             </a:r>
             <a:r>
               <a:rPr lang="en-US" sz="1200" b="0" dirty="0">
                 <a:solidFill>
-                  <a:srgbClr val="FF0000"/>
-                </a:solidFill>
-              </a:rPr>
-              <a:t>’ )</a:t>
+                  <a:schemeClr val="tx1"/>
+                </a:solidFill>
+              </a:rPr>
+              <a:t>; </a:t>
+            </a:r>
+            <a:r>
+              <a:rPr lang="en-US" sz="1200" b="0" dirty="0" err="1">
+                <a:solidFill>
+                  <a:schemeClr val="tx1"/>
+                </a:solidFill>
+              </a:rPr>
+              <a:t>x,y,z</a:t>
+            </a:r>
+            <a:r>
+              <a:rPr lang="en-US" sz="1200" b="0" dirty="0">
+                <a:solidFill>
+                  <a:schemeClr val="tx1"/>
+                </a:solidFill>
+              </a:rPr>
+              <a:t>; …“</a:t>
             </a:r>
           </a:p>
           <a:p>
             <a:r>
               <a:rPr lang="en-US" sz="1200" dirty="0">
                 <a:solidFill>
-                  <a:srgbClr val="FF0000"/>
-                </a:solidFill>
-              </a:rPr>
-              <a:t>image</a:t>
+                  <a:schemeClr val="tx1"/>
+                </a:solidFill>
+              </a:rPr>
+              <a:t>orientation</a:t>
             </a:r>
             <a:r>
               <a:rPr lang="en-US" sz="1200" b="0" dirty="0">
                 <a:solidFill>
-                  <a:srgbClr val="FF0000"/>
-                </a:solidFill>
-              </a:rPr>
-              <a:t> = ‘</a:t>
+                  <a:schemeClr val="tx1"/>
+                </a:solidFill>
+              </a:rPr>
+              <a:t> = "</a:t>
             </a:r>
             <a:r>
               <a:rPr lang="en-US" sz="1200" b="0" dirty="0" err="1">
                 <a:solidFill>
-                  <a:srgbClr val="FF0000"/>
-                </a:solidFill>
-              </a:rPr>
-              <a:t>fileName</a:t>
+                  <a:schemeClr val="tx1"/>
+                </a:solidFill>
+              </a:rPr>
+              <a:t>xyz</a:t>
             </a:r>
             <a:r>
               <a:rPr lang="en-US" sz="1200" b="0" dirty="0">
                 <a:solidFill>
-                  <a:srgbClr val="FF0000"/>
-                </a:solidFill>
-              </a:rPr>
-              <a:t>’</a:t>
-            </a:r>
-          </a:p>
-          <a:p>
-            <a:r>
-              <a:rPr lang="en-US" sz="1200" dirty="0">
-                <a:solidFill>
-                  <a:srgbClr val="FF0000"/>
-                </a:solidFill>
-              </a:rPr>
-              <a:t>images</a:t>
+                  <a:schemeClr val="tx1"/>
+                </a:solidFill>
+              </a:rPr>
+              <a:t>"/ "</a:t>
+            </a:r>
+            <a:r>
+              <a:rPr lang="en-US" sz="1200" b="0" dirty="0" err="1">
+                <a:solidFill>
+                  <a:schemeClr val="tx1"/>
+                </a:solidFill>
+              </a:rPr>
+              <a:t>xzy</a:t>
             </a:r>
             <a:r>
               <a:rPr lang="en-US" sz="1200" b="0" dirty="0">
                 <a:solidFill>
-                  <a:srgbClr val="FF0000"/>
-                </a:solidFill>
-              </a:rPr>
-              <a:t> = count</a:t>
-            </a:r>
-          </a:p>
-          <a:p>
-            <a:r>
-              <a:rPr lang="en-US" sz="1200" dirty="0">
-                <a:solidFill>
-                  <a:srgbClr val="FF0000"/>
-                </a:solidFill>
-              </a:rPr>
-              <a:t>images</a:t>
+                  <a:schemeClr val="tx1"/>
+                </a:solidFill>
+              </a:rPr>
+              <a:t>"/ "</a:t>
+            </a:r>
+            <a:r>
+              <a:rPr lang="en-US" sz="1200" b="0" dirty="0" err="1">
+                <a:solidFill>
+                  <a:schemeClr val="tx1"/>
+                </a:solidFill>
+              </a:rPr>
+              <a:t>yxz</a:t>
             </a:r>
             <a:r>
               <a:rPr lang="en-US" sz="1200" b="0" dirty="0">
                 <a:solidFill>
-                  <a:srgbClr val="FF0000"/>
-                </a:solidFill>
-              </a:rPr>
-              <a:t> = [</a:t>
-            </a:r>
-            <a:r>
-              <a:rPr lang="en-US" sz="1200" b="0" dirty="0" err="1">
-                <a:solidFill>
-                  <a:srgbClr val="FF0000"/>
-                </a:solidFill>
-              </a:rPr>
-              <a:t>count</a:t>
-            </a:r>
-            <a:r>
-              <a:rPr lang="en-US" sz="1200" b="0" baseline="-25000" dirty="0" err="1">
-                <a:solidFill>
-                  <a:srgbClr val="FF0000"/>
-                </a:solidFill>
-              </a:rPr>
-              <a:t>x</a:t>
-            </a:r>
-            <a:r>
-              <a:rPr lang="en-US" sz="1200" b="0" dirty="0">
-                <a:solidFill>
-                  <a:srgbClr val="FF0000"/>
-                </a:solidFill>
-              </a:rPr>
-              <a:t>, count</a:t>
-            </a:r>
-            <a:r>
-              <a:rPr lang="en-US" sz="1200" b="0" baseline="-25000" dirty="0">
-                <a:solidFill>
-                  <a:srgbClr val="FF0000"/>
-                </a:solidFill>
-              </a:rPr>
-              <a:t>y</a:t>
-            </a:r>
-            <a:r>
-              <a:rPr lang="en-US" sz="1200" b="0" dirty="0">
-                <a:solidFill>
-                  <a:srgbClr val="FF0000"/>
-                </a:solidFill>
-              </a:rPr>
-              <a:t>]</a:t>
-            </a:r>
-          </a:p>
-          <a:p>
-            <a:r>
-              <a:rPr lang="en-US" sz="1200" dirty="0">
-                <a:solidFill>
-                  <a:srgbClr val="FF0000"/>
-                </a:solidFill>
-              </a:rPr>
-              <a:t>wireframe</a:t>
-            </a:r>
-            <a:r>
-              <a:rPr lang="en-US" sz="1200" b="0" dirty="0">
-                <a:solidFill>
-                  <a:srgbClr val="FF0000"/>
-                </a:solidFill>
-              </a:rPr>
-              <a:t> = true/false</a:t>
-            </a:r>
-          </a:p>
-          <a:p>
-            <a:r>
-              <a:rPr lang="en-US" sz="1200" dirty="0">
-                <a:solidFill>
-                  <a:srgbClr val="FF0000"/>
-                </a:solidFill>
-              </a:rPr>
-              <a:t>count </a:t>
-            </a:r>
-            <a:r>
-              <a:rPr lang="en-US" sz="1200" b="0" dirty="0">
-                <a:solidFill>
-                  <a:srgbClr val="FF0000"/>
-                </a:solidFill>
-              </a:rPr>
-              <a:t>= count</a:t>
-            </a:r>
-          </a:p>
-          <a:p>
-            <a:r>
-              <a:rPr lang="en-US" sz="1200" dirty="0">
-                <a:solidFill>
-                  <a:srgbClr val="FF0000"/>
-                </a:solidFill>
-              </a:rPr>
-              <a:t>count</a:t>
-            </a:r>
-            <a:r>
-              <a:rPr lang="en-US" sz="1200" b="0" dirty="0">
-                <a:solidFill>
-                  <a:srgbClr val="FF0000"/>
-                </a:solidFill>
-              </a:rPr>
-              <a:t> = [count, count]</a:t>
-            </a:r>
-          </a:p>
-          <a:p>
-            <a:r>
-              <a:rPr lang="en-US" sz="1200" dirty="0" err="1">
-                <a:solidFill>
-                  <a:srgbClr val="FF0000"/>
-                </a:solidFill>
-              </a:rPr>
-              <a:t>threejs</a:t>
-            </a:r>
-            <a:r>
-              <a:rPr lang="en-US" sz="1200" dirty="0">
-                <a:solidFill>
-                  <a:srgbClr val="FF0000"/>
-                </a:solidFill>
-              </a:rPr>
-              <a:t> </a:t>
-            </a:r>
-            <a:r>
-              <a:rPr lang="en-US" sz="1200" b="0" dirty="0">
-                <a:solidFill>
-                  <a:srgbClr val="FF0000"/>
-                </a:solidFill>
-              </a:rPr>
-              <a:t>= </a:t>
-            </a:r>
-            <a:r>
-              <a:rPr lang="en-US" sz="1200" b="0" dirty="0" err="1">
-                <a:solidFill>
-                  <a:srgbClr val="FF0000"/>
-                </a:solidFill>
-              </a:rPr>
-              <a:t>THREE.Mesh</a:t>
-            </a:r>
-            <a:endParaRPr lang="en-US" sz="1200" b="0" dirty="0">
-              <a:solidFill>
-                <a:srgbClr val="FF0000"/>
-              </a:solidFill>
-            </a:endParaRPr>
-          </a:p>
-          <a:p>
-            <a:r>
-              <a:rPr lang="en-US" sz="1200" b="0" dirty="0">
-                <a:solidFill>
-                  <a:srgbClr val="FF0000"/>
-                </a:solidFill>
-              </a:rPr>
-              <a:t>	.</a:t>
-            </a:r>
-            <a:r>
-              <a:rPr lang="en-US" sz="1200" dirty="0">
-                <a:solidFill>
-                  <a:srgbClr val="FF0000"/>
-                </a:solidFill>
-              </a:rPr>
-              <a:t>material</a:t>
-            </a:r>
-            <a:r>
-              <a:rPr lang="en-US" sz="1200" b="0" dirty="0">
-                <a:solidFill>
-                  <a:srgbClr val="FF0000"/>
-                </a:solidFill>
-              </a:rPr>
-              <a:t> = </a:t>
-            </a:r>
-            <a:r>
-              <a:rPr lang="en-US" sz="1200" b="0" dirty="0" err="1">
-                <a:solidFill>
-                  <a:srgbClr val="FF0000"/>
-                </a:solidFill>
-              </a:rPr>
-              <a:t>THREE.Material</a:t>
-            </a:r>
-            <a:endParaRPr lang="en-US" sz="1200" b="0" dirty="0">
-              <a:solidFill>
-                <a:srgbClr val="FF0000"/>
-              </a:solidFill>
-            </a:endParaRPr>
-          </a:p>
-          <a:p>
-            <a:r>
-              <a:rPr lang="en-US" sz="1200" b="0" dirty="0">
-                <a:solidFill>
-                  <a:srgbClr val="FF0000"/>
-                </a:solidFill>
-              </a:rPr>
-              <a:t>	.</a:t>
-            </a:r>
-            <a:r>
-              <a:rPr lang="en-US" sz="1200" dirty="0">
-                <a:solidFill>
-                  <a:srgbClr val="FF0000"/>
-                </a:solidFill>
-              </a:rPr>
-              <a:t>geometry </a:t>
-            </a:r>
-            <a:r>
-              <a:rPr lang="en-US" sz="1200" b="0" dirty="0">
-                <a:solidFill>
-                  <a:srgbClr val="FF0000"/>
-                </a:solidFill>
-              </a:rPr>
-              <a:t>= </a:t>
-            </a:r>
-            <a:r>
-              <a:rPr lang="en-US" sz="1200" b="0" dirty="0" err="1">
-                <a:solidFill>
-                  <a:srgbClr val="FF0000"/>
-                </a:solidFill>
-              </a:rPr>
-              <a:t>THREE.BufferGeometry</a:t>
-            </a:r>
-            <a:endParaRPr lang="en-US" sz="1200" b="0" dirty="0">
+                  <a:schemeClr val="tx1"/>
+                </a:solidFill>
+              </a:rPr>
+              <a:t>"/ …</a:t>
+            </a:r>
+            <a:endParaRPr lang="fr-FR" sz="1200" b="0" dirty="0">
               <a:solidFill>
                 <a:srgbClr val="FF0000"/>
               </a:solidFill>
@@ -13112,13 +12833,177 @@
               </a:solidFill>
             </a:endParaRPr>
           </a:p>
-          <a:p>
-            <a:pPr lvl="0"/>
-            <a:endParaRPr lang="fr-FR" sz="1200" b="0" dirty="0">
+        </p:txBody>
+      </p:sp>
+      <p:sp>
+        <p:nvSpPr>
+          <p:cNvPr id="12" name="TextBox 11">
+            <a:extLst>
+              <a:ext uri="{FF2B5EF4-FFF2-40B4-BE49-F238E27FC236}">
+                <a16:creationId xmlns:a16="http://schemas.microsoft.com/office/drawing/2014/main" id="{574AEEC1-21D6-45E4-A453-CA3B668225E7}"/>
+              </a:ext>
+            </a:extLst>
+          </p:cNvPr>
+          <p:cNvSpPr txBox="1"/>
+          <p:nvPr/>
+        </p:nvSpPr>
+        <p:spPr>
+          <a:xfrm>
+            <a:off x="6934200" y="5867400"/>
+            <a:ext cx="2895600" cy="990600"/>
+          </a:xfrm>
+          <a:prstGeom prst="rect">
+            <a:avLst/>
+          </a:prstGeom>
+          <a:noFill/>
+          <a:ln w="3175">
+            <a:noFill/>
+          </a:ln>
+        </p:spPr>
+        <p:style>
+          <a:lnRef idx="2">
+            <a:schemeClr val="accent1">
+              <a:shade val="50000"/>
+            </a:schemeClr>
+          </a:lnRef>
+          <a:fillRef idx="1">
+            <a:schemeClr val="accent1"/>
+          </a:fillRef>
+          <a:effectRef idx="0">
+            <a:schemeClr val="accent1"/>
+          </a:effectRef>
+          <a:fontRef idx="minor">
+            <a:schemeClr val="lt1"/>
+          </a:fontRef>
+        </p:style>
+        <p:txBody>
+          <a:bodyPr rot="0" spcFirstLastPara="0" vertOverflow="overflow" horzOverflow="overflow" vert="horz" wrap="square" lIns="0" tIns="91440" rIns="0" bIns="91440" numCol="1" spcCol="0" rtlCol="0" fromWordArt="0" anchor="ctr" anchorCtr="0" forceAA="0" compatLnSpc="1">
+            <a:prstTxWarp prst="textNoShape">
+              <a:avLst/>
+            </a:prstTxWarp>
+            <a:noAutofit/>
+          </a:bodyPr>
+          <a:lstStyle>
+            <a:defPPr>
+              <a:defRPr lang="en-US"/>
+            </a:defPPr>
+            <a:lvl1pPr>
+              <a:tabLst>
+                <a:tab pos="171450" algn="l"/>
+              </a:tabLst>
+              <a:defRPr sz="1000" b="1">
+                <a:solidFill>
+                  <a:schemeClr val="accent1"/>
+                </a:solidFill>
+                <a:latin typeface="Agency FB" panose="020B0503020202020204" pitchFamily="34" charset="0"/>
+              </a:defRPr>
+            </a:lvl1pPr>
+            <a:lvl2pPr>
+              <a:defRPr>
+                <a:solidFill>
+                  <a:schemeClr val="lt1"/>
+                </a:solidFill>
+              </a:defRPr>
+            </a:lvl2pPr>
+            <a:lvl3pPr>
+              <a:defRPr>
+                <a:solidFill>
+                  <a:schemeClr val="lt1"/>
+                </a:solidFill>
+              </a:defRPr>
+            </a:lvl3pPr>
+            <a:lvl4pPr>
+              <a:defRPr>
+                <a:solidFill>
+                  <a:schemeClr val="lt1"/>
+                </a:solidFill>
+              </a:defRPr>
+            </a:lvl4pPr>
+            <a:lvl5pPr>
+              <a:defRPr>
+                <a:solidFill>
+                  <a:schemeClr val="lt1"/>
+                </a:solidFill>
+              </a:defRPr>
+            </a:lvl5pPr>
+            <a:lvl6pPr>
+              <a:defRPr>
+                <a:solidFill>
+                  <a:schemeClr val="lt1"/>
+                </a:solidFill>
+              </a:defRPr>
+            </a:lvl6pPr>
+            <a:lvl7pPr>
+              <a:defRPr>
+                <a:solidFill>
+                  <a:schemeClr val="lt1"/>
+                </a:solidFill>
+              </a:defRPr>
+            </a:lvl7pPr>
+            <a:lvl8pPr>
+              <a:defRPr>
+                <a:solidFill>
+                  <a:schemeClr val="lt1"/>
+                </a:solidFill>
+              </a:defRPr>
+            </a:lvl8pPr>
+            <a:lvl9pPr>
+              <a:defRPr>
+                <a:solidFill>
+                  <a:schemeClr val="lt1"/>
+                </a:solidFill>
+              </a:defRPr>
+            </a:lvl9pPr>
+          </a:lstStyle>
+          <a:p>
+            <a:pPr lvl="0" algn="r"/>
+            <a:r>
+              <a:rPr lang="en-GB" sz="2400" dirty="0">
+                <a:solidFill>
+                  <a:schemeClr val="tx1"/>
+                </a:solidFill>
+              </a:rPr>
+              <a:t>Suica 2.0</a:t>
+            </a:r>
+          </a:p>
+          <a:p>
+            <a:pPr lvl="0" algn="r"/>
+            <a:r>
+              <a:rPr lang="en-GB" sz="1200" b="0" dirty="0">
+                <a:solidFill>
+                  <a:schemeClr val="tx1"/>
+                </a:solidFill>
+              </a:rPr>
+              <a:t>for HTML</a:t>
+            </a:r>
+          </a:p>
+          <a:p>
+            <a:pPr lvl="0" algn="r"/>
+            <a:r>
+              <a:rPr lang="en-GB" sz="1200" b="0" dirty="0">
+                <a:solidFill>
+                  <a:schemeClr val="tx1"/>
+                </a:solidFill>
+                <a:hlinkClick r:id="rId2"/>
+              </a:rPr>
+              <a:t>https://boytchev.github.io/suica</a:t>
+            </a:r>
+            <a:endParaRPr lang="en-GB" sz="1200" b="0" dirty="0">
               <a:solidFill>
-                <a:srgbClr val="FF0000"/>
+                <a:schemeClr val="tx1"/>
               </a:solidFill>
             </a:endParaRPr>
+          </a:p>
+          <a:p>
+            <a:pPr lvl="0" algn="r"/>
+            <a:r>
+              <a:rPr lang="en-GB" b="0" dirty="0">
+                <a:solidFill>
+                  <a:schemeClr val="tx1"/>
+                </a:solidFill>
+              </a:rPr>
+              <a:t>version 1</a:t>
+            </a:r>
           </a:p>
         </p:txBody>
       </p:sp>

--- a/docs/cheat-sheet.pptx
+++ b/docs/cheat-sheet.pptx
@@ -255,7 +255,7 @@
           <a:p>
             <a:fld id="{4346FDB3-09F2-4348-8F47-4013D9DCE7EC}" type="datetimeFigureOut">
               <a:rPr lang="bg-BG" smtClean="0"/>
-              <a:t>14.7.2022 г.</a:t>
+              <a:t>15.7.2022 г.</a:t>
             </a:fld>
             <a:endParaRPr lang="bg-BG"/>
           </a:p>
@@ -425,7 +425,7 @@
           <a:p>
             <a:fld id="{4346FDB3-09F2-4348-8F47-4013D9DCE7EC}" type="datetimeFigureOut">
               <a:rPr lang="bg-BG" smtClean="0"/>
-              <a:t>14.7.2022 г.</a:t>
+              <a:t>15.7.2022 г.</a:t>
             </a:fld>
             <a:endParaRPr lang="bg-BG"/>
           </a:p>
@@ -605,7 +605,7 @@
           <a:p>
             <a:fld id="{4346FDB3-09F2-4348-8F47-4013D9DCE7EC}" type="datetimeFigureOut">
               <a:rPr lang="bg-BG" smtClean="0"/>
-              <a:t>14.7.2022 г.</a:t>
+              <a:t>15.7.2022 г.</a:t>
             </a:fld>
             <a:endParaRPr lang="bg-BG"/>
           </a:p>
@@ -775,7 +775,7 @@
           <a:p>
             <a:fld id="{4346FDB3-09F2-4348-8F47-4013D9DCE7EC}" type="datetimeFigureOut">
               <a:rPr lang="bg-BG" smtClean="0"/>
-              <a:t>14.7.2022 г.</a:t>
+              <a:t>15.7.2022 г.</a:t>
             </a:fld>
             <a:endParaRPr lang="bg-BG"/>
           </a:p>
@@ -1019,7 +1019,7 @@
           <a:p>
             <a:fld id="{4346FDB3-09F2-4348-8F47-4013D9DCE7EC}" type="datetimeFigureOut">
               <a:rPr lang="bg-BG" smtClean="0"/>
-              <a:t>14.7.2022 г.</a:t>
+              <a:t>15.7.2022 г.</a:t>
             </a:fld>
             <a:endParaRPr lang="bg-BG"/>
           </a:p>
@@ -1251,7 +1251,7 @@
           <a:p>
             <a:fld id="{4346FDB3-09F2-4348-8F47-4013D9DCE7EC}" type="datetimeFigureOut">
               <a:rPr lang="bg-BG" smtClean="0"/>
-              <a:t>14.7.2022 г.</a:t>
+              <a:t>15.7.2022 г.</a:t>
             </a:fld>
             <a:endParaRPr lang="bg-BG"/>
           </a:p>
@@ -1618,7 +1618,7 @@
           <a:p>
             <a:fld id="{4346FDB3-09F2-4348-8F47-4013D9DCE7EC}" type="datetimeFigureOut">
               <a:rPr lang="bg-BG" smtClean="0"/>
-              <a:t>14.7.2022 г.</a:t>
+              <a:t>15.7.2022 г.</a:t>
             </a:fld>
             <a:endParaRPr lang="bg-BG"/>
           </a:p>
@@ -1736,7 +1736,7 @@
           <a:p>
             <a:fld id="{4346FDB3-09F2-4348-8F47-4013D9DCE7EC}" type="datetimeFigureOut">
               <a:rPr lang="bg-BG" smtClean="0"/>
-              <a:t>14.7.2022 г.</a:t>
+              <a:t>15.7.2022 г.</a:t>
             </a:fld>
             <a:endParaRPr lang="bg-BG"/>
           </a:p>
@@ -1831,7 +1831,7 @@
           <a:p>
             <a:fld id="{4346FDB3-09F2-4348-8F47-4013D9DCE7EC}" type="datetimeFigureOut">
               <a:rPr lang="bg-BG" smtClean="0"/>
-              <a:t>14.7.2022 г.</a:t>
+              <a:t>15.7.2022 г.</a:t>
             </a:fld>
             <a:endParaRPr lang="bg-BG"/>
           </a:p>
@@ -2108,7 +2108,7 @@
           <a:p>
             <a:fld id="{4346FDB3-09F2-4348-8F47-4013D9DCE7EC}" type="datetimeFigureOut">
               <a:rPr lang="bg-BG" smtClean="0"/>
-              <a:t>14.7.2022 г.</a:t>
+              <a:t>15.7.2022 г.</a:t>
             </a:fld>
             <a:endParaRPr lang="bg-BG"/>
           </a:p>
@@ -2365,7 +2365,7 @@
           <a:p>
             <a:fld id="{4346FDB3-09F2-4348-8F47-4013D9DCE7EC}" type="datetimeFigureOut">
               <a:rPr lang="bg-BG" smtClean="0"/>
-              <a:t>14.7.2022 г.</a:t>
+              <a:t>15.7.2022 г.</a:t>
             </a:fld>
             <a:endParaRPr lang="bg-BG"/>
           </a:p>
@@ -2578,7 +2578,7 @@
           <a:p>
             <a:fld id="{4346FDB3-09F2-4348-8F47-4013D9DCE7EC}" type="datetimeFigureOut">
               <a:rPr lang="bg-BG" smtClean="0"/>
-              <a:t>14.7.2022 г.</a:t>
+              <a:t>15.7.2022 г.</a:t>
             </a:fld>
             <a:endParaRPr lang="bg-BG"/>
           </a:p>
@@ -5826,7 +5826,7 @@
         <p:spPr>
           <a:xfrm>
             <a:off x="8229600" y="533400"/>
-            <a:ext cx="1600198" cy="3048000"/>
+            <a:ext cx="1600198" cy="2971800"/>
           </a:xfrm>
           <a:prstGeom prst="rect">
             <a:avLst/>
@@ -6931,8 +6931,8 @@
         </p:nvSpPr>
         <p:spPr>
           <a:xfrm>
-            <a:off x="8229600" y="3657600"/>
-            <a:ext cx="1600198" cy="2362199"/>
+            <a:off x="8229600" y="3581400"/>
+            <a:ext cx="1600198" cy="2438399"/>
           </a:xfrm>
           <a:prstGeom prst="rect">
             <a:avLst/>
@@ -7924,8 +7924,8 @@
         </p:nvSpPr>
         <p:spPr>
           <a:xfrm>
-            <a:off x="5410200" y="533400"/>
-            <a:ext cx="2738120" cy="3047999"/>
+            <a:off x="5410200" y="533401"/>
+            <a:ext cx="2738120" cy="2971800"/>
           </a:xfrm>
           <a:prstGeom prst="rect">
             <a:avLst/>
@@ -10327,8 +10327,8 @@
         </p:nvSpPr>
         <p:spPr>
           <a:xfrm>
-            <a:off x="5410200" y="3657600"/>
-            <a:ext cx="2738120" cy="2362199"/>
+            <a:off x="5410200" y="3581400"/>
+            <a:ext cx="2738120" cy="2438399"/>
           </a:xfrm>
           <a:prstGeom prst="rect">
             <a:avLst/>
@@ -10557,6 +10557,22 @@
               </a:rPr>
               <a:t>onTime</a:t>
             </a:r>
+            <a:r>
+              <a:rPr lang="en-GB" sz="1200" dirty="0">
+                <a:solidFill>
+                  <a:schemeClr val="tx1"/>
+                </a:solidFill>
+              </a:rPr>
+              <a:t>, </a:t>
+            </a:r>
+            <a:r>
+              <a:rPr lang="en-GB" sz="1200" dirty="0" err="1">
+                <a:solidFill>
+                  <a:schemeClr val="tx1"/>
+                </a:solidFill>
+              </a:rPr>
+              <a:t>onLoad</a:t>
+            </a:r>
             <a:endParaRPr lang="en-GB" sz="1200" dirty="0">
               <a:solidFill>
                 <a:schemeClr val="tx1"/>
@@ -10826,6 +10842,78 @@
               </a:rPr>
               <a:t>) { … }</a:t>
             </a:r>
+          </a:p>
+          <a:p>
+            <a:r>
+              <a:rPr lang="en-GB" sz="1200" b="0" dirty="0">
+                <a:solidFill>
+                  <a:schemeClr val="tx1"/>
+                </a:solidFill>
+              </a:rPr>
+              <a:t>function </a:t>
+            </a:r>
+            <a:r>
+              <a:rPr lang="en-GB" sz="1200" b="0" dirty="0" err="1">
+                <a:solidFill>
+                  <a:schemeClr val="tx1">
+                    <a:lumMod val="50000"/>
+                    <a:lumOff val="50000"/>
+                  </a:schemeClr>
+                </a:solidFill>
+              </a:rPr>
+              <a:t>timeEventHandler</a:t>
+            </a:r>
+            <a:r>
+              <a:rPr lang="en-GB" sz="1200" b="0" dirty="0">
+                <a:solidFill>
+                  <a:schemeClr val="tx1"/>
+                </a:solidFill>
+              </a:rPr>
+              <a:t> (</a:t>
+            </a:r>
+            <a:r>
+              <a:rPr lang="en-GB" sz="1200" b="0" dirty="0">
+                <a:solidFill>
+                  <a:schemeClr val="tx1">
+                    <a:lumMod val="50000"/>
+                    <a:lumOff val="50000"/>
+                  </a:schemeClr>
+                </a:solidFill>
+              </a:rPr>
+              <a:t>time</a:t>
+            </a:r>
+            <a:r>
+              <a:rPr lang="en-GB" sz="1200" b="0" dirty="0">
+                <a:solidFill>
+                  <a:schemeClr val="tx1"/>
+                </a:solidFill>
+              </a:rPr>
+              <a:t>, </a:t>
+            </a:r>
+            <a:r>
+              <a:rPr lang="en-GB" sz="1200" b="0" dirty="0" err="1">
+                <a:solidFill>
+                  <a:schemeClr val="tx1">
+                    <a:lumMod val="50000"/>
+                    <a:lumOff val="50000"/>
+                  </a:schemeClr>
+                </a:solidFill>
+              </a:rPr>
+              <a:t>dTime</a:t>
+            </a:r>
+            <a:r>
+              <a:rPr lang="en-GB" sz="1200" b="0" dirty="0">
+                <a:solidFill>
+                  <a:schemeClr val="tx1"/>
+                </a:solidFill>
+              </a:rPr>
+              <a:t>) { … }</a:t>
+            </a:r>
+            <a:endParaRPr lang="en-GB" sz="1200" dirty="0">
+              <a:solidFill>
+                <a:schemeClr val="tx1"/>
+              </a:solidFill>
+            </a:endParaRPr>
           </a:p>
           <a:p>
             <a:r>
@@ -12066,6 +12154,30 @@
             <a:endParaRPr lang="en-US" sz="1200" b="0" dirty="0">
               <a:solidFill>
                 <a:schemeClr val="tx1"/>
+              </a:solidFill>
+            </a:endParaRPr>
+          </a:p>
+          <a:p>
+            <a:pPr>
+              <a:tabLst>
+                <a:tab pos="173038" algn="l"/>
+                <a:tab pos="2517775" algn="r"/>
+              </a:tabLst>
+            </a:pPr>
+            <a:r>
+              <a:rPr lang="en-US" sz="1200" dirty="0">
+                <a:solidFill>
+                  <a:schemeClr val="tx1"/>
+                </a:solidFill>
+              </a:rPr>
+              <a:t>.vertices</a:t>
+            </a:r>
+            <a:endParaRPr lang="en-US" sz="1200" b="0" dirty="0">
+              <a:solidFill>
+                <a:schemeClr val="tx1">
+                  <a:lumMod val="50000"/>
+                  <a:lumOff val="50000"/>
+                </a:schemeClr>
               </a:solidFill>
             </a:endParaRPr>
           </a:p>
@@ -15593,6 +15705,22 @@
                 </a:solidFill>
               </a:rPr>
               <a:t>onTime</a:t>
+            </a:r>
+            <a:r>
+              <a:rPr lang="en-GB" sz="1200" dirty="0">
+                <a:solidFill>
+                  <a:schemeClr val="tx1"/>
+                </a:solidFill>
+              </a:rPr>
+              <a:t>, </a:t>
+            </a:r>
+            <a:r>
+              <a:rPr lang="en-GB" sz="1200">
+                <a:solidFill>
+                  <a:schemeClr val="tx1"/>
+                </a:solidFill>
+              </a:rPr>
+              <a:t>onLoad</a:t>
             </a:r>
             <a:endParaRPr lang="en-GB" sz="1200" dirty="0">
               <a:solidFill>

--- a/docs/cheat-sheet.pptx
+++ b/docs/cheat-sheet.pptx
@@ -255,7 +255,7 @@
           <a:p>
             <a:fld id="{4346FDB3-09F2-4348-8F47-4013D9DCE7EC}" type="datetimeFigureOut">
               <a:rPr lang="bg-BG" smtClean="0"/>
-              <a:t>15.7.2022 г.</a:t>
+              <a:t>16.7.2022 г.</a:t>
             </a:fld>
             <a:endParaRPr lang="bg-BG"/>
           </a:p>
@@ -425,7 +425,7 @@
           <a:p>
             <a:fld id="{4346FDB3-09F2-4348-8F47-4013D9DCE7EC}" type="datetimeFigureOut">
               <a:rPr lang="bg-BG" smtClean="0"/>
-              <a:t>15.7.2022 г.</a:t>
+              <a:t>16.7.2022 г.</a:t>
             </a:fld>
             <a:endParaRPr lang="bg-BG"/>
           </a:p>
@@ -605,7 +605,7 @@
           <a:p>
             <a:fld id="{4346FDB3-09F2-4348-8F47-4013D9DCE7EC}" type="datetimeFigureOut">
               <a:rPr lang="bg-BG" smtClean="0"/>
-              <a:t>15.7.2022 г.</a:t>
+              <a:t>16.7.2022 г.</a:t>
             </a:fld>
             <a:endParaRPr lang="bg-BG"/>
           </a:p>
@@ -775,7 +775,7 @@
           <a:p>
             <a:fld id="{4346FDB3-09F2-4348-8F47-4013D9DCE7EC}" type="datetimeFigureOut">
               <a:rPr lang="bg-BG" smtClean="0"/>
-              <a:t>15.7.2022 г.</a:t>
+              <a:t>16.7.2022 г.</a:t>
             </a:fld>
             <a:endParaRPr lang="bg-BG"/>
           </a:p>
@@ -1019,7 +1019,7 @@
           <a:p>
             <a:fld id="{4346FDB3-09F2-4348-8F47-4013D9DCE7EC}" type="datetimeFigureOut">
               <a:rPr lang="bg-BG" smtClean="0"/>
-              <a:t>15.7.2022 г.</a:t>
+              <a:t>16.7.2022 г.</a:t>
             </a:fld>
             <a:endParaRPr lang="bg-BG"/>
           </a:p>
@@ -1251,7 +1251,7 @@
           <a:p>
             <a:fld id="{4346FDB3-09F2-4348-8F47-4013D9DCE7EC}" type="datetimeFigureOut">
               <a:rPr lang="bg-BG" smtClean="0"/>
-              <a:t>15.7.2022 г.</a:t>
+              <a:t>16.7.2022 г.</a:t>
             </a:fld>
             <a:endParaRPr lang="bg-BG"/>
           </a:p>
@@ -1618,7 +1618,7 @@
           <a:p>
             <a:fld id="{4346FDB3-09F2-4348-8F47-4013D9DCE7EC}" type="datetimeFigureOut">
               <a:rPr lang="bg-BG" smtClean="0"/>
-              <a:t>15.7.2022 г.</a:t>
+              <a:t>16.7.2022 г.</a:t>
             </a:fld>
             <a:endParaRPr lang="bg-BG"/>
           </a:p>
@@ -1736,7 +1736,7 @@
           <a:p>
             <a:fld id="{4346FDB3-09F2-4348-8F47-4013D9DCE7EC}" type="datetimeFigureOut">
               <a:rPr lang="bg-BG" smtClean="0"/>
-              <a:t>15.7.2022 г.</a:t>
+              <a:t>16.7.2022 г.</a:t>
             </a:fld>
             <a:endParaRPr lang="bg-BG"/>
           </a:p>
@@ -1831,7 +1831,7 @@
           <a:p>
             <a:fld id="{4346FDB3-09F2-4348-8F47-4013D9DCE7EC}" type="datetimeFigureOut">
               <a:rPr lang="bg-BG" smtClean="0"/>
-              <a:t>15.7.2022 г.</a:t>
+              <a:t>16.7.2022 г.</a:t>
             </a:fld>
             <a:endParaRPr lang="bg-BG"/>
           </a:p>
@@ -2108,7 +2108,7 @@
           <a:p>
             <a:fld id="{4346FDB3-09F2-4348-8F47-4013D9DCE7EC}" type="datetimeFigureOut">
               <a:rPr lang="bg-BG" smtClean="0"/>
-              <a:t>15.7.2022 г.</a:t>
+              <a:t>16.7.2022 г.</a:t>
             </a:fld>
             <a:endParaRPr lang="bg-BG"/>
           </a:p>
@@ -2365,7 +2365,7 @@
           <a:p>
             <a:fld id="{4346FDB3-09F2-4348-8F47-4013D9DCE7EC}" type="datetimeFigureOut">
               <a:rPr lang="bg-BG" smtClean="0"/>
-              <a:t>15.7.2022 г.</a:t>
+              <a:t>16.7.2022 г.</a:t>
             </a:fld>
             <a:endParaRPr lang="bg-BG"/>
           </a:p>
@@ -2578,7 +2578,7 @@
           <a:p>
             <a:fld id="{4346FDB3-09F2-4348-8F47-4013D9DCE7EC}" type="datetimeFigureOut">
               <a:rPr lang="bg-BG" smtClean="0"/>
-              <a:t>15.7.2022 г.</a:t>
+              <a:t>16.7.2022 г.</a:t>
             </a:fld>
             <a:endParaRPr lang="bg-BG"/>
           </a:p>
@@ -10933,7 +10933,7 @@
                   </a:schemeClr>
                 </a:solidFill>
               </a:rPr>
-              <a:t>timeEventHandler</a:t>
+              <a:t>loadEventHandler</a:t>
             </a:r>
             <a:r>
               <a:rPr lang="en-GB" sz="1200" b="0" dirty="0">
@@ -10952,26 +10952,7 @@
                   </a:schemeClr>
                 </a:solidFill>
               </a:rPr>
-              <a:t>time</a:t>
-            </a:r>
-            <a:r>
-              <a:rPr lang="en-GB" sz="1200" b="0" dirty="0">
-                <a:solidFill>
-                  <a:schemeClr val="tx1"/>
-                </a:solidFill>
-              </a:rPr>
-              <a:t>, </a:t>
-            </a:r>
-            <a:r>
-              <a:rPr lang="en-GB" sz="1200" b="0" dirty="0" err="1">
-                <a:solidFill>
-                  <a:schemeClr val="tx1">
-                    <a:lumMod val="50000"/>
-                    <a:lumOff val="50000"/>
-                  </a:schemeClr>
-                </a:solidFill>
-              </a:rPr>
-              <a:t>dTime</a:t>
+              <a:t>object</a:t>
             </a:r>
             <a:r>
               <a:rPr lang="en-GB" sz="1200" b="0" dirty="0">

--- a/docs/cheat-sheet.pptx
+++ b/docs/cheat-sheet.pptx
@@ -255,7 +255,7 @@
           <a:p>
             <a:fld id="{4346FDB3-09F2-4348-8F47-4013D9DCE7EC}" type="datetimeFigureOut">
               <a:rPr lang="bg-BG" smtClean="0"/>
-              <a:t>16.7.2022 г.</a:t>
+              <a:t>22.7.2022 г.</a:t>
             </a:fld>
             <a:endParaRPr lang="bg-BG"/>
           </a:p>
@@ -425,7 +425,7 @@
           <a:p>
             <a:fld id="{4346FDB3-09F2-4348-8F47-4013D9DCE7EC}" type="datetimeFigureOut">
               <a:rPr lang="bg-BG" smtClean="0"/>
-              <a:t>16.7.2022 г.</a:t>
+              <a:t>22.7.2022 г.</a:t>
             </a:fld>
             <a:endParaRPr lang="bg-BG"/>
           </a:p>
@@ -605,7 +605,7 @@
           <a:p>
             <a:fld id="{4346FDB3-09F2-4348-8F47-4013D9DCE7EC}" type="datetimeFigureOut">
               <a:rPr lang="bg-BG" smtClean="0"/>
-              <a:t>16.7.2022 г.</a:t>
+              <a:t>22.7.2022 г.</a:t>
             </a:fld>
             <a:endParaRPr lang="bg-BG"/>
           </a:p>
@@ -775,7 +775,7 @@
           <a:p>
             <a:fld id="{4346FDB3-09F2-4348-8F47-4013D9DCE7EC}" type="datetimeFigureOut">
               <a:rPr lang="bg-BG" smtClean="0"/>
-              <a:t>16.7.2022 г.</a:t>
+              <a:t>22.7.2022 г.</a:t>
             </a:fld>
             <a:endParaRPr lang="bg-BG"/>
           </a:p>
@@ -1019,7 +1019,7 @@
           <a:p>
             <a:fld id="{4346FDB3-09F2-4348-8F47-4013D9DCE7EC}" type="datetimeFigureOut">
               <a:rPr lang="bg-BG" smtClean="0"/>
-              <a:t>16.7.2022 г.</a:t>
+              <a:t>22.7.2022 г.</a:t>
             </a:fld>
             <a:endParaRPr lang="bg-BG"/>
           </a:p>
@@ -1251,7 +1251,7 @@
           <a:p>
             <a:fld id="{4346FDB3-09F2-4348-8F47-4013D9DCE7EC}" type="datetimeFigureOut">
               <a:rPr lang="bg-BG" smtClean="0"/>
-              <a:t>16.7.2022 г.</a:t>
+              <a:t>22.7.2022 г.</a:t>
             </a:fld>
             <a:endParaRPr lang="bg-BG"/>
           </a:p>
@@ -1618,7 +1618,7 @@
           <a:p>
             <a:fld id="{4346FDB3-09F2-4348-8F47-4013D9DCE7EC}" type="datetimeFigureOut">
               <a:rPr lang="bg-BG" smtClean="0"/>
-              <a:t>16.7.2022 г.</a:t>
+              <a:t>22.7.2022 г.</a:t>
             </a:fld>
             <a:endParaRPr lang="bg-BG"/>
           </a:p>
@@ -1736,7 +1736,7 @@
           <a:p>
             <a:fld id="{4346FDB3-09F2-4348-8F47-4013D9DCE7EC}" type="datetimeFigureOut">
               <a:rPr lang="bg-BG" smtClean="0"/>
-              <a:t>16.7.2022 г.</a:t>
+              <a:t>22.7.2022 г.</a:t>
             </a:fld>
             <a:endParaRPr lang="bg-BG"/>
           </a:p>
@@ -1831,7 +1831,7 @@
           <a:p>
             <a:fld id="{4346FDB3-09F2-4348-8F47-4013D9DCE7EC}" type="datetimeFigureOut">
               <a:rPr lang="bg-BG" smtClean="0"/>
-              <a:t>16.7.2022 г.</a:t>
+              <a:t>22.7.2022 г.</a:t>
             </a:fld>
             <a:endParaRPr lang="bg-BG"/>
           </a:p>
@@ -2108,7 +2108,7 @@
           <a:p>
             <a:fld id="{4346FDB3-09F2-4348-8F47-4013D9DCE7EC}" type="datetimeFigureOut">
               <a:rPr lang="bg-BG" smtClean="0"/>
-              <a:t>16.7.2022 г.</a:t>
+              <a:t>22.7.2022 г.</a:t>
             </a:fld>
             <a:endParaRPr lang="bg-BG"/>
           </a:p>
@@ -2365,7 +2365,7 @@
           <a:p>
             <a:fld id="{4346FDB3-09F2-4348-8F47-4013D9DCE7EC}" type="datetimeFigureOut">
               <a:rPr lang="bg-BG" smtClean="0"/>
-              <a:t>16.7.2022 г.</a:t>
+              <a:t>22.7.2022 г.</a:t>
             </a:fld>
             <a:endParaRPr lang="bg-BG"/>
           </a:p>
@@ -2578,7 +2578,7 @@
           <a:p>
             <a:fld id="{4346FDB3-09F2-4348-8F47-4013D9DCE7EC}" type="datetimeFigureOut">
               <a:rPr lang="bg-BG" smtClean="0"/>
-              <a:t>16.7.2022 г.</a:t>
+              <a:t>22.7.2022 г.</a:t>
             </a:fld>
             <a:endParaRPr lang="bg-BG"/>
           </a:p>
@@ -9951,6 +9951,104 @@
                   <a:schemeClr val="tx1"/>
                 </a:solidFill>
               </a:rPr>
+              <a:t>.visible</a:t>
+            </a:r>
+            <a:r>
+              <a:rPr lang="en-US" sz="1200" b="0" dirty="0">
+                <a:solidFill>
+                  <a:schemeClr val="tx1">
+                    <a:lumMod val="50000"/>
+                    <a:lumOff val="50000"/>
+                  </a:schemeClr>
+                </a:solidFill>
+              </a:rPr>
+              <a:t> / </a:t>
+            </a:r>
+            <a:r>
+              <a:rPr lang="en-US" sz="1200" dirty="0">
+                <a:solidFill>
+                  <a:schemeClr val="tx1"/>
+                </a:solidFill>
+              </a:rPr>
+              <a:t>.hidden</a:t>
+            </a:r>
+            <a:r>
+              <a:rPr lang="en-US" sz="1200" b="0" dirty="0">
+                <a:solidFill>
+                  <a:schemeClr val="tx1"/>
+                </a:solidFill>
+              </a:rPr>
+              <a:t> </a:t>
+            </a:r>
+            <a:r>
+              <a:rPr lang="en-US" sz="1200" b="0" dirty="0">
+                <a:solidFill>
+                  <a:schemeClr val="tx1">
+                    <a:lumMod val="50000"/>
+                    <a:lumOff val="50000"/>
+                  </a:schemeClr>
+                </a:solidFill>
+              </a:rPr>
+              <a:t>= true</a:t>
+            </a:r>
+            <a:r>
+              <a:rPr lang="bg-BG" sz="1200" b="0" dirty="0">
+                <a:solidFill>
+                  <a:schemeClr val="tx1">
+                    <a:lumMod val="50000"/>
+                    <a:lumOff val="50000"/>
+                  </a:schemeClr>
+                </a:solidFill>
+              </a:rPr>
+              <a:t> </a:t>
+            </a:r>
+            <a:r>
+              <a:rPr lang="en-US" sz="1200" b="0" dirty="0">
+                <a:solidFill>
+                  <a:schemeClr val="tx1">
+                    <a:lumMod val="50000"/>
+                    <a:lumOff val="50000"/>
+                  </a:schemeClr>
+                </a:solidFill>
+              </a:rPr>
+              <a:t>/</a:t>
+            </a:r>
+            <a:r>
+              <a:rPr lang="bg-BG" sz="1200" b="0" dirty="0">
+                <a:solidFill>
+                  <a:schemeClr val="tx1">
+                    <a:lumMod val="50000"/>
+                    <a:lumOff val="50000"/>
+                  </a:schemeClr>
+                </a:solidFill>
+              </a:rPr>
+              <a:t> </a:t>
+            </a:r>
+            <a:r>
+              <a:rPr lang="en-US" sz="1200" b="0" dirty="0">
+                <a:solidFill>
+                  <a:schemeClr val="tx1">
+                    <a:lumMod val="50000"/>
+                    <a:lumOff val="50000"/>
+                  </a:schemeClr>
+                </a:solidFill>
+              </a:rPr>
+              <a:t>yes / false / no</a:t>
+            </a:r>
+          </a:p>
+          <a:p>
+            <a:pPr>
+              <a:tabLst>
+                <a:tab pos="173038" algn="l"/>
+                <a:tab pos="2174875" algn="r"/>
+              </a:tabLst>
+            </a:pPr>
+            <a:r>
+              <a:rPr lang="en-US" sz="1200" dirty="0">
+                <a:solidFill>
+                  <a:schemeClr val="tx1"/>
+                </a:solidFill>
+              </a:rPr>
               <a:t>.wireframe</a:t>
             </a:r>
             <a:r>
@@ -18417,6 +18515,67 @@
                 </a:solidFill>
               </a:rPr>
               <a:t>spinT</a:t>
+            </a:r>
+            <a:r>
+              <a:rPr lang="en-US" sz="1200" b="0" dirty="0">
+                <a:solidFill>
+                  <a:schemeClr val="tx1"/>
+                </a:solidFill>
+              </a:rPr>
+              <a:t>"</a:t>
+            </a:r>
+          </a:p>
+          <a:p>
+            <a:pPr>
+              <a:tabLst>
+                <a:tab pos="2117725" algn="r"/>
+              </a:tabLst>
+            </a:pPr>
+            <a:r>
+              <a:rPr lang="en-US" sz="1200" dirty="0">
+                <a:solidFill>
+                  <a:schemeClr val="tx1"/>
+                </a:solidFill>
+              </a:rPr>
+              <a:t>visible</a:t>
+            </a:r>
+            <a:r>
+              <a:rPr lang="en-US" sz="1200" b="0" dirty="0">
+                <a:solidFill>
+                  <a:schemeClr val="tx1">
+                    <a:lumMod val="50000"/>
+                    <a:lumOff val="50000"/>
+                  </a:schemeClr>
+                </a:solidFill>
+              </a:rPr>
+              <a:t> / </a:t>
+            </a:r>
+            <a:r>
+              <a:rPr lang="en-US" sz="1200" dirty="0">
+                <a:solidFill>
+                  <a:schemeClr val="tx1"/>
+                </a:solidFill>
+              </a:rPr>
+              <a:t>hidden</a:t>
+            </a:r>
+            <a:r>
+              <a:rPr lang="en-US" sz="1200" b="0" dirty="0">
+                <a:solidFill>
+                  <a:schemeClr val="tx1"/>
+                </a:solidFill>
+              </a:rPr>
+              <a:t> = "</a:t>
+            </a:r>
+            <a:r>
+              <a:rPr lang="en-US" sz="1200" b="0" dirty="0">
+                <a:solidFill>
+                  <a:schemeClr val="tx1">
+                    <a:lumMod val="50000"/>
+                    <a:lumOff val="50000"/>
+                  </a:schemeClr>
+                </a:solidFill>
+              </a:rPr>
+              <a:t>bool</a:t>
             </a:r>
             <a:r>
               <a:rPr lang="en-US" sz="1200" b="0" dirty="0">

--- a/docs/cheat-sheet.pptx
+++ b/docs/cheat-sheet.pptx
@@ -255,7 +255,7 @@
           <a:p>
             <a:fld id="{4346FDB3-09F2-4348-8F47-4013D9DCE7EC}" type="datetimeFigureOut">
               <a:rPr lang="bg-BG" smtClean="0"/>
-              <a:t>22.7.2022 г.</a:t>
+              <a:t>23.7.2022 г.</a:t>
             </a:fld>
             <a:endParaRPr lang="bg-BG"/>
           </a:p>
@@ -425,7 +425,7 @@
           <a:p>
             <a:fld id="{4346FDB3-09F2-4348-8F47-4013D9DCE7EC}" type="datetimeFigureOut">
               <a:rPr lang="bg-BG" smtClean="0"/>
-              <a:t>22.7.2022 г.</a:t>
+              <a:t>23.7.2022 г.</a:t>
             </a:fld>
             <a:endParaRPr lang="bg-BG"/>
           </a:p>
@@ -605,7 +605,7 @@
           <a:p>
             <a:fld id="{4346FDB3-09F2-4348-8F47-4013D9DCE7EC}" type="datetimeFigureOut">
               <a:rPr lang="bg-BG" smtClean="0"/>
-              <a:t>22.7.2022 г.</a:t>
+              <a:t>23.7.2022 г.</a:t>
             </a:fld>
             <a:endParaRPr lang="bg-BG"/>
           </a:p>
@@ -775,7 +775,7 @@
           <a:p>
             <a:fld id="{4346FDB3-09F2-4348-8F47-4013D9DCE7EC}" type="datetimeFigureOut">
               <a:rPr lang="bg-BG" smtClean="0"/>
-              <a:t>22.7.2022 г.</a:t>
+              <a:t>23.7.2022 г.</a:t>
             </a:fld>
             <a:endParaRPr lang="bg-BG"/>
           </a:p>
@@ -1019,7 +1019,7 @@
           <a:p>
             <a:fld id="{4346FDB3-09F2-4348-8F47-4013D9DCE7EC}" type="datetimeFigureOut">
               <a:rPr lang="bg-BG" smtClean="0"/>
-              <a:t>22.7.2022 г.</a:t>
+              <a:t>23.7.2022 г.</a:t>
             </a:fld>
             <a:endParaRPr lang="bg-BG"/>
           </a:p>
@@ -1251,7 +1251,7 @@
           <a:p>
             <a:fld id="{4346FDB3-09F2-4348-8F47-4013D9DCE7EC}" type="datetimeFigureOut">
               <a:rPr lang="bg-BG" smtClean="0"/>
-              <a:t>22.7.2022 г.</a:t>
+              <a:t>23.7.2022 г.</a:t>
             </a:fld>
             <a:endParaRPr lang="bg-BG"/>
           </a:p>
@@ -1618,7 +1618,7 @@
           <a:p>
             <a:fld id="{4346FDB3-09F2-4348-8F47-4013D9DCE7EC}" type="datetimeFigureOut">
               <a:rPr lang="bg-BG" smtClean="0"/>
-              <a:t>22.7.2022 г.</a:t>
+              <a:t>23.7.2022 г.</a:t>
             </a:fld>
             <a:endParaRPr lang="bg-BG"/>
           </a:p>
@@ -1736,7 +1736,7 @@
           <a:p>
             <a:fld id="{4346FDB3-09F2-4348-8F47-4013D9DCE7EC}" type="datetimeFigureOut">
               <a:rPr lang="bg-BG" smtClean="0"/>
-              <a:t>22.7.2022 г.</a:t>
+              <a:t>23.7.2022 г.</a:t>
             </a:fld>
             <a:endParaRPr lang="bg-BG"/>
           </a:p>
@@ -1831,7 +1831,7 @@
           <a:p>
             <a:fld id="{4346FDB3-09F2-4348-8F47-4013D9DCE7EC}" type="datetimeFigureOut">
               <a:rPr lang="bg-BG" smtClean="0"/>
-              <a:t>22.7.2022 г.</a:t>
+              <a:t>23.7.2022 г.</a:t>
             </a:fld>
             <a:endParaRPr lang="bg-BG"/>
           </a:p>
@@ -2108,7 +2108,7 @@
           <a:p>
             <a:fld id="{4346FDB3-09F2-4348-8F47-4013D9DCE7EC}" type="datetimeFigureOut">
               <a:rPr lang="bg-BG" smtClean="0"/>
-              <a:t>22.7.2022 г.</a:t>
+              <a:t>23.7.2022 г.</a:t>
             </a:fld>
             <a:endParaRPr lang="bg-BG"/>
           </a:p>
@@ -2365,7 +2365,7 @@
           <a:p>
             <a:fld id="{4346FDB3-09F2-4348-8F47-4013D9DCE7EC}" type="datetimeFigureOut">
               <a:rPr lang="bg-BG" smtClean="0"/>
-              <a:t>22.7.2022 г.</a:t>
+              <a:t>23.7.2022 г.</a:t>
             </a:fld>
             <a:endParaRPr lang="bg-BG"/>
           </a:p>
@@ -2578,7 +2578,7 @@
           <a:p>
             <a:fld id="{4346FDB3-09F2-4348-8F47-4013D9DCE7EC}" type="datetimeFigureOut">
               <a:rPr lang="bg-BG" smtClean="0"/>
-              <a:t>22.7.2022 г.</a:t>
+              <a:t>23.7.2022 г.</a:t>
             </a:fld>
             <a:endParaRPr lang="bg-BG"/>
           </a:p>
@@ -6536,6 +6536,87 @@
             </a:r>
           </a:p>
           <a:p>
+            <a:r>
+              <a:rPr lang="fr-FR" sz="1100" dirty="0" err="1">
+                <a:solidFill>
+                  <a:schemeClr val="tx1"/>
+                </a:solidFill>
+              </a:rPr>
+              <a:t>randomIn</a:t>
+            </a:r>
+            <a:r>
+              <a:rPr lang="fr-FR" sz="1100" b="0" dirty="0">
+                <a:solidFill>
+                  <a:schemeClr val="tx1"/>
+                </a:solidFill>
+              </a:rPr>
+              <a:t> (</a:t>
+            </a:r>
+            <a:r>
+              <a:rPr lang="fr-FR" sz="1100" b="0" dirty="0" err="1">
+                <a:solidFill>
+                  <a:schemeClr val="tx1">
+                    <a:lumMod val="50000"/>
+                    <a:lumOff val="50000"/>
+                  </a:schemeClr>
+                </a:solidFill>
+              </a:rPr>
+              <a:t>object</a:t>
+            </a:r>
+            <a:r>
+              <a:rPr lang="fr-FR" sz="1100" b="0" dirty="0">
+                <a:solidFill>
+                  <a:schemeClr val="tx1"/>
+                </a:solidFill>
+              </a:rPr>
+              <a:t>)</a:t>
+            </a:r>
+          </a:p>
+          <a:p>
+            <a:r>
+              <a:rPr lang="fr-FR" sz="1100" dirty="0" err="1">
+                <a:solidFill>
+                  <a:schemeClr val="tx1"/>
+                </a:solidFill>
+              </a:rPr>
+              <a:t>randomOn</a:t>
+            </a:r>
+            <a:r>
+              <a:rPr lang="fr-FR" sz="1100" b="0" dirty="0">
+                <a:solidFill>
+                  <a:schemeClr val="tx1"/>
+                </a:solidFill>
+              </a:rPr>
+              <a:t> (</a:t>
+            </a:r>
+            <a:r>
+              <a:rPr lang="fr-FR" sz="1100" b="0" dirty="0" err="1">
+                <a:solidFill>
+                  <a:schemeClr val="tx1">
+                    <a:lumMod val="50000"/>
+                    <a:lumOff val="50000"/>
+                  </a:schemeClr>
+                </a:solidFill>
+              </a:rPr>
+              <a:t>object</a:t>
+            </a:r>
+            <a:r>
+              <a:rPr lang="fr-FR" sz="1100" b="0" dirty="0">
+                <a:solidFill>
+                  <a:schemeClr val="tx1"/>
+                </a:solidFill>
+              </a:rPr>
+              <a:t>)</a:t>
+            </a:r>
+          </a:p>
+          <a:p>
+            <a:endParaRPr lang="fr-FR" sz="1100" b="0" dirty="0">
+              <a:solidFill>
+                <a:schemeClr val="tx1"/>
+              </a:solidFill>
+            </a:endParaRPr>
+          </a:p>
+          <a:p>
             <a:endParaRPr lang="en-GB" sz="1100" b="0" dirty="0">
               <a:solidFill>
                 <a:srgbClr val="FF0000"/>
@@ -12368,6 +12449,108 @@
               <a:t>THREE.BufferGeometry</a:t>
             </a:r>
             <a:endParaRPr lang="en-US" sz="1100" b="0" dirty="0">
+              <a:solidFill>
+                <a:schemeClr val="tx1">
+                  <a:lumMod val="50000"/>
+                  <a:lumOff val="50000"/>
+                </a:schemeClr>
+              </a:solidFill>
+            </a:endParaRPr>
+          </a:p>
+          <a:p>
+            <a:pPr>
+              <a:tabLst>
+                <a:tab pos="173038" algn="l"/>
+                <a:tab pos="2514600" algn="r"/>
+              </a:tabLst>
+            </a:pPr>
+            <a:r>
+              <a:rPr lang="en-US" sz="1200" dirty="0">
+                <a:solidFill>
+                  <a:schemeClr val="tx1"/>
+                </a:solidFill>
+              </a:rPr>
+              <a:t>.</a:t>
+            </a:r>
+            <a:r>
+              <a:rPr lang="en-US" sz="1200" dirty="0" err="1">
+                <a:solidFill>
+                  <a:schemeClr val="tx1"/>
+                </a:solidFill>
+              </a:rPr>
+              <a:t>randomIn</a:t>
+            </a:r>
+            <a:r>
+              <a:rPr lang="en-US" sz="1200" dirty="0">
+                <a:solidFill>
+                  <a:schemeClr val="tx1"/>
+                </a:solidFill>
+              </a:rPr>
+              <a:t> </a:t>
+            </a:r>
+            <a:r>
+              <a:rPr lang="en-US" sz="1200" b="0" dirty="0">
+                <a:solidFill>
+                  <a:schemeClr val="tx1">
+                    <a:lumMod val="50000"/>
+                    <a:lumOff val="50000"/>
+                  </a:schemeClr>
+                </a:solidFill>
+              </a:rPr>
+              <a:t>	</a:t>
+            </a:r>
+            <a:r>
+              <a:rPr lang="en-GB" sz="1200" b="0" dirty="0">
+                <a:solidFill>
+                  <a:schemeClr val="tx1">
+                    <a:lumMod val="50000"/>
+                    <a:lumOff val="50000"/>
+                  </a:schemeClr>
+                </a:solidFill>
+              </a:rPr>
+              <a:t>square, cube</a:t>
+            </a:r>
+            <a:endParaRPr lang="en-US" sz="1200" dirty="0">
+              <a:solidFill>
+                <a:schemeClr val="tx1"/>
+              </a:solidFill>
+            </a:endParaRPr>
+          </a:p>
+          <a:p>
+            <a:pPr>
+              <a:tabLst>
+                <a:tab pos="173038" algn="l"/>
+                <a:tab pos="2514600" algn="r"/>
+              </a:tabLst>
+            </a:pPr>
+            <a:r>
+              <a:rPr lang="en-US" sz="1200" dirty="0">
+                <a:solidFill>
+                  <a:schemeClr val="tx1"/>
+                </a:solidFill>
+              </a:rPr>
+              <a:t>.</a:t>
+            </a:r>
+            <a:r>
+              <a:rPr lang="en-US" sz="1200" dirty="0" err="1">
+                <a:solidFill>
+                  <a:schemeClr val="tx1"/>
+                </a:solidFill>
+              </a:rPr>
+              <a:t>randomOn</a:t>
+            </a:r>
+            <a:r>
+              <a:rPr lang="en-GB" sz="1200" b="0">
+                <a:solidFill>
+                  <a:schemeClr val="tx1">
+                    <a:lumMod val="50000"/>
+                    <a:lumOff val="50000"/>
+                  </a:schemeClr>
+                </a:solidFill>
+              </a:rPr>
+              <a:t>	square, cube</a:t>
+            </a:r>
+            <a:endParaRPr lang="en-US" sz="1200" dirty="0">
               <a:solidFill>
                 <a:schemeClr val="tx1">
                   <a:lumMod val="50000"/>

--- a/docs/cheat-sheet.pptx
+++ b/docs/cheat-sheet.pptx
@@ -255,7 +255,7 @@
           <a:p>
             <a:fld id="{4346FDB3-09F2-4348-8F47-4013D9DCE7EC}" type="datetimeFigureOut">
               <a:rPr lang="bg-BG" smtClean="0"/>
-              <a:t>23.7.2022 г.</a:t>
+              <a:t>24.7.2022 г.</a:t>
             </a:fld>
             <a:endParaRPr lang="bg-BG"/>
           </a:p>
@@ -425,7 +425,7 @@
           <a:p>
             <a:fld id="{4346FDB3-09F2-4348-8F47-4013D9DCE7EC}" type="datetimeFigureOut">
               <a:rPr lang="bg-BG" smtClean="0"/>
-              <a:t>23.7.2022 г.</a:t>
+              <a:t>24.7.2022 г.</a:t>
             </a:fld>
             <a:endParaRPr lang="bg-BG"/>
           </a:p>
@@ -605,7 +605,7 @@
           <a:p>
             <a:fld id="{4346FDB3-09F2-4348-8F47-4013D9DCE7EC}" type="datetimeFigureOut">
               <a:rPr lang="bg-BG" smtClean="0"/>
-              <a:t>23.7.2022 г.</a:t>
+              <a:t>24.7.2022 г.</a:t>
             </a:fld>
             <a:endParaRPr lang="bg-BG"/>
           </a:p>
@@ -775,7 +775,7 @@
           <a:p>
             <a:fld id="{4346FDB3-09F2-4348-8F47-4013D9DCE7EC}" type="datetimeFigureOut">
               <a:rPr lang="bg-BG" smtClean="0"/>
-              <a:t>23.7.2022 г.</a:t>
+              <a:t>24.7.2022 г.</a:t>
             </a:fld>
             <a:endParaRPr lang="bg-BG"/>
           </a:p>
@@ -1019,7 +1019,7 @@
           <a:p>
             <a:fld id="{4346FDB3-09F2-4348-8F47-4013D9DCE7EC}" type="datetimeFigureOut">
               <a:rPr lang="bg-BG" smtClean="0"/>
-              <a:t>23.7.2022 г.</a:t>
+              <a:t>24.7.2022 г.</a:t>
             </a:fld>
             <a:endParaRPr lang="bg-BG"/>
           </a:p>
@@ -1251,7 +1251,7 @@
           <a:p>
             <a:fld id="{4346FDB3-09F2-4348-8F47-4013D9DCE7EC}" type="datetimeFigureOut">
               <a:rPr lang="bg-BG" smtClean="0"/>
-              <a:t>23.7.2022 г.</a:t>
+              <a:t>24.7.2022 г.</a:t>
             </a:fld>
             <a:endParaRPr lang="bg-BG"/>
           </a:p>
@@ -1618,7 +1618,7 @@
           <a:p>
             <a:fld id="{4346FDB3-09F2-4348-8F47-4013D9DCE7EC}" type="datetimeFigureOut">
               <a:rPr lang="bg-BG" smtClean="0"/>
-              <a:t>23.7.2022 г.</a:t>
+              <a:t>24.7.2022 г.</a:t>
             </a:fld>
             <a:endParaRPr lang="bg-BG"/>
           </a:p>
@@ -1736,7 +1736,7 @@
           <a:p>
             <a:fld id="{4346FDB3-09F2-4348-8F47-4013D9DCE7EC}" type="datetimeFigureOut">
               <a:rPr lang="bg-BG" smtClean="0"/>
-              <a:t>23.7.2022 г.</a:t>
+              <a:t>24.7.2022 г.</a:t>
             </a:fld>
             <a:endParaRPr lang="bg-BG"/>
           </a:p>
@@ -1831,7 +1831,7 @@
           <a:p>
             <a:fld id="{4346FDB3-09F2-4348-8F47-4013D9DCE7EC}" type="datetimeFigureOut">
               <a:rPr lang="bg-BG" smtClean="0"/>
-              <a:t>23.7.2022 г.</a:t>
+              <a:t>24.7.2022 г.</a:t>
             </a:fld>
             <a:endParaRPr lang="bg-BG"/>
           </a:p>
@@ -2108,7 +2108,7 @@
           <a:p>
             <a:fld id="{4346FDB3-09F2-4348-8F47-4013D9DCE7EC}" type="datetimeFigureOut">
               <a:rPr lang="bg-BG" smtClean="0"/>
-              <a:t>23.7.2022 г.</a:t>
+              <a:t>24.7.2022 г.</a:t>
             </a:fld>
             <a:endParaRPr lang="bg-BG"/>
           </a:p>
@@ -2365,7 +2365,7 @@
           <a:p>
             <a:fld id="{4346FDB3-09F2-4348-8F47-4013D9DCE7EC}" type="datetimeFigureOut">
               <a:rPr lang="bg-BG" smtClean="0"/>
-              <a:t>23.7.2022 г.</a:t>
+              <a:t>24.7.2022 г.</a:t>
             </a:fld>
             <a:endParaRPr lang="bg-BG"/>
           </a:p>
@@ -2578,7 +2578,7 @@
           <a:p>
             <a:fld id="{4346FDB3-09F2-4348-8F47-4013D9DCE7EC}" type="datetimeFigureOut">
               <a:rPr lang="bg-BG" smtClean="0"/>
-              <a:t>23.7.2022 г.</a:t>
+              <a:t>24.7.2022 г.</a:t>
             </a:fld>
             <a:endParaRPr lang="bg-BG"/>
           </a:p>
@@ -12497,7 +12497,7 @@
                   </a:schemeClr>
                 </a:solidFill>
               </a:rPr>
-              <a:t>	</a:t>
+              <a:t>	line, </a:t>
             </a:r>
             <a:r>
               <a:rPr lang="en-GB" sz="1200" b="0" dirty="0">
@@ -12540,15 +12540,15 @@
               <a:t>randomOn</a:t>
             </a:r>
             <a:r>
-              <a:rPr lang="en-GB" sz="1200" b="0">
-                <a:solidFill>
-                  <a:schemeClr val="tx1">
-                    <a:lumMod val="50000"/>
-                    <a:lumOff val="50000"/>
-                  </a:schemeClr>
-                </a:solidFill>
-              </a:rPr>
-              <a:t>	square, cube</a:t>
+              <a:rPr lang="en-GB" sz="1200" b="0" dirty="0">
+                <a:solidFill>
+                  <a:schemeClr val="tx1">
+                    <a:lumMod val="50000"/>
+                    <a:lumOff val="50000"/>
+                  </a:schemeClr>
+                </a:solidFill>
+              </a:rPr>
+              <a:t>	line, square, cube</a:t>
             </a:r>
             <a:endParaRPr lang="en-US" sz="1200" dirty="0">
               <a:solidFill>

--- a/docs/cheat-sheet.pptx
+++ b/docs/cheat-sheet.pptx
@@ -255,7 +255,7 @@
           <a:p>
             <a:fld id="{4346FDB3-09F2-4348-8F47-4013D9DCE7EC}" type="datetimeFigureOut">
               <a:rPr lang="bg-BG" smtClean="0"/>
-              <a:t>24.7.2022 г.</a:t>
+              <a:t>25.7.2022 г.</a:t>
             </a:fld>
             <a:endParaRPr lang="bg-BG"/>
           </a:p>
@@ -425,7 +425,7 @@
           <a:p>
             <a:fld id="{4346FDB3-09F2-4348-8F47-4013D9DCE7EC}" type="datetimeFigureOut">
               <a:rPr lang="bg-BG" smtClean="0"/>
-              <a:t>24.7.2022 г.</a:t>
+              <a:t>25.7.2022 г.</a:t>
             </a:fld>
             <a:endParaRPr lang="bg-BG"/>
           </a:p>
@@ -605,7 +605,7 @@
           <a:p>
             <a:fld id="{4346FDB3-09F2-4348-8F47-4013D9DCE7EC}" type="datetimeFigureOut">
               <a:rPr lang="bg-BG" smtClean="0"/>
-              <a:t>24.7.2022 г.</a:t>
+              <a:t>25.7.2022 г.</a:t>
             </a:fld>
             <a:endParaRPr lang="bg-BG"/>
           </a:p>
@@ -775,7 +775,7 @@
           <a:p>
             <a:fld id="{4346FDB3-09F2-4348-8F47-4013D9DCE7EC}" type="datetimeFigureOut">
               <a:rPr lang="bg-BG" smtClean="0"/>
-              <a:t>24.7.2022 г.</a:t>
+              <a:t>25.7.2022 г.</a:t>
             </a:fld>
             <a:endParaRPr lang="bg-BG"/>
           </a:p>
@@ -1019,7 +1019,7 @@
           <a:p>
             <a:fld id="{4346FDB3-09F2-4348-8F47-4013D9DCE7EC}" type="datetimeFigureOut">
               <a:rPr lang="bg-BG" smtClean="0"/>
-              <a:t>24.7.2022 г.</a:t>
+              <a:t>25.7.2022 г.</a:t>
             </a:fld>
             <a:endParaRPr lang="bg-BG"/>
           </a:p>
@@ -1251,7 +1251,7 @@
           <a:p>
             <a:fld id="{4346FDB3-09F2-4348-8F47-4013D9DCE7EC}" type="datetimeFigureOut">
               <a:rPr lang="bg-BG" smtClean="0"/>
-              <a:t>24.7.2022 г.</a:t>
+              <a:t>25.7.2022 г.</a:t>
             </a:fld>
             <a:endParaRPr lang="bg-BG"/>
           </a:p>
@@ -1618,7 +1618,7 @@
           <a:p>
             <a:fld id="{4346FDB3-09F2-4348-8F47-4013D9DCE7EC}" type="datetimeFigureOut">
               <a:rPr lang="bg-BG" smtClean="0"/>
-              <a:t>24.7.2022 г.</a:t>
+              <a:t>25.7.2022 г.</a:t>
             </a:fld>
             <a:endParaRPr lang="bg-BG"/>
           </a:p>
@@ -1736,7 +1736,7 @@
           <a:p>
             <a:fld id="{4346FDB3-09F2-4348-8F47-4013D9DCE7EC}" type="datetimeFigureOut">
               <a:rPr lang="bg-BG" smtClean="0"/>
-              <a:t>24.7.2022 г.</a:t>
+              <a:t>25.7.2022 г.</a:t>
             </a:fld>
             <a:endParaRPr lang="bg-BG"/>
           </a:p>
@@ -1831,7 +1831,7 @@
           <a:p>
             <a:fld id="{4346FDB3-09F2-4348-8F47-4013D9DCE7EC}" type="datetimeFigureOut">
               <a:rPr lang="bg-BG" smtClean="0"/>
-              <a:t>24.7.2022 г.</a:t>
+              <a:t>25.7.2022 г.</a:t>
             </a:fld>
             <a:endParaRPr lang="bg-BG"/>
           </a:p>
@@ -2108,7 +2108,7 @@
           <a:p>
             <a:fld id="{4346FDB3-09F2-4348-8F47-4013D9DCE7EC}" type="datetimeFigureOut">
               <a:rPr lang="bg-BG" smtClean="0"/>
-              <a:t>24.7.2022 г.</a:t>
+              <a:t>25.7.2022 г.</a:t>
             </a:fld>
             <a:endParaRPr lang="bg-BG"/>
           </a:p>
@@ -2365,7 +2365,7 @@
           <a:p>
             <a:fld id="{4346FDB3-09F2-4348-8F47-4013D9DCE7EC}" type="datetimeFigureOut">
               <a:rPr lang="bg-BG" smtClean="0"/>
-              <a:t>24.7.2022 г.</a:t>
+              <a:t>25.7.2022 г.</a:t>
             </a:fld>
             <a:endParaRPr lang="bg-BG"/>
           </a:p>
@@ -2578,7 +2578,7 @@
           <a:p>
             <a:fld id="{4346FDB3-09F2-4348-8F47-4013D9DCE7EC}" type="datetimeFigureOut">
               <a:rPr lang="bg-BG" smtClean="0"/>
-              <a:t>24.7.2022 г.</a:t>
+              <a:t>25.7.2022 г.</a:t>
             </a:fld>
             <a:endParaRPr lang="bg-BG"/>
           </a:p>
@@ -12480,36 +12480,6 @@
               </a:rPr>
               <a:t>randomIn</a:t>
             </a:r>
-            <a:r>
-              <a:rPr lang="en-US" sz="1200" dirty="0">
-                <a:solidFill>
-                  <a:schemeClr val="tx1"/>
-                </a:solidFill>
-              </a:rPr>
-              <a:t> </a:t>
-            </a:r>
-            <a:r>
-              <a:rPr lang="en-US" sz="1200" b="0" dirty="0">
-                <a:solidFill>
-                  <a:schemeClr val="tx1">
-                    <a:lumMod val="50000"/>
-                    <a:lumOff val="50000"/>
-                  </a:schemeClr>
-                </a:solidFill>
-              </a:rPr>
-              <a:t>	line, </a:t>
-            </a:r>
-            <a:r>
-              <a:rPr lang="en-GB" sz="1200" b="0" dirty="0">
-                <a:solidFill>
-                  <a:schemeClr val="tx1">
-                    <a:lumMod val="50000"/>
-                    <a:lumOff val="50000"/>
-                  </a:schemeClr>
-                </a:solidFill>
-              </a:rPr>
-              <a:t>square, cube</a:t>
-            </a:r>
             <a:endParaRPr lang="en-US" sz="1200" dirty="0">
               <a:solidFill>
                 <a:schemeClr val="tx1"/>
@@ -12539,33 +12509,6 @@
               </a:rPr>
               <a:t>randomOn</a:t>
             </a:r>
-            <a:r>
-              <a:rPr lang="en-GB" sz="1200" b="0" dirty="0">
-                <a:solidFill>
-                  <a:schemeClr val="tx1">
-                    <a:lumMod val="50000"/>
-                    <a:lumOff val="50000"/>
-                  </a:schemeClr>
-                </a:solidFill>
-              </a:rPr>
-              <a:t>	line, square, cube</a:t>
-            </a:r>
-            <a:endParaRPr lang="en-US" sz="1200" dirty="0">
-              <a:solidFill>
-                <a:schemeClr val="tx1">
-                  <a:lumMod val="50000"/>
-                  <a:lumOff val="50000"/>
-                </a:schemeClr>
-              </a:solidFill>
-            </a:endParaRPr>
-          </a:p>
-          <a:p>
-            <a:pPr lvl="0">
-              <a:tabLst>
-                <a:tab pos="173038" algn="l"/>
-                <a:tab pos="2174875" algn="r"/>
-              </a:tabLst>
-            </a:pPr>
             <a:endParaRPr lang="fr-FR" sz="1200" b="0" dirty="0">
               <a:solidFill>
                 <a:srgbClr val="FF0000"/>

--- a/docs/cheat-sheet.pptx
+++ b/docs/cheat-sheet.pptx
@@ -255,7 +255,7 @@
           <a:p>
             <a:fld id="{4346FDB3-09F2-4348-8F47-4013D9DCE7EC}" type="datetimeFigureOut">
               <a:rPr lang="bg-BG" smtClean="0"/>
-              <a:t>25.7.2022 г.</a:t>
+              <a:t>1.8.2022 г.</a:t>
             </a:fld>
             <a:endParaRPr lang="bg-BG"/>
           </a:p>
@@ -425,7 +425,7 @@
           <a:p>
             <a:fld id="{4346FDB3-09F2-4348-8F47-4013D9DCE7EC}" type="datetimeFigureOut">
               <a:rPr lang="bg-BG" smtClean="0"/>
-              <a:t>25.7.2022 г.</a:t>
+              <a:t>1.8.2022 г.</a:t>
             </a:fld>
             <a:endParaRPr lang="bg-BG"/>
           </a:p>
@@ -605,7 +605,7 @@
           <a:p>
             <a:fld id="{4346FDB3-09F2-4348-8F47-4013D9DCE7EC}" type="datetimeFigureOut">
               <a:rPr lang="bg-BG" smtClean="0"/>
-              <a:t>25.7.2022 г.</a:t>
+              <a:t>1.8.2022 г.</a:t>
             </a:fld>
             <a:endParaRPr lang="bg-BG"/>
           </a:p>
@@ -775,7 +775,7 @@
           <a:p>
             <a:fld id="{4346FDB3-09F2-4348-8F47-4013D9DCE7EC}" type="datetimeFigureOut">
               <a:rPr lang="bg-BG" smtClean="0"/>
-              <a:t>25.7.2022 г.</a:t>
+              <a:t>1.8.2022 г.</a:t>
             </a:fld>
             <a:endParaRPr lang="bg-BG"/>
           </a:p>
@@ -1019,7 +1019,7 @@
           <a:p>
             <a:fld id="{4346FDB3-09F2-4348-8F47-4013D9DCE7EC}" type="datetimeFigureOut">
               <a:rPr lang="bg-BG" smtClean="0"/>
-              <a:t>25.7.2022 г.</a:t>
+              <a:t>1.8.2022 г.</a:t>
             </a:fld>
             <a:endParaRPr lang="bg-BG"/>
           </a:p>
@@ -1251,7 +1251,7 @@
           <a:p>
             <a:fld id="{4346FDB3-09F2-4348-8F47-4013D9DCE7EC}" type="datetimeFigureOut">
               <a:rPr lang="bg-BG" smtClean="0"/>
-              <a:t>25.7.2022 г.</a:t>
+              <a:t>1.8.2022 г.</a:t>
             </a:fld>
             <a:endParaRPr lang="bg-BG"/>
           </a:p>
@@ -1618,7 +1618,7 @@
           <a:p>
             <a:fld id="{4346FDB3-09F2-4348-8F47-4013D9DCE7EC}" type="datetimeFigureOut">
               <a:rPr lang="bg-BG" smtClean="0"/>
-              <a:t>25.7.2022 г.</a:t>
+              <a:t>1.8.2022 г.</a:t>
             </a:fld>
             <a:endParaRPr lang="bg-BG"/>
           </a:p>
@@ -1736,7 +1736,7 @@
           <a:p>
             <a:fld id="{4346FDB3-09F2-4348-8F47-4013D9DCE7EC}" type="datetimeFigureOut">
               <a:rPr lang="bg-BG" smtClean="0"/>
-              <a:t>25.7.2022 г.</a:t>
+              <a:t>1.8.2022 г.</a:t>
             </a:fld>
             <a:endParaRPr lang="bg-BG"/>
           </a:p>
@@ -1831,7 +1831,7 @@
           <a:p>
             <a:fld id="{4346FDB3-09F2-4348-8F47-4013D9DCE7EC}" type="datetimeFigureOut">
               <a:rPr lang="bg-BG" smtClean="0"/>
-              <a:t>25.7.2022 г.</a:t>
+              <a:t>1.8.2022 г.</a:t>
             </a:fld>
             <a:endParaRPr lang="bg-BG"/>
           </a:p>
@@ -2108,7 +2108,7 @@
           <a:p>
             <a:fld id="{4346FDB3-09F2-4348-8F47-4013D9DCE7EC}" type="datetimeFigureOut">
               <a:rPr lang="bg-BG" smtClean="0"/>
-              <a:t>25.7.2022 г.</a:t>
+              <a:t>1.8.2022 г.</a:t>
             </a:fld>
             <a:endParaRPr lang="bg-BG"/>
           </a:p>
@@ -2365,7 +2365,7 @@
           <a:p>
             <a:fld id="{4346FDB3-09F2-4348-8F47-4013D9DCE7EC}" type="datetimeFigureOut">
               <a:rPr lang="bg-BG" smtClean="0"/>
-              <a:t>25.7.2022 г.</a:t>
+              <a:t>1.8.2022 г.</a:t>
             </a:fld>
             <a:endParaRPr lang="bg-BG"/>
           </a:p>
@@ -2578,7 +2578,7 @@
           <a:p>
             <a:fld id="{4346FDB3-09F2-4348-8F47-4013D9DCE7EC}" type="datetimeFigureOut">
               <a:rPr lang="bg-BG" smtClean="0"/>
-              <a:t>25.7.2022 г.</a:t>
+              <a:t>1.8.2022 г.</a:t>
             </a:fld>
             <a:endParaRPr lang="bg-BG"/>
           </a:p>
@@ -6184,7 +6184,7 @@
                   </a:schemeClr>
                 </a:solidFill>
               </a:rPr>
-              <a:t>event</a:t>
+              <a:t>event, interactive</a:t>
             </a:r>
             <a:r>
               <a:rPr lang="en-GB" sz="1100" b="0" dirty="0">
@@ -6213,7 +6213,7 @@
               <a:t> </a:t>
             </a:r>
             <a:r>
-              <a:rPr lang="en-GB" sz="1100" b="0" dirty="0">
+              <a:rPr lang="en-GB" sz="1100" b="0">
                 <a:solidFill>
                   <a:schemeClr val="tx1"/>
                 </a:solidFill>
@@ -6221,24 +6221,29 @@
               <a:t>(</a:t>
             </a:r>
             <a:r>
-              <a:rPr lang="en-GB" sz="1100" b="0" dirty="0">
-                <a:solidFill>
-                  <a:schemeClr val="tx1">
-                    <a:lumMod val="50000"/>
-                    <a:lumOff val="50000"/>
-                  </a:schemeClr>
-                </a:solidFill>
-              </a:rPr>
-              <a:t>event</a:t>
-            </a:r>
-            <a:r>
-              <a:rPr lang="en-GB" sz="1100" b="0" dirty="0">
+              <a:rPr lang="en-GB" sz="1100" b="0">
+                <a:solidFill>
+                  <a:schemeClr val="tx1">
+                    <a:lumMod val="50000"/>
+                    <a:lumOff val="50000"/>
+                  </a:schemeClr>
+                </a:solidFill>
+              </a:rPr>
+              <a:t>event, interactive</a:t>
+            </a:r>
+            <a:r>
+              <a:rPr lang="en-GB" sz="1100" b="0">
                 <a:solidFill>
                   <a:schemeClr val="tx1"/>
                 </a:solidFill>
               </a:rPr>
               <a:t>)</a:t>
             </a:r>
+            <a:endParaRPr lang="en-GB" sz="1100" b="0" dirty="0">
+              <a:solidFill>
+                <a:schemeClr val="tx1"/>
+              </a:solidFill>
+            </a:endParaRPr>
           </a:p>
           <a:p>
             <a:r>

--- a/docs/cheat-sheet.pptx
+++ b/docs/cheat-sheet.pptx
@@ -255,7 +255,7 @@
           <a:p>
             <a:fld id="{4346FDB3-09F2-4348-8F47-4013D9DCE7EC}" type="datetimeFigureOut">
               <a:rPr lang="bg-BG" smtClean="0"/>
-              <a:t>1.8.2022 г.</a:t>
+              <a:t>4.8.2022 г.</a:t>
             </a:fld>
             <a:endParaRPr lang="bg-BG"/>
           </a:p>
@@ -425,7 +425,7 @@
           <a:p>
             <a:fld id="{4346FDB3-09F2-4348-8F47-4013D9DCE7EC}" type="datetimeFigureOut">
               <a:rPr lang="bg-BG" smtClean="0"/>
-              <a:t>1.8.2022 г.</a:t>
+              <a:t>4.8.2022 г.</a:t>
             </a:fld>
             <a:endParaRPr lang="bg-BG"/>
           </a:p>
@@ -605,7 +605,7 @@
           <a:p>
             <a:fld id="{4346FDB3-09F2-4348-8F47-4013D9DCE7EC}" type="datetimeFigureOut">
               <a:rPr lang="bg-BG" smtClean="0"/>
-              <a:t>1.8.2022 г.</a:t>
+              <a:t>4.8.2022 г.</a:t>
             </a:fld>
             <a:endParaRPr lang="bg-BG"/>
           </a:p>
@@ -775,7 +775,7 @@
           <a:p>
             <a:fld id="{4346FDB3-09F2-4348-8F47-4013D9DCE7EC}" type="datetimeFigureOut">
               <a:rPr lang="bg-BG" smtClean="0"/>
-              <a:t>1.8.2022 г.</a:t>
+              <a:t>4.8.2022 г.</a:t>
             </a:fld>
             <a:endParaRPr lang="bg-BG"/>
           </a:p>
@@ -1019,7 +1019,7 @@
           <a:p>
             <a:fld id="{4346FDB3-09F2-4348-8F47-4013D9DCE7EC}" type="datetimeFigureOut">
               <a:rPr lang="bg-BG" smtClean="0"/>
-              <a:t>1.8.2022 г.</a:t>
+              <a:t>4.8.2022 г.</a:t>
             </a:fld>
             <a:endParaRPr lang="bg-BG"/>
           </a:p>
@@ -1251,7 +1251,7 @@
           <a:p>
             <a:fld id="{4346FDB3-09F2-4348-8F47-4013D9DCE7EC}" type="datetimeFigureOut">
               <a:rPr lang="bg-BG" smtClean="0"/>
-              <a:t>1.8.2022 г.</a:t>
+              <a:t>4.8.2022 г.</a:t>
             </a:fld>
             <a:endParaRPr lang="bg-BG"/>
           </a:p>
@@ -1618,7 +1618,7 @@
           <a:p>
             <a:fld id="{4346FDB3-09F2-4348-8F47-4013D9DCE7EC}" type="datetimeFigureOut">
               <a:rPr lang="bg-BG" smtClean="0"/>
-              <a:t>1.8.2022 г.</a:t>
+              <a:t>4.8.2022 г.</a:t>
             </a:fld>
             <a:endParaRPr lang="bg-BG"/>
           </a:p>
@@ -1736,7 +1736,7 @@
           <a:p>
             <a:fld id="{4346FDB3-09F2-4348-8F47-4013D9DCE7EC}" type="datetimeFigureOut">
               <a:rPr lang="bg-BG" smtClean="0"/>
-              <a:t>1.8.2022 г.</a:t>
+              <a:t>4.8.2022 г.</a:t>
             </a:fld>
             <a:endParaRPr lang="bg-BG"/>
           </a:p>
@@ -1831,7 +1831,7 @@
           <a:p>
             <a:fld id="{4346FDB3-09F2-4348-8F47-4013D9DCE7EC}" type="datetimeFigureOut">
               <a:rPr lang="bg-BG" smtClean="0"/>
-              <a:t>1.8.2022 г.</a:t>
+              <a:t>4.8.2022 г.</a:t>
             </a:fld>
             <a:endParaRPr lang="bg-BG"/>
           </a:p>
@@ -2108,7 +2108,7 @@
           <a:p>
             <a:fld id="{4346FDB3-09F2-4348-8F47-4013D9DCE7EC}" type="datetimeFigureOut">
               <a:rPr lang="bg-BG" smtClean="0"/>
-              <a:t>1.8.2022 г.</a:t>
+              <a:t>4.8.2022 г.</a:t>
             </a:fld>
             <a:endParaRPr lang="bg-BG"/>
           </a:p>
@@ -2365,7 +2365,7 @@
           <a:p>
             <a:fld id="{4346FDB3-09F2-4348-8F47-4013D9DCE7EC}" type="datetimeFigureOut">
               <a:rPr lang="bg-BG" smtClean="0"/>
-              <a:t>1.8.2022 г.</a:t>
+              <a:t>4.8.2022 г.</a:t>
             </a:fld>
             <a:endParaRPr lang="bg-BG"/>
           </a:p>
@@ -2578,7 +2578,7 @@
           <a:p>
             <a:fld id="{4346FDB3-09F2-4348-8F47-4013D9DCE7EC}" type="datetimeFigureOut">
               <a:rPr lang="bg-BG" smtClean="0"/>
-              <a:t>1.8.2022 г.</a:t>
+              <a:t>4.8.2022 г.</a:t>
             </a:fld>
             <a:endParaRPr lang="bg-BG"/>
           </a:p>
@@ -3008,7 +3008,7 @@
         <p:spPr>
           <a:xfrm>
             <a:off x="76201" y="533400"/>
-            <a:ext cx="2438399" cy="2590799"/>
+            <a:ext cx="2348989" cy="2590800"/>
           </a:xfrm>
           <a:prstGeom prst="rect">
             <a:avLst/>
@@ -4208,7 +4208,7 @@
         <p:spPr>
           <a:xfrm>
             <a:off x="76201" y="3200400"/>
-            <a:ext cx="2438399" cy="2819399"/>
+            <a:ext cx="2355087" cy="2819399"/>
           </a:xfrm>
           <a:prstGeom prst="rect">
             <a:avLst/>
@@ -5696,7 +5696,7 @@
         <p:spPr>
           <a:xfrm>
             <a:off x="76204" y="76200"/>
-            <a:ext cx="2438396" cy="355602"/>
+            <a:ext cx="2355082" cy="367790"/>
           </a:xfrm>
           <a:prstGeom prst="rect">
             <a:avLst/>
@@ -5843,8 +5843,8 @@
         </p:nvSpPr>
         <p:spPr>
           <a:xfrm>
-            <a:off x="8229600" y="533400"/>
-            <a:ext cx="1600198" cy="2971800"/>
+            <a:off x="8153400" y="533400"/>
+            <a:ext cx="1676398" cy="2971800"/>
           </a:xfrm>
           <a:prstGeom prst="rect">
             <a:avLst/>
@@ -6213,7 +6213,7 @@
               <a:t> </a:t>
             </a:r>
             <a:r>
-              <a:rPr lang="en-GB" sz="1100" b="0">
+              <a:rPr lang="en-GB" sz="1100" b="0" dirty="0">
                 <a:solidFill>
                   <a:schemeClr val="tx1"/>
                 </a:solidFill>
@@ -6221,7 +6221,7 @@
               <a:t>(</a:t>
             </a:r>
             <a:r>
-              <a:rPr lang="en-GB" sz="1100" b="0">
+              <a:rPr lang="en-GB" sz="1100" b="0" dirty="0">
                 <a:solidFill>
                   <a:schemeClr val="tx1">
                     <a:lumMod val="50000"/>
@@ -6232,18 +6232,13 @@
               <a:t>event, interactive</a:t>
             </a:r>
             <a:r>
-              <a:rPr lang="en-GB" sz="1100" b="0">
+              <a:rPr lang="en-GB" sz="1100" b="0" dirty="0">
                 <a:solidFill>
                   <a:schemeClr val="tx1"/>
                 </a:solidFill>
               </a:rPr>
               <a:t>)</a:t>
             </a:r>
-            <a:endParaRPr lang="en-GB" sz="1100" b="0" dirty="0">
-              <a:solidFill>
-                <a:schemeClr val="tx1"/>
-              </a:solidFill>
-            </a:endParaRPr>
           </a:p>
           <a:p>
             <a:r>
@@ -6652,7 +6647,7 @@
         <p:spPr>
           <a:xfrm>
             <a:off x="76203" y="6095999"/>
-            <a:ext cx="5257797" cy="668199"/>
+            <a:ext cx="5029197" cy="668199"/>
           </a:xfrm>
           <a:prstGeom prst="rect">
             <a:avLst/>
@@ -7027,8 +7022,8 @@
         </p:nvSpPr>
         <p:spPr>
           <a:xfrm>
-            <a:off x="8229600" y="3581400"/>
-            <a:ext cx="1600198" cy="2438399"/>
+            <a:off x="8153400" y="3581401"/>
+            <a:ext cx="1676398" cy="2438398"/>
           </a:xfrm>
           <a:prstGeom prst="rect">
             <a:avLst/>
@@ -7149,7 +7144,7 @@
                   <a:schemeClr val="tx1"/>
                 </a:solidFill>
               </a:rPr>
-              <a:t>DRAWINGS	 </a:t>
+              <a:t>DRAWINGS &amp; SHAPES	 </a:t>
             </a:r>
           </a:p>
           <a:p>
@@ -7218,6 +7213,49 @@
                 </a:solidFill>
               </a:rPr>
               <a:t>color</a:t>
+            </a:r>
+            <a:r>
+              <a:rPr lang="en-GB" sz="1100" b="0" dirty="0">
+                <a:solidFill>
+                  <a:schemeClr val="tx1"/>
+                </a:solidFill>
+              </a:rPr>
+              <a:t>)</a:t>
+            </a:r>
+          </a:p>
+          <a:p>
+            <a:pPr>
+              <a:tabLst>
+                <a:tab pos="171450" algn="l"/>
+                <a:tab pos="2400300" algn="l"/>
+              </a:tabLst>
+            </a:pPr>
+            <a:r>
+              <a:rPr lang="en-GB" sz="1100" dirty="0">
+                <a:solidFill>
+                  <a:schemeClr val="tx1"/>
+                </a:solidFill>
+              </a:rPr>
+              <a:t>shape </a:t>
+            </a:r>
+            <a:r>
+              <a:rPr lang="en-GB" sz="1100" b="0" dirty="0">
+                <a:solidFill>
+                  <a:schemeClr val="tx1"/>
+                </a:solidFill>
+              </a:rPr>
+              <a:t>(</a:t>
+            </a:r>
+            <a:r>
+              <a:rPr lang="en-GB" sz="1100" b="0" dirty="0">
+                <a:solidFill>
+                  <a:schemeClr val="tx1">
+                    <a:lumMod val="50000"/>
+                    <a:lumOff val="50000"/>
+                  </a:schemeClr>
+                </a:solidFill>
+              </a:rPr>
+              <a:t>count</a:t>
             </a:r>
             <a:r>
               <a:rPr lang="en-GB" sz="1100" b="0" dirty="0">
@@ -7925,7 +7963,7 @@
                   <a:schemeClr val="tx1"/>
                 </a:solidFill>
               </a:rPr>
-              <a:t>	</a:t>
+              <a:t>	       </a:t>
             </a:r>
             <a:r>
               <a:rPr lang="en-GB" sz="1100" b="0" dirty="0">
@@ -8012,7 +8050,7 @@
         </p:nvSpPr>
         <p:spPr>
           <a:xfrm>
-            <a:off x="5410200" y="533401"/>
+            <a:off x="5334000" y="533400"/>
             <a:ext cx="2738120" cy="2971800"/>
           </a:xfrm>
           <a:prstGeom prst="rect">
@@ -8858,7 +8896,7 @@
         </p:nvSpPr>
         <p:spPr>
           <a:xfrm>
-            <a:off x="2590800" y="533401"/>
+            <a:off x="2507486" y="533399"/>
             <a:ext cx="2744218" cy="2590801"/>
           </a:xfrm>
           <a:prstGeom prst="rect">
@@ -10227,8 +10265,8 @@
         </p:nvSpPr>
         <p:spPr>
           <a:xfrm>
-            <a:off x="8229600" y="76200"/>
-            <a:ext cx="1600198" cy="355602"/>
+            <a:off x="8153400" y="76200"/>
+            <a:ext cx="1676398" cy="355602"/>
           </a:xfrm>
           <a:prstGeom prst="rect">
             <a:avLst/>
@@ -10382,8 +10420,8 @@
         </p:nvSpPr>
         <p:spPr>
           <a:xfrm>
-            <a:off x="5410200" y="6095999"/>
-            <a:ext cx="4419597" cy="668200"/>
+            <a:off x="5188714" y="6113599"/>
+            <a:ext cx="4668515" cy="668200"/>
           </a:xfrm>
           <a:prstGeom prst="rect">
             <a:avLst/>
@@ -10521,7 +10559,7 @@
         </p:nvSpPr>
         <p:spPr>
           <a:xfrm>
-            <a:off x="5410200" y="3581400"/>
+            <a:off x="5334000" y="3588421"/>
             <a:ext cx="2738120" cy="2438399"/>
           </a:xfrm>
           <a:prstGeom prst="rect">
@@ -11206,7 +11244,7 @@
         </p:nvSpPr>
         <p:spPr>
           <a:xfrm>
-            <a:off x="2595880" y="3200401"/>
+            <a:off x="2513584" y="3212740"/>
             <a:ext cx="2738120" cy="2819399"/>
           </a:xfrm>
           <a:prstGeom prst="rect">
@@ -12536,8 +12574,8 @@
         </p:nvSpPr>
         <p:spPr>
           <a:xfrm>
-            <a:off x="2590800" y="76201"/>
-            <a:ext cx="5562600" cy="367790"/>
+            <a:off x="2507486" y="76201"/>
+            <a:ext cx="5569714" cy="367790"/>
           </a:xfrm>
           <a:prstGeom prst="rect">
             <a:avLst/>
@@ -12673,6 +12711,293 @@
           </a:p>
         </p:txBody>
       </p:sp>
+      <p:sp>
+        <p:nvSpPr>
+          <p:cNvPr id="22" name="TextBox 21">
+            <a:extLst>
+              <a:ext uri="{FF2B5EF4-FFF2-40B4-BE49-F238E27FC236}">
+                <a16:creationId xmlns:a16="http://schemas.microsoft.com/office/drawing/2014/main" id="{8328D65F-0A00-42A2-9A1F-A1EEA76AC479}"/>
+              </a:ext>
+            </a:extLst>
+          </p:cNvPr>
+          <p:cNvSpPr txBox="1"/>
+          <p:nvPr/>
+        </p:nvSpPr>
+        <p:spPr>
+          <a:xfrm rot="5400000">
+            <a:off x="9392222" y="4406826"/>
+            <a:ext cx="661029" cy="214127"/>
+          </a:xfrm>
+          <a:prstGeom prst="rect">
+            <a:avLst/>
+          </a:prstGeom>
+          <a:solidFill>
+            <a:schemeClr val="bg1"/>
+          </a:solidFill>
+          <a:ln w="3175">
+            <a:noFill/>
+          </a:ln>
+        </p:spPr>
+        <p:style>
+          <a:lnRef idx="2">
+            <a:schemeClr val="accent1">
+              <a:shade val="50000"/>
+            </a:schemeClr>
+          </a:lnRef>
+          <a:fillRef idx="1">
+            <a:schemeClr val="accent1"/>
+          </a:fillRef>
+          <a:effectRef idx="0">
+            <a:schemeClr val="accent1"/>
+          </a:effectRef>
+          <a:fontRef idx="minor">
+            <a:schemeClr val="lt1"/>
+          </a:fontRef>
+        </p:style>
+        <p:txBody>
+          <a:bodyPr rot="0" spcFirstLastPara="0" vertOverflow="overflow" horzOverflow="overflow" vert="horz" wrap="square" lIns="0" tIns="0" rIns="0" bIns="0" numCol="1" spcCol="0" rtlCol="0" fromWordArt="0" anchor="t" anchorCtr="0" forceAA="0" compatLnSpc="1">
+            <a:prstTxWarp prst="textNoShape">
+              <a:avLst/>
+            </a:prstTxWarp>
+            <a:noAutofit/>
+          </a:bodyPr>
+          <a:lstStyle>
+            <a:defPPr>
+              <a:defRPr lang="en-US"/>
+            </a:defPPr>
+            <a:lvl1pPr>
+              <a:tabLst>
+                <a:tab pos="171450" algn="l"/>
+              </a:tabLst>
+              <a:defRPr sz="1000" b="1">
+                <a:solidFill>
+                  <a:schemeClr val="accent1"/>
+                </a:solidFill>
+                <a:latin typeface="Agency FB" panose="020B0503020202020204" pitchFamily="34" charset="0"/>
+              </a:defRPr>
+            </a:lvl1pPr>
+            <a:lvl2pPr>
+              <a:defRPr>
+                <a:solidFill>
+                  <a:schemeClr val="lt1"/>
+                </a:solidFill>
+              </a:defRPr>
+            </a:lvl2pPr>
+            <a:lvl3pPr>
+              <a:defRPr>
+                <a:solidFill>
+                  <a:schemeClr val="lt1"/>
+                </a:solidFill>
+              </a:defRPr>
+            </a:lvl3pPr>
+            <a:lvl4pPr>
+              <a:defRPr>
+                <a:solidFill>
+                  <a:schemeClr val="lt1"/>
+                </a:solidFill>
+              </a:defRPr>
+            </a:lvl4pPr>
+            <a:lvl5pPr>
+              <a:defRPr>
+                <a:solidFill>
+                  <a:schemeClr val="lt1"/>
+                </a:solidFill>
+              </a:defRPr>
+            </a:lvl5pPr>
+            <a:lvl6pPr>
+              <a:defRPr>
+                <a:solidFill>
+                  <a:schemeClr val="lt1"/>
+                </a:solidFill>
+              </a:defRPr>
+            </a:lvl6pPr>
+            <a:lvl7pPr>
+              <a:defRPr>
+                <a:solidFill>
+                  <a:schemeClr val="lt1"/>
+                </a:solidFill>
+              </a:defRPr>
+            </a:lvl7pPr>
+            <a:lvl8pPr>
+              <a:defRPr>
+                <a:solidFill>
+                  <a:schemeClr val="lt1"/>
+                </a:solidFill>
+              </a:defRPr>
+            </a:lvl8pPr>
+            <a:lvl9pPr>
+              <a:defRPr>
+                <a:solidFill>
+                  <a:schemeClr val="lt1"/>
+                </a:solidFill>
+              </a:defRPr>
+            </a:lvl9pPr>
+          </a:lstStyle>
+          <a:p>
+            <a:pPr algn="ctr">
+              <a:tabLst>
+                <a:tab pos="171450" algn="l"/>
+                <a:tab pos="1427163" algn="l"/>
+                <a:tab pos="1717675" algn="l"/>
+              </a:tabLst>
+            </a:pPr>
+            <a:r>
+              <a:rPr lang="en-GB" sz="1100" b="0" dirty="0">
+                <a:solidFill>
+                  <a:schemeClr val="tx1">
+                    <a:lumMod val="50000"/>
+                    <a:lumOff val="50000"/>
+                  </a:schemeClr>
+                </a:solidFill>
+              </a:rPr>
+              <a:t>shapes</a:t>
+            </a:r>
+            <a:endParaRPr lang="en-GB" sz="1100" b="0" dirty="0">
+              <a:solidFill>
+                <a:schemeClr val="tx1"/>
+              </a:solidFill>
+            </a:endParaRPr>
+          </a:p>
+        </p:txBody>
+      </p:sp>
+      <p:cxnSp>
+        <p:nvCxnSpPr>
+          <p:cNvPr id="5" name="Straight Connector 4">
+            <a:extLst>
+              <a:ext uri="{FF2B5EF4-FFF2-40B4-BE49-F238E27FC236}">
+                <a16:creationId xmlns:a16="http://schemas.microsoft.com/office/drawing/2014/main" id="{10A59D96-28D9-4795-9439-5A8DEB274D32}"/>
+              </a:ext>
+            </a:extLst>
+          </p:cNvPr>
+          <p:cNvCxnSpPr>
+            <a:cxnSpLocks/>
+          </p:cNvCxnSpPr>
+          <p:nvPr/>
+        </p:nvCxnSpPr>
+        <p:spPr>
+          <a:xfrm>
+            <a:off x="9589192" y="4191000"/>
+            <a:ext cx="80773" cy="0"/>
+          </a:xfrm>
+          <a:prstGeom prst="line">
+            <a:avLst/>
+          </a:prstGeom>
+          <a:ln>
+            <a:solidFill>
+              <a:schemeClr val="bg1">
+                <a:lumMod val="65000"/>
+              </a:schemeClr>
+            </a:solidFill>
+            <a:prstDash val="sysDot"/>
+          </a:ln>
+        </p:spPr>
+        <p:style>
+          <a:lnRef idx="1">
+            <a:schemeClr val="accent1"/>
+          </a:lnRef>
+          <a:fillRef idx="0">
+            <a:schemeClr val="accent1"/>
+          </a:fillRef>
+          <a:effectRef idx="0">
+            <a:schemeClr val="accent1"/>
+          </a:effectRef>
+          <a:fontRef idx="minor">
+            <a:schemeClr val="tx1"/>
+          </a:fontRef>
+        </p:style>
+      </p:cxnSp>
+      <p:cxnSp>
+        <p:nvCxnSpPr>
+          <p:cNvPr id="24" name="Straight Connector 23">
+            <a:extLst>
+              <a:ext uri="{FF2B5EF4-FFF2-40B4-BE49-F238E27FC236}">
+                <a16:creationId xmlns:a16="http://schemas.microsoft.com/office/drawing/2014/main" id="{86A49A61-D15B-4FE8-810A-E272685B141B}"/>
+              </a:ext>
+            </a:extLst>
+          </p:cNvPr>
+          <p:cNvCxnSpPr>
+            <a:cxnSpLocks/>
+          </p:cNvCxnSpPr>
+          <p:nvPr/>
+        </p:nvCxnSpPr>
+        <p:spPr>
+          <a:xfrm>
+            <a:off x="9589192" y="4852035"/>
+            <a:ext cx="74295" cy="0"/>
+          </a:xfrm>
+          <a:prstGeom prst="line">
+            <a:avLst/>
+          </a:prstGeom>
+          <a:ln>
+            <a:solidFill>
+              <a:schemeClr val="bg1">
+                <a:lumMod val="65000"/>
+              </a:schemeClr>
+            </a:solidFill>
+            <a:prstDash val="sysDot"/>
+          </a:ln>
+        </p:spPr>
+        <p:style>
+          <a:lnRef idx="1">
+            <a:schemeClr val="accent1"/>
+          </a:lnRef>
+          <a:fillRef idx="0">
+            <a:schemeClr val="accent1"/>
+          </a:fillRef>
+          <a:effectRef idx="0">
+            <a:schemeClr val="accent1"/>
+          </a:effectRef>
+          <a:fontRef idx="minor">
+            <a:schemeClr val="tx1"/>
+          </a:fontRef>
+        </p:style>
+      </p:cxnSp>
+      <p:cxnSp>
+        <p:nvCxnSpPr>
+          <p:cNvPr id="25" name="Straight Connector 24">
+            <a:extLst>
+              <a:ext uri="{FF2B5EF4-FFF2-40B4-BE49-F238E27FC236}">
+                <a16:creationId xmlns:a16="http://schemas.microsoft.com/office/drawing/2014/main" id="{779604E5-8361-4FB7-8066-4A021DFF3E40}"/>
+              </a:ext>
+            </a:extLst>
+          </p:cNvPr>
+          <p:cNvCxnSpPr>
+            <a:cxnSpLocks/>
+          </p:cNvCxnSpPr>
+          <p:nvPr/>
+        </p:nvCxnSpPr>
+        <p:spPr>
+          <a:xfrm>
+            <a:off x="9628818" y="4191000"/>
+            <a:ext cx="0" cy="661030"/>
+          </a:xfrm>
+          <a:prstGeom prst="line">
+            <a:avLst/>
+          </a:prstGeom>
+          <a:ln>
+            <a:solidFill>
+              <a:schemeClr val="bg1">
+                <a:lumMod val="65000"/>
+              </a:schemeClr>
+            </a:solidFill>
+            <a:prstDash val="sysDot"/>
+          </a:ln>
+        </p:spPr>
+        <p:style>
+          <a:lnRef idx="1">
+            <a:schemeClr val="accent1"/>
+          </a:lnRef>
+          <a:fillRef idx="0">
+            <a:schemeClr val="accent1"/>
+          </a:fillRef>
+          <a:effectRef idx="0">
+            <a:schemeClr val="accent1"/>
+          </a:effectRef>
+          <a:fontRef idx="minor">
+            <a:schemeClr val="tx1"/>
+          </a:fontRef>
+        </p:style>
+      </p:cxnSp>
     </p:spTree>
     <p:extLst>
       <p:ext uri="{BB962C8B-B14F-4D97-AF65-F5344CB8AC3E}">
@@ -14973,7 +15298,7 @@
                   <a:schemeClr val="tx1"/>
                 </a:solidFill>
               </a:rPr>
-              <a:t>DRAWINGS	 </a:t>
+              <a:t>DRAWINGS &amp; SHAPES	 </a:t>
             </a:r>
           </a:p>
           <a:p>
@@ -15015,6 +15340,49 @@
                 </a:solidFill>
               </a:rPr>
               <a:t>color</a:t>
+            </a:r>
+            <a:r>
+              <a:rPr lang="en-GB" sz="1100" b="0" dirty="0">
+                <a:solidFill>
+                  <a:schemeClr val="tx1"/>
+                </a:solidFill>
+              </a:rPr>
+              <a:t>&gt;</a:t>
+            </a:r>
+          </a:p>
+          <a:p>
+            <a:pPr>
+              <a:tabLst>
+                <a:tab pos="171450" algn="l"/>
+                <a:tab pos="2400300" algn="l"/>
+              </a:tabLst>
+            </a:pPr>
+            <a:r>
+              <a:rPr lang="en-GB" sz="1100" b="0" dirty="0">
+                <a:solidFill>
+                  <a:schemeClr val="tx1"/>
+                </a:solidFill>
+              </a:rPr>
+              <a:t>&lt;</a:t>
+            </a:r>
+            <a:r>
+              <a:rPr lang="en-GB" sz="1100" dirty="0">
+                <a:solidFill>
+                  <a:schemeClr val="tx1"/>
+                </a:solidFill>
+              </a:rPr>
+              <a:t>shape </a:t>
+            </a:r>
+            <a:r>
+              <a:rPr lang="en-GB" sz="1100" b="0" dirty="0">
+                <a:solidFill>
+                  <a:schemeClr val="tx1">
+                    <a:lumMod val="50000"/>
+                    <a:lumOff val="50000"/>
+                  </a:schemeClr>
+                </a:solidFill>
+              </a:rPr>
+              <a:t>count</a:t>
             </a:r>
             <a:r>
               <a:rPr lang="en-GB" sz="1100" b="0" dirty="0">
@@ -20504,6 +20872,293 @@
           </a:p>
         </p:txBody>
       </p:sp>
+      <p:sp>
+        <p:nvSpPr>
+          <p:cNvPr id="14" name="TextBox 13">
+            <a:extLst>
+              <a:ext uri="{FF2B5EF4-FFF2-40B4-BE49-F238E27FC236}">
+                <a16:creationId xmlns:a16="http://schemas.microsoft.com/office/drawing/2014/main" id="{0FA51A2D-1262-4CED-8C56-B2D3825F29F7}"/>
+              </a:ext>
+            </a:extLst>
+          </p:cNvPr>
+          <p:cNvSpPr txBox="1"/>
+          <p:nvPr/>
+        </p:nvSpPr>
+        <p:spPr>
+          <a:xfrm rot="5400000">
+            <a:off x="9392222" y="1366451"/>
+            <a:ext cx="661029" cy="214127"/>
+          </a:xfrm>
+          <a:prstGeom prst="rect">
+            <a:avLst/>
+          </a:prstGeom>
+          <a:solidFill>
+            <a:schemeClr val="bg1"/>
+          </a:solidFill>
+          <a:ln w="3175">
+            <a:noFill/>
+          </a:ln>
+        </p:spPr>
+        <p:style>
+          <a:lnRef idx="2">
+            <a:schemeClr val="accent1">
+              <a:shade val="50000"/>
+            </a:schemeClr>
+          </a:lnRef>
+          <a:fillRef idx="1">
+            <a:schemeClr val="accent1"/>
+          </a:fillRef>
+          <a:effectRef idx="0">
+            <a:schemeClr val="accent1"/>
+          </a:effectRef>
+          <a:fontRef idx="minor">
+            <a:schemeClr val="lt1"/>
+          </a:fontRef>
+        </p:style>
+        <p:txBody>
+          <a:bodyPr rot="0" spcFirstLastPara="0" vertOverflow="overflow" horzOverflow="overflow" vert="horz" wrap="square" lIns="0" tIns="0" rIns="0" bIns="0" numCol="1" spcCol="0" rtlCol="0" fromWordArt="0" anchor="t" anchorCtr="0" forceAA="0" compatLnSpc="1">
+            <a:prstTxWarp prst="textNoShape">
+              <a:avLst/>
+            </a:prstTxWarp>
+            <a:noAutofit/>
+          </a:bodyPr>
+          <a:lstStyle>
+            <a:defPPr>
+              <a:defRPr lang="en-US"/>
+            </a:defPPr>
+            <a:lvl1pPr>
+              <a:tabLst>
+                <a:tab pos="171450" algn="l"/>
+              </a:tabLst>
+              <a:defRPr sz="1000" b="1">
+                <a:solidFill>
+                  <a:schemeClr val="accent1"/>
+                </a:solidFill>
+                <a:latin typeface="Agency FB" panose="020B0503020202020204" pitchFamily="34" charset="0"/>
+              </a:defRPr>
+            </a:lvl1pPr>
+            <a:lvl2pPr>
+              <a:defRPr>
+                <a:solidFill>
+                  <a:schemeClr val="lt1"/>
+                </a:solidFill>
+              </a:defRPr>
+            </a:lvl2pPr>
+            <a:lvl3pPr>
+              <a:defRPr>
+                <a:solidFill>
+                  <a:schemeClr val="lt1"/>
+                </a:solidFill>
+              </a:defRPr>
+            </a:lvl3pPr>
+            <a:lvl4pPr>
+              <a:defRPr>
+                <a:solidFill>
+                  <a:schemeClr val="lt1"/>
+                </a:solidFill>
+              </a:defRPr>
+            </a:lvl4pPr>
+            <a:lvl5pPr>
+              <a:defRPr>
+                <a:solidFill>
+                  <a:schemeClr val="lt1"/>
+                </a:solidFill>
+              </a:defRPr>
+            </a:lvl5pPr>
+            <a:lvl6pPr>
+              <a:defRPr>
+                <a:solidFill>
+                  <a:schemeClr val="lt1"/>
+                </a:solidFill>
+              </a:defRPr>
+            </a:lvl6pPr>
+            <a:lvl7pPr>
+              <a:defRPr>
+                <a:solidFill>
+                  <a:schemeClr val="lt1"/>
+                </a:solidFill>
+              </a:defRPr>
+            </a:lvl7pPr>
+            <a:lvl8pPr>
+              <a:defRPr>
+                <a:solidFill>
+                  <a:schemeClr val="lt1"/>
+                </a:solidFill>
+              </a:defRPr>
+            </a:lvl8pPr>
+            <a:lvl9pPr>
+              <a:defRPr>
+                <a:solidFill>
+                  <a:schemeClr val="lt1"/>
+                </a:solidFill>
+              </a:defRPr>
+            </a:lvl9pPr>
+          </a:lstStyle>
+          <a:p>
+            <a:pPr algn="ctr">
+              <a:tabLst>
+                <a:tab pos="171450" algn="l"/>
+                <a:tab pos="1427163" algn="l"/>
+                <a:tab pos="1717675" algn="l"/>
+              </a:tabLst>
+            </a:pPr>
+            <a:r>
+              <a:rPr lang="en-GB" sz="1100" b="0" dirty="0">
+                <a:solidFill>
+                  <a:schemeClr val="tx1">
+                    <a:lumMod val="50000"/>
+                    <a:lumOff val="50000"/>
+                  </a:schemeClr>
+                </a:solidFill>
+              </a:rPr>
+              <a:t>shapes</a:t>
+            </a:r>
+            <a:endParaRPr lang="en-GB" sz="1100" b="0" dirty="0">
+              <a:solidFill>
+                <a:schemeClr val="tx1"/>
+              </a:solidFill>
+            </a:endParaRPr>
+          </a:p>
+        </p:txBody>
+      </p:sp>
+      <p:cxnSp>
+        <p:nvCxnSpPr>
+          <p:cNvPr id="16" name="Straight Connector 15">
+            <a:extLst>
+              <a:ext uri="{FF2B5EF4-FFF2-40B4-BE49-F238E27FC236}">
+                <a16:creationId xmlns:a16="http://schemas.microsoft.com/office/drawing/2014/main" id="{878D77DE-F536-44BC-94EB-1959CB8EE8F3}"/>
+              </a:ext>
+            </a:extLst>
+          </p:cNvPr>
+          <p:cNvCxnSpPr>
+            <a:cxnSpLocks/>
+          </p:cNvCxnSpPr>
+          <p:nvPr/>
+        </p:nvCxnSpPr>
+        <p:spPr>
+          <a:xfrm>
+            <a:off x="9589192" y="1150625"/>
+            <a:ext cx="80773" cy="0"/>
+          </a:xfrm>
+          <a:prstGeom prst="line">
+            <a:avLst/>
+          </a:prstGeom>
+          <a:ln>
+            <a:solidFill>
+              <a:schemeClr val="bg1">
+                <a:lumMod val="65000"/>
+              </a:schemeClr>
+            </a:solidFill>
+            <a:prstDash val="sysDot"/>
+          </a:ln>
+        </p:spPr>
+        <p:style>
+          <a:lnRef idx="1">
+            <a:schemeClr val="accent1"/>
+          </a:lnRef>
+          <a:fillRef idx="0">
+            <a:schemeClr val="accent1"/>
+          </a:fillRef>
+          <a:effectRef idx="0">
+            <a:schemeClr val="accent1"/>
+          </a:effectRef>
+          <a:fontRef idx="minor">
+            <a:schemeClr val="tx1"/>
+          </a:fontRef>
+        </p:style>
+      </p:cxnSp>
+      <p:cxnSp>
+        <p:nvCxnSpPr>
+          <p:cNvPr id="18" name="Straight Connector 17">
+            <a:extLst>
+              <a:ext uri="{FF2B5EF4-FFF2-40B4-BE49-F238E27FC236}">
+                <a16:creationId xmlns:a16="http://schemas.microsoft.com/office/drawing/2014/main" id="{E3563119-5622-411C-B8E0-328F8B4D21CE}"/>
+              </a:ext>
+            </a:extLst>
+          </p:cNvPr>
+          <p:cNvCxnSpPr>
+            <a:cxnSpLocks/>
+          </p:cNvCxnSpPr>
+          <p:nvPr/>
+        </p:nvCxnSpPr>
+        <p:spPr>
+          <a:xfrm>
+            <a:off x="9589192" y="1811660"/>
+            <a:ext cx="74295" cy="0"/>
+          </a:xfrm>
+          <a:prstGeom prst="line">
+            <a:avLst/>
+          </a:prstGeom>
+          <a:ln>
+            <a:solidFill>
+              <a:schemeClr val="bg1">
+                <a:lumMod val="65000"/>
+              </a:schemeClr>
+            </a:solidFill>
+            <a:prstDash val="sysDot"/>
+          </a:ln>
+        </p:spPr>
+        <p:style>
+          <a:lnRef idx="1">
+            <a:schemeClr val="accent1"/>
+          </a:lnRef>
+          <a:fillRef idx="0">
+            <a:schemeClr val="accent1"/>
+          </a:fillRef>
+          <a:effectRef idx="0">
+            <a:schemeClr val="accent1"/>
+          </a:effectRef>
+          <a:fontRef idx="minor">
+            <a:schemeClr val="tx1"/>
+          </a:fontRef>
+        </p:style>
+      </p:cxnSp>
+      <p:cxnSp>
+        <p:nvCxnSpPr>
+          <p:cNvPr id="23" name="Straight Connector 22">
+            <a:extLst>
+              <a:ext uri="{FF2B5EF4-FFF2-40B4-BE49-F238E27FC236}">
+                <a16:creationId xmlns:a16="http://schemas.microsoft.com/office/drawing/2014/main" id="{02A668C8-9AE0-4AE7-8D62-02BADA09B4BA}"/>
+              </a:ext>
+            </a:extLst>
+          </p:cNvPr>
+          <p:cNvCxnSpPr>
+            <a:cxnSpLocks/>
+          </p:cNvCxnSpPr>
+          <p:nvPr/>
+        </p:nvCxnSpPr>
+        <p:spPr>
+          <a:xfrm>
+            <a:off x="9628818" y="1150625"/>
+            <a:ext cx="0" cy="661030"/>
+          </a:xfrm>
+          <a:prstGeom prst="line">
+            <a:avLst/>
+          </a:prstGeom>
+          <a:ln>
+            <a:solidFill>
+              <a:schemeClr val="bg1">
+                <a:lumMod val="65000"/>
+              </a:schemeClr>
+            </a:solidFill>
+            <a:prstDash val="sysDot"/>
+          </a:ln>
+        </p:spPr>
+        <p:style>
+          <a:lnRef idx="1">
+            <a:schemeClr val="accent1"/>
+          </a:lnRef>
+          <a:fillRef idx="0">
+            <a:schemeClr val="accent1"/>
+          </a:fillRef>
+          <a:effectRef idx="0">
+            <a:schemeClr val="accent1"/>
+          </a:effectRef>
+          <a:fontRef idx="minor">
+            <a:schemeClr val="tx1"/>
+          </a:fontRef>
+        </p:style>
+      </p:cxnSp>
     </p:spTree>
     <p:extLst>
       <p:ext uri="{BB962C8B-B14F-4D97-AF65-F5344CB8AC3E}">

--- a/docs/cheat-sheet.pptx
+++ b/docs/cheat-sheet.pptx
@@ -255,7 +255,7 @@
           <a:p>
             <a:fld id="{4346FDB3-09F2-4348-8F47-4013D9DCE7EC}" type="datetimeFigureOut">
               <a:rPr lang="bg-BG" smtClean="0"/>
-              <a:t>4.8.2022 г.</a:t>
+              <a:t>10.8.2022 г.</a:t>
             </a:fld>
             <a:endParaRPr lang="bg-BG"/>
           </a:p>
@@ -425,7 +425,7 @@
           <a:p>
             <a:fld id="{4346FDB3-09F2-4348-8F47-4013D9DCE7EC}" type="datetimeFigureOut">
               <a:rPr lang="bg-BG" smtClean="0"/>
-              <a:t>4.8.2022 г.</a:t>
+              <a:t>10.8.2022 г.</a:t>
             </a:fld>
             <a:endParaRPr lang="bg-BG"/>
           </a:p>
@@ -605,7 +605,7 @@
           <a:p>
             <a:fld id="{4346FDB3-09F2-4348-8F47-4013D9DCE7EC}" type="datetimeFigureOut">
               <a:rPr lang="bg-BG" smtClean="0"/>
-              <a:t>4.8.2022 г.</a:t>
+              <a:t>10.8.2022 г.</a:t>
             </a:fld>
             <a:endParaRPr lang="bg-BG"/>
           </a:p>
@@ -775,7 +775,7 @@
           <a:p>
             <a:fld id="{4346FDB3-09F2-4348-8F47-4013D9DCE7EC}" type="datetimeFigureOut">
               <a:rPr lang="bg-BG" smtClean="0"/>
-              <a:t>4.8.2022 г.</a:t>
+              <a:t>10.8.2022 г.</a:t>
             </a:fld>
             <a:endParaRPr lang="bg-BG"/>
           </a:p>
@@ -1019,7 +1019,7 @@
           <a:p>
             <a:fld id="{4346FDB3-09F2-4348-8F47-4013D9DCE7EC}" type="datetimeFigureOut">
               <a:rPr lang="bg-BG" smtClean="0"/>
-              <a:t>4.8.2022 г.</a:t>
+              <a:t>10.8.2022 г.</a:t>
             </a:fld>
             <a:endParaRPr lang="bg-BG"/>
           </a:p>
@@ -1251,7 +1251,7 @@
           <a:p>
             <a:fld id="{4346FDB3-09F2-4348-8F47-4013D9DCE7EC}" type="datetimeFigureOut">
               <a:rPr lang="bg-BG" smtClean="0"/>
-              <a:t>4.8.2022 г.</a:t>
+              <a:t>10.8.2022 г.</a:t>
             </a:fld>
             <a:endParaRPr lang="bg-BG"/>
           </a:p>
@@ -1618,7 +1618,7 @@
           <a:p>
             <a:fld id="{4346FDB3-09F2-4348-8F47-4013D9DCE7EC}" type="datetimeFigureOut">
               <a:rPr lang="bg-BG" smtClean="0"/>
-              <a:t>4.8.2022 г.</a:t>
+              <a:t>10.8.2022 г.</a:t>
             </a:fld>
             <a:endParaRPr lang="bg-BG"/>
           </a:p>
@@ -1736,7 +1736,7 @@
           <a:p>
             <a:fld id="{4346FDB3-09F2-4348-8F47-4013D9DCE7EC}" type="datetimeFigureOut">
               <a:rPr lang="bg-BG" smtClean="0"/>
-              <a:t>4.8.2022 г.</a:t>
+              <a:t>10.8.2022 г.</a:t>
             </a:fld>
             <a:endParaRPr lang="bg-BG"/>
           </a:p>
@@ -1831,7 +1831,7 @@
           <a:p>
             <a:fld id="{4346FDB3-09F2-4348-8F47-4013D9DCE7EC}" type="datetimeFigureOut">
               <a:rPr lang="bg-BG" smtClean="0"/>
-              <a:t>4.8.2022 г.</a:t>
+              <a:t>10.8.2022 г.</a:t>
             </a:fld>
             <a:endParaRPr lang="bg-BG"/>
           </a:p>
@@ -2108,7 +2108,7 @@
           <a:p>
             <a:fld id="{4346FDB3-09F2-4348-8F47-4013D9DCE7EC}" type="datetimeFigureOut">
               <a:rPr lang="bg-BG" smtClean="0"/>
-              <a:t>4.8.2022 г.</a:t>
+              <a:t>10.8.2022 г.</a:t>
             </a:fld>
             <a:endParaRPr lang="bg-BG"/>
           </a:p>
@@ -2365,7 +2365,7 @@
           <a:p>
             <a:fld id="{4346FDB3-09F2-4348-8F47-4013D9DCE7EC}" type="datetimeFigureOut">
               <a:rPr lang="bg-BG" smtClean="0"/>
-              <a:t>4.8.2022 г.</a:t>
+              <a:t>10.8.2022 г.</a:t>
             </a:fld>
             <a:endParaRPr lang="bg-BG"/>
           </a:p>
@@ -2578,7 +2578,7 @@
           <a:p>
             <a:fld id="{4346FDB3-09F2-4348-8F47-4013D9DCE7EC}" type="datetimeFigureOut">
               <a:rPr lang="bg-BG" smtClean="0"/>
-              <a:t>4.8.2022 г.</a:t>
+              <a:t>10.8.2022 г.</a:t>
             </a:fld>
             <a:endParaRPr lang="bg-BG"/>
           </a:p>
@@ -5289,6 +5289,144 @@
               <a:t>) </a:t>
             </a:r>
             <a:r>
+              <a:rPr lang="en-US" sz="1100" dirty="0">
+                <a:solidFill>
+                  <a:schemeClr val="tx1"/>
+                </a:solidFill>
+              </a:rPr>
+              <a:t>extrude</a:t>
+            </a:r>
+            <a:r>
+              <a:rPr lang="en-GB" sz="1100" b="0" dirty="0">
+                <a:solidFill>
+                  <a:schemeClr val="tx1"/>
+                </a:solidFill>
+              </a:rPr>
+              <a:t> (</a:t>
+            </a:r>
+            <a:r>
+              <a:rPr lang="en-GB" sz="1100" b="0" dirty="0">
+                <a:solidFill>
+                  <a:schemeClr val="tx1">
+                    <a:lumMod val="50000"/>
+                    <a:lumOff val="50000"/>
+                  </a:schemeClr>
+                </a:solidFill>
+              </a:rPr>
+              <a:t>shape</a:t>
+            </a:r>
+            <a:r>
+              <a:rPr lang="en-GB" sz="1100" b="0" dirty="0">
+                <a:solidFill>
+                  <a:schemeClr val="tx1"/>
+                </a:solidFill>
+              </a:rPr>
+              <a:t>, </a:t>
+            </a:r>
+            <a:r>
+              <a:rPr lang="en-GB" sz="1100" b="0" dirty="0" err="1">
+                <a:solidFill>
+                  <a:schemeClr val="tx1">
+                    <a:lumMod val="50000"/>
+                    <a:lumOff val="50000"/>
+                  </a:schemeClr>
+                </a:solidFill>
+              </a:rPr>
+              <a:t>center</a:t>
+            </a:r>
+            <a:r>
+              <a:rPr lang="en-GB" sz="1100" b="0" dirty="0">
+                <a:solidFill>
+                  <a:schemeClr val="tx1"/>
+                </a:solidFill>
+              </a:rPr>
+              <a:t>, </a:t>
+            </a:r>
+            <a:r>
+              <a:rPr lang="en-GB" sz="1100" b="0" dirty="0">
+                <a:solidFill>
+                  <a:schemeClr val="tx1">
+                    <a:lumMod val="50000"/>
+                    <a:lumOff val="50000"/>
+                  </a:schemeClr>
+                </a:solidFill>
+              </a:rPr>
+              <a:t>size</a:t>
+            </a:r>
+            <a:r>
+              <a:rPr lang="en-GB" sz="1100" b="0" dirty="0">
+                <a:solidFill>
+                  <a:schemeClr val="tx1"/>
+                </a:solidFill>
+              </a:rPr>
+              <a:t>, </a:t>
+            </a:r>
+            <a:r>
+              <a:rPr lang="en-GB" sz="1100" b="0" dirty="0" err="1">
+                <a:solidFill>
+                  <a:schemeClr val="tx1">
+                    <a:lumMod val="50000"/>
+                    <a:lumOff val="50000"/>
+                  </a:schemeClr>
+                </a:solidFill>
+              </a:rPr>
+              <a:t>color</a:t>
+            </a:r>
+            <a:r>
+              <a:rPr lang="en-GB" sz="1100" b="0" dirty="0">
+                <a:solidFill>
+                  <a:schemeClr val="tx1"/>
+                </a:solidFill>
+              </a:rPr>
+              <a:t>)</a:t>
+            </a:r>
+          </a:p>
+          <a:p>
+            <a:pPr lvl="0">
+              <a:tabLst>
+                <a:tab pos="173736" algn="l"/>
+                <a:tab pos="2743200" algn="r"/>
+              </a:tabLst>
+            </a:pPr>
+            <a:r>
+              <a:rPr lang="en-GB" sz="1100" b="0" dirty="0">
+                <a:solidFill>
+                  <a:schemeClr val="tx1">
+                    <a:lumMod val="50000"/>
+                    <a:lumOff val="50000"/>
+                  </a:schemeClr>
+                </a:solidFill>
+              </a:rPr>
+              <a:t>	.radius .offset .count</a:t>
+            </a:r>
+            <a:r>
+              <a:rPr lang="en-GB" sz="1100" b="0" baseline="30000" dirty="0">
+                <a:solidFill>
+                  <a:schemeClr val="tx1">
+                    <a:lumMod val="50000"/>
+                    <a:lumOff val="50000"/>
+                  </a:schemeClr>
+                </a:solidFill>
+              </a:rPr>
+              <a:t>1,2</a:t>
+            </a:r>
+            <a:endParaRPr lang="en-GB" sz="1100" b="0" dirty="0">
+              <a:solidFill>
+                <a:schemeClr val="tx1">
+                  <a:lumMod val="50000"/>
+                  <a:lumOff val="50000"/>
+                </a:schemeClr>
+              </a:solidFill>
+            </a:endParaRPr>
+          </a:p>
+          <a:p>
+            <a:pPr lvl="0">
+              <a:tabLst>
+                <a:tab pos="173736" algn="l"/>
+                <a:tab pos="2743200" algn="r"/>
+              </a:tabLst>
+            </a:pPr>
+            <a:r>
               <a:rPr lang="en-GB" sz="1100" dirty="0">
                 <a:solidFill>
                   <a:schemeClr val="tx1"/>
@@ -6647,7 +6785,7 @@
         <p:spPr>
           <a:xfrm>
             <a:off x="76203" y="6095999"/>
-            <a:ext cx="5029197" cy="668199"/>
+            <a:ext cx="5175501" cy="668199"/>
           </a:xfrm>
           <a:prstGeom prst="rect">
             <a:avLst/>
@@ -10420,8 +10558,8 @@
         </p:nvSpPr>
         <p:spPr>
           <a:xfrm>
-            <a:off x="5188714" y="6113599"/>
-            <a:ext cx="4668515" cy="668200"/>
+            <a:off x="5334000" y="6113599"/>
+            <a:ext cx="4495797" cy="668200"/>
           </a:xfrm>
           <a:prstGeom prst="rect">
             <a:avLst/>
@@ -13053,7 +13191,7 @@
         <p:spPr>
           <a:xfrm>
             <a:off x="76205" y="533400"/>
-            <a:ext cx="2438396" cy="2514600"/>
+            <a:ext cx="2590794" cy="2514600"/>
           </a:xfrm>
           <a:prstGeom prst="rect">
             <a:avLst/>
@@ -14023,7 +14161,7 @@
         <p:spPr>
           <a:xfrm>
             <a:off x="76205" y="3143505"/>
-            <a:ext cx="2438396" cy="2419095"/>
+            <a:ext cx="2590794" cy="2412999"/>
           </a:xfrm>
           <a:prstGeom prst="rect">
             <a:avLst/>
@@ -14905,6 +15043,103 @@
                 </a:solidFill>
               </a:rPr>
               <a:t> …</a:t>
+            </a:r>
+            <a:r>
+              <a:rPr lang="en-GB" sz="1100" b="0" dirty="0">
+                <a:solidFill>
+                  <a:schemeClr val="tx1"/>
+                </a:solidFill>
+              </a:rPr>
+              <a:t>&gt;</a:t>
+            </a:r>
+          </a:p>
+          <a:p>
+            <a:pPr>
+              <a:tabLst>
+                <a:tab pos="2286000" algn="r"/>
+              </a:tabLst>
+            </a:pPr>
+            <a:r>
+              <a:rPr lang="en-GB" sz="1100" b="0" dirty="0">
+                <a:solidFill>
+                  <a:schemeClr val="tx1"/>
+                </a:solidFill>
+              </a:rPr>
+              <a:t>&lt;</a:t>
+            </a:r>
+            <a:r>
+              <a:rPr lang="en-GB" sz="1100" dirty="0">
+                <a:solidFill>
+                  <a:schemeClr val="tx1"/>
+                </a:solidFill>
+              </a:rPr>
+              <a:t>extrude</a:t>
+            </a:r>
+            <a:r>
+              <a:rPr lang="en-GB" sz="1100" b="0" dirty="0">
+                <a:solidFill>
+                  <a:schemeClr val="tx1">
+                    <a:lumMod val="50000"/>
+                    <a:lumOff val="50000"/>
+                  </a:schemeClr>
+                </a:solidFill>
+              </a:rPr>
+              <a:t> shape </a:t>
+            </a:r>
+            <a:r>
+              <a:rPr lang="en-GB" sz="1100" b="0" dirty="0" err="1">
+                <a:solidFill>
+                  <a:schemeClr val="tx1">
+                    <a:lumMod val="50000"/>
+                    <a:lumOff val="50000"/>
+                  </a:schemeClr>
+                </a:solidFill>
+              </a:rPr>
+              <a:t>center</a:t>
+            </a:r>
+            <a:r>
+              <a:rPr lang="en-GB" sz="1100" b="0" dirty="0">
+                <a:solidFill>
+                  <a:schemeClr val="tx1">
+                    <a:lumMod val="50000"/>
+                    <a:lumOff val="50000"/>
+                  </a:schemeClr>
+                </a:solidFill>
+              </a:rPr>
+              <a:t> size </a:t>
+            </a:r>
+            <a:r>
+              <a:rPr lang="en-GB" sz="1100" b="0" dirty="0" err="1">
+                <a:solidFill>
+                  <a:schemeClr val="tx1">
+                    <a:lumMod val="50000"/>
+                    <a:lumOff val="50000"/>
+                  </a:schemeClr>
+                </a:solidFill>
+              </a:rPr>
+              <a:t>color</a:t>
+            </a:r>
+            <a:r>
+              <a:rPr lang="en-GB" sz="1100" b="0" dirty="0">
+                <a:solidFill>
+                  <a:schemeClr val="tx1">
+                    <a:lumMod val="50000"/>
+                    <a:lumOff val="50000"/>
+                  </a:schemeClr>
+                </a:solidFill>
+              </a:rPr>
+              <a:t> radius offset count</a:t>
+            </a:r>
+            <a:r>
+              <a:rPr lang="en-GB" sz="1100" b="0" baseline="30000" dirty="0">
+                <a:solidFill>
+                  <a:schemeClr val="tx1">
+                    <a:lumMod val="50000"/>
+                    <a:lumOff val="50000"/>
+                  </a:schemeClr>
+                </a:solidFill>
+              </a:rPr>
+              <a:t>1.2</a:t>
             </a:r>
             <a:r>
               <a:rPr lang="en-GB" sz="1100" b="0" dirty="0">
@@ -17362,7 +17597,7 @@
         <p:spPr>
           <a:xfrm>
             <a:off x="76204" y="76200"/>
-            <a:ext cx="2438396" cy="355602"/>
+            <a:ext cx="2590794" cy="355602"/>
           </a:xfrm>
           <a:prstGeom prst="rect">
             <a:avLst/>
@@ -17803,8 +18038,8 @@
         </p:nvSpPr>
         <p:spPr>
           <a:xfrm>
-            <a:off x="2622811" y="527306"/>
-            <a:ext cx="2472666" cy="2520694"/>
+            <a:off x="2743199" y="527306"/>
+            <a:ext cx="2352277" cy="2520694"/>
           </a:xfrm>
           <a:prstGeom prst="rect">
             <a:avLst/>
@@ -19078,8 +19313,8 @@
         </p:nvSpPr>
         <p:spPr>
           <a:xfrm>
-            <a:off x="76203" y="5658105"/>
-            <a:ext cx="9753589" cy="1117599"/>
+            <a:off x="76203" y="5645915"/>
+            <a:ext cx="9753589" cy="1129790"/>
           </a:xfrm>
           <a:prstGeom prst="rect">
             <a:avLst/>
@@ -19217,8 +19452,8 @@
         </p:nvSpPr>
         <p:spPr>
           <a:xfrm>
-            <a:off x="2621153" y="3137410"/>
-            <a:ext cx="2475980" cy="2419094"/>
+            <a:off x="2743199" y="3137410"/>
+            <a:ext cx="2353934" cy="2419094"/>
           </a:xfrm>
           <a:prstGeom prst="rect">
             <a:avLst/>
@@ -20735,8 +20970,8 @@
         </p:nvSpPr>
         <p:spPr>
           <a:xfrm>
-            <a:off x="2621152" y="76201"/>
-            <a:ext cx="5456047" cy="367790"/>
+            <a:off x="2743199" y="76201"/>
+            <a:ext cx="5334000" cy="367790"/>
           </a:xfrm>
           <a:prstGeom prst="rect">
             <a:avLst/>

--- a/docs/cheat-sheet.pptx
+++ b/docs/cheat-sheet.pptx
@@ -255,7 +255,7 @@
           <a:p>
             <a:fld id="{4346FDB3-09F2-4348-8F47-4013D9DCE7EC}" type="datetimeFigureOut">
               <a:rPr lang="bg-BG" smtClean="0"/>
-              <a:t>10.8.2022 г.</a:t>
+              <a:t>23.8.2022 г.</a:t>
             </a:fld>
             <a:endParaRPr lang="bg-BG"/>
           </a:p>
@@ -425,7 +425,7 @@
           <a:p>
             <a:fld id="{4346FDB3-09F2-4348-8F47-4013D9DCE7EC}" type="datetimeFigureOut">
               <a:rPr lang="bg-BG" smtClean="0"/>
-              <a:t>10.8.2022 г.</a:t>
+              <a:t>23.8.2022 г.</a:t>
             </a:fld>
             <a:endParaRPr lang="bg-BG"/>
           </a:p>
@@ -605,7 +605,7 @@
           <a:p>
             <a:fld id="{4346FDB3-09F2-4348-8F47-4013D9DCE7EC}" type="datetimeFigureOut">
               <a:rPr lang="bg-BG" smtClean="0"/>
-              <a:t>10.8.2022 г.</a:t>
+              <a:t>23.8.2022 г.</a:t>
             </a:fld>
             <a:endParaRPr lang="bg-BG"/>
           </a:p>
@@ -775,7 +775,7 @@
           <a:p>
             <a:fld id="{4346FDB3-09F2-4348-8F47-4013D9DCE7EC}" type="datetimeFigureOut">
               <a:rPr lang="bg-BG" smtClean="0"/>
-              <a:t>10.8.2022 г.</a:t>
+              <a:t>23.8.2022 г.</a:t>
             </a:fld>
             <a:endParaRPr lang="bg-BG"/>
           </a:p>
@@ -1019,7 +1019,7 @@
           <a:p>
             <a:fld id="{4346FDB3-09F2-4348-8F47-4013D9DCE7EC}" type="datetimeFigureOut">
               <a:rPr lang="bg-BG" smtClean="0"/>
-              <a:t>10.8.2022 г.</a:t>
+              <a:t>23.8.2022 г.</a:t>
             </a:fld>
             <a:endParaRPr lang="bg-BG"/>
           </a:p>
@@ -1251,7 +1251,7 @@
           <a:p>
             <a:fld id="{4346FDB3-09F2-4348-8F47-4013D9DCE7EC}" type="datetimeFigureOut">
               <a:rPr lang="bg-BG" smtClean="0"/>
-              <a:t>10.8.2022 г.</a:t>
+              <a:t>23.8.2022 г.</a:t>
             </a:fld>
             <a:endParaRPr lang="bg-BG"/>
           </a:p>
@@ -1618,7 +1618,7 @@
           <a:p>
             <a:fld id="{4346FDB3-09F2-4348-8F47-4013D9DCE7EC}" type="datetimeFigureOut">
               <a:rPr lang="bg-BG" smtClean="0"/>
-              <a:t>10.8.2022 г.</a:t>
+              <a:t>23.8.2022 г.</a:t>
             </a:fld>
             <a:endParaRPr lang="bg-BG"/>
           </a:p>
@@ -1736,7 +1736,7 @@
           <a:p>
             <a:fld id="{4346FDB3-09F2-4348-8F47-4013D9DCE7EC}" type="datetimeFigureOut">
               <a:rPr lang="bg-BG" smtClean="0"/>
-              <a:t>10.8.2022 г.</a:t>
+              <a:t>23.8.2022 г.</a:t>
             </a:fld>
             <a:endParaRPr lang="bg-BG"/>
           </a:p>
@@ -1831,7 +1831,7 @@
           <a:p>
             <a:fld id="{4346FDB3-09F2-4348-8F47-4013D9DCE7EC}" type="datetimeFigureOut">
               <a:rPr lang="bg-BG" smtClean="0"/>
-              <a:t>10.8.2022 г.</a:t>
+              <a:t>23.8.2022 г.</a:t>
             </a:fld>
             <a:endParaRPr lang="bg-BG"/>
           </a:p>
@@ -2108,7 +2108,7 @@
           <a:p>
             <a:fld id="{4346FDB3-09F2-4348-8F47-4013D9DCE7EC}" type="datetimeFigureOut">
               <a:rPr lang="bg-BG" smtClean="0"/>
-              <a:t>10.8.2022 г.</a:t>
+              <a:t>23.8.2022 г.</a:t>
             </a:fld>
             <a:endParaRPr lang="bg-BG"/>
           </a:p>
@@ -2365,7 +2365,7 @@
           <a:p>
             <a:fld id="{4346FDB3-09F2-4348-8F47-4013D9DCE7EC}" type="datetimeFigureOut">
               <a:rPr lang="bg-BG" smtClean="0"/>
-              <a:t>10.8.2022 г.</a:t>
+              <a:t>23.8.2022 г.</a:t>
             </a:fld>
             <a:endParaRPr lang="bg-BG"/>
           </a:p>
@@ -2578,7 +2578,7 @@
           <a:p>
             <a:fld id="{4346FDB3-09F2-4348-8F47-4013D9DCE7EC}" type="datetimeFigureOut">
               <a:rPr lang="bg-BG" smtClean="0"/>
-              <a:t>10.8.2022 г.</a:t>
+              <a:t>23.8.2022 г.</a:t>
             </a:fld>
             <a:endParaRPr lang="bg-BG"/>
           </a:p>
@@ -5982,7 +5982,7 @@
         <p:spPr>
           <a:xfrm>
             <a:off x="8153400" y="533400"/>
-            <a:ext cx="1676398" cy="2971800"/>
+            <a:ext cx="1676398" cy="3200400"/>
           </a:xfrm>
           <a:prstGeom prst="rect">
             <a:avLst/>
@@ -6340,6 +6340,51 @@
                   <a:schemeClr val="tx1"/>
                 </a:solidFill>
               </a:rPr>
+              <a:t>findObject</a:t>
+            </a:r>
+            <a:r>
+              <a:rPr lang="en-GB" sz="1100" dirty="0">
+                <a:solidFill>
+                  <a:schemeClr val="tx1"/>
+                </a:solidFill>
+              </a:rPr>
+              <a:t> </a:t>
+            </a:r>
+            <a:r>
+              <a:rPr lang="en-GB" sz="1100" b="0" dirty="0">
+                <a:solidFill>
+                  <a:schemeClr val="tx1"/>
+                </a:solidFill>
+              </a:rPr>
+              <a:t>(</a:t>
+            </a:r>
+            <a:r>
+              <a:rPr lang="en-GB" sz="1100" b="0" dirty="0">
+                <a:solidFill>
+                  <a:schemeClr val="tx1">
+                    <a:lumMod val="50000"/>
+                    <a:lumOff val="50000"/>
+                  </a:schemeClr>
+                </a:solidFill>
+              </a:rPr>
+              <a:t>event, [object, …]</a:t>
+            </a:r>
+            <a:r>
+              <a:rPr lang="en-GB" sz="1100" b="0" dirty="0">
+                <a:solidFill>
+                  <a:schemeClr val="tx1"/>
+                </a:solidFill>
+              </a:rPr>
+              <a:t>)</a:t>
+            </a:r>
+          </a:p>
+          <a:p>
+            <a:r>
+              <a:rPr lang="en-GB" sz="1100" dirty="0" err="1">
+                <a:solidFill>
+                  <a:schemeClr val="tx1"/>
+                </a:solidFill>
+              </a:rPr>
               <a:t>findObjects</a:t>
             </a:r>
             <a:r>
@@ -6368,6 +6413,51 @@
                 </a:solidFill>
               </a:rPr>
               <a:t>event, interactive</a:t>
+            </a:r>
+            <a:r>
+              <a:rPr lang="en-GB" sz="1100" b="0" dirty="0">
+                <a:solidFill>
+                  <a:schemeClr val="tx1"/>
+                </a:solidFill>
+              </a:rPr>
+              <a:t>)</a:t>
+            </a:r>
+          </a:p>
+          <a:p>
+            <a:r>
+              <a:rPr lang="en-GB" sz="1100" dirty="0" err="1">
+                <a:solidFill>
+                  <a:schemeClr val="tx1"/>
+                </a:solidFill>
+              </a:rPr>
+              <a:t>findObjects</a:t>
+            </a:r>
+            <a:r>
+              <a:rPr lang="en-GB" sz="1100" dirty="0">
+                <a:solidFill>
+                  <a:schemeClr val="tx1"/>
+                </a:solidFill>
+              </a:rPr>
+              <a:t> </a:t>
+            </a:r>
+            <a:r>
+              <a:rPr lang="en-GB" sz="1100" b="0" dirty="0">
+                <a:solidFill>
+                  <a:schemeClr val="tx1"/>
+                </a:solidFill>
+              </a:rPr>
+              <a:t>(</a:t>
+            </a:r>
+            <a:r>
+              <a:rPr lang="en-GB" sz="1100" b="0" dirty="0">
+                <a:solidFill>
+                  <a:schemeClr val="tx1">
+                    <a:lumMod val="50000"/>
+                    <a:lumOff val="50000"/>
+                  </a:schemeClr>
+                </a:solidFill>
+              </a:rPr>
+              <a:t>event, [object, …]</a:t>
             </a:r>
             <a:r>
               <a:rPr lang="en-GB" sz="1100" b="0" dirty="0">
@@ -7160,8 +7250,8 @@
         </p:nvSpPr>
         <p:spPr>
           <a:xfrm>
-            <a:off x="8153400" y="3581401"/>
-            <a:ext cx="1676398" cy="2438398"/>
+            <a:off x="8153399" y="3810000"/>
+            <a:ext cx="1676398" cy="2216820"/>
           </a:xfrm>
           <a:prstGeom prst="rect">
             <a:avLst/>
@@ -8188,8 +8278,8 @@
         </p:nvSpPr>
         <p:spPr>
           <a:xfrm>
-            <a:off x="5334000" y="533400"/>
-            <a:ext cx="2738120" cy="2971800"/>
+            <a:off x="5334000" y="533399"/>
+            <a:ext cx="2738120" cy="3200399"/>
           </a:xfrm>
           <a:prstGeom prst="rect">
             <a:avLst/>
@@ -10697,8 +10787,8 @@
         </p:nvSpPr>
         <p:spPr>
           <a:xfrm>
-            <a:off x="5334000" y="3588421"/>
-            <a:ext cx="2738120" cy="2438399"/>
+            <a:off x="5334000" y="3810000"/>
+            <a:ext cx="2738120" cy="2216820"/>
           </a:xfrm>
           <a:prstGeom prst="rect">
             <a:avLst/>
@@ -12863,7 +12953,7 @@
         </p:nvSpPr>
         <p:spPr>
           <a:xfrm rot="5400000">
-            <a:off x="9392222" y="4406826"/>
+            <a:off x="9392221" y="4635425"/>
             <a:ext cx="661029" cy="214127"/>
           </a:xfrm>
           <a:prstGeom prst="rect">
@@ -13014,7 +13104,7 @@
         </p:nvCxnSpPr>
         <p:spPr>
           <a:xfrm>
-            <a:off x="9589192" y="4191000"/>
+            <a:off x="9589191" y="4419599"/>
             <a:ext cx="80773" cy="0"/>
           </a:xfrm>
           <a:prstGeom prst="line">
@@ -13060,7 +13150,7 @@
         </p:nvCxnSpPr>
         <p:spPr>
           <a:xfrm>
-            <a:off x="9589192" y="4852035"/>
+            <a:off x="9589191" y="5080634"/>
             <a:ext cx="74295" cy="0"/>
           </a:xfrm>
           <a:prstGeom prst="line">
@@ -13106,7 +13196,7 @@
         </p:nvCxnSpPr>
         <p:spPr>
           <a:xfrm>
-            <a:off x="9628818" y="4191000"/>
+            <a:off x="9628817" y="4419599"/>
             <a:ext cx="0" cy="661030"/>
           </a:xfrm>
           <a:prstGeom prst="line">

--- a/docs/cheat-sheet.pptx
+++ b/docs/cheat-sheet.pptx
@@ -255,7 +255,7 @@
           <a:p>
             <a:fld id="{4346FDB3-09F2-4348-8F47-4013D9DCE7EC}" type="datetimeFigureOut">
               <a:rPr lang="bg-BG" smtClean="0"/>
-              <a:t>23.8.2022 г.</a:t>
+              <a:t>6.9.2022 г.</a:t>
             </a:fld>
             <a:endParaRPr lang="bg-BG"/>
           </a:p>
@@ -425,7 +425,7 @@
           <a:p>
             <a:fld id="{4346FDB3-09F2-4348-8F47-4013D9DCE7EC}" type="datetimeFigureOut">
               <a:rPr lang="bg-BG" smtClean="0"/>
-              <a:t>23.8.2022 г.</a:t>
+              <a:t>6.9.2022 г.</a:t>
             </a:fld>
             <a:endParaRPr lang="bg-BG"/>
           </a:p>
@@ -605,7 +605,7 @@
           <a:p>
             <a:fld id="{4346FDB3-09F2-4348-8F47-4013D9DCE7EC}" type="datetimeFigureOut">
               <a:rPr lang="bg-BG" smtClean="0"/>
-              <a:t>23.8.2022 г.</a:t>
+              <a:t>6.9.2022 г.</a:t>
             </a:fld>
             <a:endParaRPr lang="bg-BG"/>
           </a:p>
@@ -775,7 +775,7 @@
           <a:p>
             <a:fld id="{4346FDB3-09F2-4348-8F47-4013D9DCE7EC}" type="datetimeFigureOut">
               <a:rPr lang="bg-BG" smtClean="0"/>
-              <a:t>23.8.2022 г.</a:t>
+              <a:t>6.9.2022 г.</a:t>
             </a:fld>
             <a:endParaRPr lang="bg-BG"/>
           </a:p>
@@ -1019,7 +1019,7 @@
           <a:p>
             <a:fld id="{4346FDB3-09F2-4348-8F47-4013D9DCE7EC}" type="datetimeFigureOut">
               <a:rPr lang="bg-BG" smtClean="0"/>
-              <a:t>23.8.2022 г.</a:t>
+              <a:t>6.9.2022 г.</a:t>
             </a:fld>
             <a:endParaRPr lang="bg-BG"/>
           </a:p>
@@ -1251,7 +1251,7 @@
           <a:p>
             <a:fld id="{4346FDB3-09F2-4348-8F47-4013D9DCE7EC}" type="datetimeFigureOut">
               <a:rPr lang="bg-BG" smtClean="0"/>
-              <a:t>23.8.2022 г.</a:t>
+              <a:t>6.9.2022 г.</a:t>
             </a:fld>
             <a:endParaRPr lang="bg-BG"/>
           </a:p>
@@ -1618,7 +1618,7 @@
           <a:p>
             <a:fld id="{4346FDB3-09F2-4348-8F47-4013D9DCE7EC}" type="datetimeFigureOut">
               <a:rPr lang="bg-BG" smtClean="0"/>
-              <a:t>23.8.2022 г.</a:t>
+              <a:t>6.9.2022 г.</a:t>
             </a:fld>
             <a:endParaRPr lang="bg-BG"/>
           </a:p>
@@ -1736,7 +1736,7 @@
           <a:p>
             <a:fld id="{4346FDB3-09F2-4348-8F47-4013D9DCE7EC}" type="datetimeFigureOut">
               <a:rPr lang="bg-BG" smtClean="0"/>
-              <a:t>23.8.2022 г.</a:t>
+              <a:t>6.9.2022 г.</a:t>
             </a:fld>
             <a:endParaRPr lang="bg-BG"/>
           </a:p>
@@ -1831,7 +1831,7 @@
           <a:p>
             <a:fld id="{4346FDB3-09F2-4348-8F47-4013D9DCE7EC}" type="datetimeFigureOut">
               <a:rPr lang="bg-BG" smtClean="0"/>
-              <a:t>23.8.2022 г.</a:t>
+              <a:t>6.9.2022 г.</a:t>
             </a:fld>
             <a:endParaRPr lang="bg-BG"/>
           </a:p>
@@ -2108,7 +2108,7 @@
           <a:p>
             <a:fld id="{4346FDB3-09F2-4348-8F47-4013D9DCE7EC}" type="datetimeFigureOut">
               <a:rPr lang="bg-BG" smtClean="0"/>
-              <a:t>23.8.2022 г.</a:t>
+              <a:t>6.9.2022 г.</a:t>
             </a:fld>
             <a:endParaRPr lang="bg-BG"/>
           </a:p>
@@ -2365,7 +2365,7 @@
           <a:p>
             <a:fld id="{4346FDB3-09F2-4348-8F47-4013D9DCE7EC}" type="datetimeFigureOut">
               <a:rPr lang="bg-BG" smtClean="0"/>
-              <a:t>23.8.2022 г.</a:t>
+              <a:t>6.9.2022 г.</a:t>
             </a:fld>
             <a:endParaRPr lang="bg-BG"/>
           </a:p>
@@ -2578,7 +2578,7 @@
           <a:p>
             <a:fld id="{4346FDB3-09F2-4348-8F47-4013D9DCE7EC}" type="datetimeFigureOut">
               <a:rPr lang="bg-BG" smtClean="0"/>
-              <a:t>23.8.2022 г.</a:t>
+              <a:t>6.9.2022 г.</a:t>
             </a:fld>
             <a:endParaRPr lang="bg-BG"/>
           </a:p>
@@ -12725,6 +12725,35 @@
                   <a:lumMod val="50000"/>
                   <a:lumOff val="50000"/>
                 </a:schemeClr>
+              </a:solidFill>
+            </a:endParaRPr>
+          </a:p>
+          <a:p>
+            <a:pPr>
+              <a:tabLst>
+                <a:tab pos="173038" algn="l"/>
+                <a:tab pos="2514600" algn="r"/>
+              </a:tabLst>
+            </a:pPr>
+            <a:r>
+              <a:rPr lang="en-US" sz="1200" dirty="0">
+                <a:solidFill>
+                  <a:schemeClr val="tx1"/>
+                </a:solidFill>
+              </a:rPr>
+              <a:t>.</a:t>
+            </a:r>
+            <a:r>
+              <a:rPr lang="en-US" sz="1200" dirty="0" err="1">
+                <a:solidFill>
+                  <a:schemeClr val="tx1"/>
+                </a:solidFill>
+              </a:rPr>
+              <a:t>intersectData</a:t>
+            </a:r>
+            <a:endParaRPr lang="en-US" sz="1200" dirty="0">
+              <a:solidFill>
+                <a:schemeClr val="tx1"/>
               </a:solidFill>
             </a:endParaRPr>
           </a:p>

--- a/docs/cheat-sheet.pptx
+++ b/docs/cheat-sheet.pptx
@@ -255,7 +255,7 @@
           <a:p>
             <a:fld id="{4346FDB3-09F2-4348-8F47-4013D9DCE7EC}" type="datetimeFigureOut">
               <a:rPr lang="bg-BG" smtClean="0"/>
-              <a:t>6.9.2022 г.</a:t>
+              <a:t>26.10.2022 г.</a:t>
             </a:fld>
             <a:endParaRPr lang="bg-BG"/>
           </a:p>
@@ -425,7 +425,7 @@
           <a:p>
             <a:fld id="{4346FDB3-09F2-4348-8F47-4013D9DCE7EC}" type="datetimeFigureOut">
               <a:rPr lang="bg-BG" smtClean="0"/>
-              <a:t>6.9.2022 г.</a:t>
+              <a:t>26.10.2022 г.</a:t>
             </a:fld>
             <a:endParaRPr lang="bg-BG"/>
           </a:p>
@@ -605,7 +605,7 @@
           <a:p>
             <a:fld id="{4346FDB3-09F2-4348-8F47-4013D9DCE7EC}" type="datetimeFigureOut">
               <a:rPr lang="bg-BG" smtClean="0"/>
-              <a:t>6.9.2022 г.</a:t>
+              <a:t>26.10.2022 г.</a:t>
             </a:fld>
             <a:endParaRPr lang="bg-BG"/>
           </a:p>
@@ -775,7 +775,7 @@
           <a:p>
             <a:fld id="{4346FDB3-09F2-4348-8F47-4013D9DCE7EC}" type="datetimeFigureOut">
               <a:rPr lang="bg-BG" smtClean="0"/>
-              <a:t>6.9.2022 г.</a:t>
+              <a:t>26.10.2022 г.</a:t>
             </a:fld>
             <a:endParaRPr lang="bg-BG"/>
           </a:p>
@@ -1019,7 +1019,7 @@
           <a:p>
             <a:fld id="{4346FDB3-09F2-4348-8F47-4013D9DCE7EC}" type="datetimeFigureOut">
               <a:rPr lang="bg-BG" smtClean="0"/>
-              <a:t>6.9.2022 г.</a:t>
+              <a:t>26.10.2022 г.</a:t>
             </a:fld>
             <a:endParaRPr lang="bg-BG"/>
           </a:p>
@@ -1251,7 +1251,7 @@
           <a:p>
             <a:fld id="{4346FDB3-09F2-4348-8F47-4013D9DCE7EC}" type="datetimeFigureOut">
               <a:rPr lang="bg-BG" smtClean="0"/>
-              <a:t>6.9.2022 г.</a:t>
+              <a:t>26.10.2022 г.</a:t>
             </a:fld>
             <a:endParaRPr lang="bg-BG"/>
           </a:p>
@@ -1618,7 +1618,7 @@
           <a:p>
             <a:fld id="{4346FDB3-09F2-4348-8F47-4013D9DCE7EC}" type="datetimeFigureOut">
               <a:rPr lang="bg-BG" smtClean="0"/>
-              <a:t>6.9.2022 г.</a:t>
+              <a:t>26.10.2022 г.</a:t>
             </a:fld>
             <a:endParaRPr lang="bg-BG"/>
           </a:p>
@@ -1736,7 +1736,7 @@
           <a:p>
             <a:fld id="{4346FDB3-09F2-4348-8F47-4013D9DCE7EC}" type="datetimeFigureOut">
               <a:rPr lang="bg-BG" smtClean="0"/>
-              <a:t>6.9.2022 г.</a:t>
+              <a:t>26.10.2022 г.</a:t>
             </a:fld>
             <a:endParaRPr lang="bg-BG"/>
           </a:p>
@@ -1831,7 +1831,7 @@
           <a:p>
             <a:fld id="{4346FDB3-09F2-4348-8F47-4013D9DCE7EC}" type="datetimeFigureOut">
               <a:rPr lang="bg-BG" smtClean="0"/>
-              <a:t>6.9.2022 г.</a:t>
+              <a:t>26.10.2022 г.</a:t>
             </a:fld>
             <a:endParaRPr lang="bg-BG"/>
           </a:p>
@@ -2108,7 +2108,7 @@
           <a:p>
             <a:fld id="{4346FDB3-09F2-4348-8F47-4013D9DCE7EC}" type="datetimeFigureOut">
               <a:rPr lang="bg-BG" smtClean="0"/>
-              <a:t>6.9.2022 г.</a:t>
+              <a:t>26.10.2022 г.</a:t>
             </a:fld>
             <a:endParaRPr lang="bg-BG"/>
           </a:p>
@@ -2365,7 +2365,7 @@
           <a:p>
             <a:fld id="{4346FDB3-09F2-4348-8F47-4013D9DCE7EC}" type="datetimeFigureOut">
               <a:rPr lang="bg-BG" smtClean="0"/>
-              <a:t>6.9.2022 г.</a:t>
+              <a:t>26.10.2022 г.</a:t>
             </a:fld>
             <a:endParaRPr lang="bg-BG"/>
           </a:p>
@@ -2578,7 +2578,7 @@
           <a:p>
             <a:fld id="{4346FDB3-09F2-4348-8F47-4013D9DCE7EC}" type="datetimeFigureOut">
               <a:rPr lang="bg-BG" smtClean="0"/>
-              <a:t>6.9.2022 г.</a:t>
+              <a:t>26.10.2022 г.</a:t>
             </a:fld>
             <a:endParaRPr lang="bg-BG"/>
           </a:p>
@@ -3118,7 +3118,7 @@
           <a:p>
             <a:pPr>
               <a:tabLst>
-                <a:tab pos="171450" algn="l"/>
+                <a:tab pos="2170113" algn="l"/>
                 <a:tab pos="2286000" algn="l"/>
               </a:tabLst>
             </a:pPr>
@@ -3128,7 +3128,39 @@
                   <a:schemeClr val="tx1"/>
                 </a:solidFill>
               </a:rPr>
-              <a:t>BASIC OBJECTS	 </a:t>
+              <a:t>BASIC</a:t>
+            </a:r>
+            <a:r>
+              <a:rPr lang="bg-BG" sz="1400" u="sng" dirty="0">
+                <a:solidFill>
+                  <a:schemeClr val="tx1"/>
+                </a:solidFill>
+              </a:rPr>
+              <a:t> </a:t>
+            </a:r>
+            <a:r>
+              <a:rPr lang="en-GB" sz="1400" u="sng" dirty="0">
+                <a:solidFill>
+                  <a:schemeClr val="tx1"/>
+                </a:solidFill>
+              </a:rPr>
+              <a:t>OBJECTS</a:t>
+            </a:r>
+            <a:r>
+              <a:rPr lang="bg-BG" sz="1400" u="sng" dirty="0">
+                <a:solidFill>
+                  <a:schemeClr val="tx1"/>
+                </a:solidFill>
+              </a:rPr>
+              <a:t>	</a:t>
+            </a:r>
+            <a:r>
+              <a:rPr lang="en-GB" sz="1400" u="sng" dirty="0">
+                <a:solidFill>
+                  <a:schemeClr val="tx1"/>
+                </a:solidFill>
+              </a:rPr>
+              <a:t> </a:t>
             </a:r>
           </a:p>
           <a:p>
@@ -13421,7 +13453,7 @@
             <a:pPr>
               <a:tabLst>
                 <a:tab pos="171450" algn="l"/>
-                <a:tab pos="1771650" algn="l"/>
+                <a:tab pos="2341563" algn="l"/>
               </a:tabLst>
             </a:pPr>
             <a:r>

--- a/docs/cheat-sheet.pptx
+++ b/docs/cheat-sheet.pptx
@@ -3549,6 +3549,17 @@
             <a:r>
               <a:rPr lang="en-GB" sz="1100" b="0" dirty="0">
                 <a:solidFill>
+                  <a:schemeClr val="tx1">
+                    <a:lumMod val="50000"/>
+                    <a:lumOff val="50000"/>
+                  </a:schemeClr>
+                </a:solidFill>
+              </a:rPr>
+              <a:t>/from</a:t>
+            </a:r>
+            <a:r>
+              <a:rPr lang="en-GB" sz="1100" b="0" dirty="0">
+                <a:solidFill>
                   <a:schemeClr val="tx1"/>
                 </a:solidFill>
               </a:rPr>
@@ -3563,7 +3574,18 @@
                   </a:schemeClr>
                 </a:solidFill>
               </a:rPr>
-              <a:t> size</a:t>
+              <a:t> </a:t>
+            </a:r>
+            <a:r>
+              <a:rPr lang="en-US" sz="1100" b="0" dirty="0">
+                <a:solidFill>
+                  <a:schemeClr val="tx1">
+                    <a:lumMod val="50000"/>
+                    <a:lumOff val="50000"/>
+                  </a:schemeClr>
+                </a:solidFill>
+              </a:rPr>
+              <a:t>to</a:t>
             </a:r>
             <a:r>
               <a:rPr lang="en-GB" sz="1100" b="0" dirty="0">
@@ -13771,15 +13793,37 @@
               <a:t> </a:t>
             </a:r>
             <a:r>
-              <a:rPr lang="en-GB" sz="1100" b="0" dirty="0">
-                <a:solidFill>
-                  <a:schemeClr val="tx1">
-                    <a:lumMod val="50000"/>
-                    <a:lumOff val="50000"/>
-                  </a:schemeClr>
-                </a:solidFill>
-              </a:rPr>
-              <a:t>from to </a:t>
+              <a:rPr lang="en-GB" sz="1100" b="0" dirty="0" err="1">
+                <a:solidFill>
+                  <a:schemeClr val="tx1">
+                    <a:lumMod val="50000"/>
+                    <a:lumOff val="50000"/>
+                  </a:schemeClr>
+                </a:solidFill>
+              </a:rPr>
+              <a:t>center</a:t>
+            </a:r>
+            <a:r>
+              <a:rPr lang="en-GB" sz="1100" b="0">
+                <a:solidFill>
+                  <a:schemeClr val="tx1">
+                    <a:lumMod val="50000"/>
+                    <a:lumOff val="50000"/>
+                  </a:schemeClr>
+                </a:solidFill>
+              </a:rPr>
+              <a:t>/from </a:t>
+            </a:r>
+            <a:r>
+              <a:rPr lang="en-GB" sz="1100" b="0" dirty="0">
+                <a:solidFill>
+                  <a:schemeClr val="tx1">
+                    <a:lumMod val="50000"/>
+                    <a:lumOff val="50000"/>
+                  </a:schemeClr>
+                </a:solidFill>
+              </a:rPr>
+              <a:t>to </a:t>
             </a:r>
             <a:r>
               <a:rPr lang="en-GB" sz="1100" b="0" dirty="0" err="1">

--- a/docs/cheat-sheet.pptx
+++ b/docs/cheat-sheet.pptx
@@ -255,7 +255,7 @@
           <a:p>
             <a:fld id="{4346FDB3-09F2-4348-8F47-4013D9DCE7EC}" type="datetimeFigureOut">
               <a:rPr lang="bg-BG" smtClean="0"/>
-              <a:t>26.10.2022 г.</a:t>
+              <a:t>1.11.2022 г.</a:t>
             </a:fld>
             <a:endParaRPr lang="bg-BG"/>
           </a:p>
@@ -425,7 +425,7 @@
           <a:p>
             <a:fld id="{4346FDB3-09F2-4348-8F47-4013D9DCE7EC}" type="datetimeFigureOut">
               <a:rPr lang="bg-BG" smtClean="0"/>
-              <a:t>26.10.2022 г.</a:t>
+              <a:t>1.11.2022 г.</a:t>
             </a:fld>
             <a:endParaRPr lang="bg-BG"/>
           </a:p>
@@ -605,7 +605,7 @@
           <a:p>
             <a:fld id="{4346FDB3-09F2-4348-8F47-4013D9DCE7EC}" type="datetimeFigureOut">
               <a:rPr lang="bg-BG" smtClean="0"/>
-              <a:t>26.10.2022 г.</a:t>
+              <a:t>1.11.2022 г.</a:t>
             </a:fld>
             <a:endParaRPr lang="bg-BG"/>
           </a:p>
@@ -775,7 +775,7 @@
           <a:p>
             <a:fld id="{4346FDB3-09F2-4348-8F47-4013D9DCE7EC}" type="datetimeFigureOut">
               <a:rPr lang="bg-BG" smtClean="0"/>
-              <a:t>26.10.2022 г.</a:t>
+              <a:t>1.11.2022 г.</a:t>
             </a:fld>
             <a:endParaRPr lang="bg-BG"/>
           </a:p>
@@ -1019,7 +1019,7 @@
           <a:p>
             <a:fld id="{4346FDB3-09F2-4348-8F47-4013D9DCE7EC}" type="datetimeFigureOut">
               <a:rPr lang="bg-BG" smtClean="0"/>
-              <a:t>26.10.2022 г.</a:t>
+              <a:t>1.11.2022 г.</a:t>
             </a:fld>
             <a:endParaRPr lang="bg-BG"/>
           </a:p>
@@ -1251,7 +1251,7 @@
           <a:p>
             <a:fld id="{4346FDB3-09F2-4348-8F47-4013D9DCE7EC}" type="datetimeFigureOut">
               <a:rPr lang="bg-BG" smtClean="0"/>
-              <a:t>26.10.2022 г.</a:t>
+              <a:t>1.11.2022 г.</a:t>
             </a:fld>
             <a:endParaRPr lang="bg-BG"/>
           </a:p>
@@ -1618,7 +1618,7 @@
           <a:p>
             <a:fld id="{4346FDB3-09F2-4348-8F47-4013D9DCE7EC}" type="datetimeFigureOut">
               <a:rPr lang="bg-BG" smtClean="0"/>
-              <a:t>26.10.2022 г.</a:t>
+              <a:t>1.11.2022 г.</a:t>
             </a:fld>
             <a:endParaRPr lang="bg-BG"/>
           </a:p>
@@ -1736,7 +1736,7 @@
           <a:p>
             <a:fld id="{4346FDB3-09F2-4348-8F47-4013D9DCE7EC}" type="datetimeFigureOut">
               <a:rPr lang="bg-BG" smtClean="0"/>
-              <a:t>26.10.2022 г.</a:t>
+              <a:t>1.11.2022 г.</a:t>
             </a:fld>
             <a:endParaRPr lang="bg-BG"/>
           </a:p>
@@ -1831,7 +1831,7 @@
           <a:p>
             <a:fld id="{4346FDB3-09F2-4348-8F47-4013D9DCE7EC}" type="datetimeFigureOut">
               <a:rPr lang="bg-BG" smtClean="0"/>
-              <a:t>26.10.2022 г.</a:t>
+              <a:t>1.11.2022 г.</a:t>
             </a:fld>
             <a:endParaRPr lang="bg-BG"/>
           </a:p>
@@ -2108,7 +2108,7 @@
           <a:p>
             <a:fld id="{4346FDB3-09F2-4348-8F47-4013D9DCE7EC}" type="datetimeFigureOut">
               <a:rPr lang="bg-BG" smtClean="0"/>
-              <a:t>26.10.2022 г.</a:t>
+              <a:t>1.11.2022 г.</a:t>
             </a:fld>
             <a:endParaRPr lang="bg-BG"/>
           </a:p>
@@ -2365,7 +2365,7 @@
           <a:p>
             <a:fld id="{4346FDB3-09F2-4348-8F47-4013D9DCE7EC}" type="datetimeFigureOut">
               <a:rPr lang="bg-BG" smtClean="0"/>
-              <a:t>26.10.2022 г.</a:t>
+              <a:t>1.11.2022 г.</a:t>
             </a:fld>
             <a:endParaRPr lang="bg-BG"/>
           </a:p>
@@ -2578,7 +2578,7 @@
           <a:p>
             <a:fld id="{4346FDB3-09F2-4348-8F47-4013D9DCE7EC}" type="datetimeFigureOut">
               <a:rPr lang="bg-BG" smtClean="0"/>
-              <a:t>26.10.2022 г.</a:t>
+              <a:t>1.11.2022 г.</a:t>
             </a:fld>
             <a:endParaRPr lang="bg-BG"/>
           </a:p>
@@ -10351,6 +10351,22 @@
                   <a:schemeClr val="tx1"/>
                 </a:solidFill>
               </a:rPr>
+              <a:t>, .</a:t>
+            </a:r>
+            <a:r>
+              <a:rPr lang="en-US" sz="1100" dirty="0" err="1">
+                <a:solidFill>
+                  <a:schemeClr val="tx1"/>
+                </a:solidFill>
+              </a:rPr>
+              <a:t>spinS</a:t>
+            </a:r>
+            <a:r>
+              <a:rPr lang="en-US" sz="1100" b="0" dirty="0">
+                <a:solidFill>
+                  <a:schemeClr val="tx1"/>
+                </a:solidFill>
+              </a:rPr>
               <a:t>]</a:t>
             </a:r>
           </a:p>
@@ -19373,12 +19389,28 @@
               <a:t>, </a:t>
             </a:r>
             <a:r>
+              <a:rPr lang="en-US" sz="1100">
+                <a:solidFill>
+                  <a:schemeClr val="tx1"/>
+                </a:solidFill>
+              </a:rPr>
+              <a:t>spinT</a:t>
+            </a:r>
+            <a:r>
+              <a:rPr lang="en-US" sz="1100" b="0">
+                <a:solidFill>
+                  <a:schemeClr val="tx1"/>
+                </a:solidFill>
+              </a:rPr>
+              <a:t>, </a:t>
+            </a:r>
+            <a:r>
               <a:rPr lang="en-US" sz="1100" dirty="0" err="1">
                 <a:solidFill>
                   <a:schemeClr val="tx1"/>
                 </a:solidFill>
               </a:rPr>
-              <a:t>spinT</a:t>
+              <a:t>spinS</a:t>
             </a:r>
             <a:r>
               <a:rPr lang="en-US" sz="1100" b="0" dirty="0">

--- a/docs/cheat-sheet.pptx
+++ b/docs/cheat-sheet.pptx
@@ -255,7 +255,7 @@
           <a:p>
             <a:fld id="{4346FDB3-09F2-4348-8F47-4013D9DCE7EC}" type="datetimeFigureOut">
               <a:rPr lang="bg-BG" smtClean="0"/>
-              <a:t>1.11.2022 г.</a:t>
+              <a:t>3.11.2022 г.</a:t>
             </a:fld>
             <a:endParaRPr lang="bg-BG"/>
           </a:p>
@@ -425,7 +425,7 @@
           <a:p>
             <a:fld id="{4346FDB3-09F2-4348-8F47-4013D9DCE7EC}" type="datetimeFigureOut">
               <a:rPr lang="bg-BG" smtClean="0"/>
-              <a:t>1.11.2022 г.</a:t>
+              <a:t>3.11.2022 г.</a:t>
             </a:fld>
             <a:endParaRPr lang="bg-BG"/>
           </a:p>
@@ -605,7 +605,7 @@
           <a:p>
             <a:fld id="{4346FDB3-09F2-4348-8F47-4013D9DCE7EC}" type="datetimeFigureOut">
               <a:rPr lang="bg-BG" smtClean="0"/>
-              <a:t>1.11.2022 г.</a:t>
+              <a:t>3.11.2022 г.</a:t>
             </a:fld>
             <a:endParaRPr lang="bg-BG"/>
           </a:p>
@@ -775,7 +775,7 @@
           <a:p>
             <a:fld id="{4346FDB3-09F2-4348-8F47-4013D9DCE7EC}" type="datetimeFigureOut">
               <a:rPr lang="bg-BG" smtClean="0"/>
-              <a:t>1.11.2022 г.</a:t>
+              <a:t>3.11.2022 г.</a:t>
             </a:fld>
             <a:endParaRPr lang="bg-BG"/>
           </a:p>
@@ -1019,7 +1019,7 @@
           <a:p>
             <a:fld id="{4346FDB3-09F2-4348-8F47-4013D9DCE7EC}" type="datetimeFigureOut">
               <a:rPr lang="bg-BG" smtClean="0"/>
-              <a:t>1.11.2022 г.</a:t>
+              <a:t>3.11.2022 г.</a:t>
             </a:fld>
             <a:endParaRPr lang="bg-BG"/>
           </a:p>
@@ -1251,7 +1251,7 @@
           <a:p>
             <a:fld id="{4346FDB3-09F2-4348-8F47-4013D9DCE7EC}" type="datetimeFigureOut">
               <a:rPr lang="bg-BG" smtClean="0"/>
-              <a:t>1.11.2022 г.</a:t>
+              <a:t>3.11.2022 г.</a:t>
             </a:fld>
             <a:endParaRPr lang="bg-BG"/>
           </a:p>
@@ -1618,7 +1618,7 @@
           <a:p>
             <a:fld id="{4346FDB3-09F2-4348-8F47-4013D9DCE7EC}" type="datetimeFigureOut">
               <a:rPr lang="bg-BG" smtClean="0"/>
-              <a:t>1.11.2022 г.</a:t>
+              <a:t>3.11.2022 г.</a:t>
             </a:fld>
             <a:endParaRPr lang="bg-BG"/>
           </a:p>
@@ -1736,7 +1736,7 @@
           <a:p>
             <a:fld id="{4346FDB3-09F2-4348-8F47-4013D9DCE7EC}" type="datetimeFigureOut">
               <a:rPr lang="bg-BG" smtClean="0"/>
-              <a:t>1.11.2022 г.</a:t>
+              <a:t>3.11.2022 г.</a:t>
             </a:fld>
             <a:endParaRPr lang="bg-BG"/>
           </a:p>
@@ -1831,7 +1831,7 @@
           <a:p>
             <a:fld id="{4346FDB3-09F2-4348-8F47-4013D9DCE7EC}" type="datetimeFigureOut">
               <a:rPr lang="bg-BG" smtClean="0"/>
-              <a:t>1.11.2022 г.</a:t>
+              <a:t>3.11.2022 г.</a:t>
             </a:fld>
             <a:endParaRPr lang="bg-BG"/>
           </a:p>
@@ -2108,7 +2108,7 @@
           <a:p>
             <a:fld id="{4346FDB3-09F2-4348-8F47-4013D9DCE7EC}" type="datetimeFigureOut">
               <a:rPr lang="bg-BG" smtClean="0"/>
-              <a:t>1.11.2022 г.</a:t>
+              <a:t>3.11.2022 г.</a:t>
             </a:fld>
             <a:endParaRPr lang="bg-BG"/>
           </a:p>
@@ -2365,7 +2365,7 @@
           <a:p>
             <a:fld id="{4346FDB3-09F2-4348-8F47-4013D9DCE7EC}" type="datetimeFigureOut">
               <a:rPr lang="bg-BG" smtClean="0"/>
-              <a:t>1.11.2022 г.</a:t>
+              <a:t>3.11.2022 г.</a:t>
             </a:fld>
             <a:endParaRPr lang="bg-BG"/>
           </a:p>
@@ -2578,7 +2578,7 @@
           <a:p>
             <a:fld id="{4346FDB3-09F2-4348-8F47-4013D9DCE7EC}" type="datetimeFigureOut">
               <a:rPr lang="bg-BG" smtClean="0"/>
-              <a:t>1.11.2022 г.</a:t>
+              <a:t>3.11.2022 г.</a:t>
             </a:fld>
             <a:endParaRPr lang="bg-BG"/>
           </a:p>
@@ -9156,7 +9156,17 @@
               </a:rPr>
               <a:t>)</a:t>
             </a:r>
-            <a:endParaRPr lang="en-GB" sz="1100" b="0" dirty="0">
+          </a:p>
+          <a:p>
+            <a:r>
+              <a:rPr lang="fr-FR" sz="1100" dirty="0">
+                <a:solidFill>
+                  <a:schemeClr val="tx1"/>
+                </a:solidFill>
+              </a:rPr>
+              <a:t>SUICA_VERSION, SUICA_DATE</a:t>
+            </a:r>
+            <a:endParaRPr lang="en-GB" sz="1100" dirty="0">
               <a:solidFill>
                 <a:schemeClr val="tx1"/>
               </a:solidFill>

--- a/docs/cheat-sheet.pptx
+++ b/docs/cheat-sheet.pptx
@@ -255,7 +255,7 @@
           <a:p>
             <a:fld id="{4346FDB3-09F2-4348-8F47-4013D9DCE7EC}" type="datetimeFigureOut">
               <a:rPr lang="bg-BG" smtClean="0"/>
-              <a:t>3.11.2022 г.</a:t>
+              <a:t>11.11.2022 г.</a:t>
             </a:fld>
             <a:endParaRPr lang="bg-BG"/>
           </a:p>
@@ -425,7 +425,7 @@
           <a:p>
             <a:fld id="{4346FDB3-09F2-4348-8F47-4013D9DCE7EC}" type="datetimeFigureOut">
               <a:rPr lang="bg-BG" smtClean="0"/>
-              <a:t>3.11.2022 г.</a:t>
+              <a:t>11.11.2022 г.</a:t>
             </a:fld>
             <a:endParaRPr lang="bg-BG"/>
           </a:p>
@@ -605,7 +605,7 @@
           <a:p>
             <a:fld id="{4346FDB3-09F2-4348-8F47-4013D9DCE7EC}" type="datetimeFigureOut">
               <a:rPr lang="bg-BG" smtClean="0"/>
-              <a:t>3.11.2022 г.</a:t>
+              <a:t>11.11.2022 г.</a:t>
             </a:fld>
             <a:endParaRPr lang="bg-BG"/>
           </a:p>
@@ -775,7 +775,7 @@
           <a:p>
             <a:fld id="{4346FDB3-09F2-4348-8F47-4013D9DCE7EC}" type="datetimeFigureOut">
               <a:rPr lang="bg-BG" smtClean="0"/>
-              <a:t>3.11.2022 г.</a:t>
+              <a:t>11.11.2022 г.</a:t>
             </a:fld>
             <a:endParaRPr lang="bg-BG"/>
           </a:p>
@@ -1019,7 +1019,7 @@
           <a:p>
             <a:fld id="{4346FDB3-09F2-4348-8F47-4013D9DCE7EC}" type="datetimeFigureOut">
               <a:rPr lang="bg-BG" smtClean="0"/>
-              <a:t>3.11.2022 г.</a:t>
+              <a:t>11.11.2022 г.</a:t>
             </a:fld>
             <a:endParaRPr lang="bg-BG"/>
           </a:p>
@@ -1251,7 +1251,7 @@
           <a:p>
             <a:fld id="{4346FDB3-09F2-4348-8F47-4013D9DCE7EC}" type="datetimeFigureOut">
               <a:rPr lang="bg-BG" smtClean="0"/>
-              <a:t>3.11.2022 г.</a:t>
+              <a:t>11.11.2022 г.</a:t>
             </a:fld>
             <a:endParaRPr lang="bg-BG"/>
           </a:p>
@@ -1618,7 +1618,7 @@
           <a:p>
             <a:fld id="{4346FDB3-09F2-4348-8F47-4013D9DCE7EC}" type="datetimeFigureOut">
               <a:rPr lang="bg-BG" smtClean="0"/>
-              <a:t>3.11.2022 г.</a:t>
+              <a:t>11.11.2022 г.</a:t>
             </a:fld>
             <a:endParaRPr lang="bg-BG"/>
           </a:p>
@@ -1736,7 +1736,7 @@
           <a:p>
             <a:fld id="{4346FDB3-09F2-4348-8F47-4013D9DCE7EC}" type="datetimeFigureOut">
               <a:rPr lang="bg-BG" smtClean="0"/>
-              <a:t>3.11.2022 г.</a:t>
+              <a:t>11.11.2022 г.</a:t>
             </a:fld>
             <a:endParaRPr lang="bg-BG"/>
           </a:p>
@@ -1831,7 +1831,7 @@
           <a:p>
             <a:fld id="{4346FDB3-09F2-4348-8F47-4013D9DCE7EC}" type="datetimeFigureOut">
               <a:rPr lang="bg-BG" smtClean="0"/>
-              <a:t>3.11.2022 г.</a:t>
+              <a:t>11.11.2022 г.</a:t>
             </a:fld>
             <a:endParaRPr lang="bg-BG"/>
           </a:p>
@@ -2108,7 +2108,7 @@
           <a:p>
             <a:fld id="{4346FDB3-09F2-4348-8F47-4013D9DCE7EC}" type="datetimeFigureOut">
               <a:rPr lang="bg-BG" smtClean="0"/>
-              <a:t>3.11.2022 г.</a:t>
+              <a:t>11.11.2022 г.</a:t>
             </a:fld>
             <a:endParaRPr lang="bg-BG"/>
           </a:p>
@@ -2365,7 +2365,7 @@
           <a:p>
             <a:fld id="{4346FDB3-09F2-4348-8F47-4013D9DCE7EC}" type="datetimeFigureOut">
               <a:rPr lang="bg-BG" smtClean="0"/>
-              <a:t>3.11.2022 г.</a:t>
+              <a:t>11.11.2022 г.</a:t>
             </a:fld>
             <a:endParaRPr lang="bg-BG"/>
           </a:p>
@@ -2578,7 +2578,7 @@
           <a:p>
             <a:fld id="{4346FDB3-09F2-4348-8F47-4013D9DCE7EC}" type="datetimeFigureOut">
               <a:rPr lang="bg-BG" smtClean="0"/>
-              <a:t>3.11.2022 г.</a:t>
+              <a:t>11.11.2022 г.</a:t>
             </a:fld>
             <a:endParaRPr lang="bg-BG"/>
           </a:p>
@@ -8704,6 +8704,62 @@
           </a:p>
           <a:p>
             <a:r>
+              <a:rPr lang="fr-FR" sz="1100" dirty="0">
+                <a:solidFill>
+                  <a:schemeClr val="tx1"/>
+                </a:solidFill>
+              </a:rPr>
+              <a:t>trackball</a:t>
+            </a:r>
+            <a:r>
+              <a:rPr lang="fr-FR" sz="1100" b="0" dirty="0">
+                <a:solidFill>
+                  <a:schemeClr val="tx1"/>
+                </a:solidFill>
+              </a:rPr>
+              <a:t> (</a:t>
+            </a:r>
+            <a:r>
+              <a:rPr lang="fr-FR" sz="1100" b="0" dirty="0">
+                <a:solidFill>
+                  <a:schemeClr val="tx1">
+                    <a:lumMod val="50000"/>
+                    <a:lumOff val="50000"/>
+                  </a:schemeClr>
+                </a:solidFill>
+              </a:rPr>
+              <a:t>distance</a:t>
+            </a:r>
+            <a:r>
+              <a:rPr lang="fr-FR" sz="1100" b="0" dirty="0">
+                <a:solidFill>
+                  <a:schemeClr val="tx1"/>
+                </a:solidFill>
+              </a:rPr>
+              <a:t>, </a:t>
+            </a:r>
+            <a:r>
+              <a:rPr lang="fr-FR" sz="1100" b="0" dirty="0">
+                <a:solidFill>
+                  <a:schemeClr val="tx1">
+                    <a:lumMod val="50000"/>
+                    <a:lumOff val="50000"/>
+                  </a:schemeClr>
+                </a:solidFill>
+              </a:rPr>
+              <a:t>altitude</a:t>
+            </a:r>
+            <a:r>
+              <a:rPr lang="fr-FR" sz="1100" b="0" dirty="0">
+                <a:solidFill>
+                  <a:schemeClr val="tx1"/>
+                </a:solidFill>
+              </a:rPr>
+              <a:t>)</a:t>
+            </a:r>
+          </a:p>
+          <a:p>
+            <a:r>
               <a:rPr lang="fr-FR" sz="1100" dirty="0" err="1">
                 <a:solidFill>
                   <a:schemeClr val="tx1"/>
@@ -17345,6 +17401,51 @@
                 </a:solidFill>
               </a:rPr>
               <a:t>id distance altitude speed</a:t>
+            </a:r>
+            <a:r>
+              <a:rPr lang="fr-FR" sz="1100" b="0" dirty="0">
+                <a:solidFill>
+                  <a:schemeClr val="tx1"/>
+                </a:solidFill>
+              </a:rPr>
+              <a:t>&gt;</a:t>
+            </a:r>
+          </a:p>
+          <a:p>
+            <a:r>
+              <a:rPr lang="fr-FR" sz="1100" b="0">
+                <a:solidFill>
+                  <a:schemeClr val="tx1"/>
+                </a:solidFill>
+              </a:rPr>
+              <a:t>&lt;</a:t>
+            </a:r>
+            <a:r>
+              <a:rPr lang="fr-FR" sz="1100">
+                <a:solidFill>
+                  <a:schemeClr val="tx1"/>
+                </a:solidFill>
+              </a:rPr>
+              <a:t>trackball</a:t>
+            </a:r>
+            <a:r>
+              <a:rPr lang="fr-FR" sz="1100" b="0">
+                <a:solidFill>
+                  <a:schemeClr val="tx1"/>
+                </a:solidFill>
+              </a:rPr>
+              <a:t> </a:t>
+            </a:r>
+            <a:r>
+              <a:rPr lang="fr-FR" sz="1100" b="0" dirty="0">
+                <a:solidFill>
+                  <a:schemeClr val="tx1">
+                    <a:lumMod val="50000"/>
+                    <a:lumOff val="50000"/>
+                  </a:schemeClr>
+                </a:solidFill>
+              </a:rPr>
+              <a:t>id distance altitude</a:t>
             </a:r>
             <a:r>
               <a:rPr lang="fr-FR" sz="1100" b="0" dirty="0">

--- a/docs/cheat-sheet.pptx
+++ b/docs/cheat-sheet.pptx
@@ -255,7 +255,7 @@
           <a:p>
             <a:fld id="{4346FDB3-09F2-4348-8F47-4013D9DCE7EC}" type="datetimeFigureOut">
               <a:rPr lang="bg-BG" smtClean="0"/>
-              <a:t>11.11.2022 г.</a:t>
+              <a:t>13.11.2022 г.</a:t>
             </a:fld>
             <a:endParaRPr lang="bg-BG"/>
           </a:p>
@@ -425,7 +425,7 @@
           <a:p>
             <a:fld id="{4346FDB3-09F2-4348-8F47-4013D9DCE7EC}" type="datetimeFigureOut">
               <a:rPr lang="bg-BG" smtClean="0"/>
-              <a:t>11.11.2022 г.</a:t>
+              <a:t>13.11.2022 г.</a:t>
             </a:fld>
             <a:endParaRPr lang="bg-BG"/>
           </a:p>
@@ -605,7 +605,7 @@
           <a:p>
             <a:fld id="{4346FDB3-09F2-4348-8F47-4013D9DCE7EC}" type="datetimeFigureOut">
               <a:rPr lang="bg-BG" smtClean="0"/>
-              <a:t>11.11.2022 г.</a:t>
+              <a:t>13.11.2022 г.</a:t>
             </a:fld>
             <a:endParaRPr lang="bg-BG"/>
           </a:p>
@@ -775,7 +775,7 @@
           <a:p>
             <a:fld id="{4346FDB3-09F2-4348-8F47-4013D9DCE7EC}" type="datetimeFigureOut">
               <a:rPr lang="bg-BG" smtClean="0"/>
-              <a:t>11.11.2022 г.</a:t>
+              <a:t>13.11.2022 г.</a:t>
             </a:fld>
             <a:endParaRPr lang="bg-BG"/>
           </a:p>
@@ -1019,7 +1019,7 @@
           <a:p>
             <a:fld id="{4346FDB3-09F2-4348-8F47-4013D9DCE7EC}" type="datetimeFigureOut">
               <a:rPr lang="bg-BG" smtClean="0"/>
-              <a:t>11.11.2022 г.</a:t>
+              <a:t>13.11.2022 г.</a:t>
             </a:fld>
             <a:endParaRPr lang="bg-BG"/>
           </a:p>
@@ -1251,7 +1251,7 @@
           <a:p>
             <a:fld id="{4346FDB3-09F2-4348-8F47-4013D9DCE7EC}" type="datetimeFigureOut">
               <a:rPr lang="bg-BG" smtClean="0"/>
-              <a:t>11.11.2022 г.</a:t>
+              <a:t>13.11.2022 г.</a:t>
             </a:fld>
             <a:endParaRPr lang="bg-BG"/>
           </a:p>
@@ -1618,7 +1618,7 @@
           <a:p>
             <a:fld id="{4346FDB3-09F2-4348-8F47-4013D9DCE7EC}" type="datetimeFigureOut">
               <a:rPr lang="bg-BG" smtClean="0"/>
-              <a:t>11.11.2022 г.</a:t>
+              <a:t>13.11.2022 г.</a:t>
             </a:fld>
             <a:endParaRPr lang="bg-BG"/>
           </a:p>
@@ -1736,7 +1736,7 @@
           <a:p>
             <a:fld id="{4346FDB3-09F2-4348-8F47-4013D9DCE7EC}" type="datetimeFigureOut">
               <a:rPr lang="bg-BG" smtClean="0"/>
-              <a:t>11.11.2022 г.</a:t>
+              <a:t>13.11.2022 г.</a:t>
             </a:fld>
             <a:endParaRPr lang="bg-BG"/>
           </a:p>
@@ -1831,7 +1831,7 @@
           <a:p>
             <a:fld id="{4346FDB3-09F2-4348-8F47-4013D9DCE7EC}" type="datetimeFigureOut">
               <a:rPr lang="bg-BG" smtClean="0"/>
-              <a:t>11.11.2022 г.</a:t>
+              <a:t>13.11.2022 г.</a:t>
             </a:fld>
             <a:endParaRPr lang="bg-BG"/>
           </a:p>
@@ -2108,7 +2108,7 @@
           <a:p>
             <a:fld id="{4346FDB3-09F2-4348-8F47-4013D9DCE7EC}" type="datetimeFigureOut">
               <a:rPr lang="bg-BG" smtClean="0"/>
-              <a:t>11.11.2022 г.</a:t>
+              <a:t>13.11.2022 г.</a:t>
             </a:fld>
             <a:endParaRPr lang="bg-BG"/>
           </a:p>
@@ -2365,7 +2365,7 @@
           <a:p>
             <a:fld id="{4346FDB3-09F2-4348-8F47-4013D9DCE7EC}" type="datetimeFigureOut">
               <a:rPr lang="bg-BG" smtClean="0"/>
-              <a:t>11.11.2022 г.</a:t>
+              <a:t>13.11.2022 г.</a:t>
             </a:fld>
             <a:endParaRPr lang="bg-BG"/>
           </a:p>
@@ -2578,7 +2578,7 @@
           <a:p>
             <a:fld id="{4346FDB3-09F2-4348-8F47-4013D9DCE7EC}" type="datetimeFigureOut">
               <a:rPr lang="bg-BG" smtClean="0"/>
-              <a:t>11.11.2022 г.</a:t>
+              <a:t>13.11.2022 г.</a:t>
             </a:fld>
             <a:endParaRPr lang="bg-BG"/>
           </a:p>
@@ -6036,7 +6036,7 @@
         <p:spPr>
           <a:xfrm>
             <a:off x="8153400" y="533400"/>
-            <a:ext cx="1676398" cy="3200400"/>
+            <a:ext cx="1676398" cy="3962400"/>
           </a:xfrm>
           <a:prstGeom prst="rect">
             <a:avLst/>
@@ -6704,6 +6704,96 @@
               </a:rPr>
               <a:t>)</a:t>
             </a:r>
+          </a:p>
+          <a:p>
+            <a:r>
+              <a:rPr lang="fr-FR" sz="1100" dirty="0" err="1">
+                <a:solidFill>
+                  <a:schemeClr val="tx1"/>
+                </a:solidFill>
+              </a:rPr>
+              <a:t>lerp</a:t>
+            </a:r>
+            <a:r>
+              <a:rPr lang="fr-FR" sz="1100" b="0" dirty="0">
+                <a:solidFill>
+                  <a:schemeClr val="tx1"/>
+                </a:solidFill>
+              </a:rPr>
+              <a:t> (</a:t>
+            </a:r>
+            <a:r>
+              <a:rPr lang="fr-FR" sz="1100" b="0" dirty="0">
+                <a:solidFill>
+                  <a:schemeClr val="tx1">
+                    <a:lumMod val="50000"/>
+                    <a:lumOff val="50000"/>
+                  </a:schemeClr>
+                </a:solidFill>
+              </a:rPr>
+              <a:t>first, second, k</a:t>
+            </a:r>
+            <a:r>
+              <a:rPr lang="fr-FR" sz="1100" b="0" dirty="0">
+                <a:solidFill>
+                  <a:schemeClr val="tx1"/>
+                </a:solidFill>
+              </a:rPr>
+              <a:t>)</a:t>
+            </a:r>
+          </a:p>
+          <a:p>
+            <a:r>
+              <a:rPr lang="fr-FR" sz="1100" dirty="0">
+                <a:solidFill>
+                  <a:schemeClr val="tx1"/>
+                </a:solidFill>
+              </a:rPr>
+              <a:t>clamp</a:t>
+            </a:r>
+            <a:r>
+              <a:rPr lang="fr-FR" sz="1100" b="0" dirty="0">
+                <a:solidFill>
+                  <a:schemeClr val="tx1"/>
+                </a:solidFill>
+              </a:rPr>
+              <a:t> (</a:t>
+            </a:r>
+            <a:r>
+              <a:rPr lang="fr-FR" sz="1100" b="0" dirty="0">
+                <a:solidFill>
+                  <a:schemeClr val="tx1">
+                    <a:lumMod val="50000"/>
+                    <a:lumOff val="50000"/>
+                  </a:schemeClr>
+                </a:solidFill>
+              </a:rPr>
+              <a:t>value, min</a:t>
+            </a:r>
+            <a:r>
+              <a:rPr lang="fr-FR" sz="1100" b="0">
+                <a:solidFill>
+                  <a:schemeClr val="tx1">
+                    <a:lumMod val="50000"/>
+                    <a:lumOff val="50000"/>
+                  </a:schemeClr>
+                </a:solidFill>
+              </a:rPr>
+              <a:t>, max</a:t>
+            </a:r>
+            <a:r>
+              <a:rPr lang="fr-FR" sz="1100" b="0">
+                <a:solidFill>
+                  <a:schemeClr val="tx1"/>
+                </a:solidFill>
+              </a:rPr>
+              <a:t>)</a:t>
+            </a:r>
+            <a:endParaRPr lang="fr-FR" sz="1100" b="0" dirty="0">
+              <a:solidFill>
+                <a:schemeClr val="tx1"/>
+              </a:solidFill>
+            </a:endParaRPr>
           </a:p>
           <a:p>
             <a:r>
@@ -7304,8 +7394,8 @@
         </p:nvSpPr>
         <p:spPr>
           <a:xfrm>
-            <a:off x="8153399" y="3810000"/>
-            <a:ext cx="1676398" cy="2216820"/>
+            <a:off x="8153399" y="4572000"/>
+            <a:ext cx="1676398" cy="2189150"/>
           </a:xfrm>
           <a:prstGeom prst="rect">
             <a:avLst/>
@@ -8333,7 +8423,7 @@
         <p:spPr>
           <a:xfrm>
             <a:off x="5334000" y="533399"/>
-            <a:ext cx="2738120" cy="3200399"/>
+            <a:ext cx="2738120" cy="3962401"/>
           </a:xfrm>
           <a:prstGeom prst="rect">
             <a:avLst/>
@@ -10772,145 +10862,6 @@
       </p:sp>
       <p:sp>
         <p:nvSpPr>
-          <p:cNvPr id="16" name="TextBox 15">
-            <a:extLst>
-              <a:ext uri="{FF2B5EF4-FFF2-40B4-BE49-F238E27FC236}">
-                <a16:creationId xmlns:a16="http://schemas.microsoft.com/office/drawing/2014/main" id="{AF994614-CB7B-4906-8F52-6F032CB29F97}"/>
-              </a:ext>
-            </a:extLst>
-          </p:cNvPr>
-          <p:cNvSpPr txBox="1"/>
-          <p:nvPr/>
-        </p:nvSpPr>
-        <p:spPr>
-          <a:xfrm>
-            <a:off x="5334000" y="6113599"/>
-            <a:ext cx="4495797" cy="668200"/>
-          </a:xfrm>
-          <a:prstGeom prst="rect">
-            <a:avLst/>
-          </a:prstGeom>
-          <a:solidFill>
-            <a:schemeClr val="bg1">
-              <a:lumMod val="95000"/>
-            </a:schemeClr>
-          </a:solidFill>
-          <a:ln w="3175">
-            <a:noFill/>
-          </a:ln>
-        </p:spPr>
-        <p:style>
-          <a:lnRef idx="2">
-            <a:schemeClr val="accent1">
-              <a:shade val="50000"/>
-            </a:schemeClr>
-          </a:lnRef>
-          <a:fillRef idx="1">
-            <a:schemeClr val="accent1"/>
-          </a:fillRef>
-          <a:effectRef idx="0">
-            <a:schemeClr val="accent1"/>
-          </a:effectRef>
-          <a:fontRef idx="minor">
-            <a:schemeClr val="lt1"/>
-          </a:fontRef>
-        </p:style>
-        <p:txBody>
-          <a:bodyPr rot="0" spcFirstLastPara="0" vertOverflow="overflow" horzOverflow="overflow" vert="horz" wrap="square" lIns="91440" tIns="45720" rIns="0" bIns="45720" numCol="1" spcCol="0" rtlCol="0" fromWordArt="0" anchor="t" anchorCtr="0" forceAA="0" compatLnSpc="1">
-            <a:prstTxWarp prst="textNoShape">
-              <a:avLst/>
-            </a:prstTxWarp>
-            <a:noAutofit/>
-          </a:bodyPr>
-          <a:lstStyle>
-            <a:defPPr>
-              <a:defRPr lang="en-US"/>
-            </a:defPPr>
-            <a:lvl1pPr>
-              <a:tabLst>
-                <a:tab pos="171450" algn="l"/>
-              </a:tabLst>
-              <a:defRPr sz="1000" b="1">
-                <a:solidFill>
-                  <a:schemeClr val="accent1"/>
-                </a:solidFill>
-                <a:latin typeface="Agency FB" panose="020B0503020202020204" pitchFamily="34" charset="0"/>
-              </a:defRPr>
-            </a:lvl1pPr>
-            <a:lvl2pPr>
-              <a:defRPr>
-                <a:solidFill>
-                  <a:schemeClr val="lt1"/>
-                </a:solidFill>
-              </a:defRPr>
-            </a:lvl2pPr>
-            <a:lvl3pPr>
-              <a:defRPr>
-                <a:solidFill>
-                  <a:schemeClr val="lt1"/>
-                </a:solidFill>
-              </a:defRPr>
-            </a:lvl3pPr>
-            <a:lvl4pPr>
-              <a:defRPr>
-                <a:solidFill>
-                  <a:schemeClr val="lt1"/>
-                </a:solidFill>
-              </a:defRPr>
-            </a:lvl4pPr>
-            <a:lvl5pPr>
-              <a:defRPr>
-                <a:solidFill>
-                  <a:schemeClr val="lt1"/>
-                </a:solidFill>
-              </a:defRPr>
-            </a:lvl5pPr>
-            <a:lvl6pPr>
-              <a:defRPr>
-                <a:solidFill>
-                  <a:schemeClr val="lt1"/>
-                </a:solidFill>
-              </a:defRPr>
-            </a:lvl6pPr>
-            <a:lvl7pPr>
-              <a:defRPr>
-                <a:solidFill>
-                  <a:schemeClr val="lt1"/>
-                </a:solidFill>
-              </a:defRPr>
-            </a:lvl7pPr>
-            <a:lvl8pPr>
-              <a:defRPr>
-                <a:solidFill>
-                  <a:schemeClr val="lt1"/>
-                </a:solidFill>
-              </a:defRPr>
-            </a:lvl8pPr>
-            <a:lvl9pPr>
-              <a:defRPr>
-                <a:solidFill>
-                  <a:schemeClr val="lt1"/>
-                </a:solidFill>
-              </a:defRPr>
-            </a:lvl9pPr>
-          </a:lstStyle>
-          <a:p>
-            <a:pPr>
-              <a:tabLst>
-                <a:tab pos="173038" algn="l"/>
-                <a:tab pos="2286000" algn="r"/>
-              </a:tabLst>
-            </a:pPr>
-            <a:endParaRPr lang="en-GB" sz="1200" b="0" dirty="0">
-              <a:solidFill>
-                <a:schemeClr val="tx1"/>
-              </a:solidFill>
-            </a:endParaRPr>
-          </a:p>
-        </p:txBody>
-      </p:sp>
-      <p:sp>
-        <p:nvSpPr>
           <p:cNvPr id="17" name="TextBox 16">
             <a:extLst>
               <a:ext uri="{FF2B5EF4-FFF2-40B4-BE49-F238E27FC236}">
@@ -10923,8 +10874,8 @@
         </p:nvSpPr>
         <p:spPr>
           <a:xfrm>
-            <a:off x="5334000" y="3810000"/>
-            <a:ext cx="2738120" cy="2216820"/>
+            <a:off x="5334000" y="4572000"/>
+            <a:ext cx="2738120" cy="2189150"/>
           </a:xfrm>
           <a:prstGeom prst="rect">
             <a:avLst/>
@@ -13104,293 +13055,314 @@
           </a:p>
         </p:txBody>
       </p:sp>
-      <p:sp>
-        <p:nvSpPr>
-          <p:cNvPr id="22" name="TextBox 21">
+      <p:grpSp>
+        <p:nvGrpSpPr>
+          <p:cNvPr id="2" name="Group 1">
             <a:extLst>
               <a:ext uri="{FF2B5EF4-FFF2-40B4-BE49-F238E27FC236}">
-                <a16:creationId xmlns:a16="http://schemas.microsoft.com/office/drawing/2014/main" id="{8328D65F-0A00-42A2-9A1F-A1EEA76AC479}"/>
+                <a16:creationId xmlns:a16="http://schemas.microsoft.com/office/drawing/2014/main" id="{90A472D5-EBA3-48DB-9A45-D76D8201A41D}"/>
               </a:ext>
             </a:extLst>
           </p:cNvPr>
-          <p:cNvSpPr txBox="1"/>
+          <p:cNvGrpSpPr/>
           <p:nvPr/>
-        </p:nvSpPr>
-        <p:spPr>
-          <a:xfrm rot="5400000">
-            <a:off x="9392221" y="4635425"/>
-            <a:ext cx="661029" cy="214127"/>
+        </p:nvGrpSpPr>
+        <p:grpSpPr>
+          <a:xfrm>
+            <a:off x="9589191" y="5187310"/>
+            <a:ext cx="240608" cy="668660"/>
+            <a:chOff x="9589191" y="5187310"/>
+            <a:chExt cx="240608" cy="668660"/>
           </a:xfrm>
-          <a:prstGeom prst="rect">
-            <a:avLst/>
-          </a:prstGeom>
-          <a:solidFill>
-            <a:schemeClr val="bg1"/>
-          </a:solidFill>
-          <a:ln w="3175">
-            <a:noFill/>
-          </a:ln>
-        </p:spPr>
-        <p:style>
-          <a:lnRef idx="2">
-            <a:schemeClr val="accent1">
-              <a:shade val="50000"/>
-            </a:schemeClr>
-          </a:lnRef>
-          <a:fillRef idx="1">
-            <a:schemeClr val="accent1"/>
-          </a:fillRef>
-          <a:effectRef idx="0">
-            <a:schemeClr val="accent1"/>
-          </a:effectRef>
-          <a:fontRef idx="minor">
-            <a:schemeClr val="lt1"/>
-          </a:fontRef>
-        </p:style>
-        <p:txBody>
-          <a:bodyPr rot="0" spcFirstLastPara="0" vertOverflow="overflow" horzOverflow="overflow" vert="horz" wrap="square" lIns="0" tIns="0" rIns="0" bIns="0" numCol="1" spcCol="0" rtlCol="0" fromWordArt="0" anchor="t" anchorCtr="0" forceAA="0" compatLnSpc="1">
-            <a:prstTxWarp prst="textNoShape">
+        </p:grpSpPr>
+        <p:sp>
+          <p:nvSpPr>
+            <p:cNvPr id="22" name="TextBox 21">
+              <a:extLst>
+                <a:ext uri="{FF2B5EF4-FFF2-40B4-BE49-F238E27FC236}">
+                  <a16:creationId xmlns:a16="http://schemas.microsoft.com/office/drawing/2014/main" id="{8328D65F-0A00-42A2-9A1F-A1EEA76AC479}"/>
+                </a:ext>
+              </a:extLst>
+            </p:cNvPr>
+            <p:cNvSpPr txBox="1"/>
+            <p:nvPr/>
+          </p:nvSpPr>
+          <p:spPr>
+            <a:xfrm rot="5400000">
+              <a:off x="9392221" y="5410761"/>
+              <a:ext cx="661029" cy="214127"/>
+            </a:xfrm>
+            <a:prstGeom prst="rect">
               <a:avLst/>
-            </a:prstTxWarp>
-            <a:noAutofit/>
-          </a:bodyPr>
-          <a:lstStyle>
-            <a:defPPr>
-              <a:defRPr lang="en-US"/>
-            </a:defPPr>
-            <a:lvl1pPr>
-              <a:tabLst>
-                <a:tab pos="171450" algn="l"/>
-              </a:tabLst>
-              <a:defRPr sz="1000" b="1">
-                <a:solidFill>
-                  <a:schemeClr val="accent1"/>
-                </a:solidFill>
-                <a:latin typeface="Agency FB" panose="020B0503020202020204" pitchFamily="34" charset="0"/>
-              </a:defRPr>
-            </a:lvl1pPr>
-            <a:lvl2pPr>
-              <a:defRPr>
-                <a:solidFill>
-                  <a:schemeClr val="lt1"/>
-                </a:solidFill>
-              </a:defRPr>
-            </a:lvl2pPr>
-            <a:lvl3pPr>
-              <a:defRPr>
-                <a:solidFill>
-                  <a:schemeClr val="lt1"/>
-                </a:solidFill>
-              </a:defRPr>
-            </a:lvl3pPr>
-            <a:lvl4pPr>
-              <a:defRPr>
-                <a:solidFill>
-                  <a:schemeClr val="lt1"/>
-                </a:solidFill>
-              </a:defRPr>
-            </a:lvl4pPr>
-            <a:lvl5pPr>
-              <a:defRPr>
-                <a:solidFill>
-                  <a:schemeClr val="lt1"/>
-                </a:solidFill>
-              </a:defRPr>
-            </a:lvl5pPr>
-            <a:lvl6pPr>
-              <a:defRPr>
-                <a:solidFill>
-                  <a:schemeClr val="lt1"/>
-                </a:solidFill>
-              </a:defRPr>
-            </a:lvl6pPr>
-            <a:lvl7pPr>
-              <a:defRPr>
-                <a:solidFill>
-                  <a:schemeClr val="lt1"/>
-                </a:solidFill>
-              </a:defRPr>
-            </a:lvl7pPr>
-            <a:lvl8pPr>
-              <a:defRPr>
-                <a:solidFill>
-                  <a:schemeClr val="lt1"/>
-                </a:solidFill>
-              </a:defRPr>
-            </a:lvl8pPr>
-            <a:lvl9pPr>
-              <a:defRPr>
-                <a:solidFill>
-                  <a:schemeClr val="lt1"/>
-                </a:solidFill>
-              </a:defRPr>
-            </a:lvl9pPr>
-          </a:lstStyle>
-          <a:p>
-            <a:pPr algn="ctr">
-              <a:tabLst>
-                <a:tab pos="171450" algn="l"/>
-                <a:tab pos="1427163" algn="l"/>
-                <a:tab pos="1717675" algn="l"/>
-              </a:tabLst>
-            </a:pPr>
-            <a:r>
-              <a:rPr lang="en-GB" sz="1100" b="0" dirty="0">
-                <a:solidFill>
-                  <a:schemeClr val="tx1">
-                    <a:lumMod val="50000"/>
-                    <a:lumOff val="50000"/>
-                  </a:schemeClr>
-                </a:solidFill>
-              </a:rPr>
-              <a:t>shapes</a:t>
-            </a:r>
-            <a:endParaRPr lang="en-GB" sz="1100" b="0" dirty="0">
+            </a:prstGeom>
+            <a:solidFill>
+              <a:schemeClr val="bg1"/>
+            </a:solidFill>
+            <a:ln w="3175">
+              <a:noFill/>
+            </a:ln>
+          </p:spPr>
+          <p:style>
+            <a:lnRef idx="2">
+              <a:schemeClr val="accent1">
+                <a:shade val="50000"/>
+              </a:schemeClr>
+            </a:lnRef>
+            <a:fillRef idx="1">
+              <a:schemeClr val="accent1"/>
+            </a:fillRef>
+            <a:effectRef idx="0">
+              <a:schemeClr val="accent1"/>
+            </a:effectRef>
+            <a:fontRef idx="minor">
+              <a:schemeClr val="lt1"/>
+            </a:fontRef>
+          </p:style>
+          <p:txBody>
+            <a:bodyPr rot="0" spcFirstLastPara="0" vertOverflow="overflow" horzOverflow="overflow" vert="horz" wrap="square" lIns="0" tIns="0" rIns="0" bIns="0" numCol="1" spcCol="0" rtlCol="0" fromWordArt="0" anchor="t" anchorCtr="0" forceAA="0" compatLnSpc="1">
+              <a:prstTxWarp prst="textNoShape">
+                <a:avLst/>
+              </a:prstTxWarp>
+              <a:noAutofit/>
+            </a:bodyPr>
+            <a:lstStyle>
+              <a:defPPr>
+                <a:defRPr lang="en-US"/>
+              </a:defPPr>
+              <a:lvl1pPr>
+                <a:tabLst>
+                  <a:tab pos="171450" algn="l"/>
+                </a:tabLst>
+                <a:defRPr sz="1000" b="1">
+                  <a:solidFill>
+                    <a:schemeClr val="accent1"/>
+                  </a:solidFill>
+                  <a:latin typeface="Agency FB" panose="020B0503020202020204" pitchFamily="34" charset="0"/>
+                </a:defRPr>
+              </a:lvl1pPr>
+              <a:lvl2pPr>
+                <a:defRPr>
+                  <a:solidFill>
+                    <a:schemeClr val="lt1"/>
+                  </a:solidFill>
+                </a:defRPr>
+              </a:lvl2pPr>
+              <a:lvl3pPr>
+                <a:defRPr>
+                  <a:solidFill>
+                    <a:schemeClr val="lt1"/>
+                  </a:solidFill>
+                </a:defRPr>
+              </a:lvl3pPr>
+              <a:lvl4pPr>
+                <a:defRPr>
+                  <a:solidFill>
+                    <a:schemeClr val="lt1"/>
+                  </a:solidFill>
+                </a:defRPr>
+              </a:lvl4pPr>
+              <a:lvl5pPr>
+                <a:defRPr>
+                  <a:solidFill>
+                    <a:schemeClr val="lt1"/>
+                  </a:solidFill>
+                </a:defRPr>
+              </a:lvl5pPr>
+              <a:lvl6pPr>
+                <a:defRPr>
+                  <a:solidFill>
+                    <a:schemeClr val="lt1"/>
+                  </a:solidFill>
+                </a:defRPr>
+              </a:lvl6pPr>
+              <a:lvl7pPr>
+                <a:defRPr>
+                  <a:solidFill>
+                    <a:schemeClr val="lt1"/>
+                  </a:solidFill>
+                </a:defRPr>
+              </a:lvl7pPr>
+              <a:lvl8pPr>
+                <a:defRPr>
+                  <a:solidFill>
+                    <a:schemeClr val="lt1"/>
+                  </a:solidFill>
+                </a:defRPr>
+              </a:lvl8pPr>
+              <a:lvl9pPr>
+                <a:defRPr>
+                  <a:solidFill>
+                    <a:schemeClr val="lt1"/>
+                  </a:solidFill>
+                </a:defRPr>
+              </a:lvl9pPr>
+            </a:lstStyle>
+            <a:p>
+              <a:pPr algn="ctr">
+                <a:tabLst>
+                  <a:tab pos="171450" algn="l"/>
+                  <a:tab pos="1427163" algn="l"/>
+                  <a:tab pos="1717675" algn="l"/>
+                </a:tabLst>
+              </a:pPr>
+              <a:r>
+                <a:rPr lang="en-GB" sz="1100" b="0" dirty="0">
+                  <a:solidFill>
+                    <a:schemeClr val="tx1">
+                      <a:lumMod val="50000"/>
+                      <a:lumOff val="50000"/>
+                    </a:schemeClr>
+                  </a:solidFill>
+                </a:rPr>
+                <a:t>shapes</a:t>
+              </a:r>
+              <a:endParaRPr lang="en-GB" sz="1100" b="0" dirty="0">
+                <a:solidFill>
+                  <a:schemeClr val="tx1"/>
+                </a:solidFill>
+              </a:endParaRPr>
+            </a:p>
+          </p:txBody>
+        </p:sp>
+        <p:cxnSp>
+          <p:nvCxnSpPr>
+            <p:cNvPr id="5" name="Straight Connector 4">
+              <a:extLst>
+                <a:ext uri="{FF2B5EF4-FFF2-40B4-BE49-F238E27FC236}">
+                  <a16:creationId xmlns:a16="http://schemas.microsoft.com/office/drawing/2014/main" id="{10A59D96-28D9-4795-9439-5A8DEB274D32}"/>
+                </a:ext>
+              </a:extLst>
+            </p:cNvPr>
+            <p:cNvCxnSpPr>
+              <a:cxnSpLocks/>
+            </p:cNvCxnSpPr>
+            <p:nvPr/>
+          </p:nvCxnSpPr>
+          <p:spPr>
+            <a:xfrm>
+              <a:off x="9589191" y="5194935"/>
+              <a:ext cx="80773" cy="0"/>
+            </a:xfrm>
+            <a:prstGeom prst="line">
+              <a:avLst/>
+            </a:prstGeom>
+            <a:ln>
               <a:solidFill>
-                <a:schemeClr val="tx1"/>
+                <a:schemeClr val="bg1">
+                  <a:lumMod val="65000"/>
+                </a:schemeClr>
               </a:solidFill>
-            </a:endParaRPr>
-          </a:p>
-        </p:txBody>
-      </p:sp>
-      <p:cxnSp>
-        <p:nvCxnSpPr>
-          <p:cNvPr id="5" name="Straight Connector 4">
-            <a:extLst>
-              <a:ext uri="{FF2B5EF4-FFF2-40B4-BE49-F238E27FC236}">
-                <a16:creationId xmlns:a16="http://schemas.microsoft.com/office/drawing/2014/main" id="{10A59D96-28D9-4795-9439-5A8DEB274D32}"/>
-              </a:ext>
-            </a:extLst>
-          </p:cNvPr>
-          <p:cNvCxnSpPr>
-            <a:cxnSpLocks/>
-          </p:cNvCxnSpPr>
-          <p:nvPr/>
-        </p:nvCxnSpPr>
-        <p:spPr>
-          <a:xfrm>
-            <a:off x="9589191" y="4419599"/>
-            <a:ext cx="80773" cy="0"/>
-          </a:xfrm>
-          <a:prstGeom prst="line">
-            <a:avLst/>
-          </a:prstGeom>
-          <a:ln>
-            <a:solidFill>
-              <a:schemeClr val="bg1">
-                <a:lumMod val="65000"/>
-              </a:schemeClr>
-            </a:solidFill>
-            <a:prstDash val="sysDot"/>
-          </a:ln>
-        </p:spPr>
-        <p:style>
-          <a:lnRef idx="1">
-            <a:schemeClr val="accent1"/>
-          </a:lnRef>
-          <a:fillRef idx="0">
-            <a:schemeClr val="accent1"/>
-          </a:fillRef>
-          <a:effectRef idx="0">
-            <a:schemeClr val="accent1"/>
-          </a:effectRef>
-          <a:fontRef idx="minor">
-            <a:schemeClr val="tx1"/>
-          </a:fontRef>
-        </p:style>
-      </p:cxnSp>
-      <p:cxnSp>
-        <p:nvCxnSpPr>
-          <p:cNvPr id="24" name="Straight Connector 23">
-            <a:extLst>
-              <a:ext uri="{FF2B5EF4-FFF2-40B4-BE49-F238E27FC236}">
-                <a16:creationId xmlns:a16="http://schemas.microsoft.com/office/drawing/2014/main" id="{86A49A61-D15B-4FE8-810A-E272685B141B}"/>
-              </a:ext>
-            </a:extLst>
-          </p:cNvPr>
-          <p:cNvCxnSpPr>
-            <a:cxnSpLocks/>
-          </p:cNvCxnSpPr>
-          <p:nvPr/>
-        </p:nvCxnSpPr>
-        <p:spPr>
-          <a:xfrm>
-            <a:off x="9589191" y="5080634"/>
-            <a:ext cx="74295" cy="0"/>
-          </a:xfrm>
-          <a:prstGeom prst="line">
-            <a:avLst/>
-          </a:prstGeom>
-          <a:ln>
-            <a:solidFill>
-              <a:schemeClr val="bg1">
-                <a:lumMod val="65000"/>
-              </a:schemeClr>
-            </a:solidFill>
-            <a:prstDash val="sysDot"/>
-          </a:ln>
-        </p:spPr>
-        <p:style>
-          <a:lnRef idx="1">
-            <a:schemeClr val="accent1"/>
-          </a:lnRef>
-          <a:fillRef idx="0">
-            <a:schemeClr val="accent1"/>
-          </a:fillRef>
-          <a:effectRef idx="0">
-            <a:schemeClr val="accent1"/>
-          </a:effectRef>
-          <a:fontRef idx="minor">
-            <a:schemeClr val="tx1"/>
-          </a:fontRef>
-        </p:style>
-      </p:cxnSp>
-      <p:cxnSp>
-        <p:nvCxnSpPr>
-          <p:cNvPr id="25" name="Straight Connector 24">
-            <a:extLst>
-              <a:ext uri="{FF2B5EF4-FFF2-40B4-BE49-F238E27FC236}">
-                <a16:creationId xmlns:a16="http://schemas.microsoft.com/office/drawing/2014/main" id="{779604E5-8361-4FB7-8066-4A021DFF3E40}"/>
-              </a:ext>
-            </a:extLst>
-          </p:cNvPr>
-          <p:cNvCxnSpPr>
-            <a:cxnSpLocks/>
-          </p:cNvCxnSpPr>
-          <p:nvPr/>
-        </p:nvCxnSpPr>
-        <p:spPr>
-          <a:xfrm>
-            <a:off x="9628817" y="4419599"/>
-            <a:ext cx="0" cy="661030"/>
-          </a:xfrm>
-          <a:prstGeom prst="line">
-            <a:avLst/>
-          </a:prstGeom>
-          <a:ln>
-            <a:solidFill>
-              <a:schemeClr val="bg1">
-                <a:lumMod val="65000"/>
-              </a:schemeClr>
-            </a:solidFill>
-            <a:prstDash val="sysDot"/>
-          </a:ln>
-        </p:spPr>
-        <p:style>
-          <a:lnRef idx="1">
-            <a:schemeClr val="accent1"/>
-          </a:lnRef>
-          <a:fillRef idx="0">
-            <a:schemeClr val="accent1"/>
-          </a:fillRef>
-          <a:effectRef idx="0">
-            <a:schemeClr val="accent1"/>
-          </a:effectRef>
-          <a:fontRef idx="minor">
-            <a:schemeClr val="tx1"/>
-          </a:fontRef>
-        </p:style>
-      </p:cxnSp>
+              <a:prstDash val="sysDot"/>
+            </a:ln>
+          </p:spPr>
+          <p:style>
+            <a:lnRef idx="1">
+              <a:schemeClr val="accent1"/>
+            </a:lnRef>
+            <a:fillRef idx="0">
+              <a:schemeClr val="accent1"/>
+            </a:fillRef>
+            <a:effectRef idx="0">
+              <a:schemeClr val="accent1"/>
+            </a:effectRef>
+            <a:fontRef idx="minor">
+              <a:schemeClr val="tx1"/>
+            </a:fontRef>
+          </p:style>
+        </p:cxnSp>
+        <p:cxnSp>
+          <p:nvCxnSpPr>
+            <p:cNvPr id="24" name="Straight Connector 23">
+              <a:extLst>
+                <a:ext uri="{FF2B5EF4-FFF2-40B4-BE49-F238E27FC236}">
+                  <a16:creationId xmlns:a16="http://schemas.microsoft.com/office/drawing/2014/main" id="{86A49A61-D15B-4FE8-810A-E272685B141B}"/>
+                </a:ext>
+              </a:extLst>
+            </p:cNvPr>
+            <p:cNvCxnSpPr>
+              <a:cxnSpLocks/>
+            </p:cNvCxnSpPr>
+            <p:nvPr/>
+          </p:nvCxnSpPr>
+          <p:spPr>
+            <a:xfrm>
+              <a:off x="9589191" y="5855970"/>
+              <a:ext cx="74295" cy="0"/>
+            </a:xfrm>
+            <a:prstGeom prst="line">
+              <a:avLst/>
+            </a:prstGeom>
+            <a:ln>
+              <a:solidFill>
+                <a:schemeClr val="bg1">
+                  <a:lumMod val="65000"/>
+                </a:schemeClr>
+              </a:solidFill>
+              <a:prstDash val="sysDot"/>
+            </a:ln>
+          </p:spPr>
+          <p:style>
+            <a:lnRef idx="1">
+              <a:schemeClr val="accent1"/>
+            </a:lnRef>
+            <a:fillRef idx="0">
+              <a:schemeClr val="accent1"/>
+            </a:fillRef>
+            <a:effectRef idx="0">
+              <a:schemeClr val="accent1"/>
+            </a:effectRef>
+            <a:fontRef idx="minor">
+              <a:schemeClr val="tx1"/>
+            </a:fontRef>
+          </p:style>
+        </p:cxnSp>
+        <p:cxnSp>
+          <p:nvCxnSpPr>
+            <p:cNvPr id="25" name="Straight Connector 24">
+              <a:extLst>
+                <a:ext uri="{FF2B5EF4-FFF2-40B4-BE49-F238E27FC236}">
+                  <a16:creationId xmlns:a16="http://schemas.microsoft.com/office/drawing/2014/main" id="{779604E5-8361-4FB7-8066-4A021DFF3E40}"/>
+                </a:ext>
+              </a:extLst>
+            </p:cNvPr>
+            <p:cNvCxnSpPr>
+              <a:cxnSpLocks/>
+            </p:cNvCxnSpPr>
+            <p:nvPr/>
+          </p:nvCxnSpPr>
+          <p:spPr>
+            <a:xfrm>
+              <a:off x="9628817" y="5194935"/>
+              <a:ext cx="0" cy="661030"/>
+            </a:xfrm>
+            <a:prstGeom prst="line">
+              <a:avLst/>
+            </a:prstGeom>
+            <a:ln>
+              <a:solidFill>
+                <a:schemeClr val="bg1">
+                  <a:lumMod val="65000"/>
+                </a:schemeClr>
+              </a:solidFill>
+              <a:prstDash val="sysDot"/>
+            </a:ln>
+          </p:spPr>
+          <p:style>
+            <a:lnRef idx="1">
+              <a:schemeClr val="accent1"/>
+            </a:lnRef>
+            <a:fillRef idx="0">
+              <a:schemeClr val="accent1"/>
+            </a:fillRef>
+            <a:effectRef idx="0">
+              <a:schemeClr val="accent1"/>
+            </a:effectRef>
+            <a:fontRef idx="minor">
+              <a:schemeClr val="tx1"/>
+            </a:fontRef>
+          </p:style>
+        </p:cxnSp>
+      </p:grpSp>
     </p:spTree>
     <p:extLst>
       <p:ext uri="{BB962C8B-B14F-4D97-AF65-F5344CB8AC3E}">

--- a/docs/cheat-sheet.pptx
+++ b/docs/cheat-sheet.pptx
@@ -255,7 +255,7 @@
           <a:p>
             <a:fld id="{4346FDB3-09F2-4348-8F47-4013D9DCE7EC}" type="datetimeFigureOut">
               <a:rPr lang="bg-BG" smtClean="0"/>
-              <a:t>13.11.2022 г.</a:t>
+              <a:t>15.11.2022 г.</a:t>
             </a:fld>
             <a:endParaRPr lang="bg-BG"/>
           </a:p>
@@ -425,7 +425,7 @@
           <a:p>
             <a:fld id="{4346FDB3-09F2-4348-8F47-4013D9DCE7EC}" type="datetimeFigureOut">
               <a:rPr lang="bg-BG" smtClean="0"/>
-              <a:t>13.11.2022 г.</a:t>
+              <a:t>15.11.2022 г.</a:t>
             </a:fld>
             <a:endParaRPr lang="bg-BG"/>
           </a:p>
@@ -605,7 +605,7 @@
           <a:p>
             <a:fld id="{4346FDB3-09F2-4348-8F47-4013D9DCE7EC}" type="datetimeFigureOut">
               <a:rPr lang="bg-BG" smtClean="0"/>
-              <a:t>13.11.2022 г.</a:t>
+              <a:t>15.11.2022 г.</a:t>
             </a:fld>
             <a:endParaRPr lang="bg-BG"/>
           </a:p>
@@ -775,7 +775,7 @@
           <a:p>
             <a:fld id="{4346FDB3-09F2-4348-8F47-4013D9DCE7EC}" type="datetimeFigureOut">
               <a:rPr lang="bg-BG" smtClean="0"/>
-              <a:t>13.11.2022 г.</a:t>
+              <a:t>15.11.2022 г.</a:t>
             </a:fld>
             <a:endParaRPr lang="bg-BG"/>
           </a:p>
@@ -1019,7 +1019,7 @@
           <a:p>
             <a:fld id="{4346FDB3-09F2-4348-8F47-4013D9DCE7EC}" type="datetimeFigureOut">
               <a:rPr lang="bg-BG" smtClean="0"/>
-              <a:t>13.11.2022 г.</a:t>
+              <a:t>15.11.2022 г.</a:t>
             </a:fld>
             <a:endParaRPr lang="bg-BG"/>
           </a:p>
@@ -1251,7 +1251,7 @@
           <a:p>
             <a:fld id="{4346FDB3-09F2-4348-8F47-4013D9DCE7EC}" type="datetimeFigureOut">
               <a:rPr lang="bg-BG" smtClean="0"/>
-              <a:t>13.11.2022 г.</a:t>
+              <a:t>15.11.2022 г.</a:t>
             </a:fld>
             <a:endParaRPr lang="bg-BG"/>
           </a:p>
@@ -1618,7 +1618,7 @@
           <a:p>
             <a:fld id="{4346FDB3-09F2-4348-8F47-4013D9DCE7EC}" type="datetimeFigureOut">
               <a:rPr lang="bg-BG" smtClean="0"/>
-              <a:t>13.11.2022 г.</a:t>
+              <a:t>15.11.2022 г.</a:t>
             </a:fld>
             <a:endParaRPr lang="bg-BG"/>
           </a:p>
@@ -1736,7 +1736,7 @@
           <a:p>
             <a:fld id="{4346FDB3-09F2-4348-8F47-4013D9DCE7EC}" type="datetimeFigureOut">
               <a:rPr lang="bg-BG" smtClean="0"/>
-              <a:t>13.11.2022 г.</a:t>
+              <a:t>15.11.2022 г.</a:t>
             </a:fld>
             <a:endParaRPr lang="bg-BG"/>
           </a:p>
@@ -1831,7 +1831,7 @@
           <a:p>
             <a:fld id="{4346FDB3-09F2-4348-8F47-4013D9DCE7EC}" type="datetimeFigureOut">
               <a:rPr lang="bg-BG" smtClean="0"/>
-              <a:t>13.11.2022 г.</a:t>
+              <a:t>15.11.2022 г.</a:t>
             </a:fld>
             <a:endParaRPr lang="bg-BG"/>
           </a:p>
@@ -2108,7 +2108,7 @@
           <a:p>
             <a:fld id="{4346FDB3-09F2-4348-8F47-4013D9DCE7EC}" type="datetimeFigureOut">
               <a:rPr lang="bg-BG" smtClean="0"/>
-              <a:t>13.11.2022 г.</a:t>
+              <a:t>15.11.2022 г.</a:t>
             </a:fld>
             <a:endParaRPr lang="bg-BG"/>
           </a:p>
@@ -2365,7 +2365,7 @@
           <a:p>
             <a:fld id="{4346FDB3-09F2-4348-8F47-4013D9DCE7EC}" type="datetimeFigureOut">
               <a:rPr lang="bg-BG" smtClean="0"/>
-              <a:t>13.11.2022 г.</a:t>
+              <a:t>15.11.2022 г.</a:t>
             </a:fld>
             <a:endParaRPr lang="bg-BG"/>
           </a:p>
@@ -2578,7 +2578,7 @@
           <a:p>
             <a:fld id="{4346FDB3-09F2-4348-8F47-4013D9DCE7EC}" type="datetimeFigureOut">
               <a:rPr lang="bg-BG" smtClean="0"/>
-              <a:t>13.11.2022 г.</a:t>
+              <a:t>15.11.2022 г.</a:t>
             </a:fld>
             <a:endParaRPr lang="bg-BG"/>
           </a:p>
@@ -3008,7 +3008,7 @@
         <p:spPr>
           <a:xfrm>
             <a:off x="76201" y="533400"/>
-            <a:ext cx="2348989" cy="2590800"/>
+            <a:ext cx="2348989" cy="2209800"/>
           </a:xfrm>
           <a:prstGeom prst="rect">
             <a:avLst/>
@@ -4261,8 +4261,8 @@
         </p:nvSpPr>
         <p:spPr>
           <a:xfrm>
-            <a:off x="76201" y="3200400"/>
-            <a:ext cx="2355087" cy="2819399"/>
+            <a:off x="76201" y="2832611"/>
+            <a:ext cx="2355087" cy="2882390"/>
           </a:xfrm>
           <a:prstGeom prst="rect">
             <a:avLst/>
@@ -7018,8 +7018,8 @@
         </p:nvSpPr>
         <p:spPr>
           <a:xfrm>
-            <a:off x="76203" y="6095999"/>
-            <a:ext cx="5175501" cy="668199"/>
+            <a:off x="76203" y="5804413"/>
+            <a:ext cx="2348987" cy="959786"/>
           </a:xfrm>
           <a:prstGeom prst="rect">
             <a:avLst/>
@@ -7130,7 +7130,7 @@
             <a:pPr>
               <a:tabLst>
                 <a:tab pos="171450" algn="l"/>
-                <a:tab pos="2286000" algn="l"/>
+                <a:tab pos="2230438" algn="l"/>
                 <a:tab pos="2859088" algn="l"/>
               </a:tabLst>
             </a:pPr>
@@ -7235,7 +7235,24 @@
                   <a:schemeClr val="tx1"/>
                 </a:solidFill>
               </a:rPr>
-              <a:t>,.</a:t>
+              <a:t>,</a:t>
+            </a:r>
+          </a:p>
+          <a:p>
+            <a:pPr>
+              <a:tabLst>
+                <a:tab pos="55563" algn="l"/>
+                <a:tab pos="2228850" algn="l"/>
+                <a:tab pos="2859088" algn="l"/>
+              </a:tabLst>
+            </a:pPr>
+            <a:r>
+              <a:rPr lang="en-GB" sz="1100" b="0" dirty="0">
+                <a:solidFill>
+                  <a:schemeClr val="tx1"/>
+                </a:solidFill>
+              </a:rPr>
+              <a:t>	.</a:t>
             </a:r>
             <a:r>
               <a:rPr lang="en-GB" sz="1100" dirty="0" err="1">
@@ -7270,6 +7287,68 @@
                   </a:schemeClr>
                 </a:solidFill>
               </a:rPr>
+              <a:t>name</a:t>
+            </a:r>
+            <a:r>
+              <a:rPr lang="en-GB" sz="1100" b="0" dirty="0">
+                <a:solidFill>
+                  <a:schemeClr val="tx1"/>
+                </a:solidFill>
+              </a:rPr>
+              <a:t>) .</a:t>
+            </a:r>
+            <a:r>
+              <a:rPr lang="en-GB" sz="1100" dirty="0" err="1">
+                <a:solidFill>
+                  <a:schemeClr val="tx1"/>
+                </a:solidFill>
+              </a:rPr>
+              <a:t>setValue</a:t>
+            </a:r>
+            <a:r>
+              <a:rPr lang="en-GB" sz="1100" dirty="0">
+                <a:solidFill>
+                  <a:schemeClr val="tx1"/>
+                </a:solidFill>
+              </a:rPr>
+              <a:t> </a:t>
+            </a:r>
+            <a:r>
+              <a:rPr lang="en-GB" sz="1100" b="0" dirty="0">
+                <a:solidFill>
+                  <a:schemeClr val="tx1"/>
+                </a:solidFill>
+              </a:rPr>
+              <a:t>(</a:t>
+            </a:r>
+            <a:r>
+              <a:rPr lang="en-GB" sz="1100" b="0" dirty="0">
+                <a:solidFill>
+                  <a:schemeClr val="tx1">
+                    <a:lumMod val="50000"/>
+                    <a:lumOff val="50000"/>
+                  </a:schemeClr>
+                </a:solidFill>
+              </a:rPr>
+              <a:t>name</a:t>
+            </a:r>
+            <a:r>
+              <a:rPr lang="en-GB" sz="1100" b="0" dirty="0">
+                <a:solidFill>
+                  <a:schemeClr val="tx1"/>
+                </a:solidFill>
+              </a:rPr>
+              <a:t>, </a:t>
+            </a:r>
+            <a:r>
+              <a:rPr lang="en-GB" sz="1100" b="0" dirty="0">
+                <a:solidFill>
+                  <a:schemeClr val="tx1">
+                    <a:lumMod val="50000"/>
+                    <a:lumOff val="50000"/>
+                  </a:schemeClr>
+                </a:solidFill>
+              </a:rPr>
               <a:t>value</a:t>
             </a:r>
             <a:r>
@@ -7278,69 +7357,24 @@
                   <a:schemeClr val="tx1"/>
                 </a:solidFill>
               </a:rPr>
-              <a:t>) .</a:t>
-            </a:r>
-            <a:r>
-              <a:rPr lang="en-GB" sz="1100" dirty="0" err="1">
-                <a:solidFill>
-                  <a:schemeClr val="tx1"/>
-                </a:solidFill>
-              </a:rPr>
-              <a:t>setValue</a:t>
-            </a:r>
-            <a:r>
-              <a:rPr lang="en-GB" sz="1100" dirty="0">
-                <a:solidFill>
-                  <a:schemeClr val="tx1"/>
-                </a:solidFill>
-              </a:rPr>
-              <a:t> </a:t>
-            </a:r>
-            <a:r>
-              <a:rPr lang="en-GB" sz="1100" b="0" dirty="0">
-                <a:solidFill>
-                  <a:schemeClr val="tx1"/>
-                </a:solidFill>
-              </a:rPr>
-              <a:t>(</a:t>
-            </a:r>
-            <a:r>
-              <a:rPr lang="en-GB" sz="1100" b="0" dirty="0">
-                <a:solidFill>
-                  <a:schemeClr val="tx1">
-                    <a:lumMod val="50000"/>
-                    <a:lumOff val="50000"/>
-                  </a:schemeClr>
-                </a:solidFill>
-              </a:rPr>
-              <a:t>name</a:t>
-            </a:r>
-            <a:r>
-              <a:rPr lang="en-GB" sz="1100" b="0" dirty="0">
-                <a:solidFill>
-                  <a:schemeClr val="tx1"/>
-                </a:solidFill>
-              </a:rPr>
-              <a:t>, </a:t>
-            </a:r>
-            <a:r>
-              <a:rPr lang="en-GB" sz="1100" b="0" dirty="0">
-                <a:solidFill>
-                  <a:schemeClr val="tx1">
-                    <a:lumMod val="50000"/>
-                    <a:lumOff val="50000"/>
-                  </a:schemeClr>
-                </a:solidFill>
-              </a:rPr>
-              <a:t>value</a:t>
-            </a:r>
-            <a:r>
-              <a:rPr lang="en-GB" sz="1100" b="0" dirty="0">
-                <a:solidFill>
-                  <a:schemeClr val="tx1"/>
-                </a:solidFill>
-              </a:rPr>
-              <a:t>), .</a:t>
+              <a:t>),</a:t>
+            </a:r>
+          </a:p>
+          <a:p>
+            <a:pPr>
+              <a:tabLst>
+                <a:tab pos="55563" algn="l"/>
+                <a:tab pos="2228850" algn="l"/>
+                <a:tab pos="2859088" algn="l"/>
+              </a:tabLst>
+            </a:pPr>
+            <a:r>
+              <a:rPr lang="en-GB" sz="1100" b="0" dirty="0">
+                <a:solidFill>
+                  <a:schemeClr val="tx1"/>
+                </a:solidFill>
+              </a:rPr>
+              <a:t>	.</a:t>
             </a:r>
             <a:r>
               <a:rPr lang="en-GB" sz="1100" dirty="0">
@@ -9334,8 +9368,8 @@
         </p:nvSpPr>
         <p:spPr>
           <a:xfrm>
-            <a:off x="2507486" y="533399"/>
-            <a:ext cx="2744218" cy="2590801"/>
+            <a:off x="2507486" y="533400"/>
+            <a:ext cx="2744218" cy="2209800"/>
           </a:xfrm>
           <a:prstGeom prst="rect">
             <a:avLst/>
@@ -11559,8 +11593,8 @@
         </p:nvSpPr>
         <p:spPr>
           <a:xfrm>
-            <a:off x="2513584" y="3212740"/>
-            <a:ext cx="2738120" cy="2819399"/>
+            <a:off x="2513584" y="2844951"/>
+            <a:ext cx="2738120" cy="2870050"/>
           </a:xfrm>
           <a:prstGeom prst="rect">
             <a:avLst/>
@@ -19623,8 +19657,8 @@
         </p:nvSpPr>
         <p:spPr>
           <a:xfrm>
-            <a:off x="76203" y="5645915"/>
-            <a:ext cx="9753589" cy="1129790"/>
+            <a:off x="2743199" y="5645915"/>
+            <a:ext cx="7086593" cy="1129790"/>
           </a:xfrm>
           <a:prstGeom prst="rect">
             <a:avLst/>
@@ -21704,6 +21738,314 @@
           </a:fontRef>
         </p:style>
       </p:cxnSp>
+      <p:sp>
+        <p:nvSpPr>
+          <p:cNvPr id="24" name="TextBox 23">
+            <a:extLst>
+              <a:ext uri="{FF2B5EF4-FFF2-40B4-BE49-F238E27FC236}">
+                <a16:creationId xmlns:a16="http://schemas.microsoft.com/office/drawing/2014/main" id="{F44A3C48-02E3-49BE-A77F-ACC458946B1B}"/>
+              </a:ext>
+            </a:extLst>
+          </p:cNvPr>
+          <p:cNvSpPr txBox="1"/>
+          <p:nvPr/>
+        </p:nvSpPr>
+        <p:spPr>
+          <a:xfrm>
+            <a:off x="76203" y="5645915"/>
+            <a:ext cx="2590795" cy="1118283"/>
+          </a:xfrm>
+          <a:prstGeom prst="rect">
+            <a:avLst/>
+          </a:prstGeom>
+          <a:solidFill>
+            <a:schemeClr val="bg1"/>
+          </a:solidFill>
+          <a:ln w="3175">
+            <a:noFill/>
+          </a:ln>
+        </p:spPr>
+        <p:style>
+          <a:lnRef idx="2">
+            <a:schemeClr val="accent1">
+              <a:shade val="50000"/>
+            </a:schemeClr>
+          </a:lnRef>
+          <a:fillRef idx="1">
+            <a:schemeClr val="accent1"/>
+          </a:fillRef>
+          <a:effectRef idx="0">
+            <a:schemeClr val="accent1"/>
+          </a:effectRef>
+          <a:fontRef idx="minor">
+            <a:schemeClr val="lt1"/>
+          </a:fontRef>
+        </p:style>
+        <p:txBody>
+          <a:bodyPr rot="0" spcFirstLastPara="0" vertOverflow="overflow" horzOverflow="overflow" vert="horz" wrap="square" lIns="91440" tIns="45720" rIns="0" bIns="45720" numCol="1" spcCol="0" rtlCol="0" fromWordArt="0" anchor="t" anchorCtr="0" forceAA="0" compatLnSpc="1">
+            <a:prstTxWarp prst="textNoShape">
+              <a:avLst/>
+            </a:prstTxWarp>
+            <a:noAutofit/>
+          </a:bodyPr>
+          <a:lstStyle>
+            <a:defPPr>
+              <a:defRPr lang="en-US"/>
+            </a:defPPr>
+            <a:lvl1pPr>
+              <a:tabLst>
+                <a:tab pos="171450" algn="l"/>
+              </a:tabLst>
+              <a:defRPr sz="1000" b="1">
+                <a:solidFill>
+                  <a:schemeClr val="accent1"/>
+                </a:solidFill>
+                <a:latin typeface="Agency FB" panose="020B0503020202020204" pitchFamily="34" charset="0"/>
+              </a:defRPr>
+            </a:lvl1pPr>
+            <a:lvl2pPr>
+              <a:defRPr>
+                <a:solidFill>
+                  <a:schemeClr val="lt1"/>
+                </a:solidFill>
+              </a:defRPr>
+            </a:lvl2pPr>
+            <a:lvl3pPr>
+              <a:defRPr>
+                <a:solidFill>
+                  <a:schemeClr val="lt1"/>
+                </a:solidFill>
+              </a:defRPr>
+            </a:lvl3pPr>
+            <a:lvl4pPr>
+              <a:defRPr>
+                <a:solidFill>
+                  <a:schemeClr val="lt1"/>
+                </a:solidFill>
+              </a:defRPr>
+            </a:lvl4pPr>
+            <a:lvl5pPr>
+              <a:defRPr>
+                <a:solidFill>
+                  <a:schemeClr val="lt1"/>
+                </a:solidFill>
+              </a:defRPr>
+            </a:lvl5pPr>
+            <a:lvl6pPr>
+              <a:defRPr>
+                <a:solidFill>
+                  <a:schemeClr val="lt1"/>
+                </a:solidFill>
+              </a:defRPr>
+            </a:lvl6pPr>
+            <a:lvl7pPr>
+              <a:defRPr>
+                <a:solidFill>
+                  <a:schemeClr val="lt1"/>
+                </a:solidFill>
+              </a:defRPr>
+            </a:lvl7pPr>
+            <a:lvl8pPr>
+              <a:defRPr>
+                <a:solidFill>
+                  <a:schemeClr val="lt1"/>
+                </a:solidFill>
+              </a:defRPr>
+            </a:lvl8pPr>
+            <a:lvl9pPr>
+              <a:defRPr>
+                <a:solidFill>
+                  <a:schemeClr val="lt1"/>
+                </a:solidFill>
+              </a:defRPr>
+            </a:lvl9pPr>
+          </a:lstStyle>
+          <a:p>
+            <a:pPr>
+              <a:tabLst>
+                <a:tab pos="171450" algn="l"/>
+                <a:tab pos="2286000" algn="l"/>
+                <a:tab pos="2859088" algn="l"/>
+              </a:tabLst>
+            </a:pPr>
+            <a:r>
+              <a:rPr lang="en-GB" sz="1400" u="sng" dirty="0">
+                <a:solidFill>
+                  <a:schemeClr val="tx1"/>
+                </a:solidFill>
+              </a:rPr>
+              <a:t>LMS	 </a:t>
+            </a:r>
+          </a:p>
+          <a:p>
+            <a:pPr>
+              <a:tabLst>
+                <a:tab pos="171450" algn="l"/>
+                <a:tab pos="2228850" algn="l"/>
+                <a:tab pos="2859088" algn="l"/>
+              </a:tabLst>
+            </a:pPr>
+            <a:r>
+              <a:rPr lang="en-GB" sz="1100" b="0" dirty="0">
+                <a:solidFill>
+                  <a:schemeClr val="tx1"/>
+                </a:solidFill>
+              </a:rPr>
+              <a:t>&lt;</a:t>
+            </a:r>
+            <a:r>
+              <a:rPr lang="en-US" sz="1100" dirty="0" err="1">
+                <a:solidFill>
+                  <a:schemeClr val="tx1"/>
+                </a:solidFill>
+              </a:rPr>
+              <a:t>scorm</a:t>
+            </a:r>
+            <a:r>
+              <a:rPr lang="en-GB" sz="1100" b="0" dirty="0">
+                <a:solidFill>
+                  <a:schemeClr val="tx1"/>
+                </a:solidFill>
+              </a:rPr>
+              <a:t>&gt;</a:t>
+            </a:r>
+            <a:r>
+              <a:rPr lang="en-GB" sz="1100" b="0" dirty="0">
+                <a:solidFill>
+                  <a:schemeClr val="tx1">
+                    <a:lumMod val="50000"/>
+                    <a:lumOff val="50000"/>
+                  </a:schemeClr>
+                </a:solidFill>
+              </a:rPr>
+              <a:t>name</a:t>
+            </a:r>
+            <a:r>
+              <a:rPr lang="en-GB" sz="1100" b="0" dirty="0">
+                <a:solidFill>
+                  <a:schemeClr val="tx1"/>
+                </a:solidFill>
+              </a:rPr>
+              <a:t>&lt;/</a:t>
+            </a:r>
+            <a:r>
+              <a:rPr lang="en-US" sz="1100" dirty="0" err="1">
+                <a:solidFill>
+                  <a:schemeClr val="tx1"/>
+                </a:solidFill>
+              </a:rPr>
+              <a:t>scorm</a:t>
+            </a:r>
+            <a:r>
+              <a:rPr lang="en-GB" sz="1100" b="0" dirty="0">
+                <a:solidFill>
+                  <a:schemeClr val="tx1"/>
+                </a:solidFill>
+              </a:rPr>
+              <a:t>&gt;</a:t>
+            </a:r>
+          </a:p>
+          <a:p>
+            <a:pPr algn="r">
+              <a:tabLst>
+                <a:tab pos="171450" algn="l"/>
+                <a:tab pos="2228850" algn="l"/>
+                <a:tab pos="2859088" algn="l"/>
+              </a:tabLst>
+            </a:pPr>
+            <a:r>
+              <a:rPr lang="en-GB" sz="1100" b="0" dirty="0" err="1">
+                <a:solidFill>
+                  <a:schemeClr val="tx1">
+                    <a:lumMod val="50000"/>
+                    <a:lumOff val="50000"/>
+                  </a:schemeClr>
+                </a:solidFill>
+              </a:rPr>
+              <a:t>studentId</a:t>
+            </a:r>
+            <a:r>
+              <a:rPr lang="en-US" sz="1100" b="0" dirty="0">
+                <a:solidFill>
+                  <a:schemeClr val="tx1"/>
+                </a:solidFill>
+              </a:rPr>
+              <a:t>, </a:t>
+            </a:r>
+            <a:r>
+              <a:rPr lang="en-GB" sz="1100" b="0" dirty="0" err="1">
+                <a:solidFill>
+                  <a:schemeClr val="tx1">
+                    <a:lumMod val="50000"/>
+                    <a:lumOff val="50000"/>
+                  </a:schemeClr>
+                </a:solidFill>
+              </a:rPr>
+              <a:t>studentName</a:t>
+            </a:r>
+            <a:r>
+              <a:rPr lang="en-US" sz="1100" b="0" dirty="0">
+                <a:solidFill>
+                  <a:schemeClr val="tx1"/>
+                </a:solidFill>
+              </a:rPr>
+              <a:t>, </a:t>
+            </a:r>
+            <a:r>
+              <a:rPr lang="en-GB" sz="1100" b="0" dirty="0">
+                <a:solidFill>
+                  <a:schemeClr val="tx1">
+                    <a:lumMod val="50000"/>
+                    <a:lumOff val="50000"/>
+                  </a:schemeClr>
+                </a:solidFill>
+              </a:rPr>
+              <a:t>score, </a:t>
+            </a:r>
+            <a:r>
+              <a:rPr lang="en-GB" sz="1100" b="0" dirty="0" err="1">
+                <a:solidFill>
+                  <a:schemeClr val="tx1">
+                    <a:lumMod val="50000"/>
+                    <a:lumOff val="50000"/>
+                  </a:schemeClr>
+                </a:solidFill>
+              </a:rPr>
+              <a:t>cmi.core</a:t>
+            </a:r>
+            <a:r>
+              <a:rPr lang="en-GB" sz="1100" b="0">
+                <a:solidFill>
+                  <a:schemeClr val="tx1">
+                    <a:lumMod val="50000"/>
+                    <a:lumOff val="50000"/>
+                  </a:schemeClr>
+                </a:solidFill>
+              </a:rPr>
+              <a:t>….</a:t>
+            </a:r>
+            <a:endParaRPr lang="en-GB" sz="1100" b="0" dirty="0">
+              <a:solidFill>
+                <a:schemeClr val="tx1"/>
+              </a:solidFill>
+            </a:endParaRPr>
+          </a:p>
+          <a:p>
+            <a:pPr>
+              <a:tabLst>
+                <a:tab pos="171450" algn="l"/>
+                <a:tab pos="2228850" algn="l"/>
+                <a:tab pos="2859088" algn="l"/>
+              </a:tabLst>
+            </a:pPr>
+            <a:endParaRPr lang="en-GB" sz="1100" b="0" dirty="0">
+              <a:solidFill>
+                <a:schemeClr val="tx1"/>
+              </a:solidFill>
+            </a:endParaRPr>
+          </a:p>
+        </p:txBody>
+      </p:sp>
     </p:spTree>
     <p:extLst>
       <p:ext uri="{BB962C8B-B14F-4D97-AF65-F5344CB8AC3E}">

--- a/docs/cheat-sheet.pptx
+++ b/docs/cheat-sheet.pptx
@@ -255,7 +255,7 @@
           <a:p>
             <a:fld id="{4346FDB3-09F2-4348-8F47-4013D9DCE7EC}" type="datetimeFigureOut">
               <a:rPr lang="bg-BG" smtClean="0"/>
-              <a:t>15.11.2022 г.</a:t>
+              <a:t>10.12.2022 г.</a:t>
             </a:fld>
             <a:endParaRPr lang="bg-BG"/>
           </a:p>
@@ -425,7 +425,7 @@
           <a:p>
             <a:fld id="{4346FDB3-09F2-4348-8F47-4013D9DCE7EC}" type="datetimeFigureOut">
               <a:rPr lang="bg-BG" smtClean="0"/>
-              <a:t>15.11.2022 г.</a:t>
+              <a:t>10.12.2022 г.</a:t>
             </a:fld>
             <a:endParaRPr lang="bg-BG"/>
           </a:p>
@@ -605,7 +605,7 @@
           <a:p>
             <a:fld id="{4346FDB3-09F2-4348-8F47-4013D9DCE7EC}" type="datetimeFigureOut">
               <a:rPr lang="bg-BG" smtClean="0"/>
-              <a:t>15.11.2022 г.</a:t>
+              <a:t>10.12.2022 г.</a:t>
             </a:fld>
             <a:endParaRPr lang="bg-BG"/>
           </a:p>
@@ -775,7 +775,7 @@
           <a:p>
             <a:fld id="{4346FDB3-09F2-4348-8F47-4013D9DCE7EC}" type="datetimeFigureOut">
               <a:rPr lang="bg-BG" smtClean="0"/>
-              <a:t>15.11.2022 г.</a:t>
+              <a:t>10.12.2022 г.</a:t>
             </a:fld>
             <a:endParaRPr lang="bg-BG"/>
           </a:p>
@@ -1019,7 +1019,7 @@
           <a:p>
             <a:fld id="{4346FDB3-09F2-4348-8F47-4013D9DCE7EC}" type="datetimeFigureOut">
               <a:rPr lang="bg-BG" smtClean="0"/>
-              <a:t>15.11.2022 г.</a:t>
+              <a:t>10.12.2022 г.</a:t>
             </a:fld>
             <a:endParaRPr lang="bg-BG"/>
           </a:p>
@@ -1251,7 +1251,7 @@
           <a:p>
             <a:fld id="{4346FDB3-09F2-4348-8F47-4013D9DCE7EC}" type="datetimeFigureOut">
               <a:rPr lang="bg-BG" smtClean="0"/>
-              <a:t>15.11.2022 г.</a:t>
+              <a:t>10.12.2022 г.</a:t>
             </a:fld>
             <a:endParaRPr lang="bg-BG"/>
           </a:p>
@@ -1618,7 +1618,7 @@
           <a:p>
             <a:fld id="{4346FDB3-09F2-4348-8F47-4013D9DCE7EC}" type="datetimeFigureOut">
               <a:rPr lang="bg-BG" smtClean="0"/>
-              <a:t>15.11.2022 г.</a:t>
+              <a:t>10.12.2022 г.</a:t>
             </a:fld>
             <a:endParaRPr lang="bg-BG"/>
           </a:p>
@@ -1736,7 +1736,7 @@
           <a:p>
             <a:fld id="{4346FDB3-09F2-4348-8F47-4013D9DCE7EC}" type="datetimeFigureOut">
               <a:rPr lang="bg-BG" smtClean="0"/>
-              <a:t>15.11.2022 г.</a:t>
+              <a:t>10.12.2022 г.</a:t>
             </a:fld>
             <a:endParaRPr lang="bg-BG"/>
           </a:p>
@@ -1831,7 +1831,7 @@
           <a:p>
             <a:fld id="{4346FDB3-09F2-4348-8F47-4013D9DCE7EC}" type="datetimeFigureOut">
               <a:rPr lang="bg-BG" smtClean="0"/>
-              <a:t>15.11.2022 г.</a:t>
+              <a:t>10.12.2022 г.</a:t>
             </a:fld>
             <a:endParaRPr lang="bg-BG"/>
           </a:p>
@@ -2108,7 +2108,7 @@
           <a:p>
             <a:fld id="{4346FDB3-09F2-4348-8F47-4013D9DCE7EC}" type="datetimeFigureOut">
               <a:rPr lang="bg-BG" smtClean="0"/>
-              <a:t>15.11.2022 г.</a:t>
+              <a:t>10.12.2022 г.</a:t>
             </a:fld>
             <a:endParaRPr lang="bg-BG"/>
           </a:p>
@@ -2365,7 +2365,7 @@
           <a:p>
             <a:fld id="{4346FDB3-09F2-4348-8F47-4013D9DCE7EC}" type="datetimeFigureOut">
               <a:rPr lang="bg-BG" smtClean="0"/>
-              <a:t>15.11.2022 г.</a:t>
+              <a:t>10.12.2022 г.</a:t>
             </a:fld>
             <a:endParaRPr lang="bg-BG"/>
           </a:p>
@@ -2578,7 +2578,7 @@
           <a:p>
             <a:fld id="{4346FDB3-09F2-4348-8F47-4013D9DCE7EC}" type="datetimeFigureOut">
               <a:rPr lang="bg-BG" smtClean="0"/>
-              <a:t>15.11.2022 г.</a:t>
+              <a:t>10.12.2022 г.</a:t>
             </a:fld>
             <a:endParaRPr lang="bg-BG"/>
           </a:p>
@@ -6768,7 +6768,241 @@
                   </a:schemeClr>
                 </a:solidFill>
               </a:rPr>
-              <a:t>value, min</a:t>
+              <a:t>value, min, max</a:t>
+            </a:r>
+            <a:r>
+              <a:rPr lang="fr-FR" sz="1100" b="0" dirty="0">
+                <a:solidFill>
+                  <a:schemeClr val="tx1"/>
+                </a:solidFill>
+              </a:rPr>
+              <a:t>)</a:t>
+            </a:r>
+          </a:p>
+          <a:p>
+            <a:r>
+              <a:rPr lang="fr-FR" sz="1100" dirty="0" err="1">
+                <a:solidFill>
+                  <a:schemeClr val="tx1"/>
+                </a:solidFill>
+              </a:rPr>
+              <a:t>random</a:t>
+            </a:r>
+            <a:r>
+              <a:rPr lang="fr-FR" sz="1100" b="0" dirty="0">
+                <a:solidFill>
+                  <a:schemeClr val="tx1"/>
+                </a:solidFill>
+              </a:rPr>
+              <a:t> (</a:t>
+            </a:r>
+            <a:r>
+              <a:rPr lang="fr-FR" sz="1100" b="0" dirty="0" err="1">
+                <a:solidFill>
+                  <a:schemeClr val="tx1">
+                    <a:lumMod val="50000"/>
+                    <a:lumOff val="50000"/>
+                  </a:schemeClr>
+                </a:solidFill>
+              </a:rPr>
+              <a:t>from</a:t>
+            </a:r>
+            <a:r>
+              <a:rPr lang="fr-FR" sz="1100" b="0" dirty="0">
+                <a:solidFill>
+                  <a:schemeClr val="tx1"/>
+                </a:solidFill>
+              </a:rPr>
+              <a:t>, </a:t>
+            </a:r>
+            <a:r>
+              <a:rPr lang="fr-FR" sz="1100" b="0" dirty="0">
+                <a:solidFill>
+                  <a:schemeClr val="tx1">
+                    <a:lumMod val="50000"/>
+                    <a:lumOff val="50000"/>
+                  </a:schemeClr>
+                </a:solidFill>
+              </a:rPr>
+              <a:t>to</a:t>
+            </a:r>
+            <a:r>
+              <a:rPr lang="fr-FR" sz="1100" b="0" dirty="0">
+                <a:solidFill>
+                  <a:schemeClr val="tx1"/>
+                </a:solidFill>
+              </a:rPr>
+              <a:t>)</a:t>
+            </a:r>
+          </a:p>
+          <a:p>
+            <a:r>
+              <a:rPr lang="fr-FR" sz="1100" dirty="0" err="1">
+                <a:solidFill>
+                  <a:schemeClr val="tx1"/>
+                </a:solidFill>
+              </a:rPr>
+              <a:t>random</a:t>
+            </a:r>
+            <a:r>
+              <a:rPr lang="fr-FR" sz="1100" b="0" dirty="0">
+                <a:solidFill>
+                  <a:schemeClr val="tx1"/>
+                </a:solidFill>
+              </a:rPr>
+              <a:t> ([</a:t>
+            </a:r>
+            <a:r>
+              <a:rPr lang="fr-FR" sz="1100" b="0" dirty="0">
+                <a:solidFill>
+                  <a:schemeClr val="tx1">
+                    <a:lumMod val="50000"/>
+                    <a:lumOff val="50000"/>
+                  </a:schemeClr>
+                </a:solidFill>
+              </a:rPr>
+              <a:t>value</a:t>
+            </a:r>
+            <a:r>
+              <a:rPr lang="fr-FR" sz="1100" b="0" dirty="0">
+                <a:solidFill>
+                  <a:schemeClr val="tx1"/>
+                </a:solidFill>
+              </a:rPr>
+              <a:t>,</a:t>
+            </a:r>
+            <a:r>
+              <a:rPr lang="fr-FR" sz="1100" b="0" dirty="0">
+                <a:solidFill>
+                  <a:schemeClr val="tx1">
+                    <a:lumMod val="50000"/>
+                    <a:lumOff val="50000"/>
+                  </a:schemeClr>
+                </a:solidFill>
+              </a:rPr>
+              <a:t>…</a:t>
+            </a:r>
+            <a:r>
+              <a:rPr lang="fr-FR" sz="1100" b="0" dirty="0">
+                <a:solidFill>
+                  <a:schemeClr val="tx1"/>
+                </a:solidFill>
+              </a:rPr>
+              <a:t>])</a:t>
+            </a:r>
+          </a:p>
+          <a:p>
+            <a:r>
+              <a:rPr lang="fr-FR" sz="1100" dirty="0" err="1">
+                <a:solidFill>
+                  <a:schemeClr val="tx1"/>
+                </a:solidFill>
+              </a:rPr>
+              <a:t>randomIn</a:t>
+            </a:r>
+            <a:r>
+              <a:rPr lang="fr-FR" sz="1100" b="0" dirty="0">
+                <a:solidFill>
+                  <a:schemeClr val="tx1"/>
+                </a:solidFill>
+              </a:rPr>
+              <a:t> (</a:t>
+            </a:r>
+            <a:r>
+              <a:rPr lang="fr-FR" sz="1100" b="0" dirty="0" err="1">
+                <a:solidFill>
+                  <a:schemeClr val="tx1">
+                    <a:lumMod val="50000"/>
+                    <a:lumOff val="50000"/>
+                  </a:schemeClr>
+                </a:solidFill>
+              </a:rPr>
+              <a:t>object</a:t>
+            </a:r>
+            <a:r>
+              <a:rPr lang="fr-FR" sz="1100" b="0" dirty="0">
+                <a:solidFill>
+                  <a:schemeClr val="tx1"/>
+                </a:solidFill>
+              </a:rPr>
+              <a:t>)</a:t>
+            </a:r>
+          </a:p>
+          <a:p>
+            <a:r>
+              <a:rPr lang="fr-FR" sz="1100" dirty="0" err="1">
+                <a:solidFill>
+                  <a:schemeClr val="tx1"/>
+                </a:solidFill>
+              </a:rPr>
+              <a:t>randomOn</a:t>
+            </a:r>
+            <a:r>
+              <a:rPr lang="fr-FR" sz="1100" b="0" dirty="0">
+                <a:solidFill>
+                  <a:schemeClr val="tx1"/>
+                </a:solidFill>
+              </a:rPr>
+              <a:t> (</a:t>
+            </a:r>
+            <a:r>
+              <a:rPr lang="fr-FR" sz="1100" b="0" dirty="0" err="1">
+                <a:solidFill>
+                  <a:schemeClr val="tx1">
+                    <a:lumMod val="50000"/>
+                    <a:lumOff val="50000"/>
+                  </a:schemeClr>
+                </a:solidFill>
+              </a:rPr>
+              <a:t>object</a:t>
+            </a:r>
+            <a:r>
+              <a:rPr lang="fr-FR" sz="1100" b="0" dirty="0">
+                <a:solidFill>
+                  <a:schemeClr val="tx1"/>
+                </a:solidFill>
+              </a:rPr>
+              <a:t>)</a:t>
+            </a:r>
+          </a:p>
+          <a:p>
+            <a:r>
+              <a:rPr lang="fr-FR" sz="1100" dirty="0" err="1">
+                <a:solidFill>
+                  <a:schemeClr val="tx1"/>
+                </a:solidFill>
+              </a:rPr>
+              <a:t>focusOn</a:t>
+            </a:r>
+            <a:r>
+              <a:rPr lang="fr-FR" sz="1100" b="0" dirty="0">
+                <a:solidFill>
+                  <a:schemeClr val="tx1"/>
+                </a:solidFill>
+              </a:rPr>
+              <a:t> (</a:t>
+            </a:r>
+            <a:r>
+              <a:rPr lang="fr-FR" sz="1100" b="0" dirty="0" err="1">
+                <a:solidFill>
+                  <a:schemeClr val="tx1">
+                    <a:lumMod val="50000"/>
+                    <a:lumOff val="50000"/>
+                  </a:schemeClr>
+                </a:solidFill>
+              </a:rPr>
+              <a:t>object</a:t>
+            </a:r>
+            <a:r>
+              <a:rPr lang="fr-FR" sz="1100" b="0" dirty="0">
+                <a:solidFill>
+                  <a:schemeClr val="tx1">
+                    <a:lumMod val="50000"/>
+                    <a:lumOff val="50000"/>
+                  </a:schemeClr>
+                </a:solidFill>
+              </a:rPr>
+              <a:t>, spin</a:t>
             </a:r>
             <a:r>
               <a:rPr lang="fr-FR" sz="1100" b="0">
@@ -6779,7 +7013,7 @@
                   </a:schemeClr>
                 </a:solidFill>
               </a:rPr>
-              <a:t>, max</a:t>
+              <a:t>, axis</a:t>
             </a:r>
             <a:r>
               <a:rPr lang="fr-FR" sz="1100" b="0">
@@ -6794,192 +7028,6 @@
                 <a:schemeClr val="tx1"/>
               </a:solidFill>
             </a:endParaRPr>
-          </a:p>
-          <a:p>
-            <a:r>
-              <a:rPr lang="fr-FR" sz="1100" dirty="0" err="1">
-                <a:solidFill>
-                  <a:schemeClr val="tx1"/>
-                </a:solidFill>
-              </a:rPr>
-              <a:t>random</a:t>
-            </a:r>
-            <a:r>
-              <a:rPr lang="fr-FR" sz="1100" b="0" dirty="0">
-                <a:solidFill>
-                  <a:schemeClr val="tx1"/>
-                </a:solidFill>
-              </a:rPr>
-              <a:t> (</a:t>
-            </a:r>
-            <a:r>
-              <a:rPr lang="fr-FR" sz="1100" b="0" dirty="0" err="1">
-                <a:solidFill>
-                  <a:schemeClr val="tx1">
-                    <a:lumMod val="50000"/>
-                    <a:lumOff val="50000"/>
-                  </a:schemeClr>
-                </a:solidFill>
-              </a:rPr>
-              <a:t>from</a:t>
-            </a:r>
-            <a:r>
-              <a:rPr lang="fr-FR" sz="1100" b="0" dirty="0">
-                <a:solidFill>
-                  <a:schemeClr val="tx1"/>
-                </a:solidFill>
-              </a:rPr>
-              <a:t>, </a:t>
-            </a:r>
-            <a:r>
-              <a:rPr lang="fr-FR" sz="1100" b="0" dirty="0">
-                <a:solidFill>
-                  <a:schemeClr val="tx1">
-                    <a:lumMod val="50000"/>
-                    <a:lumOff val="50000"/>
-                  </a:schemeClr>
-                </a:solidFill>
-              </a:rPr>
-              <a:t>to</a:t>
-            </a:r>
-            <a:r>
-              <a:rPr lang="fr-FR" sz="1100" b="0" dirty="0">
-                <a:solidFill>
-                  <a:schemeClr val="tx1"/>
-                </a:solidFill>
-              </a:rPr>
-              <a:t>)</a:t>
-            </a:r>
-          </a:p>
-          <a:p>
-            <a:r>
-              <a:rPr lang="fr-FR" sz="1100" dirty="0" err="1">
-                <a:solidFill>
-                  <a:schemeClr val="tx1"/>
-                </a:solidFill>
-              </a:rPr>
-              <a:t>random</a:t>
-            </a:r>
-            <a:r>
-              <a:rPr lang="fr-FR" sz="1100" b="0" dirty="0">
-                <a:solidFill>
-                  <a:schemeClr val="tx1"/>
-                </a:solidFill>
-              </a:rPr>
-              <a:t> ([</a:t>
-            </a:r>
-            <a:r>
-              <a:rPr lang="fr-FR" sz="1100" b="0" dirty="0">
-                <a:solidFill>
-                  <a:schemeClr val="tx1">
-                    <a:lumMod val="50000"/>
-                    <a:lumOff val="50000"/>
-                  </a:schemeClr>
-                </a:solidFill>
-              </a:rPr>
-              <a:t>value</a:t>
-            </a:r>
-            <a:r>
-              <a:rPr lang="fr-FR" sz="1100" b="0" dirty="0">
-                <a:solidFill>
-                  <a:schemeClr val="tx1"/>
-                </a:solidFill>
-              </a:rPr>
-              <a:t>,</a:t>
-            </a:r>
-            <a:r>
-              <a:rPr lang="fr-FR" sz="1100" b="0" dirty="0">
-                <a:solidFill>
-                  <a:schemeClr val="tx1">
-                    <a:lumMod val="50000"/>
-                    <a:lumOff val="50000"/>
-                  </a:schemeClr>
-                </a:solidFill>
-              </a:rPr>
-              <a:t>…</a:t>
-            </a:r>
-            <a:r>
-              <a:rPr lang="fr-FR" sz="1100" b="0" dirty="0">
-                <a:solidFill>
-                  <a:schemeClr val="tx1"/>
-                </a:solidFill>
-              </a:rPr>
-              <a:t>])</a:t>
-            </a:r>
-          </a:p>
-          <a:p>
-            <a:r>
-              <a:rPr lang="fr-FR" sz="1100" dirty="0" err="1">
-                <a:solidFill>
-                  <a:schemeClr val="tx1"/>
-                </a:solidFill>
-              </a:rPr>
-              <a:t>randomIn</a:t>
-            </a:r>
-            <a:r>
-              <a:rPr lang="fr-FR" sz="1100" b="0" dirty="0">
-                <a:solidFill>
-                  <a:schemeClr val="tx1"/>
-                </a:solidFill>
-              </a:rPr>
-              <a:t> (</a:t>
-            </a:r>
-            <a:r>
-              <a:rPr lang="fr-FR" sz="1100" b="0" dirty="0" err="1">
-                <a:solidFill>
-                  <a:schemeClr val="tx1">
-                    <a:lumMod val="50000"/>
-                    <a:lumOff val="50000"/>
-                  </a:schemeClr>
-                </a:solidFill>
-              </a:rPr>
-              <a:t>object</a:t>
-            </a:r>
-            <a:r>
-              <a:rPr lang="fr-FR" sz="1100" b="0" dirty="0">
-                <a:solidFill>
-                  <a:schemeClr val="tx1"/>
-                </a:solidFill>
-              </a:rPr>
-              <a:t>)</a:t>
-            </a:r>
-          </a:p>
-          <a:p>
-            <a:r>
-              <a:rPr lang="fr-FR" sz="1100" dirty="0" err="1">
-                <a:solidFill>
-                  <a:schemeClr val="tx1"/>
-                </a:solidFill>
-              </a:rPr>
-              <a:t>randomOn</a:t>
-            </a:r>
-            <a:r>
-              <a:rPr lang="fr-FR" sz="1100" b="0" dirty="0">
-                <a:solidFill>
-                  <a:schemeClr val="tx1"/>
-                </a:solidFill>
-              </a:rPr>
-              <a:t> (</a:t>
-            </a:r>
-            <a:r>
-              <a:rPr lang="fr-FR" sz="1100" b="0" dirty="0" err="1">
-                <a:solidFill>
-                  <a:schemeClr val="tx1">
-                    <a:lumMod val="50000"/>
-                    <a:lumOff val="50000"/>
-                  </a:schemeClr>
-                </a:solidFill>
-              </a:rPr>
-              <a:t>object</a:t>
-            </a:r>
-            <a:r>
-              <a:rPr lang="fr-FR" sz="1100" b="0" dirty="0">
-                <a:solidFill>
-                  <a:schemeClr val="tx1"/>
-                </a:solidFill>
-              </a:rPr>
-              <a:t>)</a:t>
-            </a:r>
           </a:p>
           <a:p>
             <a:endParaRPr lang="fr-FR" sz="1100" b="0" dirty="0">

--- a/docs/cheat-sheet.pptx
+++ b/docs/cheat-sheet.pptx
@@ -255,7 +255,7 @@
           <a:p>
             <a:fld id="{4346FDB3-09F2-4348-8F47-4013D9DCE7EC}" type="datetimeFigureOut">
               <a:rPr lang="bg-BG" smtClean="0"/>
-              <a:t>10.12.2022 г.</a:t>
+              <a:t>13.2.2023 г.</a:t>
             </a:fld>
             <a:endParaRPr lang="bg-BG"/>
           </a:p>
@@ -425,7 +425,7 @@
           <a:p>
             <a:fld id="{4346FDB3-09F2-4348-8F47-4013D9DCE7EC}" type="datetimeFigureOut">
               <a:rPr lang="bg-BG" smtClean="0"/>
-              <a:t>10.12.2022 г.</a:t>
+              <a:t>13.2.2023 г.</a:t>
             </a:fld>
             <a:endParaRPr lang="bg-BG"/>
           </a:p>
@@ -605,7 +605,7 @@
           <a:p>
             <a:fld id="{4346FDB3-09F2-4348-8F47-4013D9DCE7EC}" type="datetimeFigureOut">
               <a:rPr lang="bg-BG" smtClean="0"/>
-              <a:t>10.12.2022 г.</a:t>
+              <a:t>13.2.2023 г.</a:t>
             </a:fld>
             <a:endParaRPr lang="bg-BG"/>
           </a:p>
@@ -775,7 +775,7 @@
           <a:p>
             <a:fld id="{4346FDB3-09F2-4348-8F47-4013D9DCE7EC}" type="datetimeFigureOut">
               <a:rPr lang="bg-BG" smtClean="0"/>
-              <a:t>10.12.2022 г.</a:t>
+              <a:t>13.2.2023 г.</a:t>
             </a:fld>
             <a:endParaRPr lang="bg-BG"/>
           </a:p>
@@ -1019,7 +1019,7 @@
           <a:p>
             <a:fld id="{4346FDB3-09F2-4348-8F47-4013D9DCE7EC}" type="datetimeFigureOut">
               <a:rPr lang="bg-BG" smtClean="0"/>
-              <a:t>10.12.2022 г.</a:t>
+              <a:t>13.2.2023 г.</a:t>
             </a:fld>
             <a:endParaRPr lang="bg-BG"/>
           </a:p>
@@ -1251,7 +1251,7 @@
           <a:p>
             <a:fld id="{4346FDB3-09F2-4348-8F47-4013D9DCE7EC}" type="datetimeFigureOut">
               <a:rPr lang="bg-BG" smtClean="0"/>
-              <a:t>10.12.2022 г.</a:t>
+              <a:t>13.2.2023 г.</a:t>
             </a:fld>
             <a:endParaRPr lang="bg-BG"/>
           </a:p>
@@ -1618,7 +1618,7 @@
           <a:p>
             <a:fld id="{4346FDB3-09F2-4348-8F47-4013D9DCE7EC}" type="datetimeFigureOut">
               <a:rPr lang="bg-BG" smtClean="0"/>
-              <a:t>10.12.2022 г.</a:t>
+              <a:t>13.2.2023 г.</a:t>
             </a:fld>
             <a:endParaRPr lang="bg-BG"/>
           </a:p>
@@ -1736,7 +1736,7 @@
           <a:p>
             <a:fld id="{4346FDB3-09F2-4348-8F47-4013D9DCE7EC}" type="datetimeFigureOut">
               <a:rPr lang="bg-BG" smtClean="0"/>
-              <a:t>10.12.2022 г.</a:t>
+              <a:t>13.2.2023 г.</a:t>
             </a:fld>
             <a:endParaRPr lang="bg-BG"/>
           </a:p>
@@ -1831,7 +1831,7 @@
           <a:p>
             <a:fld id="{4346FDB3-09F2-4348-8F47-4013D9DCE7EC}" type="datetimeFigureOut">
               <a:rPr lang="bg-BG" smtClean="0"/>
-              <a:t>10.12.2022 г.</a:t>
+              <a:t>13.2.2023 г.</a:t>
             </a:fld>
             <a:endParaRPr lang="bg-BG"/>
           </a:p>
@@ -2108,7 +2108,7 @@
           <a:p>
             <a:fld id="{4346FDB3-09F2-4348-8F47-4013D9DCE7EC}" type="datetimeFigureOut">
               <a:rPr lang="bg-BG" smtClean="0"/>
-              <a:t>10.12.2022 г.</a:t>
+              <a:t>13.2.2023 г.</a:t>
             </a:fld>
             <a:endParaRPr lang="bg-BG"/>
           </a:p>
@@ -2365,7 +2365,7 @@
           <a:p>
             <a:fld id="{4346FDB3-09F2-4348-8F47-4013D9DCE7EC}" type="datetimeFigureOut">
               <a:rPr lang="bg-BG" smtClean="0"/>
-              <a:t>10.12.2022 г.</a:t>
+              <a:t>13.2.2023 г.</a:t>
             </a:fld>
             <a:endParaRPr lang="bg-BG"/>
           </a:p>
@@ -2578,7 +2578,7 @@
           <a:p>
             <a:fld id="{4346FDB3-09F2-4348-8F47-4013D9DCE7EC}" type="datetimeFigureOut">
               <a:rPr lang="bg-BG" smtClean="0"/>
-              <a:t>10.12.2022 г.</a:t>
+              <a:t>13.2.2023 г.</a:t>
             </a:fld>
             <a:endParaRPr lang="bg-BG"/>
           </a:p>
@@ -6972,7 +6972,7 @@
                   <a:schemeClr val="tx1"/>
                 </a:solidFill>
               </a:rPr>
-              <a:t>focusOn</a:t>
+              <a:t>lookAt</a:t>
             </a:r>
             <a:r>
               <a:rPr lang="fr-FR" sz="1100" b="0" dirty="0">
@@ -7002,32 +7002,16 @@
                   </a:schemeClr>
                 </a:solidFill>
               </a:rPr>
-              <a:t>, spin</a:t>
-            </a:r>
-            <a:r>
-              <a:rPr lang="fr-FR" sz="1100" b="0">
-                <a:solidFill>
-                  <a:schemeClr val="tx1">
-                    <a:lumMod val="50000"/>
-                    <a:lumOff val="50000"/>
-                  </a:schemeClr>
-                </a:solidFill>
-              </a:rPr>
-              <a:t>, axis</a:t>
-            </a:r>
-            <a:r>
-              <a:rPr lang="fr-FR" sz="1100" b="0">
+              <a:t>, spin, axis</a:t>
+            </a:r>
+            <a:r>
+              <a:rPr lang="fr-FR" sz="1100" b="0" dirty="0">
                 <a:solidFill>
                   <a:schemeClr val="tx1"/>
                 </a:solidFill>
               </a:rPr>
               <a:t>)</a:t>
             </a:r>
-            <a:endParaRPr lang="fr-FR" sz="1100" b="0" dirty="0">
-              <a:solidFill>
-                <a:schemeClr val="tx1"/>
-              </a:solidFill>
-            </a:endParaRPr>
           </a:p>
           <a:p>
             <a:endParaRPr lang="fr-FR" sz="1100" b="0" dirty="0">

--- a/docs/cheat-sheet.pptx
+++ b/docs/cheat-sheet.pptx
@@ -255,7 +255,7 @@
           <a:p>
             <a:fld id="{4346FDB3-09F2-4348-8F47-4013D9DCE7EC}" type="datetimeFigureOut">
               <a:rPr lang="bg-BG" smtClean="0"/>
-              <a:t>13.2.2023 г.</a:t>
+              <a:t>10.11.2023 г.</a:t>
             </a:fld>
             <a:endParaRPr lang="bg-BG"/>
           </a:p>
@@ -425,7 +425,7 @@
           <a:p>
             <a:fld id="{4346FDB3-09F2-4348-8F47-4013D9DCE7EC}" type="datetimeFigureOut">
               <a:rPr lang="bg-BG" smtClean="0"/>
-              <a:t>13.2.2023 г.</a:t>
+              <a:t>10.11.2023 г.</a:t>
             </a:fld>
             <a:endParaRPr lang="bg-BG"/>
           </a:p>
@@ -605,7 +605,7 @@
           <a:p>
             <a:fld id="{4346FDB3-09F2-4348-8F47-4013D9DCE7EC}" type="datetimeFigureOut">
               <a:rPr lang="bg-BG" smtClean="0"/>
-              <a:t>13.2.2023 г.</a:t>
+              <a:t>10.11.2023 г.</a:t>
             </a:fld>
             <a:endParaRPr lang="bg-BG"/>
           </a:p>
@@ -775,7 +775,7 @@
           <a:p>
             <a:fld id="{4346FDB3-09F2-4348-8F47-4013D9DCE7EC}" type="datetimeFigureOut">
               <a:rPr lang="bg-BG" smtClean="0"/>
-              <a:t>13.2.2023 г.</a:t>
+              <a:t>10.11.2023 г.</a:t>
             </a:fld>
             <a:endParaRPr lang="bg-BG"/>
           </a:p>
@@ -1019,7 +1019,7 @@
           <a:p>
             <a:fld id="{4346FDB3-09F2-4348-8F47-4013D9DCE7EC}" type="datetimeFigureOut">
               <a:rPr lang="bg-BG" smtClean="0"/>
-              <a:t>13.2.2023 г.</a:t>
+              <a:t>10.11.2023 г.</a:t>
             </a:fld>
             <a:endParaRPr lang="bg-BG"/>
           </a:p>
@@ -1251,7 +1251,7 @@
           <a:p>
             <a:fld id="{4346FDB3-09F2-4348-8F47-4013D9DCE7EC}" type="datetimeFigureOut">
               <a:rPr lang="bg-BG" smtClean="0"/>
-              <a:t>13.2.2023 г.</a:t>
+              <a:t>10.11.2023 г.</a:t>
             </a:fld>
             <a:endParaRPr lang="bg-BG"/>
           </a:p>
@@ -1618,7 +1618,7 @@
           <a:p>
             <a:fld id="{4346FDB3-09F2-4348-8F47-4013D9DCE7EC}" type="datetimeFigureOut">
               <a:rPr lang="bg-BG" smtClean="0"/>
-              <a:t>13.2.2023 г.</a:t>
+              <a:t>10.11.2023 г.</a:t>
             </a:fld>
             <a:endParaRPr lang="bg-BG"/>
           </a:p>
@@ -1736,7 +1736,7 @@
           <a:p>
             <a:fld id="{4346FDB3-09F2-4348-8F47-4013D9DCE7EC}" type="datetimeFigureOut">
               <a:rPr lang="bg-BG" smtClean="0"/>
-              <a:t>13.2.2023 г.</a:t>
+              <a:t>10.11.2023 г.</a:t>
             </a:fld>
             <a:endParaRPr lang="bg-BG"/>
           </a:p>
@@ -1831,7 +1831,7 @@
           <a:p>
             <a:fld id="{4346FDB3-09F2-4348-8F47-4013D9DCE7EC}" type="datetimeFigureOut">
               <a:rPr lang="bg-BG" smtClean="0"/>
-              <a:t>13.2.2023 г.</a:t>
+              <a:t>10.11.2023 г.</a:t>
             </a:fld>
             <a:endParaRPr lang="bg-BG"/>
           </a:p>
@@ -2108,7 +2108,7 @@
           <a:p>
             <a:fld id="{4346FDB3-09F2-4348-8F47-4013D9DCE7EC}" type="datetimeFigureOut">
               <a:rPr lang="bg-BG" smtClean="0"/>
-              <a:t>13.2.2023 г.</a:t>
+              <a:t>10.11.2023 г.</a:t>
             </a:fld>
             <a:endParaRPr lang="bg-BG"/>
           </a:p>
@@ -2365,7 +2365,7 @@
           <a:p>
             <a:fld id="{4346FDB3-09F2-4348-8F47-4013D9DCE7EC}" type="datetimeFigureOut">
               <a:rPr lang="bg-BG" smtClean="0"/>
-              <a:t>13.2.2023 г.</a:t>
+              <a:t>10.11.2023 г.</a:t>
             </a:fld>
             <a:endParaRPr lang="bg-BG"/>
           </a:p>
@@ -2578,7 +2578,7 @@
           <a:p>
             <a:fld id="{4346FDB3-09F2-4348-8F47-4013D9DCE7EC}" type="datetimeFigureOut">
               <a:rPr lang="bg-BG" smtClean="0"/>
-              <a:t>13.2.2023 г.</a:t>
+              <a:t>10.11.2023 г.</a:t>
             </a:fld>
             <a:endParaRPr lang="bg-BG"/>
           </a:p>
@@ -8613,6 +8613,24 @@
             </a:r>
           </a:p>
           <a:p>
+            <a:r>
+              <a:rPr lang="en-US" sz="1100" dirty="0" err="1">
+                <a:solidFill>
+                  <a:schemeClr val="tx1"/>
+                </a:solidFill>
+              </a:rPr>
+              <a:t>newSuica</a:t>
+            </a:r>
+            <a:r>
+              <a:rPr lang="fr-FR" sz="1100" b="0" dirty="0">
+                <a:solidFill>
+                  <a:schemeClr val="tx1"/>
+                </a:solidFill>
+              </a:rPr>
+              <a:t> ( )</a:t>
+            </a:r>
+          </a:p>
+          <a:p>
             <a:pPr lvl="0"/>
             <a:r>
               <a:rPr lang="fr-FR" sz="1100" dirty="0">

--- a/docs/cheat-sheet.pptx
+++ b/docs/cheat-sheet.pptx
@@ -255,7 +255,7 @@
           <a:p>
             <a:fld id="{4346FDB3-09F2-4348-8F47-4013D9DCE7EC}" type="datetimeFigureOut">
               <a:rPr lang="bg-BG" smtClean="0"/>
-              <a:t>10.11.2023 г.</a:t>
+              <a:t>15.9.2025 г.</a:t>
             </a:fld>
             <a:endParaRPr lang="bg-BG"/>
           </a:p>
@@ -425,7 +425,7 @@
           <a:p>
             <a:fld id="{4346FDB3-09F2-4348-8F47-4013D9DCE7EC}" type="datetimeFigureOut">
               <a:rPr lang="bg-BG" smtClean="0"/>
-              <a:t>10.11.2023 г.</a:t>
+              <a:t>15.9.2025 г.</a:t>
             </a:fld>
             <a:endParaRPr lang="bg-BG"/>
           </a:p>
@@ -605,7 +605,7 @@
           <a:p>
             <a:fld id="{4346FDB3-09F2-4348-8F47-4013D9DCE7EC}" type="datetimeFigureOut">
               <a:rPr lang="bg-BG" smtClean="0"/>
-              <a:t>10.11.2023 г.</a:t>
+              <a:t>15.9.2025 г.</a:t>
             </a:fld>
             <a:endParaRPr lang="bg-BG"/>
           </a:p>
@@ -775,7 +775,7 @@
           <a:p>
             <a:fld id="{4346FDB3-09F2-4348-8F47-4013D9DCE7EC}" type="datetimeFigureOut">
               <a:rPr lang="bg-BG" smtClean="0"/>
-              <a:t>10.11.2023 г.</a:t>
+              <a:t>15.9.2025 г.</a:t>
             </a:fld>
             <a:endParaRPr lang="bg-BG"/>
           </a:p>
@@ -1019,7 +1019,7 @@
           <a:p>
             <a:fld id="{4346FDB3-09F2-4348-8F47-4013D9DCE7EC}" type="datetimeFigureOut">
               <a:rPr lang="bg-BG" smtClean="0"/>
-              <a:t>10.11.2023 г.</a:t>
+              <a:t>15.9.2025 г.</a:t>
             </a:fld>
             <a:endParaRPr lang="bg-BG"/>
           </a:p>
@@ -1251,7 +1251,7 @@
           <a:p>
             <a:fld id="{4346FDB3-09F2-4348-8F47-4013D9DCE7EC}" type="datetimeFigureOut">
               <a:rPr lang="bg-BG" smtClean="0"/>
-              <a:t>10.11.2023 г.</a:t>
+              <a:t>15.9.2025 г.</a:t>
             </a:fld>
             <a:endParaRPr lang="bg-BG"/>
           </a:p>
@@ -1618,7 +1618,7 @@
           <a:p>
             <a:fld id="{4346FDB3-09F2-4348-8F47-4013D9DCE7EC}" type="datetimeFigureOut">
               <a:rPr lang="bg-BG" smtClean="0"/>
-              <a:t>10.11.2023 г.</a:t>
+              <a:t>15.9.2025 г.</a:t>
             </a:fld>
             <a:endParaRPr lang="bg-BG"/>
           </a:p>
@@ -1736,7 +1736,7 @@
           <a:p>
             <a:fld id="{4346FDB3-09F2-4348-8F47-4013D9DCE7EC}" type="datetimeFigureOut">
               <a:rPr lang="bg-BG" smtClean="0"/>
-              <a:t>10.11.2023 г.</a:t>
+              <a:t>15.9.2025 г.</a:t>
             </a:fld>
             <a:endParaRPr lang="bg-BG"/>
           </a:p>
@@ -1831,7 +1831,7 @@
           <a:p>
             <a:fld id="{4346FDB3-09F2-4348-8F47-4013D9DCE7EC}" type="datetimeFigureOut">
               <a:rPr lang="bg-BG" smtClean="0"/>
-              <a:t>10.11.2023 г.</a:t>
+              <a:t>15.9.2025 г.</a:t>
             </a:fld>
             <a:endParaRPr lang="bg-BG"/>
           </a:p>
@@ -2108,7 +2108,7 @@
           <a:p>
             <a:fld id="{4346FDB3-09F2-4348-8F47-4013D9DCE7EC}" type="datetimeFigureOut">
               <a:rPr lang="bg-BG" smtClean="0"/>
-              <a:t>10.11.2023 г.</a:t>
+              <a:t>15.9.2025 г.</a:t>
             </a:fld>
             <a:endParaRPr lang="bg-BG"/>
           </a:p>
@@ -2365,7 +2365,7 @@
           <a:p>
             <a:fld id="{4346FDB3-09F2-4348-8F47-4013D9DCE7EC}" type="datetimeFigureOut">
               <a:rPr lang="bg-BG" smtClean="0"/>
-              <a:t>10.11.2023 г.</a:t>
+              <a:t>15.9.2025 г.</a:t>
             </a:fld>
             <a:endParaRPr lang="bg-BG"/>
           </a:p>
@@ -2578,7 +2578,7 @@
           <a:p>
             <a:fld id="{4346FDB3-09F2-4348-8F47-4013D9DCE7EC}" type="datetimeFigureOut">
               <a:rPr lang="bg-BG" smtClean="0"/>
-              <a:t>10.11.2023 г.</a:t>
+              <a:t>15.9.2025 г.</a:t>
             </a:fld>
             <a:endParaRPr lang="bg-BG"/>
           </a:p>
@@ -6003,7 +6003,7 @@
                   <a:schemeClr val="tx1"/>
                 </a:solidFill>
               </a:rPr>
-              <a:t>Suica 2.0 </a:t>
+              <a:t>Suica 3.0 </a:t>
             </a:r>
             <a:r>
               <a:rPr lang="en-GB" sz="1600" b="0" dirty="0">
@@ -9376,7 +9376,7 @@
                   </a:schemeClr>
                 </a:solidFill>
               </a:rPr>
-              <a:t>skipframes</a:t>
+              <a:t>skipTime</a:t>
             </a:r>
             <a:r>
               <a:rPr lang="fr-FR" sz="1100" b="0" dirty="0">
@@ -18090,7 +18090,7 @@
                   <a:schemeClr val="tx1"/>
                 </a:solidFill>
               </a:rPr>
-              <a:t>Suica 2.0 </a:t>
+              <a:t>Suica 3.0 </a:t>
             </a:r>
             <a:r>
               <a:rPr lang="en-GB" sz="1600" b="0" dirty="0">
